--- a/MSFT_Azure/Microsoft Azure.pptx
+++ b/MSFT_Azure/Microsoft Azure.pptx
@@ -5,22 +5,25 @@
     <p:sldMasterId id="2147483684" r:id="rId4"/>
   </p:sldMasterIdLst>
   <p:notesMasterIdLst>
-    <p:notesMasterId r:id="rId15"/>
+    <p:notesMasterId r:id="rId18"/>
   </p:notesMasterIdLst>
   <p:handoutMasterIdLst>
-    <p:handoutMasterId r:id="rId16"/>
+    <p:handoutMasterId r:id="rId19"/>
   </p:handoutMasterIdLst>
   <p:sldIdLst>
     <p:sldId id="257" r:id="rId5"/>
     <p:sldId id="317" r:id="rId6"/>
     <p:sldId id="392" r:id="rId7"/>
-    <p:sldId id="278" r:id="rId8"/>
-    <p:sldId id="279" r:id="rId9"/>
-    <p:sldId id="272" r:id="rId10"/>
-    <p:sldId id="270" r:id="rId11"/>
-    <p:sldId id="281" r:id="rId12"/>
-    <p:sldId id="321" r:id="rId13"/>
-    <p:sldId id="391" r:id="rId14"/>
+    <p:sldId id="395" r:id="rId8"/>
+    <p:sldId id="393" r:id="rId9"/>
+    <p:sldId id="394" r:id="rId10"/>
+    <p:sldId id="278" r:id="rId11"/>
+    <p:sldId id="279" r:id="rId12"/>
+    <p:sldId id="272" r:id="rId13"/>
+    <p:sldId id="270" r:id="rId14"/>
+    <p:sldId id="281" r:id="rId15"/>
+    <p:sldId id="321" r:id="rId16"/>
+    <p:sldId id="391" r:id="rId17"/>
   </p:sldIdLst>
   <p:sldSz cx="12192000" cy="6858000"/>
   <p:notesSz cx="6858000" cy="9144000"/>
@@ -4609,7 +4612,7 @@
           <a:p>
             <a:fld id="{C17F2C1D-F243-42AB-ADF2-E7CB4E04900E}" type="datetimeFigureOut">
               <a:rPr lang="en-US" smtClean="0"/>
-              <a:t>7/4/2022</a:t>
+              <a:t>7/5/2022</a:t>
             </a:fld>
             <a:endParaRPr lang="en-US"/>
           </a:p>
@@ -4786,7 +4789,7 @@
           <a:p>
             <a:fld id="{020CE34E-5667-4A32-A6BA-10C7A552BC63}" type="datetimeFigureOut">
               <a:rPr lang="en-US" smtClean="0"/>
-              <a:t>7/4/2022</a:t>
+              <a:t>7/5/2022</a:t>
             </a:fld>
             <a:endParaRPr lang="en-US"/>
           </a:p>
@@ -5349,7 +5352,7 @@
           <a:bodyPr/>
           <a:lstStyle/>
           <a:p>
-            <a:endParaRPr lang="en-US"/>
+            <a:endParaRPr lang="en-US" dirty="0"/>
           </a:p>
         </p:txBody>
       </p:sp>
@@ -5360,7 +5363,7 @@
             <a:spLocks noGrp="1"/>
           </p:cNvSpPr>
           <p:nvPr>
-            <p:ph type="sldNum" sz="quarter" idx="10"/>
+            <p:ph type="sldNum" sz="quarter" idx="5"/>
           </p:nvPr>
         </p:nvSpPr>
         <p:spPr/>
@@ -5368,9 +5371,9 @@
           <a:bodyPr/>
           <a:lstStyle/>
           <a:p>
-            <a:fld id="{32DC0559-D619-4E56-BF6F-3712370C2150}" type="slidenum">
+            <a:fld id="{1983A999-5E0E-42CA-8400-604AE921FF7C}" type="slidenum">
               <a:rPr lang="en-US" smtClean="0"/>
-              <a:t>6</a:t>
+              <a:t>4</a:t>
             </a:fld>
             <a:endParaRPr lang="en-US"/>
           </a:p>
@@ -5379,7 +5382,7 @@
     </p:spTree>
     <p:extLst>
       <p:ext uri="{BB962C8B-B14F-4D97-AF65-F5344CB8AC3E}">
-        <p14:creationId xmlns:p14="http://schemas.microsoft.com/office/powerpoint/2010/main" val="514541281"/>
+        <p14:creationId xmlns:p14="http://schemas.microsoft.com/office/powerpoint/2010/main" val="3451060739"/>
       </p:ext>
     </p:extLst>
   </p:cSld>
@@ -5454,7 +5457,7 @@
           <a:p>
             <a:fld id="{1983A999-5E0E-42CA-8400-604AE921FF7C}" type="slidenum">
               <a:rPr lang="en-US" smtClean="0"/>
-              <a:t>7</a:t>
+              <a:t>5</a:t>
             </a:fld>
             <a:endParaRPr lang="en-US"/>
           </a:p>
@@ -5463,7 +5466,7 @@
     </p:spTree>
     <p:extLst>
       <p:ext uri="{BB962C8B-B14F-4D97-AF65-F5344CB8AC3E}">
-        <p14:creationId xmlns:p14="http://schemas.microsoft.com/office/powerpoint/2010/main" val="404304175"/>
+        <p14:creationId xmlns:p14="http://schemas.microsoft.com/office/powerpoint/2010/main" val="540255490"/>
       </p:ext>
     </p:extLst>
   </p:cSld>
@@ -5538,7 +5541,259 @@
           <a:p>
             <a:fld id="{1983A999-5E0E-42CA-8400-604AE921FF7C}" type="slidenum">
               <a:rPr lang="en-US" smtClean="0"/>
+              <a:t>6</a:t>
+            </a:fld>
+            <a:endParaRPr lang="en-US"/>
+          </a:p>
+        </p:txBody>
+      </p:sp>
+    </p:spTree>
+    <p:extLst>
+      <p:ext uri="{BB962C8B-B14F-4D97-AF65-F5344CB8AC3E}">
+        <p14:creationId xmlns:p14="http://schemas.microsoft.com/office/powerpoint/2010/main" val="3742640134"/>
+      </p:ext>
+    </p:extLst>
+  </p:cSld>
+  <p:clrMapOvr>
+    <a:masterClrMapping/>
+  </p:clrMapOvr>
+</p:notes>
+</file>
+
+<file path=ppt/notesSlides/notesSlide7.xml><?xml version="1.0" encoding="utf-8"?>
+<p:notes xmlns:a="http://schemas.openxmlformats.org/drawingml/2006/main" xmlns:r="http://schemas.openxmlformats.org/officeDocument/2006/relationships" xmlns:p="http://schemas.openxmlformats.org/presentationml/2006/main">
+  <p:cSld>
+    <p:spTree>
+      <p:nvGrpSpPr>
+        <p:cNvPr id="1" name=""/>
+        <p:cNvGrpSpPr/>
+        <p:nvPr/>
+      </p:nvGrpSpPr>
+      <p:grpSpPr>
+        <a:xfrm>
+          <a:off x="0" y="0"/>
+          <a:ext cx="0" cy="0"/>
+          <a:chOff x="0" y="0"/>
+          <a:chExt cx="0" cy="0"/>
+        </a:xfrm>
+      </p:grpSpPr>
+      <p:sp>
+        <p:nvSpPr>
+          <p:cNvPr id="2" name="Slide Image Placeholder 1"/>
+          <p:cNvSpPr>
+            <a:spLocks noGrp="1" noRot="1" noChangeAspect="1"/>
+          </p:cNvSpPr>
+          <p:nvPr>
+            <p:ph type="sldImg"/>
+          </p:nvPr>
+        </p:nvSpPr>
+        <p:spPr/>
+      </p:sp>
+      <p:sp>
+        <p:nvSpPr>
+          <p:cNvPr id="3" name="Notes Placeholder 2"/>
+          <p:cNvSpPr>
+            <a:spLocks noGrp="1"/>
+          </p:cNvSpPr>
+          <p:nvPr>
+            <p:ph type="body" idx="1"/>
+          </p:nvPr>
+        </p:nvSpPr>
+        <p:spPr/>
+        <p:txBody>
+          <a:bodyPr/>
+          <a:lstStyle/>
+          <a:p>
+            <a:endParaRPr lang="en-US"/>
+          </a:p>
+        </p:txBody>
+      </p:sp>
+      <p:sp>
+        <p:nvSpPr>
+          <p:cNvPr id="4" name="Slide Number Placeholder 3"/>
+          <p:cNvSpPr>
+            <a:spLocks noGrp="1"/>
+          </p:cNvSpPr>
+          <p:nvPr>
+            <p:ph type="sldNum" sz="quarter" idx="10"/>
+          </p:nvPr>
+        </p:nvSpPr>
+        <p:spPr/>
+        <p:txBody>
+          <a:bodyPr/>
+          <a:lstStyle/>
+          <a:p>
+            <a:fld id="{32DC0559-D619-4E56-BF6F-3712370C2150}" type="slidenum">
+              <a:rPr lang="en-US" smtClean="0"/>
               <a:t>9</a:t>
+            </a:fld>
+            <a:endParaRPr lang="en-US"/>
+          </a:p>
+        </p:txBody>
+      </p:sp>
+    </p:spTree>
+    <p:extLst>
+      <p:ext uri="{BB962C8B-B14F-4D97-AF65-F5344CB8AC3E}">
+        <p14:creationId xmlns:p14="http://schemas.microsoft.com/office/powerpoint/2010/main" val="514541281"/>
+      </p:ext>
+    </p:extLst>
+  </p:cSld>
+  <p:clrMapOvr>
+    <a:masterClrMapping/>
+  </p:clrMapOvr>
+</p:notes>
+</file>
+
+<file path=ppt/notesSlides/notesSlide8.xml><?xml version="1.0" encoding="utf-8"?>
+<p:notes xmlns:a="http://schemas.openxmlformats.org/drawingml/2006/main" xmlns:r="http://schemas.openxmlformats.org/officeDocument/2006/relationships" xmlns:p="http://schemas.openxmlformats.org/presentationml/2006/main">
+  <p:cSld>
+    <p:spTree>
+      <p:nvGrpSpPr>
+        <p:cNvPr id="1" name=""/>
+        <p:cNvGrpSpPr/>
+        <p:nvPr/>
+      </p:nvGrpSpPr>
+      <p:grpSpPr>
+        <a:xfrm>
+          <a:off x="0" y="0"/>
+          <a:ext cx="0" cy="0"/>
+          <a:chOff x="0" y="0"/>
+          <a:chExt cx="0" cy="0"/>
+        </a:xfrm>
+      </p:grpSpPr>
+      <p:sp>
+        <p:nvSpPr>
+          <p:cNvPr id="2" name="Slide Image Placeholder 1"/>
+          <p:cNvSpPr>
+            <a:spLocks noGrp="1" noRot="1" noChangeAspect="1"/>
+          </p:cNvSpPr>
+          <p:nvPr>
+            <p:ph type="sldImg"/>
+          </p:nvPr>
+        </p:nvSpPr>
+        <p:spPr/>
+      </p:sp>
+      <p:sp>
+        <p:nvSpPr>
+          <p:cNvPr id="3" name="Notes Placeholder 2"/>
+          <p:cNvSpPr>
+            <a:spLocks noGrp="1"/>
+          </p:cNvSpPr>
+          <p:nvPr>
+            <p:ph type="body" idx="1"/>
+          </p:nvPr>
+        </p:nvSpPr>
+        <p:spPr/>
+        <p:txBody>
+          <a:bodyPr/>
+          <a:lstStyle/>
+          <a:p>
+            <a:endParaRPr lang="en-US" dirty="0"/>
+          </a:p>
+        </p:txBody>
+      </p:sp>
+      <p:sp>
+        <p:nvSpPr>
+          <p:cNvPr id="4" name="Slide Number Placeholder 3"/>
+          <p:cNvSpPr>
+            <a:spLocks noGrp="1"/>
+          </p:cNvSpPr>
+          <p:nvPr>
+            <p:ph type="sldNum" sz="quarter" idx="5"/>
+          </p:nvPr>
+        </p:nvSpPr>
+        <p:spPr/>
+        <p:txBody>
+          <a:bodyPr/>
+          <a:lstStyle/>
+          <a:p>
+            <a:fld id="{1983A999-5E0E-42CA-8400-604AE921FF7C}" type="slidenum">
+              <a:rPr lang="en-US" smtClean="0"/>
+              <a:t>10</a:t>
+            </a:fld>
+            <a:endParaRPr lang="en-US"/>
+          </a:p>
+        </p:txBody>
+      </p:sp>
+    </p:spTree>
+    <p:extLst>
+      <p:ext uri="{BB962C8B-B14F-4D97-AF65-F5344CB8AC3E}">
+        <p14:creationId xmlns:p14="http://schemas.microsoft.com/office/powerpoint/2010/main" val="404304175"/>
+      </p:ext>
+    </p:extLst>
+  </p:cSld>
+  <p:clrMapOvr>
+    <a:masterClrMapping/>
+  </p:clrMapOvr>
+</p:notes>
+</file>
+
+<file path=ppt/notesSlides/notesSlide9.xml><?xml version="1.0" encoding="utf-8"?>
+<p:notes xmlns:a="http://schemas.openxmlformats.org/drawingml/2006/main" xmlns:r="http://schemas.openxmlformats.org/officeDocument/2006/relationships" xmlns:p="http://schemas.openxmlformats.org/presentationml/2006/main">
+  <p:cSld>
+    <p:spTree>
+      <p:nvGrpSpPr>
+        <p:cNvPr id="1" name=""/>
+        <p:cNvGrpSpPr/>
+        <p:nvPr/>
+      </p:nvGrpSpPr>
+      <p:grpSpPr>
+        <a:xfrm>
+          <a:off x="0" y="0"/>
+          <a:ext cx="0" cy="0"/>
+          <a:chOff x="0" y="0"/>
+          <a:chExt cx="0" cy="0"/>
+        </a:xfrm>
+      </p:grpSpPr>
+      <p:sp>
+        <p:nvSpPr>
+          <p:cNvPr id="2" name="Slide Image Placeholder 1"/>
+          <p:cNvSpPr>
+            <a:spLocks noGrp="1" noRot="1" noChangeAspect="1"/>
+          </p:cNvSpPr>
+          <p:nvPr>
+            <p:ph type="sldImg"/>
+          </p:nvPr>
+        </p:nvSpPr>
+        <p:spPr/>
+      </p:sp>
+      <p:sp>
+        <p:nvSpPr>
+          <p:cNvPr id="3" name="Notes Placeholder 2"/>
+          <p:cNvSpPr>
+            <a:spLocks noGrp="1"/>
+          </p:cNvSpPr>
+          <p:nvPr>
+            <p:ph type="body" idx="1"/>
+          </p:nvPr>
+        </p:nvSpPr>
+        <p:spPr/>
+        <p:txBody>
+          <a:bodyPr/>
+          <a:lstStyle/>
+          <a:p>
+            <a:endParaRPr lang="en-US" dirty="0"/>
+          </a:p>
+        </p:txBody>
+      </p:sp>
+      <p:sp>
+        <p:nvSpPr>
+          <p:cNvPr id="4" name="Slide Number Placeholder 3"/>
+          <p:cNvSpPr>
+            <a:spLocks noGrp="1"/>
+          </p:cNvSpPr>
+          <p:nvPr>
+            <p:ph type="sldNum" sz="quarter" idx="5"/>
+          </p:nvPr>
+        </p:nvSpPr>
+        <p:spPr/>
+        <p:txBody>
+          <a:bodyPr/>
+          <a:lstStyle/>
+          <a:p>
+            <a:fld id="{1983A999-5E0E-42CA-8400-604AE921FF7C}" type="slidenum">
+              <a:rPr lang="en-US" smtClean="0"/>
+              <a:t>12</a:t>
             </a:fld>
             <a:endParaRPr lang="en-US"/>
           </a:p>
@@ -17729,6 +17984,1508 @@
           <a:chExt cx="0" cy="0"/>
         </a:xfrm>
       </p:grpSpPr>
+      <p:grpSp>
+        <p:nvGrpSpPr>
+          <p:cNvPr id="25" name="Group 24">
+            <a:extLst>
+              <a:ext uri="{FF2B5EF4-FFF2-40B4-BE49-F238E27FC236}">
+                <a16:creationId xmlns:a16="http://schemas.microsoft.com/office/drawing/2014/main" id="{D10F3D66-0109-4903-90B9-66D0E288F721}"/>
+              </a:ext>
+              <a:ext uri="{C183D7F6-B498-43B3-948B-1728B52AA6E4}">
+                <adec:decorative xmlns:adec="http://schemas.microsoft.com/office/drawing/2017/decorative" val="1"/>
+              </a:ext>
+            </a:extLst>
+          </p:cNvPr>
+          <p:cNvGrpSpPr/>
+          <p:nvPr/>
+        </p:nvGrpSpPr>
+        <p:grpSpPr>
+          <a:xfrm>
+            <a:off x="10379261" y="2030035"/>
+            <a:ext cx="1335600" cy="1262947"/>
+            <a:chOff x="10145015" y="2343978"/>
+            <a:chExt cx="1335600" cy="1262947"/>
+          </a:xfrm>
+        </p:grpSpPr>
+        <p:sp>
+          <p:nvSpPr>
+            <p:cNvPr id="26" name="Freeform: Shape 25">
+              <a:extLst>
+                <a:ext uri="{FF2B5EF4-FFF2-40B4-BE49-F238E27FC236}">
+                  <a16:creationId xmlns:a16="http://schemas.microsoft.com/office/drawing/2014/main" id="{57DAB968-9B52-4EFF-AD39-7657DFEA6E48}"/>
+                </a:ext>
+              </a:extLst>
+            </p:cNvPr>
+            <p:cNvSpPr>
+              <a:spLocks noChangeAspect="1"/>
+            </p:cNvSpPr>
+            <p:nvPr/>
+          </p:nvSpPr>
+          <p:spPr>
+            <a:xfrm rot="8100000">
+              <a:off x="10400615" y="2343978"/>
+              <a:ext cx="1080000" cy="1262947"/>
+            </a:xfrm>
+            <a:custGeom>
+              <a:avLst/>
+              <a:gdLst>
+                <a:gd name="connsiteX0" fmla="*/ 540000 w 1080000"/>
+                <a:gd name="connsiteY0" fmla="*/ 0 h 1262947"/>
+                <a:gd name="connsiteX1" fmla="*/ 1080000 w 1080000"/>
+                <a:gd name="connsiteY1" fmla="*/ 931034 h 1262947"/>
+                <a:gd name="connsiteX2" fmla="*/ 1064374 w 1080000"/>
+                <a:gd name="connsiteY2" fmla="*/ 931034 h 1262947"/>
+                <a:gd name="connsiteX3" fmla="*/ 1069029 w 1080000"/>
+                <a:gd name="connsiteY3" fmla="*/ 938533 h 1262947"/>
+                <a:gd name="connsiteX4" fmla="*/ 1080000 w 1080000"/>
+                <a:gd name="connsiteY4" fmla="*/ 992947 h 1262947"/>
+                <a:gd name="connsiteX5" fmla="*/ 540000 w 1080000"/>
+                <a:gd name="connsiteY5" fmla="*/ 1262947 h 1262947"/>
+                <a:gd name="connsiteX6" fmla="*/ 0 w 1080000"/>
+                <a:gd name="connsiteY6" fmla="*/ 992947 h 1262947"/>
+                <a:gd name="connsiteX7" fmla="*/ 10971 w 1080000"/>
+                <a:gd name="connsiteY7" fmla="*/ 938533 h 1262947"/>
+                <a:gd name="connsiteX8" fmla="*/ 15626 w 1080000"/>
+                <a:gd name="connsiteY8" fmla="*/ 931034 h 1262947"/>
+                <a:gd name="connsiteX9" fmla="*/ 0 w 1080000"/>
+                <a:gd name="connsiteY9" fmla="*/ 931034 h 1262947"/>
+                <a:gd name="connsiteX0" fmla="*/ 540000 w 1080000"/>
+                <a:gd name="connsiteY0" fmla="*/ 0 h 1262947"/>
+                <a:gd name="connsiteX1" fmla="*/ 1080000 w 1080000"/>
+                <a:gd name="connsiteY1" fmla="*/ 931034 h 1262947"/>
+                <a:gd name="connsiteX2" fmla="*/ 1064374 w 1080000"/>
+                <a:gd name="connsiteY2" fmla="*/ 931034 h 1262947"/>
+                <a:gd name="connsiteX3" fmla="*/ 1069029 w 1080000"/>
+                <a:gd name="connsiteY3" fmla="*/ 938533 h 1262947"/>
+                <a:gd name="connsiteX4" fmla="*/ 1080000 w 1080000"/>
+                <a:gd name="connsiteY4" fmla="*/ 992947 h 1262947"/>
+                <a:gd name="connsiteX5" fmla="*/ 540000 w 1080000"/>
+                <a:gd name="connsiteY5" fmla="*/ 1262947 h 1262947"/>
+                <a:gd name="connsiteX6" fmla="*/ 0 w 1080000"/>
+                <a:gd name="connsiteY6" fmla="*/ 992947 h 1262947"/>
+                <a:gd name="connsiteX7" fmla="*/ 10971 w 1080000"/>
+                <a:gd name="connsiteY7" fmla="*/ 938533 h 1262947"/>
+                <a:gd name="connsiteX8" fmla="*/ 15626 w 1080000"/>
+                <a:gd name="connsiteY8" fmla="*/ 931034 h 1262947"/>
+                <a:gd name="connsiteX9" fmla="*/ 540000 w 1080000"/>
+                <a:gd name="connsiteY9" fmla="*/ 0 h 1262947"/>
+                <a:gd name="connsiteX0" fmla="*/ 540000 w 1080000"/>
+                <a:gd name="connsiteY0" fmla="*/ 0 h 1262947"/>
+                <a:gd name="connsiteX1" fmla="*/ 1064374 w 1080000"/>
+                <a:gd name="connsiteY1" fmla="*/ 931034 h 1262947"/>
+                <a:gd name="connsiteX2" fmla="*/ 1069029 w 1080000"/>
+                <a:gd name="connsiteY2" fmla="*/ 938533 h 1262947"/>
+                <a:gd name="connsiteX3" fmla="*/ 1080000 w 1080000"/>
+                <a:gd name="connsiteY3" fmla="*/ 992947 h 1262947"/>
+                <a:gd name="connsiteX4" fmla="*/ 540000 w 1080000"/>
+                <a:gd name="connsiteY4" fmla="*/ 1262947 h 1262947"/>
+                <a:gd name="connsiteX5" fmla="*/ 0 w 1080000"/>
+                <a:gd name="connsiteY5" fmla="*/ 992947 h 1262947"/>
+                <a:gd name="connsiteX6" fmla="*/ 10971 w 1080000"/>
+                <a:gd name="connsiteY6" fmla="*/ 938533 h 1262947"/>
+                <a:gd name="connsiteX7" fmla="*/ 15626 w 1080000"/>
+                <a:gd name="connsiteY7" fmla="*/ 931034 h 1262947"/>
+                <a:gd name="connsiteX8" fmla="*/ 540000 w 1080000"/>
+                <a:gd name="connsiteY8" fmla="*/ 0 h 1262947"/>
+              </a:gdLst>
+              <a:ahLst/>
+              <a:cxnLst>
+                <a:cxn ang="0">
+                  <a:pos x="connsiteX0" y="connsiteY0"/>
+                </a:cxn>
+                <a:cxn ang="0">
+                  <a:pos x="connsiteX1" y="connsiteY1"/>
+                </a:cxn>
+                <a:cxn ang="0">
+                  <a:pos x="connsiteX2" y="connsiteY2"/>
+                </a:cxn>
+                <a:cxn ang="0">
+                  <a:pos x="connsiteX3" y="connsiteY3"/>
+                </a:cxn>
+                <a:cxn ang="0">
+                  <a:pos x="connsiteX4" y="connsiteY4"/>
+                </a:cxn>
+                <a:cxn ang="0">
+                  <a:pos x="connsiteX5" y="connsiteY5"/>
+                </a:cxn>
+                <a:cxn ang="0">
+                  <a:pos x="connsiteX6" y="connsiteY6"/>
+                </a:cxn>
+                <a:cxn ang="0">
+                  <a:pos x="connsiteX7" y="connsiteY7"/>
+                </a:cxn>
+                <a:cxn ang="0">
+                  <a:pos x="connsiteX8" y="connsiteY8"/>
+                </a:cxn>
+              </a:cxnLst>
+              <a:rect l="l" t="t" r="r" b="b"/>
+              <a:pathLst>
+                <a:path w="1080000" h="1262947">
+                  <a:moveTo>
+                    <a:pt x="540000" y="0"/>
+                  </a:moveTo>
+                  <a:lnTo>
+                    <a:pt x="1064374" y="931034"/>
+                  </a:lnTo>
+                  <a:lnTo>
+                    <a:pt x="1069029" y="938533"/>
+                  </a:lnTo>
+                  <a:cubicBezTo>
+                    <a:pt x="1076223" y="956109"/>
+                    <a:pt x="1080000" y="974307"/>
+                    <a:pt x="1080000" y="992947"/>
+                  </a:cubicBezTo>
+                  <a:cubicBezTo>
+                    <a:pt x="1080000" y="1142064"/>
+                    <a:pt x="838234" y="1262947"/>
+                    <a:pt x="540000" y="1262947"/>
+                  </a:cubicBezTo>
+                  <a:cubicBezTo>
+                    <a:pt x="241766" y="1262947"/>
+                    <a:pt x="0" y="1142064"/>
+                    <a:pt x="0" y="992947"/>
+                  </a:cubicBezTo>
+                  <a:cubicBezTo>
+                    <a:pt x="0" y="974307"/>
+                    <a:pt x="3778" y="956109"/>
+                    <a:pt x="10971" y="938533"/>
+                  </a:cubicBezTo>
+                  <a:lnTo>
+                    <a:pt x="15626" y="931034"/>
+                  </a:lnTo>
+                  <a:lnTo>
+                    <a:pt x="540000" y="0"/>
+                  </a:lnTo>
+                  <a:close/>
+                </a:path>
+              </a:pathLst>
+            </a:custGeom>
+            <a:gradFill>
+              <a:gsLst>
+                <a:gs pos="60000">
+                  <a:schemeClr val="bg2">
+                    <a:lumMod val="90000"/>
+                    <a:lumOff val="10000"/>
+                  </a:schemeClr>
+                </a:gs>
+                <a:gs pos="30000">
+                  <a:schemeClr val="bg2">
+                    <a:lumMod val="90000"/>
+                    <a:lumOff val="10000"/>
+                  </a:schemeClr>
+                </a:gs>
+                <a:gs pos="40000">
+                  <a:schemeClr val="bg2">
+                    <a:lumMod val="80000"/>
+                    <a:lumOff val="20000"/>
+                  </a:schemeClr>
+                </a:gs>
+                <a:gs pos="100000">
+                  <a:schemeClr val="bg2"/>
+                </a:gs>
+              </a:gsLst>
+              <a:lin ang="600000" scaled="0"/>
+            </a:gradFill>
+            <a:ln>
+              <a:noFill/>
+            </a:ln>
+            <a:effectLst>
+              <a:innerShdw blurRad="254000" dist="101600" dir="7320000">
+                <a:schemeClr val="accent1">
+                  <a:lumMod val="60000"/>
+                  <a:lumOff val="40000"/>
+                  <a:alpha val="40000"/>
+                </a:schemeClr>
+              </a:innerShdw>
+            </a:effectLst>
+          </p:spPr>
+          <p:style>
+            <a:lnRef idx="2">
+              <a:schemeClr val="accent1">
+                <a:shade val="50000"/>
+              </a:schemeClr>
+            </a:lnRef>
+            <a:fillRef idx="1">
+              <a:schemeClr val="accent1"/>
+            </a:fillRef>
+            <a:effectRef idx="0">
+              <a:schemeClr val="accent1"/>
+            </a:effectRef>
+            <a:fontRef idx="minor">
+              <a:schemeClr val="lt1"/>
+            </a:fontRef>
+          </p:style>
+          <p:txBody>
+            <a:bodyPr rot="0" spcFirstLastPara="0" vertOverflow="overflow" horzOverflow="overflow" vert="horz" wrap="square" lIns="91440" tIns="45720" rIns="91440" bIns="45720" numCol="1" spcCol="0" rtlCol="0" fromWordArt="0" anchor="ctr" anchorCtr="0" forceAA="0" compatLnSpc="1">
+              <a:prstTxWarp prst="textNoShape">
+                <a:avLst/>
+              </a:prstTxWarp>
+              <a:noAutofit/>
+            </a:bodyPr>
+            <a:lstStyle/>
+            <a:p>
+              <a:pPr algn="ctr"/>
+              <a:endParaRPr lang="en-US"/>
+            </a:p>
+          </p:txBody>
+        </p:sp>
+        <p:sp>
+          <p:nvSpPr>
+            <p:cNvPr id="27" name="Oval 26">
+              <a:extLst>
+                <a:ext uri="{FF2B5EF4-FFF2-40B4-BE49-F238E27FC236}">
+                  <a16:creationId xmlns:a16="http://schemas.microsoft.com/office/drawing/2014/main" id="{962BE440-9634-4380-B142-5DB692420C52}"/>
+                </a:ext>
+              </a:extLst>
+            </p:cNvPr>
+            <p:cNvSpPr/>
+            <p:nvPr/>
+          </p:nvSpPr>
+          <p:spPr>
+            <a:xfrm rot="13500000">
+              <a:off x="10415015" y="2179851"/>
+              <a:ext cx="540000" cy="1080000"/>
+            </a:xfrm>
+            <a:prstGeom prst="ellipse">
+              <a:avLst/>
+            </a:prstGeom>
+            <a:gradFill>
+              <a:gsLst>
+                <a:gs pos="100000">
+                  <a:schemeClr val="accent1">
+                    <a:lumMod val="60000"/>
+                    <a:lumOff val="40000"/>
+                    <a:alpha val="0"/>
+                  </a:schemeClr>
+                </a:gs>
+                <a:gs pos="0">
+                  <a:schemeClr val="bg2">
+                    <a:lumMod val="75000"/>
+                    <a:lumOff val="25000"/>
+                    <a:alpha val="33000"/>
+                  </a:schemeClr>
+                </a:gs>
+              </a:gsLst>
+              <a:lin ang="5400000" scaled="0"/>
+            </a:gradFill>
+            <a:ln>
+              <a:noFill/>
+            </a:ln>
+            <a:effectLst>
+              <a:innerShdw blurRad="1270000" dist="2540000">
+                <a:schemeClr val="accent1">
+                  <a:lumMod val="60000"/>
+                  <a:lumOff val="40000"/>
+                  <a:alpha val="0"/>
+                </a:schemeClr>
+              </a:innerShdw>
+            </a:effectLst>
+          </p:spPr>
+          <p:style>
+            <a:lnRef idx="2">
+              <a:schemeClr val="accent1">
+                <a:shade val="50000"/>
+              </a:schemeClr>
+            </a:lnRef>
+            <a:fillRef idx="1">
+              <a:schemeClr val="accent1"/>
+            </a:fillRef>
+            <a:effectRef idx="0">
+              <a:schemeClr val="accent1"/>
+            </a:effectRef>
+            <a:fontRef idx="minor">
+              <a:schemeClr val="lt1"/>
+            </a:fontRef>
+          </p:style>
+          <p:txBody>
+            <a:bodyPr rot="0" spcFirstLastPara="0" vertOverflow="overflow" horzOverflow="overflow" vert="horz" wrap="square" lIns="91440" tIns="45720" rIns="91440" bIns="45720" numCol="1" spcCol="0" rtlCol="0" fromWordArt="0" anchor="ctr" anchorCtr="0" forceAA="0" compatLnSpc="1">
+              <a:prstTxWarp prst="textNoShape">
+                <a:avLst/>
+              </a:prstTxWarp>
+              <a:noAutofit/>
+            </a:bodyPr>
+            <a:lstStyle/>
+            <a:p>
+              <a:pPr algn="ctr"/>
+              <a:endParaRPr lang="en-US"/>
+            </a:p>
+          </p:txBody>
+        </p:sp>
+      </p:grpSp>
+      <p:sp>
+        <p:nvSpPr>
+          <p:cNvPr id="7" name="Title 6">
+            <a:extLst>
+              <a:ext uri="{FF2B5EF4-FFF2-40B4-BE49-F238E27FC236}">
+                <a16:creationId xmlns:a16="http://schemas.microsoft.com/office/drawing/2014/main" id="{4B18D636-CC10-4B1E-AA38-419DCCF2D9C9}"/>
+              </a:ext>
+            </a:extLst>
+          </p:cNvPr>
+          <p:cNvSpPr>
+            <a:spLocks noGrp="1"/>
+          </p:cNvSpPr>
+          <p:nvPr>
+            <p:ph type="title"/>
+          </p:nvPr>
+        </p:nvSpPr>
+        <p:spPr>
+          <a:xfrm>
+            <a:off x="550862" y="549275"/>
+            <a:ext cx="11097551" cy="1332000"/>
+          </a:xfrm>
+        </p:spPr>
+        <p:txBody>
+          <a:bodyPr>
+            <a:normAutofit/>
+          </a:bodyPr>
+          <a:lstStyle/>
+          <a:p>
+            <a:r>
+              <a:rPr lang="en-US" dirty="0"/>
+              <a:t>Content </a:t>
+            </a:r>
+          </a:p>
+        </p:txBody>
+      </p:sp>
+      <p:sp>
+        <p:nvSpPr>
+          <p:cNvPr id="9" name="Text Placeholder 8">
+            <a:extLst>
+              <a:ext uri="{FF2B5EF4-FFF2-40B4-BE49-F238E27FC236}">
+                <a16:creationId xmlns:a16="http://schemas.microsoft.com/office/drawing/2014/main" id="{0D098C43-2F2A-4100-89BC-5931039293FA}"/>
+              </a:ext>
+            </a:extLst>
+          </p:cNvPr>
+          <p:cNvSpPr>
+            <a:spLocks noGrp="1"/>
+          </p:cNvSpPr>
+          <p:nvPr>
+            <p:ph type="body" idx="1"/>
+          </p:nvPr>
+        </p:nvSpPr>
+        <p:spPr>
+          <a:xfrm>
+            <a:off x="550864" y="1731375"/>
+            <a:ext cx="5437186" cy="535354"/>
+          </a:xfrm>
+        </p:spPr>
+        <p:txBody>
+          <a:bodyPr/>
+          <a:lstStyle/>
+          <a:p>
+            <a:r>
+              <a:rPr lang="en-US"/>
+              <a:t>Subtitle</a:t>
+            </a:r>
+            <a:endParaRPr lang="en-US" dirty="0"/>
+          </a:p>
+        </p:txBody>
+      </p:sp>
+      <p:sp>
+        <p:nvSpPr>
+          <p:cNvPr id="10" name="Content Placeholder 9">
+            <a:extLst>
+              <a:ext uri="{FF2B5EF4-FFF2-40B4-BE49-F238E27FC236}">
+                <a16:creationId xmlns:a16="http://schemas.microsoft.com/office/drawing/2014/main" id="{1DB251F7-EBE7-46AC-A920-FFE2C5AF68EA}"/>
+              </a:ext>
+            </a:extLst>
+          </p:cNvPr>
+          <p:cNvSpPr>
+            <a:spLocks noGrp="1"/>
+          </p:cNvSpPr>
+          <p:nvPr>
+            <p:ph sz="half" idx="2"/>
+          </p:nvPr>
+        </p:nvSpPr>
+        <p:spPr>
+          <a:xfrm>
+            <a:off x="550863" y="2427370"/>
+            <a:ext cx="5429114" cy="3515555"/>
+          </a:xfrm>
+        </p:spPr>
+        <p:txBody>
+          <a:bodyPr/>
+          <a:lstStyle/>
+          <a:p>
+            <a:r>
+              <a:rPr lang="en-US" dirty="0"/>
+              <a:t>Add text, images, art, and videos. </a:t>
+            </a:r>
+          </a:p>
+          <a:p>
+            <a:r>
+              <a:rPr lang="en-US" dirty="0"/>
+              <a:t>Add transitions, animations, and motion. </a:t>
+            </a:r>
+          </a:p>
+          <a:p>
+            <a:r>
+              <a:rPr lang="en-US" dirty="0"/>
+              <a:t>Save to OneDrive, to get to your presentations from your computer, tablet, or phone. </a:t>
+            </a:r>
+          </a:p>
+        </p:txBody>
+      </p:sp>
+      <p:sp>
+        <p:nvSpPr>
+          <p:cNvPr id="11" name="Text Placeholder 10">
+            <a:extLst>
+              <a:ext uri="{FF2B5EF4-FFF2-40B4-BE49-F238E27FC236}">
+                <a16:creationId xmlns:a16="http://schemas.microsoft.com/office/drawing/2014/main" id="{60726BA7-44D6-4116-90E3-38325026EAAD}"/>
+              </a:ext>
+            </a:extLst>
+          </p:cNvPr>
+          <p:cNvSpPr>
+            <a:spLocks noGrp="1"/>
+          </p:cNvSpPr>
+          <p:nvPr>
+            <p:ph type="body" sz="quarter" idx="3"/>
+          </p:nvPr>
+        </p:nvSpPr>
+        <p:spPr>
+          <a:xfrm>
+            <a:off x="6212024" y="1731375"/>
+            <a:ext cx="5436392" cy="535354"/>
+          </a:xfrm>
+        </p:spPr>
+        <p:txBody>
+          <a:bodyPr/>
+          <a:lstStyle/>
+          <a:p>
+            <a:r>
+              <a:rPr lang="en-US" dirty="0"/>
+              <a:t>Subtitle</a:t>
+            </a:r>
+          </a:p>
+        </p:txBody>
+      </p:sp>
+      <p:sp>
+        <p:nvSpPr>
+          <p:cNvPr id="12" name="Content Placeholder 11">
+            <a:extLst>
+              <a:ext uri="{FF2B5EF4-FFF2-40B4-BE49-F238E27FC236}">
+                <a16:creationId xmlns:a16="http://schemas.microsoft.com/office/drawing/2014/main" id="{7FB7F30B-2A84-4C44-BC5A-E826ED6E74A2}"/>
+              </a:ext>
+            </a:extLst>
+          </p:cNvPr>
+          <p:cNvSpPr>
+            <a:spLocks noGrp="1"/>
+          </p:cNvSpPr>
+          <p:nvPr>
+            <p:ph sz="quarter" idx="4"/>
+          </p:nvPr>
+        </p:nvSpPr>
+        <p:spPr>
+          <a:xfrm>
+            <a:off x="6212023" y="2427370"/>
+            <a:ext cx="5436391" cy="3515555"/>
+          </a:xfrm>
+        </p:spPr>
+        <p:txBody>
+          <a:bodyPr/>
+          <a:lstStyle/>
+          <a:p>
+            <a:r>
+              <a:rPr lang="en-US" dirty="0"/>
+              <a:t>Open the Design Ideas pane for instant slide makeovers. </a:t>
+            </a:r>
+          </a:p>
+          <a:p>
+            <a:r>
+              <a:rPr lang="en-US" dirty="0"/>
+              <a:t>When we have design ideas, we’ll show them to you right there. </a:t>
+            </a:r>
+          </a:p>
+          <a:p>
+            <a:endParaRPr lang="en-US" dirty="0"/>
+          </a:p>
+        </p:txBody>
+      </p:sp>
+      <p:sp>
+        <p:nvSpPr>
+          <p:cNvPr id="4" name="Date Placeholder 3">
+            <a:extLst>
+              <a:ext uri="{FF2B5EF4-FFF2-40B4-BE49-F238E27FC236}">
+                <a16:creationId xmlns:a16="http://schemas.microsoft.com/office/drawing/2014/main" id="{0C329F70-04F7-4C70-BCF8-D4371F54EF2F}"/>
+              </a:ext>
+            </a:extLst>
+          </p:cNvPr>
+          <p:cNvSpPr>
+            <a:spLocks noGrp="1"/>
+          </p:cNvSpPr>
+          <p:nvPr>
+            <p:ph type="dt" sz="half" idx="10"/>
+          </p:nvPr>
+        </p:nvSpPr>
+        <p:spPr>
+          <a:xfrm>
+            <a:off x="550863" y="6507212"/>
+            <a:ext cx="2628900" cy="153888"/>
+          </a:xfrm>
+        </p:spPr>
+        <p:txBody>
+          <a:bodyPr/>
+          <a:lstStyle/>
+          <a:p>
+            <a:r>
+              <a:rPr lang="en-US"/>
+              <a:t>Tuesday, February 2, 20XX</a:t>
+            </a:r>
+            <a:endParaRPr lang="en-US" dirty="0"/>
+          </a:p>
+        </p:txBody>
+      </p:sp>
+      <p:sp>
+        <p:nvSpPr>
+          <p:cNvPr id="5" name="Footer Placeholder 4">
+            <a:extLst>
+              <a:ext uri="{FF2B5EF4-FFF2-40B4-BE49-F238E27FC236}">
+                <a16:creationId xmlns:a16="http://schemas.microsoft.com/office/drawing/2014/main" id="{06A3302E-502D-4151-81C9-5FD6AF9596D6}"/>
+              </a:ext>
+            </a:extLst>
+          </p:cNvPr>
+          <p:cNvSpPr>
+            <a:spLocks noGrp="1"/>
+          </p:cNvSpPr>
+          <p:nvPr>
+            <p:ph type="ftr" sz="quarter" idx="11"/>
+          </p:nvPr>
+        </p:nvSpPr>
+        <p:spPr>
+          <a:xfrm>
+            <a:off x="3359150" y="6507212"/>
+            <a:ext cx="6379210" cy="153888"/>
+          </a:xfrm>
+        </p:spPr>
+        <p:txBody>
+          <a:bodyPr/>
+          <a:lstStyle/>
+          <a:p>
+            <a:r>
+              <a:rPr lang="en-US"/>
+              <a:t>Sample Footer Text</a:t>
+            </a:r>
+          </a:p>
+        </p:txBody>
+      </p:sp>
+      <p:sp>
+        <p:nvSpPr>
+          <p:cNvPr id="6" name="Slide Number Placeholder 5">
+            <a:extLst>
+              <a:ext uri="{FF2B5EF4-FFF2-40B4-BE49-F238E27FC236}">
+                <a16:creationId xmlns:a16="http://schemas.microsoft.com/office/drawing/2014/main" id="{9ED907F8-C614-4D59-A03F-BF9CD5E35703}"/>
+              </a:ext>
+            </a:extLst>
+          </p:cNvPr>
+          <p:cNvSpPr>
+            <a:spLocks noGrp="1"/>
+          </p:cNvSpPr>
+          <p:nvPr>
+            <p:ph type="sldNum" sz="quarter" idx="12"/>
+          </p:nvPr>
+        </p:nvSpPr>
+        <p:spPr>
+          <a:xfrm>
+            <a:off x="9948863" y="6507212"/>
+            <a:ext cx="1692274" cy="153888"/>
+          </a:xfrm>
+        </p:spPr>
+        <p:txBody>
+          <a:bodyPr/>
+          <a:lstStyle/>
+          <a:p>
+            <a:fld id="{DBA1B0FB-D917-4C8C-928F-313BD683BF39}" type="slidenum">
+              <a:rPr lang="en-US" smtClean="0"/>
+              <a:pPr/>
+              <a:t>10</a:t>
+            </a:fld>
+            <a:endParaRPr lang="en-US"/>
+          </a:p>
+        </p:txBody>
+      </p:sp>
+      <p:sp>
+        <p:nvSpPr>
+          <p:cNvPr id="22" name="Freeform: Shape 21">
+            <a:extLst>
+              <a:ext uri="{FF2B5EF4-FFF2-40B4-BE49-F238E27FC236}">
+                <a16:creationId xmlns:a16="http://schemas.microsoft.com/office/drawing/2014/main" id="{C6F3814E-455F-456B-B1AF-7B993965A2C0}"/>
+              </a:ext>
+              <a:ext uri="{C183D7F6-B498-43B3-948B-1728B52AA6E4}">
+                <adec:decorative xmlns:adec="http://schemas.microsoft.com/office/drawing/2017/decorative" val="1"/>
+              </a:ext>
+            </a:extLst>
+          </p:cNvPr>
+          <p:cNvSpPr>
+            <a:spLocks noChangeAspect="1"/>
+          </p:cNvSpPr>
+          <p:nvPr/>
+        </p:nvSpPr>
+        <p:spPr>
+          <a:xfrm>
+            <a:off x="4295775" y="0"/>
+            <a:ext cx="360000" cy="274638"/>
+          </a:xfrm>
+          <a:custGeom>
+            <a:avLst/>
+            <a:gdLst>
+              <a:gd name="connsiteX0" fmla="*/ 30714 w 360000"/>
+              <a:gd name="connsiteY0" fmla="*/ 0 h 274638"/>
+              <a:gd name="connsiteX1" fmla="*/ 329286 w 360000"/>
+              <a:gd name="connsiteY1" fmla="*/ 0 h 274638"/>
+              <a:gd name="connsiteX2" fmla="*/ 345855 w 360000"/>
+              <a:gd name="connsiteY2" fmla="*/ 24574 h 274638"/>
+              <a:gd name="connsiteX3" fmla="*/ 360000 w 360000"/>
+              <a:gd name="connsiteY3" fmla="*/ 94638 h 274638"/>
+              <a:gd name="connsiteX4" fmla="*/ 180000 w 360000"/>
+              <a:gd name="connsiteY4" fmla="*/ 274638 h 274638"/>
+              <a:gd name="connsiteX5" fmla="*/ 0 w 360000"/>
+              <a:gd name="connsiteY5" fmla="*/ 94638 h 274638"/>
+              <a:gd name="connsiteX6" fmla="*/ 14145 w 360000"/>
+              <a:gd name="connsiteY6" fmla="*/ 24574 h 274638"/>
+            </a:gdLst>
+            <a:ahLst/>
+            <a:cxnLst>
+              <a:cxn ang="0">
+                <a:pos x="connsiteX0" y="connsiteY0"/>
+              </a:cxn>
+              <a:cxn ang="0">
+                <a:pos x="connsiteX1" y="connsiteY1"/>
+              </a:cxn>
+              <a:cxn ang="0">
+                <a:pos x="connsiteX2" y="connsiteY2"/>
+              </a:cxn>
+              <a:cxn ang="0">
+                <a:pos x="connsiteX3" y="connsiteY3"/>
+              </a:cxn>
+              <a:cxn ang="0">
+                <a:pos x="connsiteX4" y="connsiteY4"/>
+              </a:cxn>
+              <a:cxn ang="0">
+                <a:pos x="connsiteX5" y="connsiteY5"/>
+              </a:cxn>
+              <a:cxn ang="0">
+                <a:pos x="connsiteX6" y="connsiteY6"/>
+              </a:cxn>
+            </a:cxnLst>
+            <a:rect l="l" t="t" r="r" b="b"/>
+            <a:pathLst>
+              <a:path w="360000" h="274638">
+                <a:moveTo>
+                  <a:pt x="30714" y="0"/>
+                </a:moveTo>
+                <a:lnTo>
+                  <a:pt x="329286" y="0"/>
+                </a:lnTo>
+                <a:lnTo>
+                  <a:pt x="345855" y="24574"/>
+                </a:lnTo>
+                <a:cubicBezTo>
+                  <a:pt x="354963" y="46109"/>
+                  <a:pt x="360000" y="69785"/>
+                  <a:pt x="360000" y="94638"/>
+                </a:cubicBezTo>
+                <a:cubicBezTo>
+                  <a:pt x="360000" y="194049"/>
+                  <a:pt x="279411" y="274638"/>
+                  <a:pt x="180000" y="274638"/>
+                </a:cubicBezTo>
+                <a:cubicBezTo>
+                  <a:pt x="80589" y="274638"/>
+                  <a:pt x="0" y="194049"/>
+                  <a:pt x="0" y="94638"/>
+                </a:cubicBezTo>
+                <a:cubicBezTo>
+                  <a:pt x="0" y="69785"/>
+                  <a:pt x="5037" y="46109"/>
+                  <a:pt x="14145" y="24574"/>
+                </a:cubicBezTo>
+                <a:close/>
+              </a:path>
+            </a:pathLst>
+          </a:custGeom>
+          <a:gradFill flip="none" rotWithShape="1">
+            <a:gsLst>
+              <a:gs pos="100000">
+                <a:schemeClr val="bg2">
+                  <a:lumMod val="50000"/>
+                  <a:lumOff val="50000"/>
+                </a:schemeClr>
+              </a:gs>
+              <a:gs pos="60000">
+                <a:schemeClr val="bg2"/>
+              </a:gs>
+            </a:gsLst>
+            <a:path path="circle">
+              <a:fillToRect l="100000" b="100000"/>
+            </a:path>
+            <a:tileRect t="-100000" r="-100000"/>
+          </a:gradFill>
+          <a:ln>
+            <a:noFill/>
+          </a:ln>
+          <a:effectLst>
+            <a:innerShdw blurRad="127000" dist="63500" dir="2700000">
+              <a:schemeClr val="accent1">
+                <a:lumMod val="60000"/>
+                <a:lumOff val="40000"/>
+                <a:alpha val="20000"/>
+              </a:schemeClr>
+            </a:innerShdw>
+            <a:softEdge rad="0"/>
+          </a:effectLst>
+        </p:spPr>
+        <p:style>
+          <a:lnRef idx="2">
+            <a:schemeClr val="accent1">
+              <a:shade val="50000"/>
+            </a:schemeClr>
+          </a:lnRef>
+          <a:fillRef idx="1">
+            <a:schemeClr val="accent1"/>
+          </a:fillRef>
+          <a:effectRef idx="0">
+            <a:schemeClr val="accent1"/>
+          </a:effectRef>
+          <a:fontRef idx="minor">
+            <a:schemeClr val="lt1"/>
+          </a:fontRef>
+        </p:style>
+        <p:txBody>
+          <a:bodyPr rot="0" spcFirstLastPara="0" vertOverflow="overflow" horzOverflow="overflow" vert="horz" wrap="square" lIns="91440" tIns="45720" rIns="91440" bIns="45720" numCol="1" spcCol="0" rtlCol="0" fromWordArt="0" anchor="ctr" anchorCtr="0" forceAA="0" compatLnSpc="1">
+            <a:prstTxWarp prst="textNoShape">
+              <a:avLst/>
+            </a:prstTxWarp>
+            <a:noAutofit/>
+          </a:bodyPr>
+          <a:lstStyle/>
+          <a:p>
+            <a:pPr algn="ctr"/>
+            <a:endParaRPr lang="en-US"/>
+          </a:p>
+        </p:txBody>
+      </p:sp>
+    </p:spTree>
+    <p:extLst>
+      <p:ext uri="{BB962C8B-B14F-4D97-AF65-F5344CB8AC3E}">
+        <p14:creationId xmlns:p14="http://schemas.microsoft.com/office/powerpoint/2010/main" val="3891345585"/>
+      </p:ext>
+    </p:extLst>
+  </p:cSld>
+  <p:clrMapOvr>
+    <a:masterClrMapping/>
+  </p:clrMapOvr>
+</p:sld>
+</file>
+
+<file path=ppt/slides/slide11.xml><?xml version="1.0" encoding="utf-8"?>
+<p:sld xmlns:a="http://schemas.openxmlformats.org/drawingml/2006/main" xmlns:r="http://schemas.openxmlformats.org/officeDocument/2006/relationships" xmlns:p="http://schemas.openxmlformats.org/presentationml/2006/main">
+  <p:cSld>
+    <p:spTree>
+      <p:nvGrpSpPr>
+        <p:cNvPr id="1" name=""/>
+        <p:cNvGrpSpPr/>
+        <p:nvPr/>
+      </p:nvGrpSpPr>
+      <p:grpSpPr>
+        <a:xfrm>
+          <a:off x="0" y="0"/>
+          <a:ext cx="0" cy="0"/>
+          <a:chOff x="0" y="0"/>
+          <a:chExt cx="0" cy="0"/>
+        </a:xfrm>
+      </p:grpSpPr>
+      <p:sp>
+        <p:nvSpPr>
+          <p:cNvPr id="7" name="Title 6">
+            <a:extLst>
+              <a:ext uri="{FF2B5EF4-FFF2-40B4-BE49-F238E27FC236}">
+                <a16:creationId xmlns:a16="http://schemas.microsoft.com/office/drawing/2014/main" id="{47788B34-4190-4916-9048-47720EA5ABF1}"/>
+              </a:ext>
+            </a:extLst>
+          </p:cNvPr>
+          <p:cNvSpPr>
+            <a:spLocks noGrp="1"/>
+          </p:cNvSpPr>
+          <p:nvPr>
+            <p:ph type="title"/>
+          </p:nvPr>
+        </p:nvSpPr>
+        <p:spPr>
+          <a:xfrm>
+            <a:off x="550862" y="549275"/>
+            <a:ext cx="11097551" cy="1332000"/>
+          </a:xfrm>
+        </p:spPr>
+        <p:txBody>
+          <a:bodyPr/>
+          <a:lstStyle/>
+          <a:p>
+            <a:r>
+              <a:rPr lang="en-US" dirty="0"/>
+              <a:t>Content 2 </a:t>
+            </a:r>
+          </a:p>
+        </p:txBody>
+      </p:sp>
+      <p:sp>
+        <p:nvSpPr>
+          <p:cNvPr id="8" name="Text Placeholder 7">
+            <a:extLst>
+              <a:ext uri="{FF2B5EF4-FFF2-40B4-BE49-F238E27FC236}">
+                <a16:creationId xmlns:a16="http://schemas.microsoft.com/office/drawing/2014/main" id="{ABA415A0-3B77-43FB-A408-5F1DA4B0AAFA}"/>
+              </a:ext>
+            </a:extLst>
+          </p:cNvPr>
+          <p:cNvSpPr>
+            <a:spLocks noGrp="1"/>
+          </p:cNvSpPr>
+          <p:nvPr>
+            <p:ph type="body" idx="1"/>
+          </p:nvPr>
+        </p:nvSpPr>
+        <p:spPr>
+          <a:xfrm>
+            <a:off x="550864" y="1731375"/>
+            <a:ext cx="3563936" cy="535354"/>
+          </a:xfrm>
+        </p:spPr>
+        <p:txBody>
+          <a:bodyPr/>
+          <a:lstStyle/>
+          <a:p>
+            <a:r>
+              <a:rPr lang="en-US" dirty="0"/>
+              <a:t>Subtitle</a:t>
+            </a:r>
+          </a:p>
+        </p:txBody>
+      </p:sp>
+      <p:sp>
+        <p:nvSpPr>
+          <p:cNvPr id="9" name="Content Placeholder 8">
+            <a:extLst>
+              <a:ext uri="{FF2B5EF4-FFF2-40B4-BE49-F238E27FC236}">
+                <a16:creationId xmlns:a16="http://schemas.microsoft.com/office/drawing/2014/main" id="{8598ECEC-4413-4244-8F21-0076EC511806}"/>
+              </a:ext>
+            </a:extLst>
+          </p:cNvPr>
+          <p:cNvSpPr>
+            <a:spLocks noGrp="1"/>
+          </p:cNvSpPr>
+          <p:nvPr>
+            <p:ph sz="half" idx="2"/>
+          </p:nvPr>
+        </p:nvSpPr>
+        <p:spPr>
+          <a:xfrm>
+            <a:off x="559476" y="2432304"/>
+            <a:ext cx="3563936" cy="3515555"/>
+          </a:xfrm>
+        </p:spPr>
+        <p:txBody>
+          <a:bodyPr>
+            <a:normAutofit fontScale="92500" lnSpcReduction="20000"/>
+          </a:bodyPr>
+          <a:lstStyle/>
+          <a:p>
+            <a:pPr lvl="0"/>
+            <a:r>
+              <a:rPr lang="en-US" dirty="0"/>
+              <a:t>Add text, images, art, and videos. </a:t>
+            </a:r>
+          </a:p>
+          <a:p>
+            <a:pPr lvl="0"/>
+            <a:r>
+              <a:rPr lang="en-US" dirty="0"/>
+              <a:t>Add transitions, animations, and motion. </a:t>
+            </a:r>
+          </a:p>
+          <a:p>
+            <a:pPr lvl="0"/>
+            <a:r>
+              <a:rPr lang="en-US" dirty="0"/>
+              <a:t>Save to OneDrive, to get to your presentations from your computer, tablet, or phone. </a:t>
+            </a:r>
+          </a:p>
+          <a:p>
+            <a:r>
+              <a:rPr lang="en-US" dirty="0"/>
+              <a:t>Open the Design Ideas pane for instant slide makeovers. </a:t>
+            </a:r>
+          </a:p>
+          <a:p>
+            <a:r>
+              <a:rPr lang="en-US" dirty="0"/>
+              <a:t>When we have design ideas, we’ll show them to you right there. </a:t>
+            </a:r>
+          </a:p>
+          <a:p>
+            <a:pPr lvl="0"/>
+            <a:endParaRPr lang="en-US" dirty="0"/>
+          </a:p>
+          <a:p>
+            <a:endParaRPr lang="en-US" dirty="0"/>
+          </a:p>
+        </p:txBody>
+      </p:sp>
+      <p:sp>
+        <p:nvSpPr>
+          <p:cNvPr id="12" name="Text Placeholder 11">
+            <a:extLst>
+              <a:ext uri="{FF2B5EF4-FFF2-40B4-BE49-F238E27FC236}">
+                <a16:creationId xmlns:a16="http://schemas.microsoft.com/office/drawing/2014/main" id="{3A63626D-0E6E-4023-ABFC-A744C9862159}"/>
+              </a:ext>
+            </a:extLst>
+          </p:cNvPr>
+          <p:cNvSpPr>
+            <a:spLocks noGrp="1"/>
+          </p:cNvSpPr>
+          <p:nvPr>
+            <p:ph type="body" sz="quarter" idx="13"/>
+          </p:nvPr>
+        </p:nvSpPr>
+        <p:spPr>
+          <a:xfrm>
+            <a:off x="4341573" y="1731375"/>
+            <a:ext cx="3566160" cy="535354"/>
+          </a:xfrm>
+        </p:spPr>
+        <p:txBody>
+          <a:bodyPr/>
+          <a:lstStyle/>
+          <a:p>
+            <a:r>
+              <a:rPr lang="en-US" dirty="0"/>
+              <a:t>subtitle</a:t>
+            </a:r>
+          </a:p>
+        </p:txBody>
+      </p:sp>
+      <p:sp>
+        <p:nvSpPr>
+          <p:cNvPr id="13" name="Content Placeholder 12">
+            <a:extLst>
+              <a:ext uri="{FF2B5EF4-FFF2-40B4-BE49-F238E27FC236}">
+                <a16:creationId xmlns:a16="http://schemas.microsoft.com/office/drawing/2014/main" id="{258E9390-685C-4BAD-BFAD-EC56E81C4745}"/>
+              </a:ext>
+            </a:extLst>
+          </p:cNvPr>
+          <p:cNvSpPr>
+            <a:spLocks noGrp="1"/>
+          </p:cNvSpPr>
+          <p:nvPr>
+            <p:ph sz="quarter" idx="14"/>
+          </p:nvPr>
+        </p:nvSpPr>
+        <p:spPr>
+          <a:xfrm>
+            <a:off x="4341573" y="2427370"/>
+            <a:ext cx="3508755" cy="3515555"/>
+          </a:xfrm>
+        </p:spPr>
+        <p:txBody>
+          <a:bodyPr>
+            <a:normAutofit lnSpcReduction="10000"/>
+          </a:bodyPr>
+          <a:lstStyle/>
+          <a:p>
+            <a:pPr lvl="0"/>
+            <a:r>
+              <a:rPr lang="en-US" dirty="0"/>
+              <a:t>Add text, images, art, and videos. </a:t>
+            </a:r>
+          </a:p>
+          <a:p>
+            <a:pPr lvl="0"/>
+            <a:r>
+              <a:rPr lang="en-US" dirty="0"/>
+              <a:t>Add transitions, animations, and motion. </a:t>
+            </a:r>
+          </a:p>
+          <a:p>
+            <a:pPr lvl="0"/>
+            <a:r>
+              <a:rPr lang="en-US" dirty="0"/>
+              <a:t>Save to OneDrive, to get to your presentations from your computer, tablet, or phone. </a:t>
+            </a:r>
+          </a:p>
+          <a:p>
+            <a:r>
+              <a:rPr lang="en-US" dirty="0"/>
+              <a:t>Open the Design Ideas pane for instant slide makeovers. </a:t>
+            </a:r>
+          </a:p>
+          <a:p>
+            <a:r>
+              <a:rPr lang="en-US" dirty="0"/>
+              <a:t>When we have design ideas, we’ll show them to you right there.</a:t>
+            </a:r>
+          </a:p>
+        </p:txBody>
+      </p:sp>
+      <p:sp>
+        <p:nvSpPr>
+          <p:cNvPr id="10" name="Text Placeholder 9">
+            <a:extLst>
+              <a:ext uri="{FF2B5EF4-FFF2-40B4-BE49-F238E27FC236}">
+                <a16:creationId xmlns:a16="http://schemas.microsoft.com/office/drawing/2014/main" id="{34A9BC34-CFDB-4D7A-8D6C-1CE608D0909F}"/>
+              </a:ext>
+            </a:extLst>
+          </p:cNvPr>
+          <p:cNvSpPr>
+            <a:spLocks noGrp="1"/>
+          </p:cNvSpPr>
+          <p:nvPr>
+            <p:ph type="body" sz="quarter" idx="3"/>
+          </p:nvPr>
+        </p:nvSpPr>
+        <p:spPr>
+          <a:xfrm>
+            <a:off x="8139659" y="1731375"/>
+            <a:ext cx="3566160" cy="535354"/>
+          </a:xfrm>
+        </p:spPr>
+        <p:txBody>
+          <a:bodyPr/>
+          <a:lstStyle/>
+          <a:p>
+            <a:r>
+              <a:rPr lang="en-US"/>
+              <a:t>subtitle</a:t>
+            </a:r>
+            <a:endParaRPr lang="en-US" dirty="0"/>
+          </a:p>
+        </p:txBody>
+      </p:sp>
+      <p:sp>
+        <p:nvSpPr>
+          <p:cNvPr id="11" name="Content Placeholder 10">
+            <a:extLst>
+              <a:ext uri="{FF2B5EF4-FFF2-40B4-BE49-F238E27FC236}">
+                <a16:creationId xmlns:a16="http://schemas.microsoft.com/office/drawing/2014/main" id="{1D014E48-5DD9-49CE-AD5B-0FEF69204F68}"/>
+              </a:ext>
+            </a:extLst>
+          </p:cNvPr>
+          <p:cNvSpPr>
+            <a:spLocks noGrp="1"/>
+          </p:cNvSpPr>
+          <p:nvPr>
+            <p:ph sz="quarter" idx="4"/>
+          </p:nvPr>
+        </p:nvSpPr>
+        <p:spPr>
+          <a:xfrm>
+            <a:off x="8139659" y="2427370"/>
+            <a:ext cx="3508755" cy="3515555"/>
+          </a:xfrm>
+        </p:spPr>
+        <p:txBody>
+          <a:bodyPr>
+            <a:normAutofit lnSpcReduction="10000"/>
+          </a:bodyPr>
+          <a:lstStyle/>
+          <a:p>
+            <a:pPr lvl="0"/>
+            <a:r>
+              <a:rPr lang="en-US" dirty="0"/>
+              <a:t>Add text, images, art, and videos. </a:t>
+            </a:r>
+          </a:p>
+          <a:p>
+            <a:pPr lvl="0"/>
+            <a:r>
+              <a:rPr lang="en-US" dirty="0"/>
+              <a:t>Add transitions, animations, and motion. </a:t>
+            </a:r>
+          </a:p>
+          <a:p>
+            <a:pPr lvl="0"/>
+            <a:r>
+              <a:rPr lang="en-US" dirty="0"/>
+              <a:t>Save to OneDrive, to get to your presentations from your computer, tablet, or phone. </a:t>
+            </a:r>
+          </a:p>
+          <a:p>
+            <a:r>
+              <a:rPr lang="en-US" dirty="0"/>
+              <a:t>Open the Design Ideas pane for instant slide makeovers. </a:t>
+            </a:r>
+          </a:p>
+          <a:p>
+            <a:r>
+              <a:rPr lang="en-US" dirty="0"/>
+              <a:t>When we have design ideas, we’ll show them to you right there.</a:t>
+            </a:r>
+          </a:p>
+        </p:txBody>
+      </p:sp>
+      <p:sp>
+        <p:nvSpPr>
+          <p:cNvPr id="14" name="Date Placeholder 13">
+            <a:extLst>
+              <a:ext uri="{FF2B5EF4-FFF2-40B4-BE49-F238E27FC236}">
+                <a16:creationId xmlns:a16="http://schemas.microsoft.com/office/drawing/2014/main" id="{D236478C-E242-44E0-8357-C72C9B588CA7}"/>
+              </a:ext>
+            </a:extLst>
+          </p:cNvPr>
+          <p:cNvSpPr>
+            <a:spLocks noGrp="1"/>
+          </p:cNvSpPr>
+          <p:nvPr>
+            <p:ph type="dt" sz="half" idx="10"/>
+          </p:nvPr>
+        </p:nvSpPr>
+        <p:spPr>
+          <a:xfrm>
+            <a:off x="550863" y="6507212"/>
+            <a:ext cx="2628900" cy="153888"/>
+          </a:xfrm>
+        </p:spPr>
+        <p:txBody>
+          <a:bodyPr/>
+          <a:lstStyle/>
+          <a:p>
+            <a:r>
+              <a:rPr lang="en-US"/>
+              <a:t>Tuesday, February 2, 20XX</a:t>
+            </a:r>
+            <a:endParaRPr lang="en-US" dirty="0"/>
+          </a:p>
+        </p:txBody>
+      </p:sp>
+      <p:sp>
+        <p:nvSpPr>
+          <p:cNvPr id="15" name="Footer Placeholder 14">
+            <a:extLst>
+              <a:ext uri="{FF2B5EF4-FFF2-40B4-BE49-F238E27FC236}">
+                <a16:creationId xmlns:a16="http://schemas.microsoft.com/office/drawing/2014/main" id="{65A6DC02-681E-4AF7-AC6E-57CDDB2FBA28}"/>
+              </a:ext>
+            </a:extLst>
+          </p:cNvPr>
+          <p:cNvSpPr>
+            <a:spLocks noGrp="1"/>
+          </p:cNvSpPr>
+          <p:nvPr>
+            <p:ph type="ftr" sz="quarter" idx="11"/>
+          </p:nvPr>
+        </p:nvSpPr>
+        <p:spPr>
+          <a:xfrm>
+            <a:off x="3359150" y="6507212"/>
+            <a:ext cx="6379210" cy="153888"/>
+          </a:xfrm>
+        </p:spPr>
+        <p:txBody>
+          <a:bodyPr/>
+          <a:lstStyle/>
+          <a:p>
+            <a:r>
+              <a:rPr lang="en-US"/>
+              <a:t>Sample Footer Text</a:t>
+            </a:r>
+          </a:p>
+        </p:txBody>
+      </p:sp>
+      <p:sp>
+        <p:nvSpPr>
+          <p:cNvPr id="16" name="Slide Number Placeholder 15">
+            <a:extLst>
+              <a:ext uri="{FF2B5EF4-FFF2-40B4-BE49-F238E27FC236}">
+                <a16:creationId xmlns:a16="http://schemas.microsoft.com/office/drawing/2014/main" id="{CF0A8666-4477-461C-A79D-E91232EE973E}"/>
+              </a:ext>
+            </a:extLst>
+          </p:cNvPr>
+          <p:cNvSpPr>
+            <a:spLocks noGrp="1"/>
+          </p:cNvSpPr>
+          <p:nvPr>
+            <p:ph type="sldNum" sz="quarter" idx="12"/>
+          </p:nvPr>
+        </p:nvSpPr>
+        <p:spPr>
+          <a:xfrm>
+            <a:off x="9948863" y="6507212"/>
+            <a:ext cx="1692274" cy="153888"/>
+          </a:xfrm>
+        </p:spPr>
+        <p:txBody>
+          <a:bodyPr/>
+          <a:lstStyle/>
+          <a:p>
+            <a:fld id="{DBA1B0FB-D917-4C8C-928F-313BD683BF39}" type="slidenum">
+              <a:rPr lang="en-US" smtClean="0"/>
+              <a:pPr/>
+              <a:t>11</a:t>
+            </a:fld>
+            <a:endParaRPr lang="en-US"/>
+          </a:p>
+        </p:txBody>
+      </p:sp>
+    </p:spTree>
+    <p:extLst>
+      <p:ext uri="{BB962C8B-B14F-4D97-AF65-F5344CB8AC3E}">
+        <p14:creationId xmlns:p14="http://schemas.microsoft.com/office/powerpoint/2010/main" val="1420547054"/>
+      </p:ext>
+    </p:extLst>
+  </p:cSld>
+  <p:clrMapOvr>
+    <a:masterClrMapping/>
+  </p:clrMapOvr>
+</p:sld>
+</file>
+
+<file path=ppt/slides/slide12.xml><?xml version="1.0" encoding="utf-8"?>
+<p:sld xmlns:a="http://schemas.openxmlformats.org/drawingml/2006/main" xmlns:r="http://schemas.openxmlformats.org/officeDocument/2006/relationships" xmlns:p="http://schemas.openxmlformats.org/presentationml/2006/main">
+  <p:cSld>
+    <p:spTree>
+      <p:nvGrpSpPr>
+        <p:cNvPr id="1" name=""/>
+        <p:cNvGrpSpPr/>
+        <p:nvPr/>
+      </p:nvGrpSpPr>
+      <p:grpSpPr>
+        <a:xfrm>
+          <a:off x="0" y="0"/>
+          <a:ext cx="0" cy="0"/>
+          <a:chOff x="0" y="0"/>
+          <a:chExt cx="0" cy="0"/>
+        </a:xfrm>
+      </p:grpSpPr>
+      <p:sp>
+        <p:nvSpPr>
+          <p:cNvPr id="11" name="Title 10">
+            <a:extLst>
+              <a:ext uri="{FF2B5EF4-FFF2-40B4-BE49-F238E27FC236}">
+                <a16:creationId xmlns:a16="http://schemas.microsoft.com/office/drawing/2014/main" id="{581E8936-2270-47FE-94A4-398CB123EF90}"/>
+              </a:ext>
+            </a:extLst>
+          </p:cNvPr>
+          <p:cNvSpPr>
+            <a:spLocks noGrp="1"/>
+          </p:cNvSpPr>
+          <p:nvPr>
+            <p:ph type="title"/>
+          </p:nvPr>
+        </p:nvSpPr>
+        <p:spPr>
+          <a:xfrm>
+            <a:off x="550863" y="4508500"/>
+            <a:ext cx="4500562" cy="1562959"/>
+          </a:xfrm>
+        </p:spPr>
+        <p:txBody>
+          <a:bodyPr/>
+          <a:lstStyle/>
+          <a:p>
+            <a:r>
+              <a:rPr lang="en-US" dirty="0"/>
+              <a:t>Summary</a:t>
+            </a:r>
+          </a:p>
+        </p:txBody>
+      </p:sp>
+      <p:pic>
+        <p:nvPicPr>
+          <p:cNvPr id="16" name="Picture Placeholder 15" descr="Data Points Digital background">
+            <a:extLst>
+              <a:ext uri="{FF2B5EF4-FFF2-40B4-BE49-F238E27FC236}">
+                <a16:creationId xmlns:a16="http://schemas.microsoft.com/office/drawing/2014/main" id="{361E9ADB-7377-4CF1-9AE4-AEFBDEBEEEEC}"/>
+              </a:ext>
+            </a:extLst>
+          </p:cNvPr>
+          <p:cNvPicPr>
+            <a:picLocks noGrp="1" noChangeAspect="1"/>
+          </p:cNvPicPr>
+          <p:nvPr>
+            <p:ph type="pic" sz="quarter" idx="13"/>
+          </p:nvPr>
+        </p:nvPicPr>
+        <p:blipFill rotWithShape="1">
+          <a:blip r:embed="rId3" cstate="screen">
+            <a:extLst>
+              <a:ext uri="{28A0092B-C50C-407E-A947-70E740481C1C}">
+                <a14:useLocalDpi xmlns:a14="http://schemas.microsoft.com/office/drawing/2010/main" val="0"/>
+              </a:ext>
+            </a:extLst>
+          </a:blip>
+          <a:srcRect/>
+          <a:stretch/>
+        </p:blipFill>
+        <p:spPr>
+          <a:xfrm>
+            <a:off x="0" y="0"/>
+            <a:ext cx="12192000" cy="3776472"/>
+          </a:xfrm>
+        </p:spPr>
+      </p:pic>
+      <p:sp>
+        <p:nvSpPr>
+          <p:cNvPr id="13" name="Content Placeholder 12">
+            <a:extLst>
+              <a:ext uri="{FF2B5EF4-FFF2-40B4-BE49-F238E27FC236}">
+                <a16:creationId xmlns:a16="http://schemas.microsoft.com/office/drawing/2014/main" id="{C0287FEC-3826-4868-8D93-52429C6156F5}"/>
+              </a:ext>
+            </a:extLst>
+          </p:cNvPr>
+          <p:cNvSpPr>
+            <a:spLocks noGrp="1"/>
+          </p:cNvSpPr>
+          <p:nvPr>
+            <p:ph sz="quarter" idx="15"/>
+          </p:nvPr>
+        </p:nvSpPr>
+        <p:spPr>
+          <a:xfrm>
+            <a:off x="5262411" y="4508500"/>
+            <a:ext cx="6221412" cy="1563688"/>
+          </a:xfrm>
+        </p:spPr>
+        <p:txBody>
+          <a:bodyPr>
+            <a:normAutofit lnSpcReduction="10000"/>
+          </a:bodyPr>
+          <a:lstStyle/>
+          <a:p>
+            <a:r>
+              <a:rPr lang="en-US" dirty="0"/>
+              <a:t>With PowerPoint, you can create presentations and share your work with others, wherever they are. Type the text you want here to get started. You can also add images, art, and videos on this template. Save to OneDrive and access your presentations from your computer, tablet, or phone. </a:t>
+            </a:r>
+          </a:p>
+        </p:txBody>
+      </p:sp>
+      <p:sp>
+        <p:nvSpPr>
+          <p:cNvPr id="4" name="Date Placeholder 3">
+            <a:extLst>
+              <a:ext uri="{FF2B5EF4-FFF2-40B4-BE49-F238E27FC236}">
+                <a16:creationId xmlns:a16="http://schemas.microsoft.com/office/drawing/2014/main" id="{0C329F70-04F7-4C70-BCF8-D4371F54EF2F}"/>
+              </a:ext>
+            </a:extLst>
+          </p:cNvPr>
+          <p:cNvSpPr>
+            <a:spLocks noGrp="1"/>
+          </p:cNvSpPr>
+          <p:nvPr>
+            <p:ph type="dt" sz="half" idx="10"/>
+          </p:nvPr>
+        </p:nvSpPr>
+        <p:spPr>
+          <a:xfrm>
+            <a:off x="550863" y="6507212"/>
+            <a:ext cx="2628900" cy="153888"/>
+          </a:xfrm>
+        </p:spPr>
+        <p:txBody>
+          <a:bodyPr/>
+          <a:lstStyle/>
+          <a:p>
+            <a:r>
+              <a:rPr lang="en-US"/>
+              <a:t>Tuesday, February 2, 20XX</a:t>
+            </a:r>
+            <a:endParaRPr lang="en-US" dirty="0"/>
+          </a:p>
+        </p:txBody>
+      </p:sp>
+      <p:sp>
+        <p:nvSpPr>
+          <p:cNvPr id="5" name="Footer Placeholder 4">
+            <a:extLst>
+              <a:ext uri="{FF2B5EF4-FFF2-40B4-BE49-F238E27FC236}">
+                <a16:creationId xmlns:a16="http://schemas.microsoft.com/office/drawing/2014/main" id="{06A3302E-502D-4151-81C9-5FD6AF9596D6}"/>
+              </a:ext>
+            </a:extLst>
+          </p:cNvPr>
+          <p:cNvSpPr>
+            <a:spLocks noGrp="1"/>
+          </p:cNvSpPr>
+          <p:nvPr>
+            <p:ph type="ftr" sz="quarter" idx="11"/>
+          </p:nvPr>
+        </p:nvSpPr>
+        <p:spPr>
+          <a:xfrm>
+            <a:off x="3359150" y="6507212"/>
+            <a:ext cx="6379210" cy="153888"/>
+          </a:xfrm>
+        </p:spPr>
+        <p:txBody>
+          <a:bodyPr/>
+          <a:lstStyle/>
+          <a:p>
+            <a:r>
+              <a:rPr lang="en-US"/>
+              <a:t>Sample Footer Text</a:t>
+            </a:r>
+          </a:p>
+        </p:txBody>
+      </p:sp>
+      <p:sp>
+        <p:nvSpPr>
+          <p:cNvPr id="6" name="Slide Number Placeholder 5">
+            <a:extLst>
+              <a:ext uri="{FF2B5EF4-FFF2-40B4-BE49-F238E27FC236}">
+                <a16:creationId xmlns:a16="http://schemas.microsoft.com/office/drawing/2014/main" id="{9ED907F8-C614-4D59-A03F-BF9CD5E35703}"/>
+              </a:ext>
+            </a:extLst>
+          </p:cNvPr>
+          <p:cNvSpPr>
+            <a:spLocks noGrp="1"/>
+          </p:cNvSpPr>
+          <p:nvPr>
+            <p:ph type="sldNum" sz="quarter" idx="12"/>
+          </p:nvPr>
+        </p:nvSpPr>
+        <p:spPr>
+          <a:xfrm>
+            <a:off x="9948863" y="6507212"/>
+            <a:ext cx="1692274" cy="153888"/>
+          </a:xfrm>
+        </p:spPr>
+        <p:txBody>
+          <a:bodyPr/>
+          <a:lstStyle/>
+          <a:p>
+            <a:fld id="{DBA1B0FB-D917-4C8C-928F-313BD683BF39}" type="slidenum">
+              <a:rPr lang="en-US" smtClean="0"/>
+              <a:pPr/>
+              <a:t>12</a:t>
+            </a:fld>
+            <a:endParaRPr lang="en-US"/>
+          </a:p>
+        </p:txBody>
+      </p:sp>
+    </p:spTree>
+    <p:extLst>
+      <p:ext uri="{BB962C8B-B14F-4D97-AF65-F5344CB8AC3E}">
+        <p14:creationId xmlns:p14="http://schemas.microsoft.com/office/powerpoint/2010/main" val="3521561301"/>
+      </p:ext>
+    </p:extLst>
+  </p:cSld>
+  <p:clrMapOvr>
+    <a:masterClrMapping/>
+  </p:clrMapOvr>
+</p:sld>
+</file>
+
+<file path=ppt/slides/slide13.xml><?xml version="1.0" encoding="utf-8"?>
+<p:sld xmlns:a="http://schemas.openxmlformats.org/drawingml/2006/main" xmlns:r="http://schemas.openxmlformats.org/officeDocument/2006/relationships" xmlns:p="http://schemas.openxmlformats.org/presentationml/2006/main">
+  <p:cSld>
+    <p:spTree>
+      <p:nvGrpSpPr>
+        <p:cNvPr id="1" name=""/>
+        <p:cNvGrpSpPr/>
+        <p:nvPr/>
+      </p:nvGrpSpPr>
+      <p:grpSpPr>
+        <a:xfrm>
+          <a:off x="0" y="0"/>
+          <a:ext cx="0" cy="0"/>
+          <a:chOff x="0" y="0"/>
+          <a:chExt cx="0" cy="0"/>
+        </a:xfrm>
+      </p:grpSpPr>
       <p:sp>
         <p:nvSpPr>
           <p:cNvPr id="22" name="Title 21">
@@ -17859,7 +19616,7 @@
             <a:fld id="{DBA1B0FB-D917-4C8C-928F-313BD683BF39}" type="slidenum">
               <a:rPr lang="en-US" smtClean="0"/>
               <a:pPr/>
-              <a:t>10</a:t>
+              <a:t>13</a:t>
             </a:fld>
             <a:endParaRPr lang="en-US"/>
           </a:p>
@@ -19616,27 +21373,31 @@
           <a:lstStyle/>
           <a:p>
             <a:r>
-              <a:rPr lang="en-US" dirty="0"/>
+              <a:rPr lang="en-US" dirty="0">
+                <a:solidFill>
+                  <a:srgbClr val="FFFFFF"/>
+                </a:solidFill>
+              </a:rPr>
               <a:t>CI (continuous integration) is a modern software development practice in which incremental code changes are made frequently and reliably</a:t>
             </a:r>
           </a:p>
           <a:p>
             <a:r>
-              <a:rPr lang="en-US" dirty="0"/>
-              <a:t>CD (continuous delivery) is the automated delivery of completed code to environments like </a:t>
+              <a:rPr lang="en-US" dirty="0">
+                <a:solidFill>
+                  <a:srgbClr val="FFFFFF"/>
+                </a:solidFill>
+              </a:rPr>
+              <a:t>CD (continuous delivery) is the automated delivery of completed code to environments like automated testing.</a:t>
             </a:r>
+          </a:p>
+          <a:p>
             <a:r>
-              <a:rPr lang="en-US" u="sng" dirty="0"/>
-              <a:t>automated testing</a:t>
-            </a:r>
-            <a:r>
-              <a:rPr lang="en-US" dirty="0"/>
-              <a:t>.</a:t>
-            </a:r>
-          </a:p>
-          <a:p>
-            <a:r>
-              <a:rPr lang="en-US" dirty="0"/>
+              <a:rPr lang="en-US" dirty="0">
+                <a:solidFill>
+                  <a:srgbClr val="FFFFFF"/>
+                </a:solidFill>
+              </a:rPr>
               <a:t>CD (continuous deployment) deploying polished code to production.</a:t>
             </a:r>
           </a:p>
@@ -19959,6 +21720,1365 @@
 </file>
 
 <file path=ppt/slides/slide4.xml><?xml version="1.0" encoding="utf-8"?>
+<p:sld xmlns:a="http://schemas.openxmlformats.org/drawingml/2006/main" xmlns:r="http://schemas.openxmlformats.org/officeDocument/2006/relationships" xmlns:p="http://schemas.openxmlformats.org/presentationml/2006/main">
+  <p:cSld>
+    <p:spTree>
+      <p:nvGrpSpPr>
+        <p:cNvPr id="1" name=""/>
+        <p:cNvGrpSpPr/>
+        <p:nvPr/>
+      </p:nvGrpSpPr>
+      <p:grpSpPr>
+        <a:xfrm>
+          <a:off x="0" y="0"/>
+          <a:ext cx="0" cy="0"/>
+          <a:chOff x="0" y="0"/>
+          <a:chExt cx="0" cy="0"/>
+        </a:xfrm>
+      </p:grpSpPr>
+      <p:grpSp>
+        <p:nvGrpSpPr>
+          <p:cNvPr id="25" name="Group 24">
+            <a:extLst>
+              <a:ext uri="{FF2B5EF4-FFF2-40B4-BE49-F238E27FC236}">
+                <a16:creationId xmlns:a16="http://schemas.microsoft.com/office/drawing/2014/main" id="{D10F3D66-0109-4903-90B9-66D0E288F721}"/>
+              </a:ext>
+              <a:ext uri="{C183D7F6-B498-43B3-948B-1728B52AA6E4}">
+                <adec:decorative xmlns:adec="http://schemas.microsoft.com/office/drawing/2017/decorative" val="1"/>
+              </a:ext>
+            </a:extLst>
+          </p:cNvPr>
+          <p:cNvGrpSpPr/>
+          <p:nvPr/>
+        </p:nvGrpSpPr>
+        <p:grpSpPr>
+          <a:xfrm>
+            <a:off x="10379261" y="2030035"/>
+            <a:ext cx="1335600" cy="1262947"/>
+            <a:chOff x="10145015" y="2343978"/>
+            <a:chExt cx="1335600" cy="1262947"/>
+          </a:xfrm>
+        </p:grpSpPr>
+        <p:sp>
+          <p:nvSpPr>
+            <p:cNvPr id="26" name="Freeform: Shape 25">
+              <a:extLst>
+                <a:ext uri="{FF2B5EF4-FFF2-40B4-BE49-F238E27FC236}">
+                  <a16:creationId xmlns:a16="http://schemas.microsoft.com/office/drawing/2014/main" id="{57DAB968-9B52-4EFF-AD39-7657DFEA6E48}"/>
+                </a:ext>
+              </a:extLst>
+            </p:cNvPr>
+            <p:cNvSpPr>
+              <a:spLocks noChangeAspect="1"/>
+            </p:cNvSpPr>
+            <p:nvPr/>
+          </p:nvSpPr>
+          <p:spPr>
+            <a:xfrm rot="8100000">
+              <a:off x="10400615" y="2343978"/>
+              <a:ext cx="1080000" cy="1262947"/>
+            </a:xfrm>
+            <a:custGeom>
+              <a:avLst/>
+              <a:gdLst>
+                <a:gd name="connsiteX0" fmla="*/ 540000 w 1080000"/>
+                <a:gd name="connsiteY0" fmla="*/ 0 h 1262947"/>
+                <a:gd name="connsiteX1" fmla="*/ 1080000 w 1080000"/>
+                <a:gd name="connsiteY1" fmla="*/ 931034 h 1262947"/>
+                <a:gd name="connsiteX2" fmla="*/ 1064374 w 1080000"/>
+                <a:gd name="connsiteY2" fmla="*/ 931034 h 1262947"/>
+                <a:gd name="connsiteX3" fmla="*/ 1069029 w 1080000"/>
+                <a:gd name="connsiteY3" fmla="*/ 938533 h 1262947"/>
+                <a:gd name="connsiteX4" fmla="*/ 1080000 w 1080000"/>
+                <a:gd name="connsiteY4" fmla="*/ 992947 h 1262947"/>
+                <a:gd name="connsiteX5" fmla="*/ 540000 w 1080000"/>
+                <a:gd name="connsiteY5" fmla="*/ 1262947 h 1262947"/>
+                <a:gd name="connsiteX6" fmla="*/ 0 w 1080000"/>
+                <a:gd name="connsiteY6" fmla="*/ 992947 h 1262947"/>
+                <a:gd name="connsiteX7" fmla="*/ 10971 w 1080000"/>
+                <a:gd name="connsiteY7" fmla="*/ 938533 h 1262947"/>
+                <a:gd name="connsiteX8" fmla="*/ 15626 w 1080000"/>
+                <a:gd name="connsiteY8" fmla="*/ 931034 h 1262947"/>
+                <a:gd name="connsiteX9" fmla="*/ 0 w 1080000"/>
+                <a:gd name="connsiteY9" fmla="*/ 931034 h 1262947"/>
+                <a:gd name="connsiteX0" fmla="*/ 540000 w 1080000"/>
+                <a:gd name="connsiteY0" fmla="*/ 0 h 1262947"/>
+                <a:gd name="connsiteX1" fmla="*/ 1080000 w 1080000"/>
+                <a:gd name="connsiteY1" fmla="*/ 931034 h 1262947"/>
+                <a:gd name="connsiteX2" fmla="*/ 1064374 w 1080000"/>
+                <a:gd name="connsiteY2" fmla="*/ 931034 h 1262947"/>
+                <a:gd name="connsiteX3" fmla="*/ 1069029 w 1080000"/>
+                <a:gd name="connsiteY3" fmla="*/ 938533 h 1262947"/>
+                <a:gd name="connsiteX4" fmla="*/ 1080000 w 1080000"/>
+                <a:gd name="connsiteY4" fmla="*/ 992947 h 1262947"/>
+                <a:gd name="connsiteX5" fmla="*/ 540000 w 1080000"/>
+                <a:gd name="connsiteY5" fmla="*/ 1262947 h 1262947"/>
+                <a:gd name="connsiteX6" fmla="*/ 0 w 1080000"/>
+                <a:gd name="connsiteY6" fmla="*/ 992947 h 1262947"/>
+                <a:gd name="connsiteX7" fmla="*/ 10971 w 1080000"/>
+                <a:gd name="connsiteY7" fmla="*/ 938533 h 1262947"/>
+                <a:gd name="connsiteX8" fmla="*/ 15626 w 1080000"/>
+                <a:gd name="connsiteY8" fmla="*/ 931034 h 1262947"/>
+                <a:gd name="connsiteX9" fmla="*/ 540000 w 1080000"/>
+                <a:gd name="connsiteY9" fmla="*/ 0 h 1262947"/>
+                <a:gd name="connsiteX0" fmla="*/ 540000 w 1080000"/>
+                <a:gd name="connsiteY0" fmla="*/ 0 h 1262947"/>
+                <a:gd name="connsiteX1" fmla="*/ 1064374 w 1080000"/>
+                <a:gd name="connsiteY1" fmla="*/ 931034 h 1262947"/>
+                <a:gd name="connsiteX2" fmla="*/ 1069029 w 1080000"/>
+                <a:gd name="connsiteY2" fmla="*/ 938533 h 1262947"/>
+                <a:gd name="connsiteX3" fmla="*/ 1080000 w 1080000"/>
+                <a:gd name="connsiteY3" fmla="*/ 992947 h 1262947"/>
+                <a:gd name="connsiteX4" fmla="*/ 540000 w 1080000"/>
+                <a:gd name="connsiteY4" fmla="*/ 1262947 h 1262947"/>
+                <a:gd name="connsiteX5" fmla="*/ 0 w 1080000"/>
+                <a:gd name="connsiteY5" fmla="*/ 992947 h 1262947"/>
+                <a:gd name="connsiteX6" fmla="*/ 10971 w 1080000"/>
+                <a:gd name="connsiteY6" fmla="*/ 938533 h 1262947"/>
+                <a:gd name="connsiteX7" fmla="*/ 15626 w 1080000"/>
+                <a:gd name="connsiteY7" fmla="*/ 931034 h 1262947"/>
+                <a:gd name="connsiteX8" fmla="*/ 540000 w 1080000"/>
+                <a:gd name="connsiteY8" fmla="*/ 0 h 1262947"/>
+              </a:gdLst>
+              <a:ahLst/>
+              <a:cxnLst>
+                <a:cxn ang="0">
+                  <a:pos x="connsiteX0" y="connsiteY0"/>
+                </a:cxn>
+                <a:cxn ang="0">
+                  <a:pos x="connsiteX1" y="connsiteY1"/>
+                </a:cxn>
+                <a:cxn ang="0">
+                  <a:pos x="connsiteX2" y="connsiteY2"/>
+                </a:cxn>
+                <a:cxn ang="0">
+                  <a:pos x="connsiteX3" y="connsiteY3"/>
+                </a:cxn>
+                <a:cxn ang="0">
+                  <a:pos x="connsiteX4" y="connsiteY4"/>
+                </a:cxn>
+                <a:cxn ang="0">
+                  <a:pos x="connsiteX5" y="connsiteY5"/>
+                </a:cxn>
+                <a:cxn ang="0">
+                  <a:pos x="connsiteX6" y="connsiteY6"/>
+                </a:cxn>
+                <a:cxn ang="0">
+                  <a:pos x="connsiteX7" y="connsiteY7"/>
+                </a:cxn>
+                <a:cxn ang="0">
+                  <a:pos x="connsiteX8" y="connsiteY8"/>
+                </a:cxn>
+              </a:cxnLst>
+              <a:rect l="l" t="t" r="r" b="b"/>
+              <a:pathLst>
+                <a:path w="1080000" h="1262947">
+                  <a:moveTo>
+                    <a:pt x="540000" y="0"/>
+                  </a:moveTo>
+                  <a:lnTo>
+                    <a:pt x="1064374" y="931034"/>
+                  </a:lnTo>
+                  <a:lnTo>
+                    <a:pt x="1069029" y="938533"/>
+                  </a:lnTo>
+                  <a:cubicBezTo>
+                    <a:pt x="1076223" y="956109"/>
+                    <a:pt x="1080000" y="974307"/>
+                    <a:pt x="1080000" y="992947"/>
+                  </a:cubicBezTo>
+                  <a:cubicBezTo>
+                    <a:pt x="1080000" y="1142064"/>
+                    <a:pt x="838234" y="1262947"/>
+                    <a:pt x="540000" y="1262947"/>
+                  </a:cubicBezTo>
+                  <a:cubicBezTo>
+                    <a:pt x="241766" y="1262947"/>
+                    <a:pt x="0" y="1142064"/>
+                    <a:pt x="0" y="992947"/>
+                  </a:cubicBezTo>
+                  <a:cubicBezTo>
+                    <a:pt x="0" y="974307"/>
+                    <a:pt x="3778" y="956109"/>
+                    <a:pt x="10971" y="938533"/>
+                  </a:cubicBezTo>
+                  <a:lnTo>
+                    <a:pt x="15626" y="931034"/>
+                  </a:lnTo>
+                  <a:lnTo>
+                    <a:pt x="540000" y="0"/>
+                  </a:lnTo>
+                  <a:close/>
+                </a:path>
+              </a:pathLst>
+            </a:custGeom>
+            <a:gradFill>
+              <a:gsLst>
+                <a:gs pos="60000">
+                  <a:schemeClr val="bg2">
+                    <a:lumMod val="90000"/>
+                    <a:lumOff val="10000"/>
+                  </a:schemeClr>
+                </a:gs>
+                <a:gs pos="30000">
+                  <a:schemeClr val="bg2">
+                    <a:lumMod val="90000"/>
+                    <a:lumOff val="10000"/>
+                  </a:schemeClr>
+                </a:gs>
+                <a:gs pos="40000">
+                  <a:schemeClr val="bg2">
+                    <a:lumMod val="80000"/>
+                    <a:lumOff val="20000"/>
+                  </a:schemeClr>
+                </a:gs>
+                <a:gs pos="100000">
+                  <a:schemeClr val="bg2"/>
+                </a:gs>
+              </a:gsLst>
+              <a:lin ang="600000" scaled="0"/>
+            </a:gradFill>
+            <a:ln>
+              <a:noFill/>
+            </a:ln>
+            <a:effectLst>
+              <a:innerShdw blurRad="254000" dist="101600" dir="7320000">
+                <a:schemeClr val="accent1">
+                  <a:lumMod val="60000"/>
+                  <a:lumOff val="40000"/>
+                  <a:alpha val="40000"/>
+                </a:schemeClr>
+              </a:innerShdw>
+            </a:effectLst>
+          </p:spPr>
+          <p:style>
+            <a:lnRef idx="2">
+              <a:schemeClr val="accent1">
+                <a:shade val="50000"/>
+              </a:schemeClr>
+            </a:lnRef>
+            <a:fillRef idx="1">
+              <a:schemeClr val="accent1"/>
+            </a:fillRef>
+            <a:effectRef idx="0">
+              <a:schemeClr val="accent1"/>
+            </a:effectRef>
+            <a:fontRef idx="minor">
+              <a:schemeClr val="lt1"/>
+            </a:fontRef>
+          </p:style>
+          <p:txBody>
+            <a:bodyPr rot="0" spcFirstLastPara="0" vertOverflow="overflow" horzOverflow="overflow" vert="horz" wrap="square" lIns="91440" tIns="45720" rIns="91440" bIns="45720" numCol="1" spcCol="0" rtlCol="0" fromWordArt="0" anchor="ctr" anchorCtr="0" forceAA="0" compatLnSpc="1">
+              <a:prstTxWarp prst="textNoShape">
+                <a:avLst/>
+              </a:prstTxWarp>
+              <a:noAutofit/>
+            </a:bodyPr>
+            <a:lstStyle/>
+            <a:p>
+              <a:pPr algn="ctr"/>
+              <a:endParaRPr lang="en-US"/>
+            </a:p>
+          </p:txBody>
+        </p:sp>
+        <p:sp>
+          <p:nvSpPr>
+            <p:cNvPr id="27" name="Oval 26">
+              <a:extLst>
+                <a:ext uri="{FF2B5EF4-FFF2-40B4-BE49-F238E27FC236}">
+                  <a16:creationId xmlns:a16="http://schemas.microsoft.com/office/drawing/2014/main" id="{962BE440-9634-4380-B142-5DB692420C52}"/>
+                </a:ext>
+              </a:extLst>
+            </p:cNvPr>
+            <p:cNvSpPr/>
+            <p:nvPr/>
+          </p:nvSpPr>
+          <p:spPr>
+            <a:xfrm rot="13500000">
+              <a:off x="10415015" y="2179851"/>
+              <a:ext cx="540000" cy="1080000"/>
+            </a:xfrm>
+            <a:prstGeom prst="ellipse">
+              <a:avLst/>
+            </a:prstGeom>
+            <a:gradFill>
+              <a:gsLst>
+                <a:gs pos="100000">
+                  <a:schemeClr val="accent1">
+                    <a:lumMod val="60000"/>
+                    <a:lumOff val="40000"/>
+                    <a:alpha val="0"/>
+                  </a:schemeClr>
+                </a:gs>
+                <a:gs pos="0">
+                  <a:schemeClr val="bg2">
+                    <a:lumMod val="75000"/>
+                    <a:lumOff val="25000"/>
+                    <a:alpha val="33000"/>
+                  </a:schemeClr>
+                </a:gs>
+              </a:gsLst>
+              <a:lin ang="5400000" scaled="0"/>
+            </a:gradFill>
+            <a:ln>
+              <a:noFill/>
+            </a:ln>
+            <a:effectLst>
+              <a:innerShdw blurRad="1270000" dist="2540000">
+                <a:schemeClr val="accent1">
+                  <a:lumMod val="60000"/>
+                  <a:lumOff val="40000"/>
+                  <a:alpha val="0"/>
+                </a:schemeClr>
+              </a:innerShdw>
+            </a:effectLst>
+          </p:spPr>
+          <p:style>
+            <a:lnRef idx="2">
+              <a:schemeClr val="accent1">
+                <a:shade val="50000"/>
+              </a:schemeClr>
+            </a:lnRef>
+            <a:fillRef idx="1">
+              <a:schemeClr val="accent1"/>
+            </a:fillRef>
+            <a:effectRef idx="0">
+              <a:schemeClr val="accent1"/>
+            </a:effectRef>
+            <a:fontRef idx="minor">
+              <a:schemeClr val="lt1"/>
+            </a:fontRef>
+          </p:style>
+          <p:txBody>
+            <a:bodyPr rot="0" spcFirstLastPara="0" vertOverflow="overflow" horzOverflow="overflow" vert="horz" wrap="square" lIns="91440" tIns="45720" rIns="91440" bIns="45720" numCol="1" spcCol="0" rtlCol="0" fromWordArt="0" anchor="ctr" anchorCtr="0" forceAA="0" compatLnSpc="1">
+              <a:prstTxWarp prst="textNoShape">
+                <a:avLst/>
+              </a:prstTxWarp>
+              <a:noAutofit/>
+            </a:bodyPr>
+            <a:lstStyle/>
+            <a:p>
+              <a:pPr algn="ctr"/>
+              <a:endParaRPr lang="en-US"/>
+            </a:p>
+          </p:txBody>
+        </p:sp>
+      </p:grpSp>
+      <p:sp>
+        <p:nvSpPr>
+          <p:cNvPr id="7" name="Title 6">
+            <a:extLst>
+              <a:ext uri="{FF2B5EF4-FFF2-40B4-BE49-F238E27FC236}">
+                <a16:creationId xmlns:a16="http://schemas.microsoft.com/office/drawing/2014/main" id="{4B18D636-CC10-4B1E-AA38-419DCCF2D9C9}"/>
+              </a:ext>
+            </a:extLst>
+          </p:cNvPr>
+          <p:cNvSpPr>
+            <a:spLocks noGrp="1"/>
+          </p:cNvSpPr>
+          <p:nvPr>
+            <p:ph type="title"/>
+          </p:nvPr>
+        </p:nvSpPr>
+        <p:spPr>
+          <a:xfrm>
+            <a:off x="550862" y="549275"/>
+            <a:ext cx="11097551" cy="1332000"/>
+          </a:xfrm>
+        </p:spPr>
+        <p:txBody>
+          <a:bodyPr>
+            <a:normAutofit/>
+          </a:bodyPr>
+          <a:lstStyle/>
+          <a:p>
+            <a:r>
+              <a:rPr lang="en-US" dirty="0"/>
+              <a:t>Azure Resources for CI / CD </a:t>
+            </a:r>
+          </a:p>
+        </p:txBody>
+      </p:sp>
+      <p:sp>
+        <p:nvSpPr>
+          <p:cNvPr id="5" name="Footer Placeholder 4">
+            <a:extLst>
+              <a:ext uri="{FF2B5EF4-FFF2-40B4-BE49-F238E27FC236}">
+                <a16:creationId xmlns:a16="http://schemas.microsoft.com/office/drawing/2014/main" id="{06A3302E-502D-4151-81C9-5FD6AF9596D6}"/>
+              </a:ext>
+            </a:extLst>
+          </p:cNvPr>
+          <p:cNvSpPr>
+            <a:spLocks noGrp="1"/>
+          </p:cNvSpPr>
+          <p:nvPr>
+            <p:ph type="ftr" sz="quarter" idx="11"/>
+          </p:nvPr>
+        </p:nvSpPr>
+        <p:spPr>
+          <a:xfrm>
+            <a:off x="3359150" y="6507212"/>
+            <a:ext cx="6379210" cy="153888"/>
+          </a:xfrm>
+        </p:spPr>
+        <p:txBody>
+          <a:bodyPr/>
+          <a:lstStyle/>
+          <a:p>
+            <a:r>
+              <a:rPr lang="en-US"/>
+              <a:t>Sample Footer Text</a:t>
+            </a:r>
+          </a:p>
+        </p:txBody>
+      </p:sp>
+      <p:sp>
+        <p:nvSpPr>
+          <p:cNvPr id="6" name="Slide Number Placeholder 5">
+            <a:extLst>
+              <a:ext uri="{FF2B5EF4-FFF2-40B4-BE49-F238E27FC236}">
+                <a16:creationId xmlns:a16="http://schemas.microsoft.com/office/drawing/2014/main" id="{9ED907F8-C614-4D59-A03F-BF9CD5E35703}"/>
+              </a:ext>
+            </a:extLst>
+          </p:cNvPr>
+          <p:cNvSpPr>
+            <a:spLocks noGrp="1"/>
+          </p:cNvSpPr>
+          <p:nvPr>
+            <p:ph type="sldNum" sz="quarter" idx="12"/>
+          </p:nvPr>
+        </p:nvSpPr>
+        <p:spPr>
+          <a:xfrm>
+            <a:off x="9948863" y="6507212"/>
+            <a:ext cx="1692274" cy="153888"/>
+          </a:xfrm>
+        </p:spPr>
+        <p:txBody>
+          <a:bodyPr/>
+          <a:lstStyle/>
+          <a:p>
+            <a:fld id="{DBA1B0FB-D917-4C8C-928F-313BD683BF39}" type="slidenum">
+              <a:rPr lang="en-US" smtClean="0"/>
+              <a:pPr/>
+              <a:t>4</a:t>
+            </a:fld>
+            <a:endParaRPr lang="en-US"/>
+          </a:p>
+        </p:txBody>
+      </p:sp>
+      <p:sp>
+        <p:nvSpPr>
+          <p:cNvPr id="22" name="Freeform: Shape 21">
+            <a:extLst>
+              <a:ext uri="{FF2B5EF4-FFF2-40B4-BE49-F238E27FC236}">
+                <a16:creationId xmlns:a16="http://schemas.microsoft.com/office/drawing/2014/main" id="{C6F3814E-455F-456B-B1AF-7B993965A2C0}"/>
+              </a:ext>
+              <a:ext uri="{C183D7F6-B498-43B3-948B-1728B52AA6E4}">
+                <adec:decorative xmlns:adec="http://schemas.microsoft.com/office/drawing/2017/decorative" val="1"/>
+              </a:ext>
+            </a:extLst>
+          </p:cNvPr>
+          <p:cNvSpPr>
+            <a:spLocks noChangeAspect="1"/>
+          </p:cNvSpPr>
+          <p:nvPr/>
+        </p:nvSpPr>
+        <p:spPr>
+          <a:xfrm>
+            <a:off x="4295775" y="0"/>
+            <a:ext cx="360000" cy="274638"/>
+          </a:xfrm>
+          <a:custGeom>
+            <a:avLst/>
+            <a:gdLst>
+              <a:gd name="connsiteX0" fmla="*/ 30714 w 360000"/>
+              <a:gd name="connsiteY0" fmla="*/ 0 h 274638"/>
+              <a:gd name="connsiteX1" fmla="*/ 329286 w 360000"/>
+              <a:gd name="connsiteY1" fmla="*/ 0 h 274638"/>
+              <a:gd name="connsiteX2" fmla="*/ 345855 w 360000"/>
+              <a:gd name="connsiteY2" fmla="*/ 24574 h 274638"/>
+              <a:gd name="connsiteX3" fmla="*/ 360000 w 360000"/>
+              <a:gd name="connsiteY3" fmla="*/ 94638 h 274638"/>
+              <a:gd name="connsiteX4" fmla="*/ 180000 w 360000"/>
+              <a:gd name="connsiteY4" fmla="*/ 274638 h 274638"/>
+              <a:gd name="connsiteX5" fmla="*/ 0 w 360000"/>
+              <a:gd name="connsiteY5" fmla="*/ 94638 h 274638"/>
+              <a:gd name="connsiteX6" fmla="*/ 14145 w 360000"/>
+              <a:gd name="connsiteY6" fmla="*/ 24574 h 274638"/>
+            </a:gdLst>
+            <a:ahLst/>
+            <a:cxnLst>
+              <a:cxn ang="0">
+                <a:pos x="connsiteX0" y="connsiteY0"/>
+              </a:cxn>
+              <a:cxn ang="0">
+                <a:pos x="connsiteX1" y="connsiteY1"/>
+              </a:cxn>
+              <a:cxn ang="0">
+                <a:pos x="connsiteX2" y="connsiteY2"/>
+              </a:cxn>
+              <a:cxn ang="0">
+                <a:pos x="connsiteX3" y="connsiteY3"/>
+              </a:cxn>
+              <a:cxn ang="0">
+                <a:pos x="connsiteX4" y="connsiteY4"/>
+              </a:cxn>
+              <a:cxn ang="0">
+                <a:pos x="connsiteX5" y="connsiteY5"/>
+              </a:cxn>
+              <a:cxn ang="0">
+                <a:pos x="connsiteX6" y="connsiteY6"/>
+              </a:cxn>
+            </a:cxnLst>
+            <a:rect l="l" t="t" r="r" b="b"/>
+            <a:pathLst>
+              <a:path w="360000" h="274638">
+                <a:moveTo>
+                  <a:pt x="30714" y="0"/>
+                </a:moveTo>
+                <a:lnTo>
+                  <a:pt x="329286" y="0"/>
+                </a:lnTo>
+                <a:lnTo>
+                  <a:pt x="345855" y="24574"/>
+                </a:lnTo>
+                <a:cubicBezTo>
+                  <a:pt x="354963" y="46109"/>
+                  <a:pt x="360000" y="69785"/>
+                  <a:pt x="360000" y="94638"/>
+                </a:cubicBezTo>
+                <a:cubicBezTo>
+                  <a:pt x="360000" y="194049"/>
+                  <a:pt x="279411" y="274638"/>
+                  <a:pt x="180000" y="274638"/>
+                </a:cubicBezTo>
+                <a:cubicBezTo>
+                  <a:pt x="80589" y="274638"/>
+                  <a:pt x="0" y="194049"/>
+                  <a:pt x="0" y="94638"/>
+                </a:cubicBezTo>
+                <a:cubicBezTo>
+                  <a:pt x="0" y="69785"/>
+                  <a:pt x="5037" y="46109"/>
+                  <a:pt x="14145" y="24574"/>
+                </a:cubicBezTo>
+                <a:close/>
+              </a:path>
+            </a:pathLst>
+          </a:custGeom>
+          <a:gradFill flip="none" rotWithShape="1">
+            <a:gsLst>
+              <a:gs pos="100000">
+                <a:schemeClr val="bg2">
+                  <a:lumMod val="50000"/>
+                  <a:lumOff val="50000"/>
+                </a:schemeClr>
+              </a:gs>
+              <a:gs pos="60000">
+                <a:schemeClr val="bg2"/>
+              </a:gs>
+            </a:gsLst>
+            <a:path path="circle">
+              <a:fillToRect l="100000" b="100000"/>
+            </a:path>
+            <a:tileRect t="-100000" r="-100000"/>
+          </a:gradFill>
+          <a:ln>
+            <a:noFill/>
+          </a:ln>
+          <a:effectLst>
+            <a:innerShdw blurRad="127000" dist="63500" dir="2700000">
+              <a:schemeClr val="accent1">
+                <a:lumMod val="60000"/>
+                <a:lumOff val="40000"/>
+                <a:alpha val="20000"/>
+              </a:schemeClr>
+            </a:innerShdw>
+            <a:softEdge rad="0"/>
+          </a:effectLst>
+        </p:spPr>
+        <p:style>
+          <a:lnRef idx="2">
+            <a:schemeClr val="accent1">
+              <a:shade val="50000"/>
+            </a:schemeClr>
+          </a:lnRef>
+          <a:fillRef idx="1">
+            <a:schemeClr val="accent1"/>
+          </a:fillRef>
+          <a:effectRef idx="0">
+            <a:schemeClr val="accent1"/>
+          </a:effectRef>
+          <a:fontRef idx="minor">
+            <a:schemeClr val="lt1"/>
+          </a:fontRef>
+        </p:style>
+        <p:txBody>
+          <a:bodyPr rot="0" spcFirstLastPara="0" vertOverflow="overflow" horzOverflow="overflow" vert="horz" wrap="square" lIns="91440" tIns="45720" rIns="91440" bIns="45720" numCol="1" spcCol="0" rtlCol="0" fromWordArt="0" anchor="ctr" anchorCtr="0" forceAA="0" compatLnSpc="1">
+            <a:prstTxWarp prst="textNoShape">
+              <a:avLst/>
+            </a:prstTxWarp>
+            <a:noAutofit/>
+          </a:bodyPr>
+          <a:lstStyle/>
+          <a:p>
+            <a:pPr algn="ctr"/>
+            <a:endParaRPr lang="en-US"/>
+          </a:p>
+        </p:txBody>
+      </p:sp>
+      <p:pic>
+        <p:nvPicPr>
+          <p:cNvPr id="9" name="Picture 8">
+            <a:extLst>
+              <a:ext uri="{FF2B5EF4-FFF2-40B4-BE49-F238E27FC236}">
+                <a16:creationId xmlns:a16="http://schemas.microsoft.com/office/drawing/2014/main" id="{91E63122-53BC-B250-E8D3-13C32D5D8824}"/>
+              </a:ext>
+            </a:extLst>
+          </p:cNvPr>
+          <p:cNvPicPr>
+            <a:picLocks noChangeAspect="1"/>
+          </p:cNvPicPr>
+          <p:nvPr/>
+        </p:nvPicPr>
+        <p:blipFill>
+          <a:blip r:embed="rId3"/>
+          <a:stretch>
+            <a:fillRect/>
+          </a:stretch>
+        </p:blipFill>
+        <p:spPr>
+          <a:xfrm>
+            <a:off x="2565098" y="5354511"/>
+            <a:ext cx="7061803" cy="1306589"/>
+          </a:xfrm>
+          <a:prstGeom prst="rect">
+            <a:avLst/>
+          </a:prstGeom>
+        </p:spPr>
+      </p:pic>
+      <p:sp>
+        <p:nvSpPr>
+          <p:cNvPr id="16" name="Content Placeholder 9">
+            <a:extLst>
+              <a:ext uri="{FF2B5EF4-FFF2-40B4-BE49-F238E27FC236}">
+                <a16:creationId xmlns:a16="http://schemas.microsoft.com/office/drawing/2014/main" id="{AB24676A-7877-5B85-E55B-540317CAB57F}"/>
+              </a:ext>
+            </a:extLst>
+          </p:cNvPr>
+          <p:cNvSpPr>
+            <a:spLocks noGrp="1"/>
+          </p:cNvSpPr>
+          <p:nvPr>
+            <p:ph sz="half" idx="2"/>
+          </p:nvPr>
+        </p:nvSpPr>
+        <p:spPr>
+          <a:xfrm>
+            <a:off x="543587" y="1534206"/>
+            <a:ext cx="9555038" cy="3515555"/>
+          </a:xfrm>
+        </p:spPr>
+        <p:txBody>
+          <a:bodyPr/>
+          <a:lstStyle/>
+          <a:p>
+            <a:pPr>
+              <a:lnSpc>
+                <a:spcPct val="100000"/>
+              </a:lnSpc>
+            </a:pPr>
+            <a:r>
+              <a:rPr lang="en-US" dirty="0">
+                <a:solidFill>
+                  <a:srgbClr val="FFFFFF"/>
+                </a:solidFill>
+              </a:rPr>
+              <a:t>Azure </a:t>
+            </a:r>
+            <a:r>
+              <a:rPr lang="en-US" dirty="0" err="1">
+                <a:solidFill>
+                  <a:srgbClr val="FFFFFF"/>
+                </a:solidFill>
+              </a:rPr>
+              <a:t>Devops</a:t>
+            </a:r>
+            <a:r>
+              <a:rPr lang="en-US" dirty="0">
+                <a:solidFill>
+                  <a:srgbClr val="FFFFFF"/>
+                </a:solidFill>
+              </a:rPr>
+              <a:t>:</a:t>
+            </a:r>
+          </a:p>
+          <a:p>
+            <a:pPr lvl="1"/>
+            <a:r>
+              <a:rPr lang="en-US" sz="2000" dirty="0">
+                <a:solidFill>
+                  <a:srgbClr val="FFFFFF"/>
+                </a:solidFill>
+              </a:rPr>
+              <a:t>Azure Boards:   plan, track, and discuss work across your teams</a:t>
+            </a:r>
+          </a:p>
+          <a:p>
+            <a:pPr lvl="1">
+              <a:lnSpc>
+                <a:spcPct val="100000"/>
+              </a:lnSpc>
+            </a:pPr>
+            <a:r>
+              <a:rPr lang="en-US" sz="2000" dirty="0">
+                <a:solidFill>
+                  <a:srgbClr val="FFFFFF"/>
+                </a:solidFill>
+              </a:rPr>
+              <a:t>Azure Repos:   like GitHub, but targets private project repositories</a:t>
+            </a:r>
+          </a:p>
+          <a:p>
+            <a:pPr lvl="1">
+              <a:lnSpc>
+                <a:spcPct val="100000"/>
+              </a:lnSpc>
+            </a:pPr>
+            <a:r>
+              <a:rPr lang="en-US" sz="2000" dirty="0">
+                <a:solidFill>
+                  <a:srgbClr val="FFFFFF"/>
+                </a:solidFill>
+              </a:rPr>
+              <a:t>Azure Pipelines:   build, test, and deploy to Azure platforms automatically</a:t>
+            </a:r>
+          </a:p>
+          <a:p>
+            <a:pPr lvl="1">
+              <a:lnSpc>
+                <a:spcPct val="100000"/>
+              </a:lnSpc>
+            </a:pPr>
+            <a:r>
+              <a:rPr lang="en-US" sz="2000" dirty="0">
+                <a:solidFill>
+                  <a:srgbClr val="FFFFFF"/>
+                </a:solidFill>
+              </a:rPr>
+              <a:t>Azure Test Plans:   plan, execute, and track scripted tests</a:t>
+            </a:r>
+          </a:p>
+          <a:p>
+            <a:pPr lvl="1"/>
+            <a:r>
+              <a:rPr lang="en-US" sz="2000" dirty="0">
+                <a:solidFill>
+                  <a:srgbClr val="FFFFFF"/>
+                </a:solidFill>
+              </a:rPr>
+              <a:t>Azure Artifacts:   create and share code and packages with your team</a:t>
+            </a:r>
+            <a:br>
+              <a:rPr lang="en-US" sz="2400" b="0" i="0" dirty="0">
+                <a:solidFill>
+                  <a:srgbClr val="4C4C51"/>
+                </a:solidFill>
+                <a:effectLst/>
+                <a:latin typeface="Segoe UI" panose="020B0502040204020203" pitchFamily="34" charset="0"/>
+              </a:rPr>
+            </a:br>
+            <a:endParaRPr lang="en-US" sz="2000" dirty="0">
+              <a:solidFill>
+                <a:srgbClr val="FFFFFF"/>
+              </a:solidFill>
+            </a:endParaRPr>
+          </a:p>
+        </p:txBody>
+      </p:sp>
+    </p:spTree>
+    <p:extLst>
+      <p:ext uri="{BB962C8B-B14F-4D97-AF65-F5344CB8AC3E}">
+        <p14:creationId xmlns:p14="http://schemas.microsoft.com/office/powerpoint/2010/main" val="2944377273"/>
+      </p:ext>
+    </p:extLst>
+  </p:cSld>
+  <p:clrMapOvr>
+    <a:masterClrMapping/>
+  </p:clrMapOvr>
+</p:sld>
+</file>
+
+<file path=ppt/slides/slide5.xml><?xml version="1.0" encoding="utf-8"?>
+<p:sld xmlns:a="http://schemas.openxmlformats.org/drawingml/2006/main" xmlns:r="http://schemas.openxmlformats.org/officeDocument/2006/relationships" xmlns:p="http://schemas.openxmlformats.org/presentationml/2006/main">
+  <p:cSld>
+    <p:spTree>
+      <p:nvGrpSpPr>
+        <p:cNvPr id="1" name=""/>
+        <p:cNvGrpSpPr/>
+        <p:nvPr/>
+      </p:nvGrpSpPr>
+      <p:grpSpPr>
+        <a:xfrm>
+          <a:off x="0" y="0"/>
+          <a:ext cx="0" cy="0"/>
+          <a:chOff x="0" y="0"/>
+          <a:chExt cx="0" cy="0"/>
+        </a:xfrm>
+      </p:grpSpPr>
+      <p:pic>
+        <p:nvPicPr>
+          <p:cNvPr id="8" name="Picture Placeholder 7" descr="Data Points Digital background">
+            <a:extLst>
+              <a:ext uri="{FF2B5EF4-FFF2-40B4-BE49-F238E27FC236}">
+                <a16:creationId xmlns:a16="http://schemas.microsoft.com/office/drawing/2014/main" id="{5FED7C55-F545-49A1-90FD-D853A25AB453}"/>
+              </a:ext>
+            </a:extLst>
+          </p:cNvPr>
+          <p:cNvPicPr>
+            <a:picLocks noGrp="1" noChangeAspect="1"/>
+          </p:cNvPicPr>
+          <p:nvPr>
+            <p:ph type="pic" sz="quarter" idx="13"/>
+          </p:nvPr>
+        </p:nvPicPr>
+        <p:blipFill>
+          <a:blip r:embed="rId3">
+            <a:extLst>
+              <a:ext uri="{28A0092B-C50C-407E-A947-70E740481C1C}">
+                <a14:useLocalDpi xmlns:a14="http://schemas.microsoft.com/office/drawing/2010/main" val="0"/>
+              </a:ext>
+            </a:extLst>
+          </a:blip>
+          <a:srcRect/>
+          <a:stretch>
+            <a:fillRect/>
+          </a:stretch>
+        </p:blipFill>
+        <p:spPr/>
+      </p:pic>
+      <p:sp>
+        <p:nvSpPr>
+          <p:cNvPr id="15" name="Title 14">
+            <a:extLst>
+              <a:ext uri="{FF2B5EF4-FFF2-40B4-BE49-F238E27FC236}">
+                <a16:creationId xmlns:a16="http://schemas.microsoft.com/office/drawing/2014/main" id="{40F1DF5B-353A-4270-8C10-6A1509441174}"/>
+              </a:ext>
+            </a:extLst>
+          </p:cNvPr>
+          <p:cNvSpPr>
+            <a:spLocks noGrp="1"/>
+          </p:cNvSpPr>
+          <p:nvPr>
+            <p:ph type="ctrTitle"/>
+          </p:nvPr>
+        </p:nvSpPr>
+        <p:spPr>
+          <a:xfrm>
+            <a:off x="550863" y="549275"/>
+            <a:ext cx="5437187" cy="2986234"/>
+          </a:xfrm>
+        </p:spPr>
+        <p:txBody>
+          <a:bodyPr vert="horz" wrap="square" lIns="0" tIns="0" rIns="0" bIns="0" rtlCol="0" anchor="b" anchorCtr="0">
+            <a:normAutofit/>
+          </a:bodyPr>
+          <a:lstStyle/>
+          <a:p>
+            <a:pPr>
+              <a:lnSpc>
+                <a:spcPct val="100000"/>
+              </a:lnSpc>
+            </a:pPr>
+            <a:r>
+              <a:rPr lang="en-US" dirty="0"/>
+              <a:t>CI / CD</a:t>
+            </a:r>
+            <a:endParaRPr lang="en-US" sz="6400" kern="1200" dirty="0">
+              <a:solidFill>
+                <a:schemeClr val="tx1"/>
+              </a:solidFill>
+              <a:latin typeface="+mj-lt"/>
+              <a:ea typeface="+mj-ea"/>
+              <a:cs typeface="+mj-cs"/>
+            </a:endParaRPr>
+          </a:p>
+        </p:txBody>
+      </p:sp>
+      <p:sp>
+        <p:nvSpPr>
+          <p:cNvPr id="16" name="Subtitle 15">
+            <a:extLst>
+              <a:ext uri="{FF2B5EF4-FFF2-40B4-BE49-F238E27FC236}">
+                <a16:creationId xmlns:a16="http://schemas.microsoft.com/office/drawing/2014/main" id="{4BDCF583-1D5D-4235-97C2-39272B80A0B1}"/>
+              </a:ext>
+            </a:extLst>
+          </p:cNvPr>
+          <p:cNvSpPr>
+            <a:spLocks noGrp="1"/>
+          </p:cNvSpPr>
+          <p:nvPr>
+            <p:ph type="subTitle" idx="1"/>
+          </p:nvPr>
+        </p:nvSpPr>
+        <p:spPr>
+          <a:xfrm>
+            <a:off x="550863" y="3827610"/>
+            <a:ext cx="5437187" cy="2265216"/>
+          </a:xfrm>
+        </p:spPr>
+        <p:txBody>
+          <a:bodyPr vert="horz" wrap="square" lIns="0" tIns="0" rIns="0" bIns="0" rtlCol="0">
+            <a:normAutofit/>
+          </a:bodyPr>
+          <a:lstStyle/>
+          <a:p>
+            <a:pPr marL="0" indent="0">
+              <a:lnSpc>
+                <a:spcPct val="100000"/>
+              </a:lnSpc>
+              <a:buNone/>
+            </a:pPr>
+            <a:r>
+              <a:rPr lang="en-US" sz="1800" dirty="0">
+                <a:effectLst/>
+                <a:latin typeface="Calibri" panose="020F0502020204030204" pitchFamily="34" charset="0"/>
+                <a:ea typeface="Calibri" panose="020F0502020204030204" pitchFamily="34" charset="0"/>
+              </a:rPr>
+              <a:t>What Azure resources can we use to set up and implement</a:t>
+            </a:r>
+            <a:r>
+              <a:rPr lang="en-US" sz="1800" spc="5" dirty="0">
+                <a:effectLst/>
+                <a:latin typeface="Calibri" panose="020F0502020204030204" pitchFamily="34" charset="0"/>
+                <a:ea typeface="Calibri" panose="020F0502020204030204" pitchFamily="34" charset="0"/>
+              </a:rPr>
+              <a:t> </a:t>
+            </a:r>
+            <a:r>
+              <a:rPr lang="en-US" sz="1800" dirty="0">
+                <a:effectLst/>
+                <a:latin typeface="Calibri" panose="020F0502020204030204" pitchFamily="34" charset="0"/>
+                <a:ea typeface="Calibri" panose="020F0502020204030204" pitchFamily="34" charset="0"/>
+              </a:rPr>
+              <a:t>CI /</a:t>
+            </a:r>
+            <a:r>
+              <a:rPr lang="en-US" sz="1800" spc="15" dirty="0">
+                <a:effectLst/>
+                <a:latin typeface="Calibri" panose="020F0502020204030204" pitchFamily="34" charset="0"/>
+                <a:ea typeface="Calibri" panose="020F0502020204030204" pitchFamily="34" charset="0"/>
+              </a:rPr>
+              <a:t> </a:t>
+            </a:r>
+            <a:r>
+              <a:rPr lang="en-US" sz="1800" dirty="0">
+                <a:effectLst/>
+                <a:latin typeface="Calibri" panose="020F0502020204030204" pitchFamily="34" charset="0"/>
+                <a:ea typeface="Calibri" panose="020F0502020204030204" pitchFamily="34" charset="0"/>
+              </a:rPr>
+              <a:t>CD</a:t>
+            </a:r>
+            <a:r>
+              <a:rPr lang="en-US" sz="1800" spc="-5" dirty="0">
+                <a:effectLst/>
+                <a:latin typeface="Calibri" panose="020F0502020204030204" pitchFamily="34" charset="0"/>
+                <a:ea typeface="Calibri" panose="020F0502020204030204" pitchFamily="34" charset="0"/>
+              </a:rPr>
+              <a:t> </a:t>
+            </a:r>
+            <a:r>
+              <a:rPr lang="en-US" sz="1800" dirty="0">
+                <a:effectLst/>
+                <a:latin typeface="Calibri" panose="020F0502020204030204" pitchFamily="34" charset="0"/>
+                <a:ea typeface="Calibri" panose="020F0502020204030204" pitchFamily="34" charset="0"/>
+              </a:rPr>
+              <a:t>in</a:t>
+            </a:r>
+            <a:r>
+              <a:rPr lang="en-US" sz="1800" spc="-25" dirty="0">
+                <a:effectLst/>
+                <a:latin typeface="Calibri" panose="020F0502020204030204" pitchFamily="34" charset="0"/>
+                <a:ea typeface="Calibri" panose="020F0502020204030204" pitchFamily="34" charset="0"/>
+              </a:rPr>
+              <a:t> </a:t>
+            </a:r>
+            <a:r>
+              <a:rPr lang="en-US" sz="1800" dirty="0">
+                <a:effectLst/>
+                <a:latin typeface="Calibri" panose="020F0502020204030204" pitchFamily="34" charset="0"/>
+                <a:ea typeface="Calibri" panose="020F0502020204030204" pitchFamily="34" charset="0"/>
+              </a:rPr>
+              <a:t>our</a:t>
+            </a:r>
+            <a:r>
+              <a:rPr lang="en-US" sz="1800" spc="-15" dirty="0">
+                <a:effectLst/>
+                <a:latin typeface="Calibri" panose="020F0502020204030204" pitchFamily="34" charset="0"/>
+                <a:ea typeface="Calibri" panose="020F0502020204030204" pitchFamily="34" charset="0"/>
+              </a:rPr>
+              <a:t> </a:t>
+            </a:r>
+            <a:r>
+              <a:rPr lang="en-US" sz="1800" dirty="0">
+                <a:effectLst/>
+                <a:latin typeface="Calibri" panose="020F0502020204030204" pitchFamily="34" charset="0"/>
+                <a:ea typeface="Calibri" panose="020F0502020204030204" pitchFamily="34" charset="0"/>
+              </a:rPr>
+              <a:t>work</a:t>
+            </a:r>
+            <a:r>
+              <a:rPr lang="en-US" sz="1800" spc="-10" dirty="0">
+                <a:effectLst/>
+                <a:latin typeface="Calibri" panose="020F0502020204030204" pitchFamily="34" charset="0"/>
+                <a:ea typeface="Calibri" panose="020F0502020204030204" pitchFamily="34" charset="0"/>
+              </a:rPr>
+              <a:t> </a:t>
+            </a:r>
+            <a:r>
+              <a:rPr lang="en-US" sz="1800" dirty="0">
+                <a:effectLst/>
+                <a:latin typeface="Calibri" panose="020F0502020204030204" pitchFamily="34" charset="0"/>
+                <a:ea typeface="Calibri" panose="020F0502020204030204" pitchFamily="34" charset="0"/>
+              </a:rPr>
+              <a:t>environment?</a:t>
+            </a:r>
+            <a:endParaRPr lang="en-US" kern="1200" dirty="0">
+              <a:latin typeface="+mn-lt"/>
+              <a:ea typeface="+mn-ea"/>
+              <a:cs typeface="+mn-cs"/>
+            </a:endParaRPr>
+          </a:p>
+        </p:txBody>
+      </p:sp>
+      <p:sp>
+        <p:nvSpPr>
+          <p:cNvPr id="4" name="Slide Number Placeholder 3">
+            <a:extLst>
+              <a:ext uri="{FF2B5EF4-FFF2-40B4-BE49-F238E27FC236}">
+                <a16:creationId xmlns:a16="http://schemas.microsoft.com/office/drawing/2014/main" id="{E1E7D98D-6710-41D2-B258-E1A1059D29F8}"/>
+              </a:ext>
+            </a:extLst>
+          </p:cNvPr>
+          <p:cNvSpPr>
+            <a:spLocks noGrp="1"/>
+          </p:cNvSpPr>
+          <p:nvPr>
+            <p:ph type="sldNum" sz="quarter" idx="12"/>
+          </p:nvPr>
+        </p:nvSpPr>
+        <p:spPr/>
+        <p:txBody>
+          <a:bodyPr/>
+          <a:lstStyle/>
+          <a:p>
+            <a:fld id="{DBA1B0FB-D917-4C8C-928F-313BD683BF39}" type="slidenum">
+              <a:rPr lang="en-US" smtClean="0"/>
+              <a:t>5</a:t>
+            </a:fld>
+            <a:endParaRPr lang="en-US"/>
+          </a:p>
+        </p:txBody>
+      </p:sp>
+    </p:spTree>
+    <p:extLst>
+      <p:ext uri="{BB962C8B-B14F-4D97-AF65-F5344CB8AC3E}">
+        <p14:creationId xmlns:p14="http://schemas.microsoft.com/office/powerpoint/2010/main" val="1493445995"/>
+      </p:ext>
+    </p:extLst>
+  </p:cSld>
+  <p:clrMapOvr>
+    <a:masterClrMapping/>
+  </p:clrMapOvr>
+</p:sld>
+</file>
+
+<file path=ppt/slides/slide6.xml><?xml version="1.0" encoding="utf-8"?>
+<p:sld xmlns:a="http://schemas.openxmlformats.org/drawingml/2006/main" xmlns:r="http://schemas.openxmlformats.org/officeDocument/2006/relationships" xmlns:p="http://schemas.openxmlformats.org/presentationml/2006/main">
+  <p:cSld>
+    <p:spTree>
+      <p:nvGrpSpPr>
+        <p:cNvPr id="1" name=""/>
+        <p:cNvGrpSpPr/>
+        <p:nvPr/>
+      </p:nvGrpSpPr>
+      <p:grpSpPr>
+        <a:xfrm>
+          <a:off x="0" y="0"/>
+          <a:ext cx="0" cy="0"/>
+          <a:chOff x="0" y="0"/>
+          <a:chExt cx="0" cy="0"/>
+        </a:xfrm>
+      </p:grpSpPr>
+      <p:pic>
+        <p:nvPicPr>
+          <p:cNvPr id="8" name="Picture Placeholder 7" descr="Data Points Digital background">
+            <a:extLst>
+              <a:ext uri="{FF2B5EF4-FFF2-40B4-BE49-F238E27FC236}">
+                <a16:creationId xmlns:a16="http://schemas.microsoft.com/office/drawing/2014/main" id="{5FED7C55-F545-49A1-90FD-D853A25AB453}"/>
+              </a:ext>
+            </a:extLst>
+          </p:cNvPr>
+          <p:cNvPicPr>
+            <a:picLocks noGrp="1" noChangeAspect="1"/>
+          </p:cNvPicPr>
+          <p:nvPr>
+            <p:ph type="pic" sz="quarter" idx="13"/>
+          </p:nvPr>
+        </p:nvPicPr>
+        <p:blipFill>
+          <a:blip r:embed="rId3">
+            <a:extLst>
+              <a:ext uri="{28A0092B-C50C-407E-A947-70E740481C1C}">
+                <a14:useLocalDpi xmlns:a14="http://schemas.microsoft.com/office/drawing/2010/main" val="0"/>
+              </a:ext>
+            </a:extLst>
+          </a:blip>
+          <a:srcRect/>
+          <a:stretch>
+            <a:fillRect/>
+          </a:stretch>
+        </p:blipFill>
+        <p:spPr/>
+      </p:pic>
+      <p:sp>
+        <p:nvSpPr>
+          <p:cNvPr id="15" name="Title 14">
+            <a:extLst>
+              <a:ext uri="{FF2B5EF4-FFF2-40B4-BE49-F238E27FC236}">
+                <a16:creationId xmlns:a16="http://schemas.microsoft.com/office/drawing/2014/main" id="{40F1DF5B-353A-4270-8C10-6A1509441174}"/>
+              </a:ext>
+            </a:extLst>
+          </p:cNvPr>
+          <p:cNvSpPr>
+            <a:spLocks noGrp="1"/>
+          </p:cNvSpPr>
+          <p:nvPr>
+            <p:ph type="ctrTitle"/>
+          </p:nvPr>
+        </p:nvSpPr>
+        <p:spPr>
+          <a:xfrm>
+            <a:off x="550863" y="549275"/>
+            <a:ext cx="5437187" cy="2986234"/>
+          </a:xfrm>
+        </p:spPr>
+        <p:txBody>
+          <a:bodyPr vert="horz" wrap="square" lIns="0" tIns="0" rIns="0" bIns="0" rtlCol="0" anchor="b" anchorCtr="0">
+            <a:normAutofit/>
+          </a:bodyPr>
+          <a:lstStyle/>
+          <a:p>
+            <a:pPr>
+              <a:lnSpc>
+                <a:spcPct val="100000"/>
+              </a:lnSpc>
+            </a:pPr>
+            <a:r>
+              <a:rPr lang="en-US" dirty="0"/>
+              <a:t>CI / CD</a:t>
+            </a:r>
+            <a:endParaRPr lang="en-US" sz="6400" kern="1200" dirty="0">
+              <a:solidFill>
+                <a:schemeClr val="tx1"/>
+              </a:solidFill>
+              <a:latin typeface="+mj-lt"/>
+              <a:ea typeface="+mj-ea"/>
+              <a:cs typeface="+mj-cs"/>
+            </a:endParaRPr>
+          </a:p>
+        </p:txBody>
+      </p:sp>
+      <p:sp>
+        <p:nvSpPr>
+          <p:cNvPr id="16" name="Subtitle 15">
+            <a:extLst>
+              <a:ext uri="{FF2B5EF4-FFF2-40B4-BE49-F238E27FC236}">
+                <a16:creationId xmlns:a16="http://schemas.microsoft.com/office/drawing/2014/main" id="{4BDCF583-1D5D-4235-97C2-39272B80A0B1}"/>
+              </a:ext>
+            </a:extLst>
+          </p:cNvPr>
+          <p:cNvSpPr>
+            <a:spLocks noGrp="1"/>
+          </p:cNvSpPr>
+          <p:nvPr>
+            <p:ph type="subTitle" idx="1"/>
+          </p:nvPr>
+        </p:nvSpPr>
+        <p:spPr>
+          <a:xfrm>
+            <a:off x="550863" y="3827610"/>
+            <a:ext cx="5437187" cy="2265216"/>
+          </a:xfrm>
+        </p:spPr>
+        <p:txBody>
+          <a:bodyPr vert="horz" wrap="square" lIns="0" tIns="0" rIns="0" bIns="0" rtlCol="0">
+            <a:normAutofit/>
+          </a:bodyPr>
+          <a:lstStyle/>
+          <a:p>
+            <a:pPr marL="0" indent="0">
+              <a:lnSpc>
+                <a:spcPct val="100000"/>
+              </a:lnSpc>
+              <a:buNone/>
+            </a:pPr>
+            <a:r>
+              <a:rPr lang="en-US" sz="1800" dirty="0">
+                <a:effectLst/>
+                <a:latin typeface="Calibri" panose="020F0502020204030204" pitchFamily="34" charset="0"/>
+                <a:ea typeface="Calibri" panose="020F0502020204030204" pitchFamily="34" charset="0"/>
+              </a:rPr>
+              <a:t>What Azure resources can we use to set up and implement</a:t>
+            </a:r>
+            <a:r>
+              <a:rPr lang="en-US" sz="1800" spc="5" dirty="0">
+                <a:effectLst/>
+                <a:latin typeface="Calibri" panose="020F0502020204030204" pitchFamily="34" charset="0"/>
+                <a:ea typeface="Calibri" panose="020F0502020204030204" pitchFamily="34" charset="0"/>
+              </a:rPr>
+              <a:t> </a:t>
+            </a:r>
+            <a:r>
+              <a:rPr lang="en-US" sz="1800" dirty="0">
+                <a:effectLst/>
+                <a:latin typeface="Calibri" panose="020F0502020204030204" pitchFamily="34" charset="0"/>
+                <a:ea typeface="Calibri" panose="020F0502020204030204" pitchFamily="34" charset="0"/>
+              </a:rPr>
+              <a:t>CI /</a:t>
+            </a:r>
+            <a:r>
+              <a:rPr lang="en-US" sz="1800" spc="15" dirty="0">
+                <a:effectLst/>
+                <a:latin typeface="Calibri" panose="020F0502020204030204" pitchFamily="34" charset="0"/>
+                <a:ea typeface="Calibri" panose="020F0502020204030204" pitchFamily="34" charset="0"/>
+              </a:rPr>
+              <a:t> </a:t>
+            </a:r>
+            <a:r>
+              <a:rPr lang="en-US" sz="1800" dirty="0">
+                <a:effectLst/>
+                <a:latin typeface="Calibri" panose="020F0502020204030204" pitchFamily="34" charset="0"/>
+                <a:ea typeface="Calibri" panose="020F0502020204030204" pitchFamily="34" charset="0"/>
+              </a:rPr>
+              <a:t>CD</a:t>
+            </a:r>
+            <a:r>
+              <a:rPr lang="en-US" sz="1800" spc="-5" dirty="0">
+                <a:effectLst/>
+                <a:latin typeface="Calibri" panose="020F0502020204030204" pitchFamily="34" charset="0"/>
+                <a:ea typeface="Calibri" panose="020F0502020204030204" pitchFamily="34" charset="0"/>
+              </a:rPr>
+              <a:t> </a:t>
+            </a:r>
+            <a:r>
+              <a:rPr lang="en-US" sz="1800" dirty="0">
+                <a:effectLst/>
+                <a:latin typeface="Calibri" panose="020F0502020204030204" pitchFamily="34" charset="0"/>
+                <a:ea typeface="Calibri" panose="020F0502020204030204" pitchFamily="34" charset="0"/>
+              </a:rPr>
+              <a:t>in</a:t>
+            </a:r>
+            <a:r>
+              <a:rPr lang="en-US" sz="1800" spc="-25" dirty="0">
+                <a:effectLst/>
+                <a:latin typeface="Calibri" panose="020F0502020204030204" pitchFamily="34" charset="0"/>
+                <a:ea typeface="Calibri" panose="020F0502020204030204" pitchFamily="34" charset="0"/>
+              </a:rPr>
+              <a:t> </a:t>
+            </a:r>
+            <a:r>
+              <a:rPr lang="en-US" sz="1800" dirty="0">
+                <a:effectLst/>
+                <a:latin typeface="Calibri" panose="020F0502020204030204" pitchFamily="34" charset="0"/>
+                <a:ea typeface="Calibri" panose="020F0502020204030204" pitchFamily="34" charset="0"/>
+              </a:rPr>
+              <a:t>our</a:t>
+            </a:r>
+            <a:r>
+              <a:rPr lang="en-US" sz="1800" spc="-15" dirty="0">
+                <a:effectLst/>
+                <a:latin typeface="Calibri" panose="020F0502020204030204" pitchFamily="34" charset="0"/>
+                <a:ea typeface="Calibri" panose="020F0502020204030204" pitchFamily="34" charset="0"/>
+              </a:rPr>
+              <a:t> </a:t>
+            </a:r>
+            <a:r>
+              <a:rPr lang="en-US" sz="1800" dirty="0">
+                <a:effectLst/>
+                <a:latin typeface="Calibri" panose="020F0502020204030204" pitchFamily="34" charset="0"/>
+                <a:ea typeface="Calibri" panose="020F0502020204030204" pitchFamily="34" charset="0"/>
+              </a:rPr>
+              <a:t>work</a:t>
+            </a:r>
+            <a:r>
+              <a:rPr lang="en-US" sz="1800" spc="-10" dirty="0">
+                <a:effectLst/>
+                <a:latin typeface="Calibri" panose="020F0502020204030204" pitchFamily="34" charset="0"/>
+                <a:ea typeface="Calibri" panose="020F0502020204030204" pitchFamily="34" charset="0"/>
+              </a:rPr>
+              <a:t> </a:t>
+            </a:r>
+            <a:r>
+              <a:rPr lang="en-US" sz="1800" dirty="0">
+                <a:effectLst/>
+                <a:latin typeface="Calibri" panose="020F0502020204030204" pitchFamily="34" charset="0"/>
+                <a:ea typeface="Calibri" panose="020F0502020204030204" pitchFamily="34" charset="0"/>
+              </a:rPr>
+              <a:t>environment?</a:t>
+            </a:r>
+            <a:endParaRPr lang="en-US" kern="1200" dirty="0">
+              <a:latin typeface="+mn-lt"/>
+              <a:ea typeface="+mn-ea"/>
+              <a:cs typeface="+mn-cs"/>
+            </a:endParaRPr>
+          </a:p>
+        </p:txBody>
+      </p:sp>
+      <p:sp>
+        <p:nvSpPr>
+          <p:cNvPr id="4" name="Slide Number Placeholder 3">
+            <a:extLst>
+              <a:ext uri="{FF2B5EF4-FFF2-40B4-BE49-F238E27FC236}">
+                <a16:creationId xmlns:a16="http://schemas.microsoft.com/office/drawing/2014/main" id="{E1E7D98D-6710-41D2-B258-E1A1059D29F8}"/>
+              </a:ext>
+            </a:extLst>
+          </p:cNvPr>
+          <p:cNvSpPr>
+            <a:spLocks noGrp="1"/>
+          </p:cNvSpPr>
+          <p:nvPr>
+            <p:ph type="sldNum" sz="quarter" idx="12"/>
+          </p:nvPr>
+        </p:nvSpPr>
+        <p:spPr/>
+        <p:txBody>
+          <a:bodyPr/>
+          <a:lstStyle/>
+          <a:p>
+            <a:fld id="{DBA1B0FB-D917-4C8C-928F-313BD683BF39}" type="slidenum">
+              <a:rPr lang="en-US" smtClean="0"/>
+              <a:t>6</a:t>
+            </a:fld>
+            <a:endParaRPr lang="en-US"/>
+          </a:p>
+        </p:txBody>
+      </p:sp>
+    </p:spTree>
+    <p:extLst>
+      <p:ext uri="{BB962C8B-B14F-4D97-AF65-F5344CB8AC3E}">
+        <p14:creationId xmlns:p14="http://schemas.microsoft.com/office/powerpoint/2010/main" val="1879230169"/>
+      </p:ext>
+    </p:extLst>
+  </p:cSld>
+  <p:clrMapOvr>
+    <a:masterClrMapping/>
+  </p:clrMapOvr>
+</p:sld>
+</file>
+
+<file path=ppt/slides/slide7.xml><?xml version="1.0" encoding="utf-8"?>
 <p:sld xmlns:a="http://schemas.openxmlformats.org/drawingml/2006/main" xmlns:r="http://schemas.openxmlformats.org/officeDocument/2006/relationships" xmlns:p="http://schemas.openxmlformats.org/presentationml/2006/main">
   <p:cSld>
     <p:spTree>
@@ -21597,7 +24717,7 @@
             <a:fld id="{DBA1B0FB-D917-4C8C-928F-313BD683BF39}" type="slidenum">
               <a:rPr lang="en-US" smtClean="0"/>
               <a:pPr/>
-              <a:t>4</a:t>
+              <a:t>7</a:t>
             </a:fld>
             <a:endParaRPr lang="en-US"/>
           </a:p>
@@ -21616,7 +24736,7 @@
 </p:sld>
 </file>
 
-<file path=ppt/slides/slide5.xml><?xml version="1.0" encoding="utf-8"?>
+<file path=ppt/slides/slide8.xml><?xml version="1.0" encoding="utf-8"?>
 <p:sld xmlns:a="http://schemas.openxmlformats.org/drawingml/2006/main" xmlns:r="http://schemas.openxmlformats.org/officeDocument/2006/relationships" xmlns:p="http://schemas.openxmlformats.org/presentationml/2006/main">
   <p:cSld>
     <p:spTree>
@@ -21834,7 +24954,7 @@
             <a:fld id="{DBA1B0FB-D917-4C8C-928F-313BD683BF39}" type="slidenum">
               <a:rPr lang="en-US" smtClean="0"/>
               <a:pPr/>
-              <a:t>5</a:t>
+              <a:t>8</a:t>
             </a:fld>
             <a:endParaRPr lang="en-US"/>
           </a:p>
@@ -21853,7 +24973,7 @@
 </p:sld>
 </file>
 
-<file path=ppt/slides/slide6.xml><?xml version="1.0" encoding="utf-8"?>
+<file path=ppt/slides/slide9.xml><?xml version="1.0" encoding="utf-8"?>
 <p:sld xmlns:a="http://schemas.openxmlformats.org/drawingml/2006/main" xmlns:r="http://schemas.openxmlformats.org/officeDocument/2006/relationships" xmlns:p="http://schemas.openxmlformats.org/presentationml/2006/main">
   <p:cSld>
     <p:spTree>
@@ -22030,7 +25150,7 @@
             <a:fld id="{DBA1B0FB-D917-4C8C-928F-313BD683BF39}" type="slidenum">
               <a:rPr lang="en-US" smtClean="0"/>
               <a:pPr/>
-              <a:t>6</a:t>
+              <a:t>9</a:t>
             </a:fld>
             <a:endParaRPr lang="en-US"/>
           </a:p>
@@ -22040,1508 +25160,6 @@
     <p:extLst>
       <p:ext uri="{BB962C8B-B14F-4D97-AF65-F5344CB8AC3E}">
         <p14:creationId xmlns:p14="http://schemas.microsoft.com/office/powerpoint/2010/main" val="2624630061"/>
-      </p:ext>
-    </p:extLst>
-  </p:cSld>
-  <p:clrMapOvr>
-    <a:masterClrMapping/>
-  </p:clrMapOvr>
-</p:sld>
-</file>
-
-<file path=ppt/slides/slide7.xml><?xml version="1.0" encoding="utf-8"?>
-<p:sld xmlns:a="http://schemas.openxmlformats.org/drawingml/2006/main" xmlns:r="http://schemas.openxmlformats.org/officeDocument/2006/relationships" xmlns:p="http://schemas.openxmlformats.org/presentationml/2006/main">
-  <p:cSld>
-    <p:spTree>
-      <p:nvGrpSpPr>
-        <p:cNvPr id="1" name=""/>
-        <p:cNvGrpSpPr/>
-        <p:nvPr/>
-      </p:nvGrpSpPr>
-      <p:grpSpPr>
-        <a:xfrm>
-          <a:off x="0" y="0"/>
-          <a:ext cx="0" cy="0"/>
-          <a:chOff x="0" y="0"/>
-          <a:chExt cx="0" cy="0"/>
-        </a:xfrm>
-      </p:grpSpPr>
-      <p:grpSp>
-        <p:nvGrpSpPr>
-          <p:cNvPr id="25" name="Group 24">
-            <a:extLst>
-              <a:ext uri="{FF2B5EF4-FFF2-40B4-BE49-F238E27FC236}">
-                <a16:creationId xmlns:a16="http://schemas.microsoft.com/office/drawing/2014/main" id="{D10F3D66-0109-4903-90B9-66D0E288F721}"/>
-              </a:ext>
-              <a:ext uri="{C183D7F6-B498-43B3-948B-1728B52AA6E4}">
-                <adec:decorative xmlns:adec="http://schemas.microsoft.com/office/drawing/2017/decorative" val="1"/>
-              </a:ext>
-            </a:extLst>
-          </p:cNvPr>
-          <p:cNvGrpSpPr/>
-          <p:nvPr/>
-        </p:nvGrpSpPr>
-        <p:grpSpPr>
-          <a:xfrm>
-            <a:off x="10379261" y="2030035"/>
-            <a:ext cx="1335600" cy="1262947"/>
-            <a:chOff x="10145015" y="2343978"/>
-            <a:chExt cx="1335600" cy="1262947"/>
-          </a:xfrm>
-        </p:grpSpPr>
-        <p:sp>
-          <p:nvSpPr>
-            <p:cNvPr id="26" name="Freeform: Shape 25">
-              <a:extLst>
-                <a:ext uri="{FF2B5EF4-FFF2-40B4-BE49-F238E27FC236}">
-                  <a16:creationId xmlns:a16="http://schemas.microsoft.com/office/drawing/2014/main" id="{57DAB968-9B52-4EFF-AD39-7657DFEA6E48}"/>
-                </a:ext>
-              </a:extLst>
-            </p:cNvPr>
-            <p:cNvSpPr>
-              <a:spLocks noChangeAspect="1"/>
-            </p:cNvSpPr>
-            <p:nvPr/>
-          </p:nvSpPr>
-          <p:spPr>
-            <a:xfrm rot="8100000">
-              <a:off x="10400615" y="2343978"/>
-              <a:ext cx="1080000" cy="1262947"/>
-            </a:xfrm>
-            <a:custGeom>
-              <a:avLst/>
-              <a:gdLst>
-                <a:gd name="connsiteX0" fmla="*/ 540000 w 1080000"/>
-                <a:gd name="connsiteY0" fmla="*/ 0 h 1262947"/>
-                <a:gd name="connsiteX1" fmla="*/ 1080000 w 1080000"/>
-                <a:gd name="connsiteY1" fmla="*/ 931034 h 1262947"/>
-                <a:gd name="connsiteX2" fmla="*/ 1064374 w 1080000"/>
-                <a:gd name="connsiteY2" fmla="*/ 931034 h 1262947"/>
-                <a:gd name="connsiteX3" fmla="*/ 1069029 w 1080000"/>
-                <a:gd name="connsiteY3" fmla="*/ 938533 h 1262947"/>
-                <a:gd name="connsiteX4" fmla="*/ 1080000 w 1080000"/>
-                <a:gd name="connsiteY4" fmla="*/ 992947 h 1262947"/>
-                <a:gd name="connsiteX5" fmla="*/ 540000 w 1080000"/>
-                <a:gd name="connsiteY5" fmla="*/ 1262947 h 1262947"/>
-                <a:gd name="connsiteX6" fmla="*/ 0 w 1080000"/>
-                <a:gd name="connsiteY6" fmla="*/ 992947 h 1262947"/>
-                <a:gd name="connsiteX7" fmla="*/ 10971 w 1080000"/>
-                <a:gd name="connsiteY7" fmla="*/ 938533 h 1262947"/>
-                <a:gd name="connsiteX8" fmla="*/ 15626 w 1080000"/>
-                <a:gd name="connsiteY8" fmla="*/ 931034 h 1262947"/>
-                <a:gd name="connsiteX9" fmla="*/ 0 w 1080000"/>
-                <a:gd name="connsiteY9" fmla="*/ 931034 h 1262947"/>
-                <a:gd name="connsiteX0" fmla="*/ 540000 w 1080000"/>
-                <a:gd name="connsiteY0" fmla="*/ 0 h 1262947"/>
-                <a:gd name="connsiteX1" fmla="*/ 1080000 w 1080000"/>
-                <a:gd name="connsiteY1" fmla="*/ 931034 h 1262947"/>
-                <a:gd name="connsiteX2" fmla="*/ 1064374 w 1080000"/>
-                <a:gd name="connsiteY2" fmla="*/ 931034 h 1262947"/>
-                <a:gd name="connsiteX3" fmla="*/ 1069029 w 1080000"/>
-                <a:gd name="connsiteY3" fmla="*/ 938533 h 1262947"/>
-                <a:gd name="connsiteX4" fmla="*/ 1080000 w 1080000"/>
-                <a:gd name="connsiteY4" fmla="*/ 992947 h 1262947"/>
-                <a:gd name="connsiteX5" fmla="*/ 540000 w 1080000"/>
-                <a:gd name="connsiteY5" fmla="*/ 1262947 h 1262947"/>
-                <a:gd name="connsiteX6" fmla="*/ 0 w 1080000"/>
-                <a:gd name="connsiteY6" fmla="*/ 992947 h 1262947"/>
-                <a:gd name="connsiteX7" fmla="*/ 10971 w 1080000"/>
-                <a:gd name="connsiteY7" fmla="*/ 938533 h 1262947"/>
-                <a:gd name="connsiteX8" fmla="*/ 15626 w 1080000"/>
-                <a:gd name="connsiteY8" fmla="*/ 931034 h 1262947"/>
-                <a:gd name="connsiteX9" fmla="*/ 540000 w 1080000"/>
-                <a:gd name="connsiteY9" fmla="*/ 0 h 1262947"/>
-                <a:gd name="connsiteX0" fmla="*/ 540000 w 1080000"/>
-                <a:gd name="connsiteY0" fmla="*/ 0 h 1262947"/>
-                <a:gd name="connsiteX1" fmla="*/ 1064374 w 1080000"/>
-                <a:gd name="connsiteY1" fmla="*/ 931034 h 1262947"/>
-                <a:gd name="connsiteX2" fmla="*/ 1069029 w 1080000"/>
-                <a:gd name="connsiteY2" fmla="*/ 938533 h 1262947"/>
-                <a:gd name="connsiteX3" fmla="*/ 1080000 w 1080000"/>
-                <a:gd name="connsiteY3" fmla="*/ 992947 h 1262947"/>
-                <a:gd name="connsiteX4" fmla="*/ 540000 w 1080000"/>
-                <a:gd name="connsiteY4" fmla="*/ 1262947 h 1262947"/>
-                <a:gd name="connsiteX5" fmla="*/ 0 w 1080000"/>
-                <a:gd name="connsiteY5" fmla="*/ 992947 h 1262947"/>
-                <a:gd name="connsiteX6" fmla="*/ 10971 w 1080000"/>
-                <a:gd name="connsiteY6" fmla="*/ 938533 h 1262947"/>
-                <a:gd name="connsiteX7" fmla="*/ 15626 w 1080000"/>
-                <a:gd name="connsiteY7" fmla="*/ 931034 h 1262947"/>
-                <a:gd name="connsiteX8" fmla="*/ 540000 w 1080000"/>
-                <a:gd name="connsiteY8" fmla="*/ 0 h 1262947"/>
-              </a:gdLst>
-              <a:ahLst/>
-              <a:cxnLst>
-                <a:cxn ang="0">
-                  <a:pos x="connsiteX0" y="connsiteY0"/>
-                </a:cxn>
-                <a:cxn ang="0">
-                  <a:pos x="connsiteX1" y="connsiteY1"/>
-                </a:cxn>
-                <a:cxn ang="0">
-                  <a:pos x="connsiteX2" y="connsiteY2"/>
-                </a:cxn>
-                <a:cxn ang="0">
-                  <a:pos x="connsiteX3" y="connsiteY3"/>
-                </a:cxn>
-                <a:cxn ang="0">
-                  <a:pos x="connsiteX4" y="connsiteY4"/>
-                </a:cxn>
-                <a:cxn ang="0">
-                  <a:pos x="connsiteX5" y="connsiteY5"/>
-                </a:cxn>
-                <a:cxn ang="0">
-                  <a:pos x="connsiteX6" y="connsiteY6"/>
-                </a:cxn>
-                <a:cxn ang="0">
-                  <a:pos x="connsiteX7" y="connsiteY7"/>
-                </a:cxn>
-                <a:cxn ang="0">
-                  <a:pos x="connsiteX8" y="connsiteY8"/>
-                </a:cxn>
-              </a:cxnLst>
-              <a:rect l="l" t="t" r="r" b="b"/>
-              <a:pathLst>
-                <a:path w="1080000" h="1262947">
-                  <a:moveTo>
-                    <a:pt x="540000" y="0"/>
-                  </a:moveTo>
-                  <a:lnTo>
-                    <a:pt x="1064374" y="931034"/>
-                  </a:lnTo>
-                  <a:lnTo>
-                    <a:pt x="1069029" y="938533"/>
-                  </a:lnTo>
-                  <a:cubicBezTo>
-                    <a:pt x="1076223" y="956109"/>
-                    <a:pt x="1080000" y="974307"/>
-                    <a:pt x="1080000" y="992947"/>
-                  </a:cubicBezTo>
-                  <a:cubicBezTo>
-                    <a:pt x="1080000" y="1142064"/>
-                    <a:pt x="838234" y="1262947"/>
-                    <a:pt x="540000" y="1262947"/>
-                  </a:cubicBezTo>
-                  <a:cubicBezTo>
-                    <a:pt x="241766" y="1262947"/>
-                    <a:pt x="0" y="1142064"/>
-                    <a:pt x="0" y="992947"/>
-                  </a:cubicBezTo>
-                  <a:cubicBezTo>
-                    <a:pt x="0" y="974307"/>
-                    <a:pt x="3778" y="956109"/>
-                    <a:pt x="10971" y="938533"/>
-                  </a:cubicBezTo>
-                  <a:lnTo>
-                    <a:pt x="15626" y="931034"/>
-                  </a:lnTo>
-                  <a:lnTo>
-                    <a:pt x="540000" y="0"/>
-                  </a:lnTo>
-                  <a:close/>
-                </a:path>
-              </a:pathLst>
-            </a:custGeom>
-            <a:gradFill>
-              <a:gsLst>
-                <a:gs pos="60000">
-                  <a:schemeClr val="bg2">
-                    <a:lumMod val="90000"/>
-                    <a:lumOff val="10000"/>
-                  </a:schemeClr>
-                </a:gs>
-                <a:gs pos="30000">
-                  <a:schemeClr val="bg2">
-                    <a:lumMod val="90000"/>
-                    <a:lumOff val="10000"/>
-                  </a:schemeClr>
-                </a:gs>
-                <a:gs pos="40000">
-                  <a:schemeClr val="bg2">
-                    <a:lumMod val="80000"/>
-                    <a:lumOff val="20000"/>
-                  </a:schemeClr>
-                </a:gs>
-                <a:gs pos="100000">
-                  <a:schemeClr val="bg2"/>
-                </a:gs>
-              </a:gsLst>
-              <a:lin ang="600000" scaled="0"/>
-            </a:gradFill>
-            <a:ln>
-              <a:noFill/>
-            </a:ln>
-            <a:effectLst>
-              <a:innerShdw blurRad="254000" dist="101600" dir="7320000">
-                <a:schemeClr val="accent1">
-                  <a:lumMod val="60000"/>
-                  <a:lumOff val="40000"/>
-                  <a:alpha val="40000"/>
-                </a:schemeClr>
-              </a:innerShdw>
-            </a:effectLst>
-          </p:spPr>
-          <p:style>
-            <a:lnRef idx="2">
-              <a:schemeClr val="accent1">
-                <a:shade val="50000"/>
-              </a:schemeClr>
-            </a:lnRef>
-            <a:fillRef idx="1">
-              <a:schemeClr val="accent1"/>
-            </a:fillRef>
-            <a:effectRef idx="0">
-              <a:schemeClr val="accent1"/>
-            </a:effectRef>
-            <a:fontRef idx="minor">
-              <a:schemeClr val="lt1"/>
-            </a:fontRef>
-          </p:style>
-          <p:txBody>
-            <a:bodyPr rot="0" spcFirstLastPara="0" vertOverflow="overflow" horzOverflow="overflow" vert="horz" wrap="square" lIns="91440" tIns="45720" rIns="91440" bIns="45720" numCol="1" spcCol="0" rtlCol="0" fromWordArt="0" anchor="ctr" anchorCtr="0" forceAA="0" compatLnSpc="1">
-              <a:prstTxWarp prst="textNoShape">
-                <a:avLst/>
-              </a:prstTxWarp>
-              <a:noAutofit/>
-            </a:bodyPr>
-            <a:lstStyle/>
-            <a:p>
-              <a:pPr algn="ctr"/>
-              <a:endParaRPr lang="en-US"/>
-            </a:p>
-          </p:txBody>
-        </p:sp>
-        <p:sp>
-          <p:nvSpPr>
-            <p:cNvPr id="27" name="Oval 26">
-              <a:extLst>
-                <a:ext uri="{FF2B5EF4-FFF2-40B4-BE49-F238E27FC236}">
-                  <a16:creationId xmlns:a16="http://schemas.microsoft.com/office/drawing/2014/main" id="{962BE440-9634-4380-B142-5DB692420C52}"/>
-                </a:ext>
-              </a:extLst>
-            </p:cNvPr>
-            <p:cNvSpPr/>
-            <p:nvPr/>
-          </p:nvSpPr>
-          <p:spPr>
-            <a:xfrm rot="13500000">
-              <a:off x="10415015" y="2179851"/>
-              <a:ext cx="540000" cy="1080000"/>
-            </a:xfrm>
-            <a:prstGeom prst="ellipse">
-              <a:avLst/>
-            </a:prstGeom>
-            <a:gradFill>
-              <a:gsLst>
-                <a:gs pos="100000">
-                  <a:schemeClr val="accent1">
-                    <a:lumMod val="60000"/>
-                    <a:lumOff val="40000"/>
-                    <a:alpha val="0"/>
-                  </a:schemeClr>
-                </a:gs>
-                <a:gs pos="0">
-                  <a:schemeClr val="bg2">
-                    <a:lumMod val="75000"/>
-                    <a:lumOff val="25000"/>
-                    <a:alpha val="33000"/>
-                  </a:schemeClr>
-                </a:gs>
-              </a:gsLst>
-              <a:lin ang="5400000" scaled="0"/>
-            </a:gradFill>
-            <a:ln>
-              <a:noFill/>
-            </a:ln>
-            <a:effectLst>
-              <a:innerShdw blurRad="1270000" dist="2540000">
-                <a:schemeClr val="accent1">
-                  <a:lumMod val="60000"/>
-                  <a:lumOff val="40000"/>
-                  <a:alpha val="0"/>
-                </a:schemeClr>
-              </a:innerShdw>
-            </a:effectLst>
-          </p:spPr>
-          <p:style>
-            <a:lnRef idx="2">
-              <a:schemeClr val="accent1">
-                <a:shade val="50000"/>
-              </a:schemeClr>
-            </a:lnRef>
-            <a:fillRef idx="1">
-              <a:schemeClr val="accent1"/>
-            </a:fillRef>
-            <a:effectRef idx="0">
-              <a:schemeClr val="accent1"/>
-            </a:effectRef>
-            <a:fontRef idx="minor">
-              <a:schemeClr val="lt1"/>
-            </a:fontRef>
-          </p:style>
-          <p:txBody>
-            <a:bodyPr rot="0" spcFirstLastPara="0" vertOverflow="overflow" horzOverflow="overflow" vert="horz" wrap="square" lIns="91440" tIns="45720" rIns="91440" bIns="45720" numCol="1" spcCol="0" rtlCol="0" fromWordArt="0" anchor="ctr" anchorCtr="0" forceAA="0" compatLnSpc="1">
-              <a:prstTxWarp prst="textNoShape">
-                <a:avLst/>
-              </a:prstTxWarp>
-              <a:noAutofit/>
-            </a:bodyPr>
-            <a:lstStyle/>
-            <a:p>
-              <a:pPr algn="ctr"/>
-              <a:endParaRPr lang="en-US"/>
-            </a:p>
-          </p:txBody>
-        </p:sp>
-      </p:grpSp>
-      <p:sp>
-        <p:nvSpPr>
-          <p:cNvPr id="7" name="Title 6">
-            <a:extLst>
-              <a:ext uri="{FF2B5EF4-FFF2-40B4-BE49-F238E27FC236}">
-                <a16:creationId xmlns:a16="http://schemas.microsoft.com/office/drawing/2014/main" id="{4B18D636-CC10-4B1E-AA38-419DCCF2D9C9}"/>
-              </a:ext>
-            </a:extLst>
-          </p:cNvPr>
-          <p:cNvSpPr>
-            <a:spLocks noGrp="1"/>
-          </p:cNvSpPr>
-          <p:nvPr>
-            <p:ph type="title"/>
-          </p:nvPr>
-        </p:nvSpPr>
-        <p:spPr>
-          <a:xfrm>
-            <a:off x="550862" y="549275"/>
-            <a:ext cx="11097551" cy="1332000"/>
-          </a:xfrm>
-        </p:spPr>
-        <p:txBody>
-          <a:bodyPr>
-            <a:normAutofit/>
-          </a:bodyPr>
-          <a:lstStyle/>
-          <a:p>
-            <a:r>
-              <a:rPr lang="en-US" dirty="0"/>
-              <a:t>Content </a:t>
-            </a:r>
-          </a:p>
-        </p:txBody>
-      </p:sp>
-      <p:sp>
-        <p:nvSpPr>
-          <p:cNvPr id="9" name="Text Placeholder 8">
-            <a:extLst>
-              <a:ext uri="{FF2B5EF4-FFF2-40B4-BE49-F238E27FC236}">
-                <a16:creationId xmlns:a16="http://schemas.microsoft.com/office/drawing/2014/main" id="{0D098C43-2F2A-4100-89BC-5931039293FA}"/>
-              </a:ext>
-            </a:extLst>
-          </p:cNvPr>
-          <p:cNvSpPr>
-            <a:spLocks noGrp="1"/>
-          </p:cNvSpPr>
-          <p:nvPr>
-            <p:ph type="body" idx="1"/>
-          </p:nvPr>
-        </p:nvSpPr>
-        <p:spPr>
-          <a:xfrm>
-            <a:off x="550864" y="1731375"/>
-            <a:ext cx="5437186" cy="535354"/>
-          </a:xfrm>
-        </p:spPr>
-        <p:txBody>
-          <a:bodyPr/>
-          <a:lstStyle/>
-          <a:p>
-            <a:r>
-              <a:rPr lang="en-US"/>
-              <a:t>Subtitle</a:t>
-            </a:r>
-            <a:endParaRPr lang="en-US" dirty="0"/>
-          </a:p>
-        </p:txBody>
-      </p:sp>
-      <p:sp>
-        <p:nvSpPr>
-          <p:cNvPr id="10" name="Content Placeholder 9">
-            <a:extLst>
-              <a:ext uri="{FF2B5EF4-FFF2-40B4-BE49-F238E27FC236}">
-                <a16:creationId xmlns:a16="http://schemas.microsoft.com/office/drawing/2014/main" id="{1DB251F7-EBE7-46AC-A920-FFE2C5AF68EA}"/>
-              </a:ext>
-            </a:extLst>
-          </p:cNvPr>
-          <p:cNvSpPr>
-            <a:spLocks noGrp="1"/>
-          </p:cNvSpPr>
-          <p:nvPr>
-            <p:ph sz="half" idx="2"/>
-          </p:nvPr>
-        </p:nvSpPr>
-        <p:spPr>
-          <a:xfrm>
-            <a:off x="550863" y="2427370"/>
-            <a:ext cx="5429114" cy="3515555"/>
-          </a:xfrm>
-        </p:spPr>
-        <p:txBody>
-          <a:bodyPr/>
-          <a:lstStyle/>
-          <a:p>
-            <a:r>
-              <a:rPr lang="en-US" dirty="0"/>
-              <a:t>Add text, images, art, and videos. </a:t>
-            </a:r>
-          </a:p>
-          <a:p>
-            <a:r>
-              <a:rPr lang="en-US" dirty="0"/>
-              <a:t>Add transitions, animations, and motion. </a:t>
-            </a:r>
-          </a:p>
-          <a:p>
-            <a:r>
-              <a:rPr lang="en-US" dirty="0"/>
-              <a:t>Save to OneDrive, to get to your presentations from your computer, tablet, or phone. </a:t>
-            </a:r>
-          </a:p>
-        </p:txBody>
-      </p:sp>
-      <p:sp>
-        <p:nvSpPr>
-          <p:cNvPr id="11" name="Text Placeholder 10">
-            <a:extLst>
-              <a:ext uri="{FF2B5EF4-FFF2-40B4-BE49-F238E27FC236}">
-                <a16:creationId xmlns:a16="http://schemas.microsoft.com/office/drawing/2014/main" id="{60726BA7-44D6-4116-90E3-38325026EAAD}"/>
-              </a:ext>
-            </a:extLst>
-          </p:cNvPr>
-          <p:cNvSpPr>
-            <a:spLocks noGrp="1"/>
-          </p:cNvSpPr>
-          <p:nvPr>
-            <p:ph type="body" sz="quarter" idx="3"/>
-          </p:nvPr>
-        </p:nvSpPr>
-        <p:spPr>
-          <a:xfrm>
-            <a:off x="6212024" y="1731375"/>
-            <a:ext cx="5436392" cy="535354"/>
-          </a:xfrm>
-        </p:spPr>
-        <p:txBody>
-          <a:bodyPr/>
-          <a:lstStyle/>
-          <a:p>
-            <a:r>
-              <a:rPr lang="en-US" dirty="0"/>
-              <a:t>Subtitle</a:t>
-            </a:r>
-          </a:p>
-        </p:txBody>
-      </p:sp>
-      <p:sp>
-        <p:nvSpPr>
-          <p:cNvPr id="12" name="Content Placeholder 11">
-            <a:extLst>
-              <a:ext uri="{FF2B5EF4-FFF2-40B4-BE49-F238E27FC236}">
-                <a16:creationId xmlns:a16="http://schemas.microsoft.com/office/drawing/2014/main" id="{7FB7F30B-2A84-4C44-BC5A-E826ED6E74A2}"/>
-              </a:ext>
-            </a:extLst>
-          </p:cNvPr>
-          <p:cNvSpPr>
-            <a:spLocks noGrp="1"/>
-          </p:cNvSpPr>
-          <p:nvPr>
-            <p:ph sz="quarter" idx="4"/>
-          </p:nvPr>
-        </p:nvSpPr>
-        <p:spPr>
-          <a:xfrm>
-            <a:off x="6212023" y="2427370"/>
-            <a:ext cx="5436391" cy="3515555"/>
-          </a:xfrm>
-        </p:spPr>
-        <p:txBody>
-          <a:bodyPr/>
-          <a:lstStyle/>
-          <a:p>
-            <a:r>
-              <a:rPr lang="en-US" dirty="0"/>
-              <a:t>Open the Design Ideas pane for instant slide makeovers. </a:t>
-            </a:r>
-          </a:p>
-          <a:p>
-            <a:r>
-              <a:rPr lang="en-US" dirty="0"/>
-              <a:t>When we have design ideas, we’ll show them to you right there. </a:t>
-            </a:r>
-          </a:p>
-          <a:p>
-            <a:endParaRPr lang="en-US" dirty="0"/>
-          </a:p>
-        </p:txBody>
-      </p:sp>
-      <p:sp>
-        <p:nvSpPr>
-          <p:cNvPr id="4" name="Date Placeholder 3">
-            <a:extLst>
-              <a:ext uri="{FF2B5EF4-FFF2-40B4-BE49-F238E27FC236}">
-                <a16:creationId xmlns:a16="http://schemas.microsoft.com/office/drawing/2014/main" id="{0C329F70-04F7-4C70-BCF8-D4371F54EF2F}"/>
-              </a:ext>
-            </a:extLst>
-          </p:cNvPr>
-          <p:cNvSpPr>
-            <a:spLocks noGrp="1"/>
-          </p:cNvSpPr>
-          <p:nvPr>
-            <p:ph type="dt" sz="half" idx="10"/>
-          </p:nvPr>
-        </p:nvSpPr>
-        <p:spPr>
-          <a:xfrm>
-            <a:off x="550863" y="6507212"/>
-            <a:ext cx="2628900" cy="153888"/>
-          </a:xfrm>
-        </p:spPr>
-        <p:txBody>
-          <a:bodyPr/>
-          <a:lstStyle/>
-          <a:p>
-            <a:r>
-              <a:rPr lang="en-US"/>
-              <a:t>Tuesday, February 2, 20XX</a:t>
-            </a:r>
-            <a:endParaRPr lang="en-US" dirty="0"/>
-          </a:p>
-        </p:txBody>
-      </p:sp>
-      <p:sp>
-        <p:nvSpPr>
-          <p:cNvPr id="5" name="Footer Placeholder 4">
-            <a:extLst>
-              <a:ext uri="{FF2B5EF4-FFF2-40B4-BE49-F238E27FC236}">
-                <a16:creationId xmlns:a16="http://schemas.microsoft.com/office/drawing/2014/main" id="{06A3302E-502D-4151-81C9-5FD6AF9596D6}"/>
-              </a:ext>
-            </a:extLst>
-          </p:cNvPr>
-          <p:cNvSpPr>
-            <a:spLocks noGrp="1"/>
-          </p:cNvSpPr>
-          <p:nvPr>
-            <p:ph type="ftr" sz="quarter" idx="11"/>
-          </p:nvPr>
-        </p:nvSpPr>
-        <p:spPr>
-          <a:xfrm>
-            <a:off x="3359150" y="6507212"/>
-            <a:ext cx="6379210" cy="153888"/>
-          </a:xfrm>
-        </p:spPr>
-        <p:txBody>
-          <a:bodyPr/>
-          <a:lstStyle/>
-          <a:p>
-            <a:r>
-              <a:rPr lang="en-US"/>
-              <a:t>Sample Footer Text</a:t>
-            </a:r>
-          </a:p>
-        </p:txBody>
-      </p:sp>
-      <p:sp>
-        <p:nvSpPr>
-          <p:cNvPr id="6" name="Slide Number Placeholder 5">
-            <a:extLst>
-              <a:ext uri="{FF2B5EF4-FFF2-40B4-BE49-F238E27FC236}">
-                <a16:creationId xmlns:a16="http://schemas.microsoft.com/office/drawing/2014/main" id="{9ED907F8-C614-4D59-A03F-BF9CD5E35703}"/>
-              </a:ext>
-            </a:extLst>
-          </p:cNvPr>
-          <p:cNvSpPr>
-            <a:spLocks noGrp="1"/>
-          </p:cNvSpPr>
-          <p:nvPr>
-            <p:ph type="sldNum" sz="quarter" idx="12"/>
-          </p:nvPr>
-        </p:nvSpPr>
-        <p:spPr>
-          <a:xfrm>
-            <a:off x="9948863" y="6507212"/>
-            <a:ext cx="1692274" cy="153888"/>
-          </a:xfrm>
-        </p:spPr>
-        <p:txBody>
-          <a:bodyPr/>
-          <a:lstStyle/>
-          <a:p>
-            <a:fld id="{DBA1B0FB-D917-4C8C-928F-313BD683BF39}" type="slidenum">
-              <a:rPr lang="en-US" smtClean="0"/>
-              <a:pPr/>
-              <a:t>7</a:t>
-            </a:fld>
-            <a:endParaRPr lang="en-US"/>
-          </a:p>
-        </p:txBody>
-      </p:sp>
-      <p:sp>
-        <p:nvSpPr>
-          <p:cNvPr id="22" name="Freeform: Shape 21">
-            <a:extLst>
-              <a:ext uri="{FF2B5EF4-FFF2-40B4-BE49-F238E27FC236}">
-                <a16:creationId xmlns:a16="http://schemas.microsoft.com/office/drawing/2014/main" id="{C6F3814E-455F-456B-B1AF-7B993965A2C0}"/>
-              </a:ext>
-              <a:ext uri="{C183D7F6-B498-43B3-948B-1728B52AA6E4}">
-                <adec:decorative xmlns:adec="http://schemas.microsoft.com/office/drawing/2017/decorative" val="1"/>
-              </a:ext>
-            </a:extLst>
-          </p:cNvPr>
-          <p:cNvSpPr>
-            <a:spLocks noChangeAspect="1"/>
-          </p:cNvSpPr>
-          <p:nvPr/>
-        </p:nvSpPr>
-        <p:spPr>
-          <a:xfrm>
-            <a:off x="4295775" y="0"/>
-            <a:ext cx="360000" cy="274638"/>
-          </a:xfrm>
-          <a:custGeom>
-            <a:avLst/>
-            <a:gdLst>
-              <a:gd name="connsiteX0" fmla="*/ 30714 w 360000"/>
-              <a:gd name="connsiteY0" fmla="*/ 0 h 274638"/>
-              <a:gd name="connsiteX1" fmla="*/ 329286 w 360000"/>
-              <a:gd name="connsiteY1" fmla="*/ 0 h 274638"/>
-              <a:gd name="connsiteX2" fmla="*/ 345855 w 360000"/>
-              <a:gd name="connsiteY2" fmla="*/ 24574 h 274638"/>
-              <a:gd name="connsiteX3" fmla="*/ 360000 w 360000"/>
-              <a:gd name="connsiteY3" fmla="*/ 94638 h 274638"/>
-              <a:gd name="connsiteX4" fmla="*/ 180000 w 360000"/>
-              <a:gd name="connsiteY4" fmla="*/ 274638 h 274638"/>
-              <a:gd name="connsiteX5" fmla="*/ 0 w 360000"/>
-              <a:gd name="connsiteY5" fmla="*/ 94638 h 274638"/>
-              <a:gd name="connsiteX6" fmla="*/ 14145 w 360000"/>
-              <a:gd name="connsiteY6" fmla="*/ 24574 h 274638"/>
-            </a:gdLst>
-            <a:ahLst/>
-            <a:cxnLst>
-              <a:cxn ang="0">
-                <a:pos x="connsiteX0" y="connsiteY0"/>
-              </a:cxn>
-              <a:cxn ang="0">
-                <a:pos x="connsiteX1" y="connsiteY1"/>
-              </a:cxn>
-              <a:cxn ang="0">
-                <a:pos x="connsiteX2" y="connsiteY2"/>
-              </a:cxn>
-              <a:cxn ang="0">
-                <a:pos x="connsiteX3" y="connsiteY3"/>
-              </a:cxn>
-              <a:cxn ang="0">
-                <a:pos x="connsiteX4" y="connsiteY4"/>
-              </a:cxn>
-              <a:cxn ang="0">
-                <a:pos x="connsiteX5" y="connsiteY5"/>
-              </a:cxn>
-              <a:cxn ang="0">
-                <a:pos x="connsiteX6" y="connsiteY6"/>
-              </a:cxn>
-            </a:cxnLst>
-            <a:rect l="l" t="t" r="r" b="b"/>
-            <a:pathLst>
-              <a:path w="360000" h="274638">
-                <a:moveTo>
-                  <a:pt x="30714" y="0"/>
-                </a:moveTo>
-                <a:lnTo>
-                  <a:pt x="329286" y="0"/>
-                </a:lnTo>
-                <a:lnTo>
-                  <a:pt x="345855" y="24574"/>
-                </a:lnTo>
-                <a:cubicBezTo>
-                  <a:pt x="354963" y="46109"/>
-                  <a:pt x="360000" y="69785"/>
-                  <a:pt x="360000" y="94638"/>
-                </a:cubicBezTo>
-                <a:cubicBezTo>
-                  <a:pt x="360000" y="194049"/>
-                  <a:pt x="279411" y="274638"/>
-                  <a:pt x="180000" y="274638"/>
-                </a:cubicBezTo>
-                <a:cubicBezTo>
-                  <a:pt x="80589" y="274638"/>
-                  <a:pt x="0" y="194049"/>
-                  <a:pt x="0" y="94638"/>
-                </a:cubicBezTo>
-                <a:cubicBezTo>
-                  <a:pt x="0" y="69785"/>
-                  <a:pt x="5037" y="46109"/>
-                  <a:pt x="14145" y="24574"/>
-                </a:cubicBezTo>
-                <a:close/>
-              </a:path>
-            </a:pathLst>
-          </a:custGeom>
-          <a:gradFill flip="none" rotWithShape="1">
-            <a:gsLst>
-              <a:gs pos="100000">
-                <a:schemeClr val="bg2">
-                  <a:lumMod val="50000"/>
-                  <a:lumOff val="50000"/>
-                </a:schemeClr>
-              </a:gs>
-              <a:gs pos="60000">
-                <a:schemeClr val="bg2"/>
-              </a:gs>
-            </a:gsLst>
-            <a:path path="circle">
-              <a:fillToRect l="100000" b="100000"/>
-            </a:path>
-            <a:tileRect t="-100000" r="-100000"/>
-          </a:gradFill>
-          <a:ln>
-            <a:noFill/>
-          </a:ln>
-          <a:effectLst>
-            <a:innerShdw blurRad="127000" dist="63500" dir="2700000">
-              <a:schemeClr val="accent1">
-                <a:lumMod val="60000"/>
-                <a:lumOff val="40000"/>
-                <a:alpha val="20000"/>
-              </a:schemeClr>
-            </a:innerShdw>
-            <a:softEdge rad="0"/>
-          </a:effectLst>
-        </p:spPr>
-        <p:style>
-          <a:lnRef idx="2">
-            <a:schemeClr val="accent1">
-              <a:shade val="50000"/>
-            </a:schemeClr>
-          </a:lnRef>
-          <a:fillRef idx="1">
-            <a:schemeClr val="accent1"/>
-          </a:fillRef>
-          <a:effectRef idx="0">
-            <a:schemeClr val="accent1"/>
-          </a:effectRef>
-          <a:fontRef idx="minor">
-            <a:schemeClr val="lt1"/>
-          </a:fontRef>
-        </p:style>
-        <p:txBody>
-          <a:bodyPr rot="0" spcFirstLastPara="0" vertOverflow="overflow" horzOverflow="overflow" vert="horz" wrap="square" lIns="91440" tIns="45720" rIns="91440" bIns="45720" numCol="1" spcCol="0" rtlCol="0" fromWordArt="0" anchor="ctr" anchorCtr="0" forceAA="0" compatLnSpc="1">
-            <a:prstTxWarp prst="textNoShape">
-              <a:avLst/>
-            </a:prstTxWarp>
-            <a:noAutofit/>
-          </a:bodyPr>
-          <a:lstStyle/>
-          <a:p>
-            <a:pPr algn="ctr"/>
-            <a:endParaRPr lang="en-US"/>
-          </a:p>
-        </p:txBody>
-      </p:sp>
-    </p:spTree>
-    <p:extLst>
-      <p:ext uri="{BB962C8B-B14F-4D97-AF65-F5344CB8AC3E}">
-        <p14:creationId xmlns:p14="http://schemas.microsoft.com/office/powerpoint/2010/main" val="3891345585"/>
-      </p:ext>
-    </p:extLst>
-  </p:cSld>
-  <p:clrMapOvr>
-    <a:masterClrMapping/>
-  </p:clrMapOvr>
-</p:sld>
-</file>
-
-<file path=ppt/slides/slide8.xml><?xml version="1.0" encoding="utf-8"?>
-<p:sld xmlns:a="http://schemas.openxmlformats.org/drawingml/2006/main" xmlns:r="http://schemas.openxmlformats.org/officeDocument/2006/relationships" xmlns:p="http://schemas.openxmlformats.org/presentationml/2006/main">
-  <p:cSld>
-    <p:spTree>
-      <p:nvGrpSpPr>
-        <p:cNvPr id="1" name=""/>
-        <p:cNvGrpSpPr/>
-        <p:nvPr/>
-      </p:nvGrpSpPr>
-      <p:grpSpPr>
-        <a:xfrm>
-          <a:off x="0" y="0"/>
-          <a:ext cx="0" cy="0"/>
-          <a:chOff x="0" y="0"/>
-          <a:chExt cx="0" cy="0"/>
-        </a:xfrm>
-      </p:grpSpPr>
-      <p:sp>
-        <p:nvSpPr>
-          <p:cNvPr id="7" name="Title 6">
-            <a:extLst>
-              <a:ext uri="{FF2B5EF4-FFF2-40B4-BE49-F238E27FC236}">
-                <a16:creationId xmlns:a16="http://schemas.microsoft.com/office/drawing/2014/main" id="{47788B34-4190-4916-9048-47720EA5ABF1}"/>
-              </a:ext>
-            </a:extLst>
-          </p:cNvPr>
-          <p:cNvSpPr>
-            <a:spLocks noGrp="1"/>
-          </p:cNvSpPr>
-          <p:nvPr>
-            <p:ph type="title"/>
-          </p:nvPr>
-        </p:nvSpPr>
-        <p:spPr>
-          <a:xfrm>
-            <a:off x="550862" y="549275"/>
-            <a:ext cx="11097551" cy="1332000"/>
-          </a:xfrm>
-        </p:spPr>
-        <p:txBody>
-          <a:bodyPr/>
-          <a:lstStyle/>
-          <a:p>
-            <a:r>
-              <a:rPr lang="en-US" dirty="0"/>
-              <a:t>Content 2 </a:t>
-            </a:r>
-          </a:p>
-        </p:txBody>
-      </p:sp>
-      <p:sp>
-        <p:nvSpPr>
-          <p:cNvPr id="8" name="Text Placeholder 7">
-            <a:extLst>
-              <a:ext uri="{FF2B5EF4-FFF2-40B4-BE49-F238E27FC236}">
-                <a16:creationId xmlns:a16="http://schemas.microsoft.com/office/drawing/2014/main" id="{ABA415A0-3B77-43FB-A408-5F1DA4B0AAFA}"/>
-              </a:ext>
-            </a:extLst>
-          </p:cNvPr>
-          <p:cNvSpPr>
-            <a:spLocks noGrp="1"/>
-          </p:cNvSpPr>
-          <p:nvPr>
-            <p:ph type="body" idx="1"/>
-          </p:nvPr>
-        </p:nvSpPr>
-        <p:spPr>
-          <a:xfrm>
-            <a:off x="550864" y="1731375"/>
-            <a:ext cx="3563936" cy="535354"/>
-          </a:xfrm>
-        </p:spPr>
-        <p:txBody>
-          <a:bodyPr/>
-          <a:lstStyle/>
-          <a:p>
-            <a:r>
-              <a:rPr lang="en-US" dirty="0"/>
-              <a:t>Subtitle</a:t>
-            </a:r>
-          </a:p>
-        </p:txBody>
-      </p:sp>
-      <p:sp>
-        <p:nvSpPr>
-          <p:cNvPr id="9" name="Content Placeholder 8">
-            <a:extLst>
-              <a:ext uri="{FF2B5EF4-FFF2-40B4-BE49-F238E27FC236}">
-                <a16:creationId xmlns:a16="http://schemas.microsoft.com/office/drawing/2014/main" id="{8598ECEC-4413-4244-8F21-0076EC511806}"/>
-              </a:ext>
-            </a:extLst>
-          </p:cNvPr>
-          <p:cNvSpPr>
-            <a:spLocks noGrp="1"/>
-          </p:cNvSpPr>
-          <p:nvPr>
-            <p:ph sz="half" idx="2"/>
-          </p:nvPr>
-        </p:nvSpPr>
-        <p:spPr>
-          <a:xfrm>
-            <a:off x="559476" y="2432304"/>
-            <a:ext cx="3563936" cy="3515555"/>
-          </a:xfrm>
-        </p:spPr>
-        <p:txBody>
-          <a:bodyPr>
-            <a:normAutofit fontScale="92500" lnSpcReduction="20000"/>
-          </a:bodyPr>
-          <a:lstStyle/>
-          <a:p>
-            <a:pPr lvl="0"/>
-            <a:r>
-              <a:rPr lang="en-US" dirty="0"/>
-              <a:t>Add text, images, art, and videos. </a:t>
-            </a:r>
-          </a:p>
-          <a:p>
-            <a:pPr lvl="0"/>
-            <a:r>
-              <a:rPr lang="en-US" dirty="0"/>
-              <a:t>Add transitions, animations, and motion. </a:t>
-            </a:r>
-          </a:p>
-          <a:p>
-            <a:pPr lvl="0"/>
-            <a:r>
-              <a:rPr lang="en-US" dirty="0"/>
-              <a:t>Save to OneDrive, to get to your presentations from your computer, tablet, or phone. </a:t>
-            </a:r>
-          </a:p>
-          <a:p>
-            <a:r>
-              <a:rPr lang="en-US" dirty="0"/>
-              <a:t>Open the Design Ideas pane for instant slide makeovers. </a:t>
-            </a:r>
-          </a:p>
-          <a:p>
-            <a:r>
-              <a:rPr lang="en-US" dirty="0"/>
-              <a:t>When we have design ideas, we’ll show them to you right there. </a:t>
-            </a:r>
-          </a:p>
-          <a:p>
-            <a:pPr lvl="0"/>
-            <a:endParaRPr lang="en-US" dirty="0"/>
-          </a:p>
-          <a:p>
-            <a:endParaRPr lang="en-US" dirty="0"/>
-          </a:p>
-        </p:txBody>
-      </p:sp>
-      <p:sp>
-        <p:nvSpPr>
-          <p:cNvPr id="12" name="Text Placeholder 11">
-            <a:extLst>
-              <a:ext uri="{FF2B5EF4-FFF2-40B4-BE49-F238E27FC236}">
-                <a16:creationId xmlns:a16="http://schemas.microsoft.com/office/drawing/2014/main" id="{3A63626D-0E6E-4023-ABFC-A744C9862159}"/>
-              </a:ext>
-            </a:extLst>
-          </p:cNvPr>
-          <p:cNvSpPr>
-            <a:spLocks noGrp="1"/>
-          </p:cNvSpPr>
-          <p:nvPr>
-            <p:ph type="body" sz="quarter" idx="13"/>
-          </p:nvPr>
-        </p:nvSpPr>
-        <p:spPr>
-          <a:xfrm>
-            <a:off x="4341573" y="1731375"/>
-            <a:ext cx="3566160" cy="535354"/>
-          </a:xfrm>
-        </p:spPr>
-        <p:txBody>
-          <a:bodyPr/>
-          <a:lstStyle/>
-          <a:p>
-            <a:r>
-              <a:rPr lang="en-US" dirty="0"/>
-              <a:t>subtitle</a:t>
-            </a:r>
-          </a:p>
-        </p:txBody>
-      </p:sp>
-      <p:sp>
-        <p:nvSpPr>
-          <p:cNvPr id="13" name="Content Placeholder 12">
-            <a:extLst>
-              <a:ext uri="{FF2B5EF4-FFF2-40B4-BE49-F238E27FC236}">
-                <a16:creationId xmlns:a16="http://schemas.microsoft.com/office/drawing/2014/main" id="{258E9390-685C-4BAD-BFAD-EC56E81C4745}"/>
-              </a:ext>
-            </a:extLst>
-          </p:cNvPr>
-          <p:cNvSpPr>
-            <a:spLocks noGrp="1"/>
-          </p:cNvSpPr>
-          <p:nvPr>
-            <p:ph sz="quarter" idx="14"/>
-          </p:nvPr>
-        </p:nvSpPr>
-        <p:spPr>
-          <a:xfrm>
-            <a:off x="4341573" y="2427370"/>
-            <a:ext cx="3508755" cy="3515555"/>
-          </a:xfrm>
-        </p:spPr>
-        <p:txBody>
-          <a:bodyPr>
-            <a:normAutofit lnSpcReduction="10000"/>
-          </a:bodyPr>
-          <a:lstStyle/>
-          <a:p>
-            <a:pPr lvl="0"/>
-            <a:r>
-              <a:rPr lang="en-US" dirty="0"/>
-              <a:t>Add text, images, art, and videos. </a:t>
-            </a:r>
-          </a:p>
-          <a:p>
-            <a:pPr lvl="0"/>
-            <a:r>
-              <a:rPr lang="en-US" dirty="0"/>
-              <a:t>Add transitions, animations, and motion. </a:t>
-            </a:r>
-          </a:p>
-          <a:p>
-            <a:pPr lvl="0"/>
-            <a:r>
-              <a:rPr lang="en-US" dirty="0"/>
-              <a:t>Save to OneDrive, to get to your presentations from your computer, tablet, or phone. </a:t>
-            </a:r>
-          </a:p>
-          <a:p>
-            <a:r>
-              <a:rPr lang="en-US" dirty="0"/>
-              <a:t>Open the Design Ideas pane for instant slide makeovers. </a:t>
-            </a:r>
-          </a:p>
-          <a:p>
-            <a:r>
-              <a:rPr lang="en-US" dirty="0"/>
-              <a:t>When we have design ideas, we’ll show them to you right there.</a:t>
-            </a:r>
-          </a:p>
-        </p:txBody>
-      </p:sp>
-      <p:sp>
-        <p:nvSpPr>
-          <p:cNvPr id="10" name="Text Placeholder 9">
-            <a:extLst>
-              <a:ext uri="{FF2B5EF4-FFF2-40B4-BE49-F238E27FC236}">
-                <a16:creationId xmlns:a16="http://schemas.microsoft.com/office/drawing/2014/main" id="{34A9BC34-CFDB-4D7A-8D6C-1CE608D0909F}"/>
-              </a:ext>
-            </a:extLst>
-          </p:cNvPr>
-          <p:cNvSpPr>
-            <a:spLocks noGrp="1"/>
-          </p:cNvSpPr>
-          <p:nvPr>
-            <p:ph type="body" sz="quarter" idx="3"/>
-          </p:nvPr>
-        </p:nvSpPr>
-        <p:spPr>
-          <a:xfrm>
-            <a:off x="8139659" y="1731375"/>
-            <a:ext cx="3566160" cy="535354"/>
-          </a:xfrm>
-        </p:spPr>
-        <p:txBody>
-          <a:bodyPr/>
-          <a:lstStyle/>
-          <a:p>
-            <a:r>
-              <a:rPr lang="en-US"/>
-              <a:t>subtitle</a:t>
-            </a:r>
-            <a:endParaRPr lang="en-US" dirty="0"/>
-          </a:p>
-        </p:txBody>
-      </p:sp>
-      <p:sp>
-        <p:nvSpPr>
-          <p:cNvPr id="11" name="Content Placeholder 10">
-            <a:extLst>
-              <a:ext uri="{FF2B5EF4-FFF2-40B4-BE49-F238E27FC236}">
-                <a16:creationId xmlns:a16="http://schemas.microsoft.com/office/drawing/2014/main" id="{1D014E48-5DD9-49CE-AD5B-0FEF69204F68}"/>
-              </a:ext>
-            </a:extLst>
-          </p:cNvPr>
-          <p:cNvSpPr>
-            <a:spLocks noGrp="1"/>
-          </p:cNvSpPr>
-          <p:nvPr>
-            <p:ph sz="quarter" idx="4"/>
-          </p:nvPr>
-        </p:nvSpPr>
-        <p:spPr>
-          <a:xfrm>
-            <a:off x="8139659" y="2427370"/>
-            <a:ext cx="3508755" cy="3515555"/>
-          </a:xfrm>
-        </p:spPr>
-        <p:txBody>
-          <a:bodyPr>
-            <a:normAutofit lnSpcReduction="10000"/>
-          </a:bodyPr>
-          <a:lstStyle/>
-          <a:p>
-            <a:pPr lvl="0"/>
-            <a:r>
-              <a:rPr lang="en-US" dirty="0"/>
-              <a:t>Add text, images, art, and videos. </a:t>
-            </a:r>
-          </a:p>
-          <a:p>
-            <a:pPr lvl="0"/>
-            <a:r>
-              <a:rPr lang="en-US" dirty="0"/>
-              <a:t>Add transitions, animations, and motion. </a:t>
-            </a:r>
-          </a:p>
-          <a:p>
-            <a:pPr lvl="0"/>
-            <a:r>
-              <a:rPr lang="en-US" dirty="0"/>
-              <a:t>Save to OneDrive, to get to your presentations from your computer, tablet, or phone. </a:t>
-            </a:r>
-          </a:p>
-          <a:p>
-            <a:r>
-              <a:rPr lang="en-US" dirty="0"/>
-              <a:t>Open the Design Ideas pane for instant slide makeovers. </a:t>
-            </a:r>
-          </a:p>
-          <a:p>
-            <a:r>
-              <a:rPr lang="en-US" dirty="0"/>
-              <a:t>When we have design ideas, we’ll show them to you right there.</a:t>
-            </a:r>
-          </a:p>
-        </p:txBody>
-      </p:sp>
-      <p:sp>
-        <p:nvSpPr>
-          <p:cNvPr id="14" name="Date Placeholder 13">
-            <a:extLst>
-              <a:ext uri="{FF2B5EF4-FFF2-40B4-BE49-F238E27FC236}">
-                <a16:creationId xmlns:a16="http://schemas.microsoft.com/office/drawing/2014/main" id="{D236478C-E242-44E0-8357-C72C9B588CA7}"/>
-              </a:ext>
-            </a:extLst>
-          </p:cNvPr>
-          <p:cNvSpPr>
-            <a:spLocks noGrp="1"/>
-          </p:cNvSpPr>
-          <p:nvPr>
-            <p:ph type="dt" sz="half" idx="10"/>
-          </p:nvPr>
-        </p:nvSpPr>
-        <p:spPr>
-          <a:xfrm>
-            <a:off x="550863" y="6507212"/>
-            <a:ext cx="2628900" cy="153888"/>
-          </a:xfrm>
-        </p:spPr>
-        <p:txBody>
-          <a:bodyPr/>
-          <a:lstStyle/>
-          <a:p>
-            <a:r>
-              <a:rPr lang="en-US"/>
-              <a:t>Tuesday, February 2, 20XX</a:t>
-            </a:r>
-            <a:endParaRPr lang="en-US" dirty="0"/>
-          </a:p>
-        </p:txBody>
-      </p:sp>
-      <p:sp>
-        <p:nvSpPr>
-          <p:cNvPr id="15" name="Footer Placeholder 14">
-            <a:extLst>
-              <a:ext uri="{FF2B5EF4-FFF2-40B4-BE49-F238E27FC236}">
-                <a16:creationId xmlns:a16="http://schemas.microsoft.com/office/drawing/2014/main" id="{65A6DC02-681E-4AF7-AC6E-57CDDB2FBA28}"/>
-              </a:ext>
-            </a:extLst>
-          </p:cNvPr>
-          <p:cNvSpPr>
-            <a:spLocks noGrp="1"/>
-          </p:cNvSpPr>
-          <p:nvPr>
-            <p:ph type="ftr" sz="quarter" idx="11"/>
-          </p:nvPr>
-        </p:nvSpPr>
-        <p:spPr>
-          <a:xfrm>
-            <a:off x="3359150" y="6507212"/>
-            <a:ext cx="6379210" cy="153888"/>
-          </a:xfrm>
-        </p:spPr>
-        <p:txBody>
-          <a:bodyPr/>
-          <a:lstStyle/>
-          <a:p>
-            <a:r>
-              <a:rPr lang="en-US"/>
-              <a:t>Sample Footer Text</a:t>
-            </a:r>
-          </a:p>
-        </p:txBody>
-      </p:sp>
-      <p:sp>
-        <p:nvSpPr>
-          <p:cNvPr id="16" name="Slide Number Placeholder 15">
-            <a:extLst>
-              <a:ext uri="{FF2B5EF4-FFF2-40B4-BE49-F238E27FC236}">
-                <a16:creationId xmlns:a16="http://schemas.microsoft.com/office/drawing/2014/main" id="{CF0A8666-4477-461C-A79D-E91232EE973E}"/>
-              </a:ext>
-            </a:extLst>
-          </p:cNvPr>
-          <p:cNvSpPr>
-            <a:spLocks noGrp="1"/>
-          </p:cNvSpPr>
-          <p:nvPr>
-            <p:ph type="sldNum" sz="quarter" idx="12"/>
-          </p:nvPr>
-        </p:nvSpPr>
-        <p:spPr>
-          <a:xfrm>
-            <a:off x="9948863" y="6507212"/>
-            <a:ext cx="1692274" cy="153888"/>
-          </a:xfrm>
-        </p:spPr>
-        <p:txBody>
-          <a:bodyPr/>
-          <a:lstStyle/>
-          <a:p>
-            <a:fld id="{DBA1B0FB-D917-4C8C-928F-313BD683BF39}" type="slidenum">
-              <a:rPr lang="en-US" smtClean="0"/>
-              <a:pPr/>
-              <a:t>8</a:t>
-            </a:fld>
-            <a:endParaRPr lang="en-US"/>
-          </a:p>
-        </p:txBody>
-      </p:sp>
-    </p:spTree>
-    <p:extLst>
-      <p:ext uri="{BB962C8B-B14F-4D97-AF65-F5344CB8AC3E}">
-        <p14:creationId xmlns:p14="http://schemas.microsoft.com/office/powerpoint/2010/main" val="1420547054"/>
-      </p:ext>
-    </p:extLst>
-  </p:cSld>
-  <p:clrMapOvr>
-    <a:masterClrMapping/>
-  </p:clrMapOvr>
-</p:sld>
-</file>
-
-<file path=ppt/slides/slide9.xml><?xml version="1.0" encoding="utf-8"?>
-<p:sld xmlns:a="http://schemas.openxmlformats.org/drawingml/2006/main" xmlns:r="http://schemas.openxmlformats.org/officeDocument/2006/relationships" xmlns:p="http://schemas.openxmlformats.org/presentationml/2006/main">
-  <p:cSld>
-    <p:spTree>
-      <p:nvGrpSpPr>
-        <p:cNvPr id="1" name=""/>
-        <p:cNvGrpSpPr/>
-        <p:nvPr/>
-      </p:nvGrpSpPr>
-      <p:grpSpPr>
-        <a:xfrm>
-          <a:off x="0" y="0"/>
-          <a:ext cx="0" cy="0"/>
-          <a:chOff x="0" y="0"/>
-          <a:chExt cx="0" cy="0"/>
-        </a:xfrm>
-      </p:grpSpPr>
-      <p:sp>
-        <p:nvSpPr>
-          <p:cNvPr id="11" name="Title 10">
-            <a:extLst>
-              <a:ext uri="{FF2B5EF4-FFF2-40B4-BE49-F238E27FC236}">
-                <a16:creationId xmlns:a16="http://schemas.microsoft.com/office/drawing/2014/main" id="{581E8936-2270-47FE-94A4-398CB123EF90}"/>
-              </a:ext>
-            </a:extLst>
-          </p:cNvPr>
-          <p:cNvSpPr>
-            <a:spLocks noGrp="1"/>
-          </p:cNvSpPr>
-          <p:nvPr>
-            <p:ph type="title"/>
-          </p:nvPr>
-        </p:nvSpPr>
-        <p:spPr>
-          <a:xfrm>
-            <a:off x="550863" y="4508500"/>
-            <a:ext cx="4500562" cy="1562959"/>
-          </a:xfrm>
-        </p:spPr>
-        <p:txBody>
-          <a:bodyPr/>
-          <a:lstStyle/>
-          <a:p>
-            <a:r>
-              <a:rPr lang="en-US" dirty="0"/>
-              <a:t>Summary</a:t>
-            </a:r>
-          </a:p>
-        </p:txBody>
-      </p:sp>
-      <p:pic>
-        <p:nvPicPr>
-          <p:cNvPr id="16" name="Picture Placeholder 15" descr="Data Points Digital background">
-            <a:extLst>
-              <a:ext uri="{FF2B5EF4-FFF2-40B4-BE49-F238E27FC236}">
-                <a16:creationId xmlns:a16="http://schemas.microsoft.com/office/drawing/2014/main" id="{361E9ADB-7377-4CF1-9AE4-AEFBDEBEEEEC}"/>
-              </a:ext>
-            </a:extLst>
-          </p:cNvPr>
-          <p:cNvPicPr>
-            <a:picLocks noGrp="1" noChangeAspect="1"/>
-          </p:cNvPicPr>
-          <p:nvPr>
-            <p:ph type="pic" sz="quarter" idx="13"/>
-          </p:nvPr>
-        </p:nvPicPr>
-        <p:blipFill rotWithShape="1">
-          <a:blip r:embed="rId3" cstate="screen">
-            <a:extLst>
-              <a:ext uri="{28A0092B-C50C-407E-A947-70E740481C1C}">
-                <a14:useLocalDpi xmlns:a14="http://schemas.microsoft.com/office/drawing/2010/main" val="0"/>
-              </a:ext>
-            </a:extLst>
-          </a:blip>
-          <a:srcRect/>
-          <a:stretch/>
-        </p:blipFill>
-        <p:spPr>
-          <a:xfrm>
-            <a:off x="0" y="0"/>
-            <a:ext cx="12192000" cy="3776472"/>
-          </a:xfrm>
-        </p:spPr>
-      </p:pic>
-      <p:sp>
-        <p:nvSpPr>
-          <p:cNvPr id="13" name="Content Placeholder 12">
-            <a:extLst>
-              <a:ext uri="{FF2B5EF4-FFF2-40B4-BE49-F238E27FC236}">
-                <a16:creationId xmlns:a16="http://schemas.microsoft.com/office/drawing/2014/main" id="{C0287FEC-3826-4868-8D93-52429C6156F5}"/>
-              </a:ext>
-            </a:extLst>
-          </p:cNvPr>
-          <p:cNvSpPr>
-            <a:spLocks noGrp="1"/>
-          </p:cNvSpPr>
-          <p:nvPr>
-            <p:ph sz="quarter" idx="15"/>
-          </p:nvPr>
-        </p:nvSpPr>
-        <p:spPr>
-          <a:xfrm>
-            <a:off x="5262411" y="4508500"/>
-            <a:ext cx="6221412" cy="1563688"/>
-          </a:xfrm>
-        </p:spPr>
-        <p:txBody>
-          <a:bodyPr>
-            <a:normAutofit lnSpcReduction="10000"/>
-          </a:bodyPr>
-          <a:lstStyle/>
-          <a:p>
-            <a:r>
-              <a:rPr lang="en-US" dirty="0"/>
-              <a:t>With PowerPoint, you can create presentations and share your work with others, wherever they are. Type the text you want here to get started. You can also add images, art, and videos on this template. Save to OneDrive and access your presentations from your computer, tablet, or phone. </a:t>
-            </a:r>
-          </a:p>
-        </p:txBody>
-      </p:sp>
-      <p:sp>
-        <p:nvSpPr>
-          <p:cNvPr id="4" name="Date Placeholder 3">
-            <a:extLst>
-              <a:ext uri="{FF2B5EF4-FFF2-40B4-BE49-F238E27FC236}">
-                <a16:creationId xmlns:a16="http://schemas.microsoft.com/office/drawing/2014/main" id="{0C329F70-04F7-4C70-BCF8-D4371F54EF2F}"/>
-              </a:ext>
-            </a:extLst>
-          </p:cNvPr>
-          <p:cNvSpPr>
-            <a:spLocks noGrp="1"/>
-          </p:cNvSpPr>
-          <p:nvPr>
-            <p:ph type="dt" sz="half" idx="10"/>
-          </p:nvPr>
-        </p:nvSpPr>
-        <p:spPr>
-          <a:xfrm>
-            <a:off x="550863" y="6507212"/>
-            <a:ext cx="2628900" cy="153888"/>
-          </a:xfrm>
-        </p:spPr>
-        <p:txBody>
-          <a:bodyPr/>
-          <a:lstStyle/>
-          <a:p>
-            <a:r>
-              <a:rPr lang="en-US"/>
-              <a:t>Tuesday, February 2, 20XX</a:t>
-            </a:r>
-            <a:endParaRPr lang="en-US" dirty="0"/>
-          </a:p>
-        </p:txBody>
-      </p:sp>
-      <p:sp>
-        <p:nvSpPr>
-          <p:cNvPr id="5" name="Footer Placeholder 4">
-            <a:extLst>
-              <a:ext uri="{FF2B5EF4-FFF2-40B4-BE49-F238E27FC236}">
-                <a16:creationId xmlns:a16="http://schemas.microsoft.com/office/drawing/2014/main" id="{06A3302E-502D-4151-81C9-5FD6AF9596D6}"/>
-              </a:ext>
-            </a:extLst>
-          </p:cNvPr>
-          <p:cNvSpPr>
-            <a:spLocks noGrp="1"/>
-          </p:cNvSpPr>
-          <p:nvPr>
-            <p:ph type="ftr" sz="quarter" idx="11"/>
-          </p:nvPr>
-        </p:nvSpPr>
-        <p:spPr>
-          <a:xfrm>
-            <a:off x="3359150" y="6507212"/>
-            <a:ext cx="6379210" cy="153888"/>
-          </a:xfrm>
-        </p:spPr>
-        <p:txBody>
-          <a:bodyPr/>
-          <a:lstStyle/>
-          <a:p>
-            <a:r>
-              <a:rPr lang="en-US"/>
-              <a:t>Sample Footer Text</a:t>
-            </a:r>
-          </a:p>
-        </p:txBody>
-      </p:sp>
-      <p:sp>
-        <p:nvSpPr>
-          <p:cNvPr id="6" name="Slide Number Placeholder 5">
-            <a:extLst>
-              <a:ext uri="{FF2B5EF4-FFF2-40B4-BE49-F238E27FC236}">
-                <a16:creationId xmlns:a16="http://schemas.microsoft.com/office/drawing/2014/main" id="{9ED907F8-C614-4D59-A03F-BF9CD5E35703}"/>
-              </a:ext>
-            </a:extLst>
-          </p:cNvPr>
-          <p:cNvSpPr>
-            <a:spLocks noGrp="1"/>
-          </p:cNvSpPr>
-          <p:nvPr>
-            <p:ph type="sldNum" sz="quarter" idx="12"/>
-          </p:nvPr>
-        </p:nvSpPr>
-        <p:spPr>
-          <a:xfrm>
-            <a:off x="9948863" y="6507212"/>
-            <a:ext cx="1692274" cy="153888"/>
-          </a:xfrm>
-        </p:spPr>
-        <p:txBody>
-          <a:bodyPr/>
-          <a:lstStyle/>
-          <a:p>
-            <a:fld id="{DBA1B0FB-D917-4C8C-928F-313BD683BF39}" type="slidenum">
-              <a:rPr lang="en-US" smtClean="0"/>
-              <a:pPr/>
-              <a:t>9</a:t>
-            </a:fld>
-            <a:endParaRPr lang="en-US"/>
-          </a:p>
-        </p:txBody>
-      </p:sp>
-    </p:spTree>
-    <p:extLst>
-      <p:ext uri="{BB962C8B-B14F-4D97-AF65-F5344CB8AC3E}">
-        <p14:creationId xmlns:p14="http://schemas.microsoft.com/office/powerpoint/2010/main" val="3521561301"/>
       </p:ext>
     </p:extLst>
   </p:cSld>
@@ -24343,6 +25961,15 @@
 </file>
 
 <file path=customXml/item1.xml><?xml version="1.0" encoding="utf-8"?>
+<?mso-contentType ?>
+<FormTemplates xmlns="http://schemas.microsoft.com/sharepoint/v3/contenttype/forms">
+  <Display>DocumentLibraryForm</Display>
+  <Edit>DocumentLibraryForm</Edit>
+  <New>DocumentLibraryForm</New>
+</FormTemplates>
+</file>
+
+<file path=customXml/item2.xml><?xml version="1.0" encoding="utf-8"?>
 <p:properties xmlns:p="http://schemas.microsoft.com/office/2006/metadata/properties" xmlns:xsi="http://www.w3.org/2001/XMLSchema-instance" xmlns:pc="http://schemas.microsoft.com/office/infopath/2007/PartnerControls">
   <documentManagement>
     <_ip_UnifiedCompliancePolicyUIAction xmlns="http://schemas.microsoft.com/sharepoint/v3" xsi:nil="true"/>
@@ -24359,15 +25986,6 @@
     <MediaServiceKeyPoints xmlns="71af3243-3dd4-4a8d-8c0d-dd76da1f02a5" xsi:nil="true"/>
   </documentManagement>
 </p:properties>
-</file>
-
-<file path=customXml/item2.xml><?xml version="1.0" encoding="utf-8"?>
-<?mso-contentType ?>
-<FormTemplates xmlns="http://schemas.microsoft.com/sharepoint/v3/contenttype/forms">
-  <Display>DocumentLibraryForm</Display>
-  <Edit>DocumentLibraryForm</Edit>
-  <New>DocumentLibraryForm</New>
-</FormTemplates>
 </file>
 
 <file path=customXml/item3.xml><?xml version="1.0" encoding="utf-8"?>
@@ -24647,6 +26265,14 @@
 </file>
 
 <file path=customXml/itemProps1.xml><?xml version="1.0" encoding="utf-8"?>
+<ds:datastoreItem xmlns:ds="http://schemas.openxmlformats.org/officeDocument/2006/customXml" ds:itemID="{904751AB-E840-446F-8D49-E697067EC887}">
+  <ds:schemaRefs>
+    <ds:schemaRef ds:uri="http://schemas.microsoft.com/sharepoint/v3/contenttype/forms"/>
+  </ds:schemaRefs>
+</ds:datastoreItem>
+</file>
+
+<file path=customXml/itemProps2.xml><?xml version="1.0" encoding="utf-8"?>
 <ds:datastoreItem xmlns:ds="http://schemas.openxmlformats.org/officeDocument/2006/customXml" ds:itemID="{50811A92-D464-4AC4-A396-BA73B10CEEAC}">
   <ds:schemaRefs>
     <ds:schemaRef ds:uri="http://schemas.microsoft.com/office/2006/metadata/properties"/>
@@ -24654,14 +26280,6 @@
     <ds:schemaRef ds:uri="http://schemas.microsoft.com/sharepoint/v3"/>
     <ds:schemaRef ds:uri="71af3243-3dd4-4a8d-8c0d-dd76da1f02a5"/>
     <ds:schemaRef ds:uri="230e9df3-be65-4c73-a93b-d1236ebd677e"/>
-  </ds:schemaRefs>
-</ds:datastoreItem>
-</file>
-
-<file path=customXml/itemProps2.xml><?xml version="1.0" encoding="utf-8"?>
-<ds:datastoreItem xmlns:ds="http://schemas.openxmlformats.org/officeDocument/2006/customXml" ds:itemID="{904751AB-E840-446F-8D49-E697067EC887}">
-  <ds:schemaRefs>
-    <ds:schemaRef ds:uri="http://schemas.microsoft.com/sharepoint/v3/contenttype/forms"/>
   </ds:schemaRefs>
 </ds:datastoreItem>
 </file>

--- a/MSFT_Azure/Microsoft Azure.pptx
+++ b/MSFT_Azure/Microsoft Azure.pptx
@@ -5,10 +5,10 @@
     <p:sldMasterId id="2147483684" r:id="rId4"/>
   </p:sldMasterIdLst>
   <p:notesMasterIdLst>
-    <p:notesMasterId r:id="rId24"/>
+    <p:notesMasterId r:id="rId27"/>
   </p:notesMasterIdLst>
   <p:handoutMasterIdLst>
-    <p:handoutMasterId r:id="rId25"/>
+    <p:handoutMasterId r:id="rId28"/>
   </p:handoutMasterIdLst>
   <p:sldIdLst>
     <p:sldId id="257" r:id="rId5"/>
@@ -22,14 +22,17 @@
     <p:sldId id="394" r:id="rId13"/>
     <p:sldId id="399" r:id="rId14"/>
     <p:sldId id="400" r:id="rId15"/>
-    <p:sldId id="401" r:id="rId16"/>
-    <p:sldId id="278" r:id="rId17"/>
-    <p:sldId id="279" r:id="rId18"/>
-    <p:sldId id="272" r:id="rId19"/>
-    <p:sldId id="270" r:id="rId20"/>
-    <p:sldId id="281" r:id="rId21"/>
-    <p:sldId id="321" r:id="rId22"/>
-    <p:sldId id="391" r:id="rId23"/>
+    <p:sldId id="405" r:id="rId16"/>
+    <p:sldId id="402" r:id="rId17"/>
+    <p:sldId id="404" r:id="rId18"/>
+    <p:sldId id="406" r:id="rId19"/>
+    <p:sldId id="278" r:id="rId20"/>
+    <p:sldId id="279" r:id="rId21"/>
+    <p:sldId id="272" r:id="rId22"/>
+    <p:sldId id="270" r:id="rId23"/>
+    <p:sldId id="281" r:id="rId24"/>
+    <p:sldId id="321" r:id="rId25"/>
+    <p:sldId id="391" r:id="rId26"/>
   </p:sldIdLst>
   <p:sldSz cx="12192000" cy="6858000"/>
   <p:notesSz cx="6858000" cy="9144000"/>
@@ -5388,7 +5391,7 @@
     </p:spTree>
     <p:extLst>
       <p:ext uri="{BB962C8B-B14F-4D97-AF65-F5344CB8AC3E}">
-        <p14:creationId xmlns:p14="http://schemas.microsoft.com/office/powerpoint/2010/main" val="2015443198"/>
+        <p14:creationId xmlns:p14="http://schemas.microsoft.com/office/powerpoint/2010/main" val="2285325496"/>
       </p:ext>
     </p:extLst>
   </p:cSld>
@@ -5442,7 +5445,7 @@
           <a:bodyPr/>
           <a:lstStyle/>
           <a:p>
-            <a:endParaRPr lang="en-US"/>
+            <a:endParaRPr lang="en-US" dirty="0"/>
           </a:p>
         </p:txBody>
       </p:sp>
@@ -5453,7 +5456,7 @@
             <a:spLocks noGrp="1"/>
           </p:cNvSpPr>
           <p:nvPr>
-            <p:ph type="sldNum" sz="quarter" idx="10"/>
+            <p:ph type="sldNum" sz="quarter" idx="5"/>
           </p:nvPr>
         </p:nvSpPr>
         <p:spPr/>
@@ -5461,9 +5464,9 @@
           <a:bodyPr/>
           <a:lstStyle/>
           <a:p>
-            <a:fld id="{32DC0559-D619-4E56-BF6F-3712370C2150}" type="slidenum">
+            <a:fld id="{1983A999-5E0E-42CA-8400-604AE921FF7C}" type="slidenum">
               <a:rPr lang="en-US" smtClean="0"/>
-              <a:t>15</a:t>
+              <a:t>13</a:t>
             </a:fld>
             <a:endParaRPr lang="en-US"/>
           </a:p>
@@ -5472,7 +5475,7 @@
     </p:spTree>
     <p:extLst>
       <p:ext uri="{BB962C8B-B14F-4D97-AF65-F5344CB8AC3E}">
-        <p14:creationId xmlns:p14="http://schemas.microsoft.com/office/powerpoint/2010/main" val="514541281"/>
+        <p14:creationId xmlns:p14="http://schemas.microsoft.com/office/powerpoint/2010/main" val="1510320614"/>
       </p:ext>
     </p:extLst>
   </p:cSld>
@@ -5547,7 +5550,7 @@
           <a:p>
             <a:fld id="{1983A999-5E0E-42CA-8400-604AE921FF7C}" type="slidenum">
               <a:rPr lang="en-US" smtClean="0"/>
-              <a:t>16</a:t>
+              <a:t>14</a:t>
             </a:fld>
             <a:endParaRPr lang="en-US"/>
           </a:p>
@@ -5556,7 +5559,7 @@
     </p:spTree>
     <p:extLst>
       <p:ext uri="{BB962C8B-B14F-4D97-AF65-F5344CB8AC3E}">
-        <p14:creationId xmlns:p14="http://schemas.microsoft.com/office/powerpoint/2010/main" val="404304175"/>
+        <p14:creationId xmlns:p14="http://schemas.microsoft.com/office/powerpoint/2010/main" val="2931384458"/>
       </p:ext>
     </p:extLst>
   </p:cSld>
@@ -5631,7 +5634,259 @@
           <a:p>
             <a:fld id="{1983A999-5E0E-42CA-8400-604AE921FF7C}" type="slidenum">
               <a:rPr lang="en-US" smtClean="0"/>
+              <a:t>15</a:t>
+            </a:fld>
+            <a:endParaRPr lang="en-US"/>
+          </a:p>
+        </p:txBody>
+      </p:sp>
+    </p:spTree>
+    <p:extLst>
+      <p:ext uri="{BB962C8B-B14F-4D97-AF65-F5344CB8AC3E}">
+        <p14:creationId xmlns:p14="http://schemas.microsoft.com/office/powerpoint/2010/main" val="761463032"/>
+      </p:ext>
+    </p:extLst>
+  </p:cSld>
+  <p:clrMapOvr>
+    <a:masterClrMapping/>
+  </p:clrMapOvr>
+</p:notes>
+</file>
+
+<file path=ppt/notesSlides/notesSlide16.xml><?xml version="1.0" encoding="utf-8"?>
+<p:notes xmlns:a="http://schemas.openxmlformats.org/drawingml/2006/main" xmlns:r="http://schemas.openxmlformats.org/officeDocument/2006/relationships" xmlns:p="http://schemas.openxmlformats.org/presentationml/2006/main">
+  <p:cSld>
+    <p:spTree>
+      <p:nvGrpSpPr>
+        <p:cNvPr id="1" name=""/>
+        <p:cNvGrpSpPr/>
+        <p:nvPr/>
+      </p:nvGrpSpPr>
+      <p:grpSpPr>
+        <a:xfrm>
+          <a:off x="0" y="0"/>
+          <a:ext cx="0" cy="0"/>
+          <a:chOff x="0" y="0"/>
+          <a:chExt cx="0" cy="0"/>
+        </a:xfrm>
+      </p:grpSpPr>
+      <p:sp>
+        <p:nvSpPr>
+          <p:cNvPr id="2" name="Slide Image Placeholder 1"/>
+          <p:cNvSpPr>
+            <a:spLocks noGrp="1" noRot="1" noChangeAspect="1"/>
+          </p:cNvSpPr>
+          <p:nvPr>
+            <p:ph type="sldImg"/>
+          </p:nvPr>
+        </p:nvSpPr>
+        <p:spPr/>
+      </p:sp>
+      <p:sp>
+        <p:nvSpPr>
+          <p:cNvPr id="3" name="Notes Placeholder 2"/>
+          <p:cNvSpPr>
+            <a:spLocks noGrp="1"/>
+          </p:cNvSpPr>
+          <p:nvPr>
+            <p:ph type="body" idx="1"/>
+          </p:nvPr>
+        </p:nvSpPr>
+        <p:spPr/>
+        <p:txBody>
+          <a:bodyPr/>
+          <a:lstStyle/>
+          <a:p>
+            <a:endParaRPr lang="en-US"/>
+          </a:p>
+        </p:txBody>
+      </p:sp>
+      <p:sp>
+        <p:nvSpPr>
+          <p:cNvPr id="4" name="Slide Number Placeholder 3"/>
+          <p:cNvSpPr>
+            <a:spLocks noGrp="1"/>
+          </p:cNvSpPr>
+          <p:nvPr>
+            <p:ph type="sldNum" sz="quarter" idx="10"/>
+          </p:nvPr>
+        </p:nvSpPr>
+        <p:spPr/>
+        <p:txBody>
+          <a:bodyPr/>
+          <a:lstStyle/>
+          <a:p>
+            <a:fld id="{32DC0559-D619-4E56-BF6F-3712370C2150}" type="slidenum">
+              <a:rPr lang="en-US" smtClean="0"/>
               <a:t>18</a:t>
+            </a:fld>
+            <a:endParaRPr lang="en-US"/>
+          </a:p>
+        </p:txBody>
+      </p:sp>
+    </p:spTree>
+    <p:extLst>
+      <p:ext uri="{BB962C8B-B14F-4D97-AF65-F5344CB8AC3E}">
+        <p14:creationId xmlns:p14="http://schemas.microsoft.com/office/powerpoint/2010/main" val="514541281"/>
+      </p:ext>
+    </p:extLst>
+  </p:cSld>
+  <p:clrMapOvr>
+    <a:masterClrMapping/>
+  </p:clrMapOvr>
+</p:notes>
+</file>
+
+<file path=ppt/notesSlides/notesSlide17.xml><?xml version="1.0" encoding="utf-8"?>
+<p:notes xmlns:a="http://schemas.openxmlformats.org/drawingml/2006/main" xmlns:r="http://schemas.openxmlformats.org/officeDocument/2006/relationships" xmlns:p="http://schemas.openxmlformats.org/presentationml/2006/main">
+  <p:cSld>
+    <p:spTree>
+      <p:nvGrpSpPr>
+        <p:cNvPr id="1" name=""/>
+        <p:cNvGrpSpPr/>
+        <p:nvPr/>
+      </p:nvGrpSpPr>
+      <p:grpSpPr>
+        <a:xfrm>
+          <a:off x="0" y="0"/>
+          <a:ext cx="0" cy="0"/>
+          <a:chOff x="0" y="0"/>
+          <a:chExt cx="0" cy="0"/>
+        </a:xfrm>
+      </p:grpSpPr>
+      <p:sp>
+        <p:nvSpPr>
+          <p:cNvPr id="2" name="Slide Image Placeholder 1"/>
+          <p:cNvSpPr>
+            <a:spLocks noGrp="1" noRot="1" noChangeAspect="1"/>
+          </p:cNvSpPr>
+          <p:nvPr>
+            <p:ph type="sldImg"/>
+          </p:nvPr>
+        </p:nvSpPr>
+        <p:spPr/>
+      </p:sp>
+      <p:sp>
+        <p:nvSpPr>
+          <p:cNvPr id="3" name="Notes Placeholder 2"/>
+          <p:cNvSpPr>
+            <a:spLocks noGrp="1"/>
+          </p:cNvSpPr>
+          <p:nvPr>
+            <p:ph type="body" idx="1"/>
+          </p:nvPr>
+        </p:nvSpPr>
+        <p:spPr/>
+        <p:txBody>
+          <a:bodyPr/>
+          <a:lstStyle/>
+          <a:p>
+            <a:endParaRPr lang="en-US" dirty="0"/>
+          </a:p>
+        </p:txBody>
+      </p:sp>
+      <p:sp>
+        <p:nvSpPr>
+          <p:cNvPr id="4" name="Slide Number Placeholder 3"/>
+          <p:cNvSpPr>
+            <a:spLocks noGrp="1"/>
+          </p:cNvSpPr>
+          <p:nvPr>
+            <p:ph type="sldNum" sz="quarter" idx="5"/>
+          </p:nvPr>
+        </p:nvSpPr>
+        <p:spPr/>
+        <p:txBody>
+          <a:bodyPr/>
+          <a:lstStyle/>
+          <a:p>
+            <a:fld id="{1983A999-5E0E-42CA-8400-604AE921FF7C}" type="slidenum">
+              <a:rPr lang="en-US" smtClean="0"/>
+              <a:t>19</a:t>
+            </a:fld>
+            <a:endParaRPr lang="en-US"/>
+          </a:p>
+        </p:txBody>
+      </p:sp>
+    </p:spTree>
+    <p:extLst>
+      <p:ext uri="{BB962C8B-B14F-4D97-AF65-F5344CB8AC3E}">
+        <p14:creationId xmlns:p14="http://schemas.microsoft.com/office/powerpoint/2010/main" val="404304175"/>
+      </p:ext>
+    </p:extLst>
+  </p:cSld>
+  <p:clrMapOvr>
+    <a:masterClrMapping/>
+  </p:clrMapOvr>
+</p:notes>
+</file>
+
+<file path=ppt/notesSlides/notesSlide18.xml><?xml version="1.0" encoding="utf-8"?>
+<p:notes xmlns:a="http://schemas.openxmlformats.org/drawingml/2006/main" xmlns:r="http://schemas.openxmlformats.org/officeDocument/2006/relationships" xmlns:p="http://schemas.openxmlformats.org/presentationml/2006/main">
+  <p:cSld>
+    <p:spTree>
+      <p:nvGrpSpPr>
+        <p:cNvPr id="1" name=""/>
+        <p:cNvGrpSpPr/>
+        <p:nvPr/>
+      </p:nvGrpSpPr>
+      <p:grpSpPr>
+        <a:xfrm>
+          <a:off x="0" y="0"/>
+          <a:ext cx="0" cy="0"/>
+          <a:chOff x="0" y="0"/>
+          <a:chExt cx="0" cy="0"/>
+        </a:xfrm>
+      </p:grpSpPr>
+      <p:sp>
+        <p:nvSpPr>
+          <p:cNvPr id="2" name="Slide Image Placeholder 1"/>
+          <p:cNvSpPr>
+            <a:spLocks noGrp="1" noRot="1" noChangeAspect="1"/>
+          </p:cNvSpPr>
+          <p:nvPr>
+            <p:ph type="sldImg"/>
+          </p:nvPr>
+        </p:nvSpPr>
+        <p:spPr/>
+      </p:sp>
+      <p:sp>
+        <p:nvSpPr>
+          <p:cNvPr id="3" name="Notes Placeholder 2"/>
+          <p:cNvSpPr>
+            <a:spLocks noGrp="1"/>
+          </p:cNvSpPr>
+          <p:nvPr>
+            <p:ph type="body" idx="1"/>
+          </p:nvPr>
+        </p:nvSpPr>
+        <p:spPr/>
+        <p:txBody>
+          <a:bodyPr/>
+          <a:lstStyle/>
+          <a:p>
+            <a:endParaRPr lang="en-US" dirty="0"/>
+          </a:p>
+        </p:txBody>
+      </p:sp>
+      <p:sp>
+        <p:nvSpPr>
+          <p:cNvPr id="4" name="Slide Number Placeholder 3"/>
+          <p:cNvSpPr>
+            <a:spLocks noGrp="1"/>
+          </p:cNvSpPr>
+          <p:nvPr>
+            <p:ph type="sldNum" sz="quarter" idx="5"/>
+          </p:nvPr>
+        </p:nvSpPr>
+        <p:spPr/>
+        <p:txBody>
+          <a:bodyPr/>
+          <a:lstStyle/>
+          <a:p>
+            <a:fld id="{1983A999-5E0E-42CA-8400-604AE921FF7C}" type="slidenum">
+              <a:rPr lang="en-US" smtClean="0"/>
+              <a:t>21</a:t>
             </a:fld>
             <a:endParaRPr lang="en-US"/>
           </a:p>
@@ -19392,7 +19647,7 @@
         </p:nvGrpSpPr>
         <p:grpSpPr>
           <a:xfrm>
-            <a:off x="10379261" y="2030035"/>
+            <a:off x="10305537" y="426615"/>
             <a:ext cx="1335600" cy="1262947"/>
             <a:chOff x="10145015" y="2343978"/>
             <a:chExt cx="1335600" cy="1262947"/>
@@ -19733,7 +19988,7 @@
           <a:p>
             <a:r>
               <a:rPr lang="en-US" dirty="0"/>
-              <a:t>Azure Key Vaults</a:t>
+              <a:t>Azure Databases</a:t>
             </a:r>
           </a:p>
         </p:txBody>
@@ -19756,7 +20011,7 @@
         </p:nvSpPr>
         <p:spPr>
           <a:xfrm>
-            <a:off x="543587" y="1534206"/>
+            <a:off x="543587" y="1671222"/>
             <a:ext cx="9555038" cy="3515555"/>
           </a:xfrm>
         </p:spPr>
@@ -19771,8 +20026,183 @@
                 </a:solidFill>
                 <a:latin typeface="Segoe UI" panose="020B0502040204020203" pitchFamily="34" charset="0"/>
               </a:rPr>
-              <a:t>Application Insights can monitor Azure cloud service apps for availability, performance, failures, and usage by combining data from Application Insights SDKs with Azure Diagnostics data from your cloud services.</a:t>
+              <a:t>Key vaults can be used to store a variety of private information:</a:t>
             </a:r>
+          </a:p>
+          <a:p>
+            <a:pPr lvl="1"/>
+            <a:r>
+              <a:rPr lang="en-US" b="0" i="0" dirty="0">
+                <a:solidFill>
+                  <a:srgbClr val="FFFFFF"/>
+                </a:solidFill>
+                <a:effectLst/>
+                <a:latin typeface="Roboto" panose="02000000000000000000" pitchFamily="2" charset="0"/>
+              </a:rPr>
+              <a:t>A Secret is a small data blob (up to 10 KB in size) used in the authorization of users/applications with the help of a Key Vault. </a:t>
+            </a:r>
+          </a:p>
+          <a:p>
+            <a:pPr lvl="1"/>
+            <a:r>
+              <a:rPr lang="en-US" b="0" i="0" dirty="0">
+                <a:solidFill>
+                  <a:srgbClr val="FFFFFF"/>
+                </a:solidFill>
+                <a:effectLst/>
+                <a:latin typeface="Roboto" panose="02000000000000000000" pitchFamily="2" charset="0"/>
+              </a:rPr>
+              <a:t>Key Vault helps in mitigating the risk </a:t>
+            </a:r>
+            <a:br>
+              <a:rPr lang="en-US" b="0" i="0" dirty="0">
+                <a:solidFill>
+                  <a:srgbClr val="FFFFFF"/>
+                </a:solidFill>
+                <a:effectLst/>
+                <a:latin typeface="Roboto" panose="02000000000000000000" pitchFamily="2" charset="0"/>
+              </a:rPr>
+            </a:br>
+            <a:r>
+              <a:rPr lang="en-US" b="0" i="0" dirty="0">
+                <a:solidFill>
+                  <a:srgbClr val="FFFFFF"/>
+                </a:solidFill>
+                <a:effectLst/>
+                <a:latin typeface="Roboto" panose="02000000000000000000" pitchFamily="2" charset="0"/>
+              </a:rPr>
+              <a:t>associated with the storage of secrets </a:t>
+            </a:r>
+            <a:br>
+              <a:rPr lang="en-US" b="0" i="0" dirty="0">
+                <a:solidFill>
+                  <a:srgbClr val="FFFFFF"/>
+                </a:solidFill>
+                <a:effectLst/>
+                <a:latin typeface="Roboto" panose="02000000000000000000" pitchFamily="2" charset="0"/>
+              </a:rPr>
+            </a:br>
+            <a:r>
+              <a:rPr lang="en-US" b="0" i="0" dirty="0">
+                <a:solidFill>
+                  <a:srgbClr val="FFFFFF"/>
+                </a:solidFill>
+                <a:effectLst/>
+                <a:latin typeface="Roboto" panose="02000000000000000000" pitchFamily="2" charset="0"/>
+              </a:rPr>
+              <a:t>in a non-secure location.</a:t>
+            </a:r>
+          </a:p>
+          <a:p>
+            <a:pPr lvl="1"/>
+            <a:r>
+              <a:rPr lang="en-US" b="0" i="0" dirty="0">
+                <a:solidFill>
+                  <a:srgbClr val="FFFFFF"/>
+                </a:solidFill>
+                <a:effectLst/>
+                <a:latin typeface="Roboto" panose="02000000000000000000" pitchFamily="2" charset="0"/>
+              </a:rPr>
+              <a:t>Examples of secrets </a:t>
+            </a:r>
+            <a:r>
+              <a:rPr lang="en-US" dirty="0">
+                <a:solidFill>
+                  <a:srgbClr val="FFFFFF"/>
+                </a:solidFill>
+                <a:latin typeface="Roboto" panose="02000000000000000000" pitchFamily="2" charset="0"/>
+              </a:rPr>
+              <a:t>include: </a:t>
+            </a:r>
+            <a:r>
+              <a:rPr lang="en-US" dirty="0" err="1">
+                <a:solidFill>
+                  <a:srgbClr val="FFFFFF"/>
+                </a:solidFill>
+                <a:latin typeface="Roboto" panose="02000000000000000000" pitchFamily="2" charset="0"/>
+              </a:rPr>
+              <a:t>ssh</a:t>
+            </a:r>
+            <a:r>
+              <a:rPr lang="en-US" dirty="0">
+                <a:solidFill>
+                  <a:srgbClr val="FFFFFF"/>
+                </a:solidFill>
+                <a:latin typeface="Roboto" panose="02000000000000000000" pitchFamily="2" charset="0"/>
+              </a:rPr>
+              <a:t> </a:t>
+            </a:r>
+            <a:br>
+              <a:rPr lang="en-US" dirty="0">
+                <a:solidFill>
+                  <a:srgbClr val="FFFFFF"/>
+                </a:solidFill>
+                <a:latin typeface="Roboto" panose="02000000000000000000" pitchFamily="2" charset="0"/>
+              </a:rPr>
+            </a:br>
+            <a:r>
+              <a:rPr lang="en-US" dirty="0">
+                <a:solidFill>
+                  <a:srgbClr val="FFFFFF"/>
+                </a:solidFill>
+                <a:latin typeface="Roboto" panose="02000000000000000000" pitchFamily="2" charset="0"/>
+              </a:rPr>
+              <a:t>authentication keys, storage account </a:t>
+            </a:r>
+            <a:br>
+              <a:rPr lang="en-US" dirty="0">
+                <a:solidFill>
+                  <a:srgbClr val="FFFFFF"/>
+                </a:solidFill>
+                <a:latin typeface="Roboto" panose="02000000000000000000" pitchFamily="2" charset="0"/>
+              </a:rPr>
+            </a:br>
+            <a:r>
+              <a:rPr lang="en-US" dirty="0">
+                <a:solidFill>
+                  <a:srgbClr val="FFFFFF"/>
+                </a:solidFill>
+                <a:latin typeface="Roboto" panose="02000000000000000000" pitchFamily="2" charset="0"/>
+              </a:rPr>
+              <a:t>keys, passwords, tokens, API keys, </a:t>
+            </a:r>
+            <a:br>
+              <a:rPr lang="en-US" dirty="0">
+                <a:solidFill>
+                  <a:srgbClr val="FFFFFF"/>
+                </a:solidFill>
+                <a:latin typeface="Roboto" panose="02000000000000000000" pitchFamily="2" charset="0"/>
+              </a:rPr>
+            </a:br>
+            <a:r>
+              <a:rPr lang="en-US" dirty="0">
+                <a:solidFill>
+                  <a:srgbClr val="FFFFFF"/>
+                </a:solidFill>
+                <a:latin typeface="Roboto" panose="02000000000000000000" pitchFamily="2" charset="0"/>
+              </a:rPr>
+              <a:t>email passwords, etc.</a:t>
+            </a:r>
+          </a:p>
+          <a:p>
+            <a:pPr marL="0" indent="0">
+              <a:buNone/>
+            </a:pPr>
+            <a:br>
+              <a:rPr lang="en-US" b="0" i="0" dirty="0">
+                <a:solidFill>
+                  <a:srgbClr val="292929"/>
+                </a:solidFill>
+                <a:effectLst/>
+                <a:latin typeface="Roboto" panose="02000000000000000000" pitchFamily="2" charset="0"/>
+              </a:rPr>
+            </a:br>
+            <a:endParaRPr lang="en-US" dirty="0">
+              <a:solidFill>
+                <a:srgbClr val="FFFFFF"/>
+              </a:solidFill>
+              <a:latin typeface="Segoe UI" panose="020B0502040204020203" pitchFamily="34" charset="0"/>
+            </a:endParaRPr>
           </a:p>
         </p:txBody>
       </p:sp>
@@ -19974,10 +20404,10 @@
       </p:sp>
       <p:pic>
         <p:nvPicPr>
-          <p:cNvPr id="3" name="Picture 2">
+          <p:cNvPr id="4" name="Picture 3">
             <a:extLst>
               <a:ext uri="{FF2B5EF4-FFF2-40B4-BE49-F238E27FC236}">
-                <a16:creationId xmlns:a16="http://schemas.microsoft.com/office/drawing/2014/main" id="{94BEF070-B8D0-488A-060A-D4CEB07A8424}"/>
+                <a16:creationId xmlns:a16="http://schemas.microsoft.com/office/drawing/2014/main" id="{DCAD4580-332A-5CC3-F320-DF5FB5F354E4}"/>
               </a:ext>
             </a:extLst>
           </p:cNvPr>
@@ -19994,18 +20424,346 @@
         </p:blipFill>
         <p:spPr>
           <a:xfrm>
-            <a:off x="1152660" y="3446787"/>
-            <a:ext cx="10151568" cy="3103504"/>
+            <a:off x="5170955" y="2847361"/>
+            <a:ext cx="5493925" cy="3773510"/>
           </a:xfrm>
           <a:prstGeom prst="rect">
             <a:avLst/>
           </a:prstGeom>
         </p:spPr>
       </p:pic>
+      <p:grpSp>
+        <p:nvGrpSpPr>
+          <p:cNvPr id="11" name="Group 10">
+            <a:extLst>
+              <a:ext uri="{FF2B5EF4-FFF2-40B4-BE49-F238E27FC236}">
+                <a16:creationId xmlns:a16="http://schemas.microsoft.com/office/drawing/2014/main" id="{9D6D22A3-3C78-A30D-A087-0DE6211C5BB1}"/>
+              </a:ext>
+              <a:ext uri="{C183D7F6-B498-43B3-948B-1728B52AA6E4}">
+                <adec:decorative xmlns:adec="http://schemas.microsoft.com/office/drawing/2017/decorative" val="1"/>
+              </a:ext>
+            </a:extLst>
+          </p:cNvPr>
+          <p:cNvGrpSpPr/>
+          <p:nvPr/>
+        </p:nvGrpSpPr>
+        <p:grpSpPr>
+          <a:xfrm rot="7008010">
+            <a:off x="1217346" y="5122978"/>
+            <a:ext cx="1335600" cy="1262947"/>
+            <a:chOff x="10145015" y="2343978"/>
+            <a:chExt cx="1335600" cy="1262947"/>
+          </a:xfrm>
+        </p:grpSpPr>
+        <p:sp>
+          <p:nvSpPr>
+            <p:cNvPr id="12" name="Freeform: Shape 11">
+              <a:extLst>
+                <a:ext uri="{FF2B5EF4-FFF2-40B4-BE49-F238E27FC236}">
+                  <a16:creationId xmlns:a16="http://schemas.microsoft.com/office/drawing/2014/main" id="{CEA58F9B-68C3-2096-27AE-13DC26D5FD62}"/>
+                </a:ext>
+              </a:extLst>
+            </p:cNvPr>
+            <p:cNvSpPr>
+              <a:spLocks noChangeAspect="1"/>
+            </p:cNvSpPr>
+            <p:nvPr/>
+          </p:nvSpPr>
+          <p:spPr>
+            <a:xfrm rot="8100000">
+              <a:off x="10400615" y="2343978"/>
+              <a:ext cx="1080000" cy="1262947"/>
+            </a:xfrm>
+            <a:custGeom>
+              <a:avLst/>
+              <a:gdLst>
+                <a:gd name="connsiteX0" fmla="*/ 540000 w 1080000"/>
+                <a:gd name="connsiteY0" fmla="*/ 0 h 1262947"/>
+                <a:gd name="connsiteX1" fmla="*/ 1080000 w 1080000"/>
+                <a:gd name="connsiteY1" fmla="*/ 931034 h 1262947"/>
+                <a:gd name="connsiteX2" fmla="*/ 1064374 w 1080000"/>
+                <a:gd name="connsiteY2" fmla="*/ 931034 h 1262947"/>
+                <a:gd name="connsiteX3" fmla="*/ 1069029 w 1080000"/>
+                <a:gd name="connsiteY3" fmla="*/ 938533 h 1262947"/>
+                <a:gd name="connsiteX4" fmla="*/ 1080000 w 1080000"/>
+                <a:gd name="connsiteY4" fmla="*/ 992947 h 1262947"/>
+                <a:gd name="connsiteX5" fmla="*/ 540000 w 1080000"/>
+                <a:gd name="connsiteY5" fmla="*/ 1262947 h 1262947"/>
+                <a:gd name="connsiteX6" fmla="*/ 0 w 1080000"/>
+                <a:gd name="connsiteY6" fmla="*/ 992947 h 1262947"/>
+                <a:gd name="connsiteX7" fmla="*/ 10971 w 1080000"/>
+                <a:gd name="connsiteY7" fmla="*/ 938533 h 1262947"/>
+                <a:gd name="connsiteX8" fmla="*/ 15626 w 1080000"/>
+                <a:gd name="connsiteY8" fmla="*/ 931034 h 1262947"/>
+                <a:gd name="connsiteX9" fmla="*/ 0 w 1080000"/>
+                <a:gd name="connsiteY9" fmla="*/ 931034 h 1262947"/>
+                <a:gd name="connsiteX0" fmla="*/ 540000 w 1080000"/>
+                <a:gd name="connsiteY0" fmla="*/ 0 h 1262947"/>
+                <a:gd name="connsiteX1" fmla="*/ 1080000 w 1080000"/>
+                <a:gd name="connsiteY1" fmla="*/ 931034 h 1262947"/>
+                <a:gd name="connsiteX2" fmla="*/ 1064374 w 1080000"/>
+                <a:gd name="connsiteY2" fmla="*/ 931034 h 1262947"/>
+                <a:gd name="connsiteX3" fmla="*/ 1069029 w 1080000"/>
+                <a:gd name="connsiteY3" fmla="*/ 938533 h 1262947"/>
+                <a:gd name="connsiteX4" fmla="*/ 1080000 w 1080000"/>
+                <a:gd name="connsiteY4" fmla="*/ 992947 h 1262947"/>
+                <a:gd name="connsiteX5" fmla="*/ 540000 w 1080000"/>
+                <a:gd name="connsiteY5" fmla="*/ 1262947 h 1262947"/>
+                <a:gd name="connsiteX6" fmla="*/ 0 w 1080000"/>
+                <a:gd name="connsiteY6" fmla="*/ 992947 h 1262947"/>
+                <a:gd name="connsiteX7" fmla="*/ 10971 w 1080000"/>
+                <a:gd name="connsiteY7" fmla="*/ 938533 h 1262947"/>
+                <a:gd name="connsiteX8" fmla="*/ 15626 w 1080000"/>
+                <a:gd name="connsiteY8" fmla="*/ 931034 h 1262947"/>
+                <a:gd name="connsiteX9" fmla="*/ 540000 w 1080000"/>
+                <a:gd name="connsiteY9" fmla="*/ 0 h 1262947"/>
+                <a:gd name="connsiteX0" fmla="*/ 540000 w 1080000"/>
+                <a:gd name="connsiteY0" fmla="*/ 0 h 1262947"/>
+                <a:gd name="connsiteX1" fmla="*/ 1064374 w 1080000"/>
+                <a:gd name="connsiteY1" fmla="*/ 931034 h 1262947"/>
+                <a:gd name="connsiteX2" fmla="*/ 1069029 w 1080000"/>
+                <a:gd name="connsiteY2" fmla="*/ 938533 h 1262947"/>
+                <a:gd name="connsiteX3" fmla="*/ 1080000 w 1080000"/>
+                <a:gd name="connsiteY3" fmla="*/ 992947 h 1262947"/>
+                <a:gd name="connsiteX4" fmla="*/ 540000 w 1080000"/>
+                <a:gd name="connsiteY4" fmla="*/ 1262947 h 1262947"/>
+                <a:gd name="connsiteX5" fmla="*/ 0 w 1080000"/>
+                <a:gd name="connsiteY5" fmla="*/ 992947 h 1262947"/>
+                <a:gd name="connsiteX6" fmla="*/ 10971 w 1080000"/>
+                <a:gd name="connsiteY6" fmla="*/ 938533 h 1262947"/>
+                <a:gd name="connsiteX7" fmla="*/ 15626 w 1080000"/>
+                <a:gd name="connsiteY7" fmla="*/ 931034 h 1262947"/>
+                <a:gd name="connsiteX8" fmla="*/ 540000 w 1080000"/>
+                <a:gd name="connsiteY8" fmla="*/ 0 h 1262947"/>
+              </a:gdLst>
+              <a:ahLst/>
+              <a:cxnLst>
+                <a:cxn ang="0">
+                  <a:pos x="connsiteX0" y="connsiteY0"/>
+                </a:cxn>
+                <a:cxn ang="0">
+                  <a:pos x="connsiteX1" y="connsiteY1"/>
+                </a:cxn>
+                <a:cxn ang="0">
+                  <a:pos x="connsiteX2" y="connsiteY2"/>
+                </a:cxn>
+                <a:cxn ang="0">
+                  <a:pos x="connsiteX3" y="connsiteY3"/>
+                </a:cxn>
+                <a:cxn ang="0">
+                  <a:pos x="connsiteX4" y="connsiteY4"/>
+                </a:cxn>
+                <a:cxn ang="0">
+                  <a:pos x="connsiteX5" y="connsiteY5"/>
+                </a:cxn>
+                <a:cxn ang="0">
+                  <a:pos x="connsiteX6" y="connsiteY6"/>
+                </a:cxn>
+                <a:cxn ang="0">
+                  <a:pos x="connsiteX7" y="connsiteY7"/>
+                </a:cxn>
+                <a:cxn ang="0">
+                  <a:pos x="connsiteX8" y="connsiteY8"/>
+                </a:cxn>
+              </a:cxnLst>
+              <a:rect l="l" t="t" r="r" b="b"/>
+              <a:pathLst>
+                <a:path w="1080000" h="1262947">
+                  <a:moveTo>
+                    <a:pt x="540000" y="0"/>
+                  </a:moveTo>
+                  <a:lnTo>
+                    <a:pt x="1064374" y="931034"/>
+                  </a:lnTo>
+                  <a:lnTo>
+                    <a:pt x="1069029" y="938533"/>
+                  </a:lnTo>
+                  <a:cubicBezTo>
+                    <a:pt x="1076223" y="956109"/>
+                    <a:pt x="1080000" y="974307"/>
+                    <a:pt x="1080000" y="992947"/>
+                  </a:cubicBezTo>
+                  <a:cubicBezTo>
+                    <a:pt x="1080000" y="1142064"/>
+                    <a:pt x="838234" y="1262947"/>
+                    <a:pt x="540000" y="1262947"/>
+                  </a:cubicBezTo>
+                  <a:cubicBezTo>
+                    <a:pt x="241766" y="1262947"/>
+                    <a:pt x="0" y="1142064"/>
+                    <a:pt x="0" y="992947"/>
+                  </a:cubicBezTo>
+                  <a:cubicBezTo>
+                    <a:pt x="0" y="974307"/>
+                    <a:pt x="3778" y="956109"/>
+                    <a:pt x="10971" y="938533"/>
+                  </a:cubicBezTo>
+                  <a:lnTo>
+                    <a:pt x="15626" y="931034"/>
+                  </a:lnTo>
+                  <a:lnTo>
+                    <a:pt x="540000" y="0"/>
+                  </a:lnTo>
+                  <a:close/>
+                </a:path>
+              </a:pathLst>
+            </a:custGeom>
+            <a:gradFill>
+              <a:gsLst>
+                <a:gs pos="60000">
+                  <a:schemeClr val="bg2">
+                    <a:lumMod val="90000"/>
+                    <a:lumOff val="10000"/>
+                  </a:schemeClr>
+                </a:gs>
+                <a:gs pos="30000">
+                  <a:schemeClr val="bg2">
+                    <a:lumMod val="90000"/>
+                    <a:lumOff val="10000"/>
+                  </a:schemeClr>
+                </a:gs>
+                <a:gs pos="40000">
+                  <a:schemeClr val="bg2">
+                    <a:lumMod val="80000"/>
+                    <a:lumOff val="20000"/>
+                  </a:schemeClr>
+                </a:gs>
+                <a:gs pos="100000">
+                  <a:schemeClr val="bg2"/>
+                </a:gs>
+              </a:gsLst>
+              <a:lin ang="600000" scaled="0"/>
+            </a:gradFill>
+            <a:ln>
+              <a:noFill/>
+            </a:ln>
+            <a:effectLst>
+              <a:innerShdw blurRad="254000" dist="101600" dir="7320000">
+                <a:schemeClr val="accent1">
+                  <a:lumMod val="60000"/>
+                  <a:lumOff val="40000"/>
+                  <a:alpha val="40000"/>
+                </a:schemeClr>
+              </a:innerShdw>
+            </a:effectLst>
+          </p:spPr>
+          <p:style>
+            <a:lnRef idx="2">
+              <a:schemeClr val="accent1">
+                <a:shade val="50000"/>
+              </a:schemeClr>
+            </a:lnRef>
+            <a:fillRef idx="1">
+              <a:schemeClr val="accent1"/>
+            </a:fillRef>
+            <a:effectRef idx="0">
+              <a:schemeClr val="accent1"/>
+            </a:effectRef>
+            <a:fontRef idx="minor">
+              <a:schemeClr val="lt1"/>
+            </a:fontRef>
+          </p:style>
+          <p:txBody>
+            <a:bodyPr rot="0" spcFirstLastPara="0" vertOverflow="overflow" horzOverflow="overflow" vert="horz" wrap="square" lIns="91440" tIns="45720" rIns="91440" bIns="45720" numCol="1" spcCol="0" rtlCol="0" fromWordArt="0" anchor="ctr" anchorCtr="0" forceAA="0" compatLnSpc="1">
+              <a:prstTxWarp prst="textNoShape">
+                <a:avLst/>
+              </a:prstTxWarp>
+              <a:noAutofit/>
+            </a:bodyPr>
+            <a:lstStyle/>
+            <a:p>
+              <a:pPr algn="ctr"/>
+              <a:endParaRPr lang="en-US"/>
+            </a:p>
+          </p:txBody>
+        </p:sp>
+        <p:sp>
+          <p:nvSpPr>
+            <p:cNvPr id="13" name="Oval 12">
+              <a:extLst>
+                <a:ext uri="{FF2B5EF4-FFF2-40B4-BE49-F238E27FC236}">
+                  <a16:creationId xmlns:a16="http://schemas.microsoft.com/office/drawing/2014/main" id="{4D4368CA-9D36-458E-0FD1-62077B1121D3}"/>
+                </a:ext>
+              </a:extLst>
+            </p:cNvPr>
+            <p:cNvSpPr/>
+            <p:nvPr/>
+          </p:nvSpPr>
+          <p:spPr>
+            <a:xfrm rot="13500000">
+              <a:off x="10415015" y="2179851"/>
+              <a:ext cx="540000" cy="1080000"/>
+            </a:xfrm>
+            <a:prstGeom prst="ellipse">
+              <a:avLst/>
+            </a:prstGeom>
+            <a:gradFill>
+              <a:gsLst>
+                <a:gs pos="100000">
+                  <a:schemeClr val="accent1">
+                    <a:lumMod val="60000"/>
+                    <a:lumOff val="40000"/>
+                    <a:alpha val="0"/>
+                  </a:schemeClr>
+                </a:gs>
+                <a:gs pos="0">
+                  <a:schemeClr val="bg2">
+                    <a:lumMod val="75000"/>
+                    <a:lumOff val="25000"/>
+                    <a:alpha val="33000"/>
+                  </a:schemeClr>
+                </a:gs>
+              </a:gsLst>
+              <a:lin ang="5400000" scaled="0"/>
+            </a:gradFill>
+            <a:ln>
+              <a:noFill/>
+            </a:ln>
+            <a:effectLst>
+              <a:innerShdw blurRad="1270000" dist="2540000">
+                <a:schemeClr val="accent1">
+                  <a:lumMod val="60000"/>
+                  <a:lumOff val="40000"/>
+                  <a:alpha val="0"/>
+                </a:schemeClr>
+              </a:innerShdw>
+            </a:effectLst>
+          </p:spPr>
+          <p:style>
+            <a:lnRef idx="2">
+              <a:schemeClr val="accent1">
+                <a:shade val="50000"/>
+              </a:schemeClr>
+            </a:lnRef>
+            <a:fillRef idx="1">
+              <a:schemeClr val="accent1"/>
+            </a:fillRef>
+            <a:effectRef idx="0">
+              <a:schemeClr val="accent1"/>
+            </a:effectRef>
+            <a:fontRef idx="minor">
+              <a:schemeClr val="lt1"/>
+            </a:fontRef>
+          </p:style>
+          <p:txBody>
+            <a:bodyPr rot="0" spcFirstLastPara="0" vertOverflow="overflow" horzOverflow="overflow" vert="horz" wrap="square" lIns="91440" tIns="45720" rIns="91440" bIns="45720" numCol="1" spcCol="0" rtlCol="0" fromWordArt="0" anchor="ctr" anchorCtr="0" forceAA="0" compatLnSpc="1">
+              <a:prstTxWarp prst="textNoShape">
+                <a:avLst/>
+              </a:prstTxWarp>
+              <a:noAutofit/>
+            </a:bodyPr>
+            <a:lstStyle/>
+            <a:p>
+              <a:pPr algn="ctr"/>
+              <a:endParaRPr lang="en-US"/>
+            </a:p>
+          </p:txBody>
+        </p:sp>
+      </p:grpSp>
     </p:spTree>
     <p:extLst>
       <p:ext uri="{BB962C8B-B14F-4D97-AF65-F5344CB8AC3E}">
-        <p14:creationId xmlns:p14="http://schemas.microsoft.com/office/powerpoint/2010/main" val="3125537661"/>
+        <p14:creationId xmlns:p14="http://schemas.microsoft.com/office/powerpoint/2010/main" val="2059899896"/>
       </p:ext>
     </p:extLst>
   </p:cSld>
@@ -20016,6 +20774,2229 @@
 </file>
 
 <file path=ppt/slides/slide13.xml><?xml version="1.0" encoding="utf-8"?>
+<p:sld xmlns:a="http://schemas.openxmlformats.org/drawingml/2006/main" xmlns:r="http://schemas.openxmlformats.org/officeDocument/2006/relationships" xmlns:p="http://schemas.openxmlformats.org/presentationml/2006/main">
+  <p:cSld>
+    <p:spTree>
+      <p:nvGrpSpPr>
+        <p:cNvPr id="1" name=""/>
+        <p:cNvGrpSpPr/>
+        <p:nvPr/>
+      </p:nvGrpSpPr>
+      <p:grpSpPr>
+        <a:xfrm>
+          <a:off x="0" y="0"/>
+          <a:ext cx="0" cy="0"/>
+          <a:chOff x="0" y="0"/>
+          <a:chExt cx="0" cy="0"/>
+        </a:xfrm>
+      </p:grpSpPr>
+      <p:pic>
+        <p:nvPicPr>
+          <p:cNvPr id="8" name="Picture Placeholder 7" descr="Data Points Digital background">
+            <a:extLst>
+              <a:ext uri="{FF2B5EF4-FFF2-40B4-BE49-F238E27FC236}">
+                <a16:creationId xmlns:a16="http://schemas.microsoft.com/office/drawing/2014/main" id="{5FED7C55-F545-49A1-90FD-D853A25AB453}"/>
+              </a:ext>
+            </a:extLst>
+          </p:cNvPr>
+          <p:cNvPicPr>
+            <a:picLocks noGrp="1" noChangeAspect="1"/>
+          </p:cNvPicPr>
+          <p:nvPr>
+            <p:ph type="pic" sz="quarter" idx="13"/>
+          </p:nvPr>
+        </p:nvPicPr>
+        <p:blipFill>
+          <a:blip r:embed="rId3">
+            <a:extLst>
+              <a:ext uri="{28A0092B-C50C-407E-A947-70E740481C1C}">
+                <a14:useLocalDpi xmlns:a14="http://schemas.microsoft.com/office/drawing/2010/main" val="0"/>
+              </a:ext>
+            </a:extLst>
+          </a:blip>
+          <a:srcRect/>
+          <a:stretch>
+            <a:fillRect/>
+          </a:stretch>
+        </p:blipFill>
+        <p:spPr/>
+      </p:pic>
+      <p:sp>
+        <p:nvSpPr>
+          <p:cNvPr id="15" name="Title 14">
+            <a:extLst>
+              <a:ext uri="{FF2B5EF4-FFF2-40B4-BE49-F238E27FC236}">
+                <a16:creationId xmlns:a16="http://schemas.microsoft.com/office/drawing/2014/main" id="{40F1DF5B-353A-4270-8C10-6A1509441174}"/>
+              </a:ext>
+            </a:extLst>
+          </p:cNvPr>
+          <p:cNvSpPr>
+            <a:spLocks noGrp="1"/>
+          </p:cNvSpPr>
+          <p:nvPr>
+            <p:ph type="ctrTitle"/>
+          </p:nvPr>
+        </p:nvSpPr>
+        <p:spPr>
+          <a:xfrm>
+            <a:off x="550862" y="549275"/>
+            <a:ext cx="7227977" cy="2986234"/>
+          </a:xfrm>
+        </p:spPr>
+        <p:txBody>
+          <a:bodyPr vert="horz" wrap="square" lIns="0" tIns="0" rIns="0" bIns="0" rtlCol="0" anchor="b" anchorCtr="0">
+            <a:normAutofit/>
+          </a:bodyPr>
+          <a:lstStyle/>
+          <a:p>
+            <a:pPr>
+              <a:lnSpc>
+                <a:spcPct val="100000"/>
+              </a:lnSpc>
+            </a:pPr>
+            <a:r>
+              <a:rPr lang="en-US" dirty="0"/>
+              <a:t>Azure Databases</a:t>
+            </a:r>
+            <a:endParaRPr lang="en-US" sz="6400" kern="1200" dirty="0">
+              <a:solidFill>
+                <a:schemeClr val="tx1"/>
+              </a:solidFill>
+              <a:latin typeface="+mj-lt"/>
+              <a:ea typeface="+mj-ea"/>
+              <a:cs typeface="+mj-cs"/>
+            </a:endParaRPr>
+          </a:p>
+        </p:txBody>
+      </p:sp>
+      <p:sp>
+        <p:nvSpPr>
+          <p:cNvPr id="16" name="Subtitle 15">
+            <a:extLst>
+              <a:ext uri="{FF2B5EF4-FFF2-40B4-BE49-F238E27FC236}">
+                <a16:creationId xmlns:a16="http://schemas.microsoft.com/office/drawing/2014/main" id="{4BDCF583-1D5D-4235-97C2-39272B80A0B1}"/>
+              </a:ext>
+            </a:extLst>
+          </p:cNvPr>
+          <p:cNvSpPr>
+            <a:spLocks noGrp="1"/>
+          </p:cNvSpPr>
+          <p:nvPr>
+            <p:ph type="subTitle" idx="1"/>
+          </p:nvPr>
+        </p:nvSpPr>
+        <p:spPr>
+          <a:xfrm>
+            <a:off x="550863" y="3827610"/>
+            <a:ext cx="5437187" cy="2265216"/>
+          </a:xfrm>
+        </p:spPr>
+        <p:txBody>
+          <a:bodyPr vert="horz" wrap="square" lIns="0" tIns="0" rIns="0" bIns="0" rtlCol="0">
+            <a:normAutofit/>
+          </a:bodyPr>
+          <a:lstStyle/>
+          <a:p>
+            <a:pPr marL="0" marR="114935" lvl="0" indent="0" algn="just">
+              <a:lnSpc>
+                <a:spcPct val="105000"/>
+              </a:lnSpc>
+              <a:spcBef>
+                <a:spcPts val="10"/>
+              </a:spcBef>
+              <a:spcAft>
+                <a:spcPts val="0"/>
+              </a:spcAft>
+              <a:buSzPts val="1400"/>
+              <a:tabLst>
+                <a:tab pos="292735" algn="l"/>
+              </a:tabLst>
+            </a:pPr>
+            <a:r>
+              <a:rPr lang="en-US" sz="1800" spc="-10" dirty="0">
+                <a:effectLst/>
+                <a:latin typeface="Calibri" panose="020F0502020204030204" pitchFamily="34" charset="0"/>
+                <a:ea typeface="Calibri" panose="020F0502020204030204" pitchFamily="34" charset="0"/>
+              </a:rPr>
+              <a:t>Our application needs a data store. What are some options we can use and</a:t>
+            </a:r>
+            <a:r>
+              <a:rPr lang="en-US" sz="1800" spc="5" dirty="0">
+                <a:effectLst/>
+                <a:latin typeface="Calibri" panose="020F0502020204030204" pitchFamily="34" charset="0"/>
+                <a:ea typeface="Calibri" panose="020F0502020204030204" pitchFamily="34" charset="0"/>
+              </a:rPr>
+              <a:t> </a:t>
+            </a:r>
+            <a:r>
+              <a:rPr lang="en-US" sz="1800" spc="-10" dirty="0">
+                <a:effectLst/>
+                <a:latin typeface="Calibri" panose="020F0502020204030204" pitchFamily="34" charset="0"/>
+                <a:ea typeface="Calibri" panose="020F0502020204030204" pitchFamily="34" charset="0"/>
+              </a:rPr>
+              <a:t>what</a:t>
+            </a:r>
+            <a:r>
+              <a:rPr lang="en-US" sz="1800" spc="5" dirty="0">
+                <a:effectLst/>
+                <a:latin typeface="Calibri" panose="020F0502020204030204" pitchFamily="34" charset="0"/>
+                <a:ea typeface="Calibri" panose="020F0502020204030204" pitchFamily="34" charset="0"/>
+              </a:rPr>
+              <a:t> </a:t>
+            </a:r>
+            <a:r>
+              <a:rPr lang="en-US" sz="1800" spc="-10" dirty="0">
+                <a:effectLst/>
+                <a:latin typeface="Calibri" panose="020F0502020204030204" pitchFamily="34" charset="0"/>
+                <a:ea typeface="Calibri" panose="020F0502020204030204" pitchFamily="34" charset="0"/>
+              </a:rPr>
+              <a:t>are</a:t>
+            </a:r>
+            <a:r>
+              <a:rPr lang="en-US" sz="1800" spc="5" dirty="0">
+                <a:effectLst/>
+                <a:latin typeface="Calibri" panose="020F0502020204030204" pitchFamily="34" charset="0"/>
+                <a:ea typeface="Calibri" panose="020F0502020204030204" pitchFamily="34" charset="0"/>
+              </a:rPr>
+              <a:t> </a:t>
+            </a:r>
+            <a:r>
+              <a:rPr lang="en-US" sz="1800" spc="-10" dirty="0">
+                <a:effectLst/>
+                <a:latin typeface="Calibri" panose="020F0502020204030204" pitchFamily="34" charset="0"/>
+                <a:ea typeface="Calibri" panose="020F0502020204030204" pitchFamily="34" charset="0"/>
+              </a:rPr>
+              <a:t>some</a:t>
+            </a:r>
+            <a:r>
+              <a:rPr lang="en-US" sz="1800" spc="5" dirty="0">
+                <a:effectLst/>
+                <a:latin typeface="Calibri" panose="020F0502020204030204" pitchFamily="34" charset="0"/>
+                <a:ea typeface="Calibri" panose="020F0502020204030204" pitchFamily="34" charset="0"/>
+              </a:rPr>
+              <a:t> </a:t>
+            </a:r>
+            <a:r>
+              <a:rPr lang="en-US" sz="1800" spc="-10" dirty="0">
+                <a:effectLst/>
+                <a:latin typeface="Calibri" panose="020F0502020204030204" pitchFamily="34" charset="0"/>
+                <a:ea typeface="Calibri" panose="020F0502020204030204" pitchFamily="34" charset="0"/>
+              </a:rPr>
+              <a:t>advantages /</a:t>
+            </a:r>
+            <a:r>
+              <a:rPr lang="en-US" sz="1800" spc="10" dirty="0">
+                <a:effectLst/>
+                <a:latin typeface="Calibri" panose="020F0502020204030204" pitchFamily="34" charset="0"/>
+                <a:ea typeface="Calibri" panose="020F0502020204030204" pitchFamily="34" charset="0"/>
+              </a:rPr>
+              <a:t> </a:t>
+            </a:r>
+            <a:r>
+              <a:rPr lang="en-US" sz="1800" spc="-10" dirty="0">
+                <a:effectLst/>
+                <a:latin typeface="Calibri" panose="020F0502020204030204" pitchFamily="34" charset="0"/>
+                <a:ea typeface="Calibri" panose="020F0502020204030204" pitchFamily="34" charset="0"/>
+              </a:rPr>
+              <a:t>disadvantages?</a:t>
+            </a:r>
+          </a:p>
+        </p:txBody>
+      </p:sp>
+      <p:sp>
+        <p:nvSpPr>
+          <p:cNvPr id="4" name="Slide Number Placeholder 3">
+            <a:extLst>
+              <a:ext uri="{FF2B5EF4-FFF2-40B4-BE49-F238E27FC236}">
+                <a16:creationId xmlns:a16="http://schemas.microsoft.com/office/drawing/2014/main" id="{E1E7D98D-6710-41D2-B258-E1A1059D29F8}"/>
+              </a:ext>
+            </a:extLst>
+          </p:cNvPr>
+          <p:cNvSpPr>
+            <a:spLocks noGrp="1"/>
+          </p:cNvSpPr>
+          <p:nvPr>
+            <p:ph type="sldNum" sz="quarter" idx="12"/>
+          </p:nvPr>
+        </p:nvSpPr>
+        <p:spPr/>
+        <p:txBody>
+          <a:bodyPr/>
+          <a:lstStyle/>
+          <a:p>
+            <a:fld id="{DBA1B0FB-D917-4C8C-928F-313BD683BF39}" type="slidenum">
+              <a:rPr lang="en-US" smtClean="0"/>
+              <a:t>13</a:t>
+            </a:fld>
+            <a:endParaRPr lang="en-US"/>
+          </a:p>
+        </p:txBody>
+      </p:sp>
+    </p:spTree>
+    <p:extLst>
+      <p:ext uri="{BB962C8B-B14F-4D97-AF65-F5344CB8AC3E}">
+        <p14:creationId xmlns:p14="http://schemas.microsoft.com/office/powerpoint/2010/main" val="819972397"/>
+      </p:ext>
+    </p:extLst>
+  </p:cSld>
+  <p:clrMapOvr>
+    <a:masterClrMapping/>
+  </p:clrMapOvr>
+</p:sld>
+</file>
+
+<file path=ppt/slides/slide14.xml><?xml version="1.0" encoding="utf-8"?>
+<p:sld xmlns:a="http://schemas.openxmlformats.org/drawingml/2006/main" xmlns:r="http://schemas.openxmlformats.org/officeDocument/2006/relationships" xmlns:p="http://schemas.openxmlformats.org/presentationml/2006/main">
+  <p:cSld>
+    <p:spTree>
+      <p:nvGrpSpPr>
+        <p:cNvPr id="1" name=""/>
+        <p:cNvGrpSpPr/>
+        <p:nvPr/>
+      </p:nvGrpSpPr>
+      <p:grpSpPr>
+        <a:xfrm>
+          <a:off x="0" y="0"/>
+          <a:ext cx="0" cy="0"/>
+          <a:chOff x="0" y="0"/>
+          <a:chExt cx="0" cy="0"/>
+        </a:xfrm>
+      </p:grpSpPr>
+      <p:grpSp>
+        <p:nvGrpSpPr>
+          <p:cNvPr id="25" name="Group 24">
+            <a:extLst>
+              <a:ext uri="{FF2B5EF4-FFF2-40B4-BE49-F238E27FC236}">
+                <a16:creationId xmlns:a16="http://schemas.microsoft.com/office/drawing/2014/main" id="{D10F3D66-0109-4903-90B9-66D0E288F721}"/>
+              </a:ext>
+              <a:ext uri="{C183D7F6-B498-43B3-948B-1728B52AA6E4}">
+                <adec:decorative xmlns:adec="http://schemas.microsoft.com/office/drawing/2017/decorative" val="1"/>
+              </a:ext>
+            </a:extLst>
+          </p:cNvPr>
+          <p:cNvGrpSpPr/>
+          <p:nvPr/>
+        </p:nvGrpSpPr>
+        <p:grpSpPr>
+          <a:xfrm>
+            <a:off x="10305537" y="426615"/>
+            <a:ext cx="1335600" cy="1262947"/>
+            <a:chOff x="10145015" y="2343978"/>
+            <a:chExt cx="1335600" cy="1262947"/>
+          </a:xfrm>
+        </p:grpSpPr>
+        <p:sp>
+          <p:nvSpPr>
+            <p:cNvPr id="26" name="Freeform: Shape 25">
+              <a:extLst>
+                <a:ext uri="{FF2B5EF4-FFF2-40B4-BE49-F238E27FC236}">
+                  <a16:creationId xmlns:a16="http://schemas.microsoft.com/office/drawing/2014/main" id="{57DAB968-9B52-4EFF-AD39-7657DFEA6E48}"/>
+                </a:ext>
+              </a:extLst>
+            </p:cNvPr>
+            <p:cNvSpPr>
+              <a:spLocks noChangeAspect="1"/>
+            </p:cNvSpPr>
+            <p:nvPr/>
+          </p:nvSpPr>
+          <p:spPr>
+            <a:xfrm rot="8100000">
+              <a:off x="10400615" y="2343978"/>
+              <a:ext cx="1080000" cy="1262947"/>
+            </a:xfrm>
+            <a:custGeom>
+              <a:avLst/>
+              <a:gdLst>
+                <a:gd name="connsiteX0" fmla="*/ 540000 w 1080000"/>
+                <a:gd name="connsiteY0" fmla="*/ 0 h 1262947"/>
+                <a:gd name="connsiteX1" fmla="*/ 1080000 w 1080000"/>
+                <a:gd name="connsiteY1" fmla="*/ 931034 h 1262947"/>
+                <a:gd name="connsiteX2" fmla="*/ 1064374 w 1080000"/>
+                <a:gd name="connsiteY2" fmla="*/ 931034 h 1262947"/>
+                <a:gd name="connsiteX3" fmla="*/ 1069029 w 1080000"/>
+                <a:gd name="connsiteY3" fmla="*/ 938533 h 1262947"/>
+                <a:gd name="connsiteX4" fmla="*/ 1080000 w 1080000"/>
+                <a:gd name="connsiteY4" fmla="*/ 992947 h 1262947"/>
+                <a:gd name="connsiteX5" fmla="*/ 540000 w 1080000"/>
+                <a:gd name="connsiteY5" fmla="*/ 1262947 h 1262947"/>
+                <a:gd name="connsiteX6" fmla="*/ 0 w 1080000"/>
+                <a:gd name="connsiteY6" fmla="*/ 992947 h 1262947"/>
+                <a:gd name="connsiteX7" fmla="*/ 10971 w 1080000"/>
+                <a:gd name="connsiteY7" fmla="*/ 938533 h 1262947"/>
+                <a:gd name="connsiteX8" fmla="*/ 15626 w 1080000"/>
+                <a:gd name="connsiteY8" fmla="*/ 931034 h 1262947"/>
+                <a:gd name="connsiteX9" fmla="*/ 0 w 1080000"/>
+                <a:gd name="connsiteY9" fmla="*/ 931034 h 1262947"/>
+                <a:gd name="connsiteX0" fmla="*/ 540000 w 1080000"/>
+                <a:gd name="connsiteY0" fmla="*/ 0 h 1262947"/>
+                <a:gd name="connsiteX1" fmla="*/ 1080000 w 1080000"/>
+                <a:gd name="connsiteY1" fmla="*/ 931034 h 1262947"/>
+                <a:gd name="connsiteX2" fmla="*/ 1064374 w 1080000"/>
+                <a:gd name="connsiteY2" fmla="*/ 931034 h 1262947"/>
+                <a:gd name="connsiteX3" fmla="*/ 1069029 w 1080000"/>
+                <a:gd name="connsiteY3" fmla="*/ 938533 h 1262947"/>
+                <a:gd name="connsiteX4" fmla="*/ 1080000 w 1080000"/>
+                <a:gd name="connsiteY4" fmla="*/ 992947 h 1262947"/>
+                <a:gd name="connsiteX5" fmla="*/ 540000 w 1080000"/>
+                <a:gd name="connsiteY5" fmla="*/ 1262947 h 1262947"/>
+                <a:gd name="connsiteX6" fmla="*/ 0 w 1080000"/>
+                <a:gd name="connsiteY6" fmla="*/ 992947 h 1262947"/>
+                <a:gd name="connsiteX7" fmla="*/ 10971 w 1080000"/>
+                <a:gd name="connsiteY7" fmla="*/ 938533 h 1262947"/>
+                <a:gd name="connsiteX8" fmla="*/ 15626 w 1080000"/>
+                <a:gd name="connsiteY8" fmla="*/ 931034 h 1262947"/>
+                <a:gd name="connsiteX9" fmla="*/ 540000 w 1080000"/>
+                <a:gd name="connsiteY9" fmla="*/ 0 h 1262947"/>
+                <a:gd name="connsiteX0" fmla="*/ 540000 w 1080000"/>
+                <a:gd name="connsiteY0" fmla="*/ 0 h 1262947"/>
+                <a:gd name="connsiteX1" fmla="*/ 1064374 w 1080000"/>
+                <a:gd name="connsiteY1" fmla="*/ 931034 h 1262947"/>
+                <a:gd name="connsiteX2" fmla="*/ 1069029 w 1080000"/>
+                <a:gd name="connsiteY2" fmla="*/ 938533 h 1262947"/>
+                <a:gd name="connsiteX3" fmla="*/ 1080000 w 1080000"/>
+                <a:gd name="connsiteY3" fmla="*/ 992947 h 1262947"/>
+                <a:gd name="connsiteX4" fmla="*/ 540000 w 1080000"/>
+                <a:gd name="connsiteY4" fmla="*/ 1262947 h 1262947"/>
+                <a:gd name="connsiteX5" fmla="*/ 0 w 1080000"/>
+                <a:gd name="connsiteY5" fmla="*/ 992947 h 1262947"/>
+                <a:gd name="connsiteX6" fmla="*/ 10971 w 1080000"/>
+                <a:gd name="connsiteY6" fmla="*/ 938533 h 1262947"/>
+                <a:gd name="connsiteX7" fmla="*/ 15626 w 1080000"/>
+                <a:gd name="connsiteY7" fmla="*/ 931034 h 1262947"/>
+                <a:gd name="connsiteX8" fmla="*/ 540000 w 1080000"/>
+                <a:gd name="connsiteY8" fmla="*/ 0 h 1262947"/>
+              </a:gdLst>
+              <a:ahLst/>
+              <a:cxnLst>
+                <a:cxn ang="0">
+                  <a:pos x="connsiteX0" y="connsiteY0"/>
+                </a:cxn>
+                <a:cxn ang="0">
+                  <a:pos x="connsiteX1" y="connsiteY1"/>
+                </a:cxn>
+                <a:cxn ang="0">
+                  <a:pos x="connsiteX2" y="connsiteY2"/>
+                </a:cxn>
+                <a:cxn ang="0">
+                  <a:pos x="connsiteX3" y="connsiteY3"/>
+                </a:cxn>
+                <a:cxn ang="0">
+                  <a:pos x="connsiteX4" y="connsiteY4"/>
+                </a:cxn>
+                <a:cxn ang="0">
+                  <a:pos x="connsiteX5" y="connsiteY5"/>
+                </a:cxn>
+                <a:cxn ang="0">
+                  <a:pos x="connsiteX6" y="connsiteY6"/>
+                </a:cxn>
+                <a:cxn ang="0">
+                  <a:pos x="connsiteX7" y="connsiteY7"/>
+                </a:cxn>
+                <a:cxn ang="0">
+                  <a:pos x="connsiteX8" y="connsiteY8"/>
+                </a:cxn>
+              </a:cxnLst>
+              <a:rect l="l" t="t" r="r" b="b"/>
+              <a:pathLst>
+                <a:path w="1080000" h="1262947">
+                  <a:moveTo>
+                    <a:pt x="540000" y="0"/>
+                  </a:moveTo>
+                  <a:lnTo>
+                    <a:pt x="1064374" y="931034"/>
+                  </a:lnTo>
+                  <a:lnTo>
+                    <a:pt x="1069029" y="938533"/>
+                  </a:lnTo>
+                  <a:cubicBezTo>
+                    <a:pt x="1076223" y="956109"/>
+                    <a:pt x="1080000" y="974307"/>
+                    <a:pt x="1080000" y="992947"/>
+                  </a:cubicBezTo>
+                  <a:cubicBezTo>
+                    <a:pt x="1080000" y="1142064"/>
+                    <a:pt x="838234" y="1262947"/>
+                    <a:pt x="540000" y="1262947"/>
+                  </a:cubicBezTo>
+                  <a:cubicBezTo>
+                    <a:pt x="241766" y="1262947"/>
+                    <a:pt x="0" y="1142064"/>
+                    <a:pt x="0" y="992947"/>
+                  </a:cubicBezTo>
+                  <a:cubicBezTo>
+                    <a:pt x="0" y="974307"/>
+                    <a:pt x="3778" y="956109"/>
+                    <a:pt x="10971" y="938533"/>
+                  </a:cubicBezTo>
+                  <a:lnTo>
+                    <a:pt x="15626" y="931034"/>
+                  </a:lnTo>
+                  <a:lnTo>
+                    <a:pt x="540000" y="0"/>
+                  </a:lnTo>
+                  <a:close/>
+                </a:path>
+              </a:pathLst>
+            </a:custGeom>
+            <a:gradFill>
+              <a:gsLst>
+                <a:gs pos="60000">
+                  <a:schemeClr val="bg2">
+                    <a:lumMod val="90000"/>
+                    <a:lumOff val="10000"/>
+                  </a:schemeClr>
+                </a:gs>
+                <a:gs pos="30000">
+                  <a:schemeClr val="bg2">
+                    <a:lumMod val="90000"/>
+                    <a:lumOff val="10000"/>
+                  </a:schemeClr>
+                </a:gs>
+                <a:gs pos="40000">
+                  <a:schemeClr val="bg2">
+                    <a:lumMod val="80000"/>
+                    <a:lumOff val="20000"/>
+                  </a:schemeClr>
+                </a:gs>
+                <a:gs pos="100000">
+                  <a:schemeClr val="bg2"/>
+                </a:gs>
+              </a:gsLst>
+              <a:lin ang="600000" scaled="0"/>
+            </a:gradFill>
+            <a:ln>
+              <a:noFill/>
+            </a:ln>
+            <a:effectLst>
+              <a:innerShdw blurRad="254000" dist="101600" dir="7320000">
+                <a:schemeClr val="accent1">
+                  <a:lumMod val="60000"/>
+                  <a:lumOff val="40000"/>
+                  <a:alpha val="40000"/>
+                </a:schemeClr>
+              </a:innerShdw>
+            </a:effectLst>
+          </p:spPr>
+          <p:style>
+            <a:lnRef idx="2">
+              <a:schemeClr val="accent1">
+                <a:shade val="50000"/>
+              </a:schemeClr>
+            </a:lnRef>
+            <a:fillRef idx="1">
+              <a:schemeClr val="accent1"/>
+            </a:fillRef>
+            <a:effectRef idx="0">
+              <a:schemeClr val="accent1"/>
+            </a:effectRef>
+            <a:fontRef idx="minor">
+              <a:schemeClr val="lt1"/>
+            </a:fontRef>
+          </p:style>
+          <p:txBody>
+            <a:bodyPr rot="0" spcFirstLastPara="0" vertOverflow="overflow" horzOverflow="overflow" vert="horz" wrap="square" lIns="91440" tIns="45720" rIns="91440" bIns="45720" numCol="1" spcCol="0" rtlCol="0" fromWordArt="0" anchor="ctr" anchorCtr="0" forceAA="0" compatLnSpc="1">
+              <a:prstTxWarp prst="textNoShape">
+                <a:avLst/>
+              </a:prstTxWarp>
+              <a:noAutofit/>
+            </a:bodyPr>
+            <a:lstStyle/>
+            <a:p>
+              <a:pPr algn="ctr"/>
+              <a:endParaRPr lang="en-US"/>
+            </a:p>
+          </p:txBody>
+        </p:sp>
+        <p:sp>
+          <p:nvSpPr>
+            <p:cNvPr id="27" name="Oval 26">
+              <a:extLst>
+                <a:ext uri="{FF2B5EF4-FFF2-40B4-BE49-F238E27FC236}">
+                  <a16:creationId xmlns:a16="http://schemas.microsoft.com/office/drawing/2014/main" id="{962BE440-9634-4380-B142-5DB692420C52}"/>
+                </a:ext>
+              </a:extLst>
+            </p:cNvPr>
+            <p:cNvSpPr/>
+            <p:nvPr/>
+          </p:nvSpPr>
+          <p:spPr>
+            <a:xfrm rot="13500000">
+              <a:off x="10415015" y="2179851"/>
+              <a:ext cx="540000" cy="1080000"/>
+            </a:xfrm>
+            <a:prstGeom prst="ellipse">
+              <a:avLst/>
+            </a:prstGeom>
+            <a:gradFill>
+              <a:gsLst>
+                <a:gs pos="100000">
+                  <a:schemeClr val="accent1">
+                    <a:lumMod val="60000"/>
+                    <a:lumOff val="40000"/>
+                    <a:alpha val="0"/>
+                  </a:schemeClr>
+                </a:gs>
+                <a:gs pos="0">
+                  <a:schemeClr val="bg2">
+                    <a:lumMod val="75000"/>
+                    <a:lumOff val="25000"/>
+                    <a:alpha val="33000"/>
+                  </a:schemeClr>
+                </a:gs>
+              </a:gsLst>
+              <a:lin ang="5400000" scaled="0"/>
+            </a:gradFill>
+            <a:ln>
+              <a:noFill/>
+            </a:ln>
+            <a:effectLst>
+              <a:innerShdw blurRad="1270000" dist="2540000">
+                <a:schemeClr val="accent1">
+                  <a:lumMod val="60000"/>
+                  <a:lumOff val="40000"/>
+                  <a:alpha val="0"/>
+                </a:schemeClr>
+              </a:innerShdw>
+            </a:effectLst>
+          </p:spPr>
+          <p:style>
+            <a:lnRef idx="2">
+              <a:schemeClr val="accent1">
+                <a:shade val="50000"/>
+              </a:schemeClr>
+            </a:lnRef>
+            <a:fillRef idx="1">
+              <a:schemeClr val="accent1"/>
+            </a:fillRef>
+            <a:effectRef idx="0">
+              <a:schemeClr val="accent1"/>
+            </a:effectRef>
+            <a:fontRef idx="minor">
+              <a:schemeClr val="lt1"/>
+            </a:fontRef>
+          </p:style>
+          <p:txBody>
+            <a:bodyPr rot="0" spcFirstLastPara="0" vertOverflow="overflow" horzOverflow="overflow" vert="horz" wrap="square" lIns="91440" tIns="45720" rIns="91440" bIns="45720" numCol="1" spcCol="0" rtlCol="0" fromWordArt="0" anchor="ctr" anchorCtr="0" forceAA="0" compatLnSpc="1">
+              <a:prstTxWarp prst="textNoShape">
+                <a:avLst/>
+              </a:prstTxWarp>
+              <a:noAutofit/>
+            </a:bodyPr>
+            <a:lstStyle/>
+            <a:p>
+              <a:pPr algn="ctr"/>
+              <a:endParaRPr lang="en-US"/>
+            </a:p>
+          </p:txBody>
+        </p:sp>
+      </p:grpSp>
+      <p:sp>
+        <p:nvSpPr>
+          <p:cNvPr id="6" name="Slide Number Placeholder 5">
+            <a:extLst>
+              <a:ext uri="{FF2B5EF4-FFF2-40B4-BE49-F238E27FC236}">
+                <a16:creationId xmlns:a16="http://schemas.microsoft.com/office/drawing/2014/main" id="{9ED907F8-C614-4D59-A03F-BF9CD5E35703}"/>
+              </a:ext>
+            </a:extLst>
+          </p:cNvPr>
+          <p:cNvSpPr>
+            <a:spLocks noGrp="1"/>
+          </p:cNvSpPr>
+          <p:nvPr>
+            <p:ph type="sldNum" sz="quarter" idx="12"/>
+          </p:nvPr>
+        </p:nvSpPr>
+        <p:spPr>
+          <a:xfrm>
+            <a:off x="9948863" y="6507212"/>
+            <a:ext cx="1692274" cy="153888"/>
+          </a:xfrm>
+        </p:spPr>
+        <p:txBody>
+          <a:bodyPr/>
+          <a:lstStyle/>
+          <a:p>
+            <a:fld id="{DBA1B0FB-D917-4C8C-928F-313BD683BF39}" type="slidenum">
+              <a:rPr lang="en-US" smtClean="0"/>
+              <a:pPr/>
+              <a:t>14</a:t>
+            </a:fld>
+            <a:endParaRPr lang="en-US"/>
+          </a:p>
+        </p:txBody>
+      </p:sp>
+      <p:sp>
+        <p:nvSpPr>
+          <p:cNvPr id="22" name="Freeform: Shape 21">
+            <a:extLst>
+              <a:ext uri="{FF2B5EF4-FFF2-40B4-BE49-F238E27FC236}">
+                <a16:creationId xmlns:a16="http://schemas.microsoft.com/office/drawing/2014/main" id="{C6F3814E-455F-456B-B1AF-7B993965A2C0}"/>
+              </a:ext>
+              <a:ext uri="{C183D7F6-B498-43B3-948B-1728B52AA6E4}">
+                <adec:decorative xmlns:adec="http://schemas.microsoft.com/office/drawing/2017/decorative" val="1"/>
+              </a:ext>
+            </a:extLst>
+          </p:cNvPr>
+          <p:cNvSpPr>
+            <a:spLocks noChangeAspect="1"/>
+          </p:cNvSpPr>
+          <p:nvPr/>
+        </p:nvSpPr>
+        <p:spPr>
+          <a:xfrm>
+            <a:off x="4295775" y="0"/>
+            <a:ext cx="360000" cy="274638"/>
+          </a:xfrm>
+          <a:custGeom>
+            <a:avLst/>
+            <a:gdLst>
+              <a:gd name="connsiteX0" fmla="*/ 30714 w 360000"/>
+              <a:gd name="connsiteY0" fmla="*/ 0 h 274638"/>
+              <a:gd name="connsiteX1" fmla="*/ 329286 w 360000"/>
+              <a:gd name="connsiteY1" fmla="*/ 0 h 274638"/>
+              <a:gd name="connsiteX2" fmla="*/ 345855 w 360000"/>
+              <a:gd name="connsiteY2" fmla="*/ 24574 h 274638"/>
+              <a:gd name="connsiteX3" fmla="*/ 360000 w 360000"/>
+              <a:gd name="connsiteY3" fmla="*/ 94638 h 274638"/>
+              <a:gd name="connsiteX4" fmla="*/ 180000 w 360000"/>
+              <a:gd name="connsiteY4" fmla="*/ 274638 h 274638"/>
+              <a:gd name="connsiteX5" fmla="*/ 0 w 360000"/>
+              <a:gd name="connsiteY5" fmla="*/ 94638 h 274638"/>
+              <a:gd name="connsiteX6" fmla="*/ 14145 w 360000"/>
+              <a:gd name="connsiteY6" fmla="*/ 24574 h 274638"/>
+            </a:gdLst>
+            <a:ahLst/>
+            <a:cxnLst>
+              <a:cxn ang="0">
+                <a:pos x="connsiteX0" y="connsiteY0"/>
+              </a:cxn>
+              <a:cxn ang="0">
+                <a:pos x="connsiteX1" y="connsiteY1"/>
+              </a:cxn>
+              <a:cxn ang="0">
+                <a:pos x="connsiteX2" y="connsiteY2"/>
+              </a:cxn>
+              <a:cxn ang="0">
+                <a:pos x="connsiteX3" y="connsiteY3"/>
+              </a:cxn>
+              <a:cxn ang="0">
+                <a:pos x="connsiteX4" y="connsiteY4"/>
+              </a:cxn>
+              <a:cxn ang="0">
+                <a:pos x="connsiteX5" y="connsiteY5"/>
+              </a:cxn>
+              <a:cxn ang="0">
+                <a:pos x="connsiteX6" y="connsiteY6"/>
+              </a:cxn>
+            </a:cxnLst>
+            <a:rect l="l" t="t" r="r" b="b"/>
+            <a:pathLst>
+              <a:path w="360000" h="274638">
+                <a:moveTo>
+                  <a:pt x="30714" y="0"/>
+                </a:moveTo>
+                <a:lnTo>
+                  <a:pt x="329286" y="0"/>
+                </a:lnTo>
+                <a:lnTo>
+                  <a:pt x="345855" y="24574"/>
+                </a:lnTo>
+                <a:cubicBezTo>
+                  <a:pt x="354963" y="46109"/>
+                  <a:pt x="360000" y="69785"/>
+                  <a:pt x="360000" y="94638"/>
+                </a:cubicBezTo>
+                <a:cubicBezTo>
+                  <a:pt x="360000" y="194049"/>
+                  <a:pt x="279411" y="274638"/>
+                  <a:pt x="180000" y="274638"/>
+                </a:cubicBezTo>
+                <a:cubicBezTo>
+                  <a:pt x="80589" y="274638"/>
+                  <a:pt x="0" y="194049"/>
+                  <a:pt x="0" y="94638"/>
+                </a:cubicBezTo>
+                <a:cubicBezTo>
+                  <a:pt x="0" y="69785"/>
+                  <a:pt x="5037" y="46109"/>
+                  <a:pt x="14145" y="24574"/>
+                </a:cubicBezTo>
+                <a:close/>
+              </a:path>
+            </a:pathLst>
+          </a:custGeom>
+          <a:gradFill flip="none" rotWithShape="1">
+            <a:gsLst>
+              <a:gs pos="100000">
+                <a:schemeClr val="bg2">
+                  <a:lumMod val="50000"/>
+                  <a:lumOff val="50000"/>
+                </a:schemeClr>
+              </a:gs>
+              <a:gs pos="60000">
+                <a:schemeClr val="bg2"/>
+              </a:gs>
+            </a:gsLst>
+            <a:path path="circle">
+              <a:fillToRect l="100000" b="100000"/>
+            </a:path>
+            <a:tileRect t="-100000" r="-100000"/>
+          </a:gradFill>
+          <a:ln>
+            <a:noFill/>
+          </a:ln>
+          <a:effectLst>
+            <a:innerShdw blurRad="127000" dist="63500" dir="2700000">
+              <a:schemeClr val="accent1">
+                <a:lumMod val="60000"/>
+                <a:lumOff val="40000"/>
+                <a:alpha val="20000"/>
+              </a:schemeClr>
+            </a:innerShdw>
+            <a:softEdge rad="0"/>
+          </a:effectLst>
+        </p:spPr>
+        <p:style>
+          <a:lnRef idx="2">
+            <a:schemeClr val="accent1">
+              <a:shade val="50000"/>
+            </a:schemeClr>
+          </a:lnRef>
+          <a:fillRef idx="1">
+            <a:schemeClr val="accent1"/>
+          </a:fillRef>
+          <a:effectRef idx="0">
+            <a:schemeClr val="accent1"/>
+          </a:effectRef>
+          <a:fontRef idx="minor">
+            <a:schemeClr val="lt1"/>
+          </a:fontRef>
+        </p:style>
+        <p:txBody>
+          <a:bodyPr rot="0" spcFirstLastPara="0" vertOverflow="overflow" horzOverflow="overflow" vert="horz" wrap="square" lIns="91440" tIns="45720" rIns="91440" bIns="45720" numCol="1" spcCol="0" rtlCol="0" fromWordArt="0" anchor="ctr" anchorCtr="0" forceAA="0" compatLnSpc="1">
+            <a:prstTxWarp prst="textNoShape">
+              <a:avLst/>
+            </a:prstTxWarp>
+            <a:noAutofit/>
+          </a:bodyPr>
+          <a:lstStyle/>
+          <a:p>
+            <a:pPr algn="ctr"/>
+            <a:endParaRPr lang="en-US"/>
+          </a:p>
+        </p:txBody>
+      </p:sp>
+      <p:grpSp>
+        <p:nvGrpSpPr>
+          <p:cNvPr id="11" name="Group 10">
+            <a:extLst>
+              <a:ext uri="{FF2B5EF4-FFF2-40B4-BE49-F238E27FC236}">
+                <a16:creationId xmlns:a16="http://schemas.microsoft.com/office/drawing/2014/main" id="{9D6D22A3-3C78-A30D-A087-0DE6211C5BB1}"/>
+              </a:ext>
+              <a:ext uri="{C183D7F6-B498-43B3-948B-1728B52AA6E4}">
+                <adec:decorative xmlns:adec="http://schemas.microsoft.com/office/drawing/2017/decorative" val="1"/>
+              </a:ext>
+            </a:extLst>
+          </p:cNvPr>
+          <p:cNvGrpSpPr/>
+          <p:nvPr/>
+        </p:nvGrpSpPr>
+        <p:grpSpPr>
+          <a:xfrm rot="7008010">
+            <a:off x="1217346" y="5122978"/>
+            <a:ext cx="1335600" cy="1262947"/>
+            <a:chOff x="10145015" y="2343978"/>
+            <a:chExt cx="1335600" cy="1262947"/>
+          </a:xfrm>
+        </p:grpSpPr>
+        <p:sp>
+          <p:nvSpPr>
+            <p:cNvPr id="12" name="Freeform: Shape 11">
+              <a:extLst>
+                <a:ext uri="{FF2B5EF4-FFF2-40B4-BE49-F238E27FC236}">
+                  <a16:creationId xmlns:a16="http://schemas.microsoft.com/office/drawing/2014/main" id="{CEA58F9B-68C3-2096-27AE-13DC26D5FD62}"/>
+                </a:ext>
+              </a:extLst>
+            </p:cNvPr>
+            <p:cNvSpPr>
+              <a:spLocks noChangeAspect="1"/>
+            </p:cNvSpPr>
+            <p:nvPr/>
+          </p:nvSpPr>
+          <p:spPr>
+            <a:xfrm rot="8100000">
+              <a:off x="10400615" y="2343978"/>
+              <a:ext cx="1080000" cy="1262947"/>
+            </a:xfrm>
+            <a:custGeom>
+              <a:avLst/>
+              <a:gdLst>
+                <a:gd name="connsiteX0" fmla="*/ 540000 w 1080000"/>
+                <a:gd name="connsiteY0" fmla="*/ 0 h 1262947"/>
+                <a:gd name="connsiteX1" fmla="*/ 1080000 w 1080000"/>
+                <a:gd name="connsiteY1" fmla="*/ 931034 h 1262947"/>
+                <a:gd name="connsiteX2" fmla="*/ 1064374 w 1080000"/>
+                <a:gd name="connsiteY2" fmla="*/ 931034 h 1262947"/>
+                <a:gd name="connsiteX3" fmla="*/ 1069029 w 1080000"/>
+                <a:gd name="connsiteY3" fmla="*/ 938533 h 1262947"/>
+                <a:gd name="connsiteX4" fmla="*/ 1080000 w 1080000"/>
+                <a:gd name="connsiteY4" fmla="*/ 992947 h 1262947"/>
+                <a:gd name="connsiteX5" fmla="*/ 540000 w 1080000"/>
+                <a:gd name="connsiteY5" fmla="*/ 1262947 h 1262947"/>
+                <a:gd name="connsiteX6" fmla="*/ 0 w 1080000"/>
+                <a:gd name="connsiteY6" fmla="*/ 992947 h 1262947"/>
+                <a:gd name="connsiteX7" fmla="*/ 10971 w 1080000"/>
+                <a:gd name="connsiteY7" fmla="*/ 938533 h 1262947"/>
+                <a:gd name="connsiteX8" fmla="*/ 15626 w 1080000"/>
+                <a:gd name="connsiteY8" fmla="*/ 931034 h 1262947"/>
+                <a:gd name="connsiteX9" fmla="*/ 0 w 1080000"/>
+                <a:gd name="connsiteY9" fmla="*/ 931034 h 1262947"/>
+                <a:gd name="connsiteX0" fmla="*/ 540000 w 1080000"/>
+                <a:gd name="connsiteY0" fmla="*/ 0 h 1262947"/>
+                <a:gd name="connsiteX1" fmla="*/ 1080000 w 1080000"/>
+                <a:gd name="connsiteY1" fmla="*/ 931034 h 1262947"/>
+                <a:gd name="connsiteX2" fmla="*/ 1064374 w 1080000"/>
+                <a:gd name="connsiteY2" fmla="*/ 931034 h 1262947"/>
+                <a:gd name="connsiteX3" fmla="*/ 1069029 w 1080000"/>
+                <a:gd name="connsiteY3" fmla="*/ 938533 h 1262947"/>
+                <a:gd name="connsiteX4" fmla="*/ 1080000 w 1080000"/>
+                <a:gd name="connsiteY4" fmla="*/ 992947 h 1262947"/>
+                <a:gd name="connsiteX5" fmla="*/ 540000 w 1080000"/>
+                <a:gd name="connsiteY5" fmla="*/ 1262947 h 1262947"/>
+                <a:gd name="connsiteX6" fmla="*/ 0 w 1080000"/>
+                <a:gd name="connsiteY6" fmla="*/ 992947 h 1262947"/>
+                <a:gd name="connsiteX7" fmla="*/ 10971 w 1080000"/>
+                <a:gd name="connsiteY7" fmla="*/ 938533 h 1262947"/>
+                <a:gd name="connsiteX8" fmla="*/ 15626 w 1080000"/>
+                <a:gd name="connsiteY8" fmla="*/ 931034 h 1262947"/>
+                <a:gd name="connsiteX9" fmla="*/ 540000 w 1080000"/>
+                <a:gd name="connsiteY9" fmla="*/ 0 h 1262947"/>
+                <a:gd name="connsiteX0" fmla="*/ 540000 w 1080000"/>
+                <a:gd name="connsiteY0" fmla="*/ 0 h 1262947"/>
+                <a:gd name="connsiteX1" fmla="*/ 1064374 w 1080000"/>
+                <a:gd name="connsiteY1" fmla="*/ 931034 h 1262947"/>
+                <a:gd name="connsiteX2" fmla="*/ 1069029 w 1080000"/>
+                <a:gd name="connsiteY2" fmla="*/ 938533 h 1262947"/>
+                <a:gd name="connsiteX3" fmla="*/ 1080000 w 1080000"/>
+                <a:gd name="connsiteY3" fmla="*/ 992947 h 1262947"/>
+                <a:gd name="connsiteX4" fmla="*/ 540000 w 1080000"/>
+                <a:gd name="connsiteY4" fmla="*/ 1262947 h 1262947"/>
+                <a:gd name="connsiteX5" fmla="*/ 0 w 1080000"/>
+                <a:gd name="connsiteY5" fmla="*/ 992947 h 1262947"/>
+                <a:gd name="connsiteX6" fmla="*/ 10971 w 1080000"/>
+                <a:gd name="connsiteY6" fmla="*/ 938533 h 1262947"/>
+                <a:gd name="connsiteX7" fmla="*/ 15626 w 1080000"/>
+                <a:gd name="connsiteY7" fmla="*/ 931034 h 1262947"/>
+                <a:gd name="connsiteX8" fmla="*/ 540000 w 1080000"/>
+                <a:gd name="connsiteY8" fmla="*/ 0 h 1262947"/>
+              </a:gdLst>
+              <a:ahLst/>
+              <a:cxnLst>
+                <a:cxn ang="0">
+                  <a:pos x="connsiteX0" y="connsiteY0"/>
+                </a:cxn>
+                <a:cxn ang="0">
+                  <a:pos x="connsiteX1" y="connsiteY1"/>
+                </a:cxn>
+                <a:cxn ang="0">
+                  <a:pos x="connsiteX2" y="connsiteY2"/>
+                </a:cxn>
+                <a:cxn ang="0">
+                  <a:pos x="connsiteX3" y="connsiteY3"/>
+                </a:cxn>
+                <a:cxn ang="0">
+                  <a:pos x="connsiteX4" y="connsiteY4"/>
+                </a:cxn>
+                <a:cxn ang="0">
+                  <a:pos x="connsiteX5" y="connsiteY5"/>
+                </a:cxn>
+                <a:cxn ang="0">
+                  <a:pos x="connsiteX6" y="connsiteY6"/>
+                </a:cxn>
+                <a:cxn ang="0">
+                  <a:pos x="connsiteX7" y="connsiteY7"/>
+                </a:cxn>
+                <a:cxn ang="0">
+                  <a:pos x="connsiteX8" y="connsiteY8"/>
+                </a:cxn>
+              </a:cxnLst>
+              <a:rect l="l" t="t" r="r" b="b"/>
+              <a:pathLst>
+                <a:path w="1080000" h="1262947">
+                  <a:moveTo>
+                    <a:pt x="540000" y="0"/>
+                  </a:moveTo>
+                  <a:lnTo>
+                    <a:pt x="1064374" y="931034"/>
+                  </a:lnTo>
+                  <a:lnTo>
+                    <a:pt x="1069029" y="938533"/>
+                  </a:lnTo>
+                  <a:cubicBezTo>
+                    <a:pt x="1076223" y="956109"/>
+                    <a:pt x="1080000" y="974307"/>
+                    <a:pt x="1080000" y="992947"/>
+                  </a:cubicBezTo>
+                  <a:cubicBezTo>
+                    <a:pt x="1080000" y="1142064"/>
+                    <a:pt x="838234" y="1262947"/>
+                    <a:pt x="540000" y="1262947"/>
+                  </a:cubicBezTo>
+                  <a:cubicBezTo>
+                    <a:pt x="241766" y="1262947"/>
+                    <a:pt x="0" y="1142064"/>
+                    <a:pt x="0" y="992947"/>
+                  </a:cubicBezTo>
+                  <a:cubicBezTo>
+                    <a:pt x="0" y="974307"/>
+                    <a:pt x="3778" y="956109"/>
+                    <a:pt x="10971" y="938533"/>
+                  </a:cubicBezTo>
+                  <a:lnTo>
+                    <a:pt x="15626" y="931034"/>
+                  </a:lnTo>
+                  <a:lnTo>
+                    <a:pt x="540000" y="0"/>
+                  </a:lnTo>
+                  <a:close/>
+                </a:path>
+              </a:pathLst>
+            </a:custGeom>
+            <a:gradFill>
+              <a:gsLst>
+                <a:gs pos="60000">
+                  <a:schemeClr val="bg2">
+                    <a:lumMod val="90000"/>
+                    <a:lumOff val="10000"/>
+                  </a:schemeClr>
+                </a:gs>
+                <a:gs pos="30000">
+                  <a:schemeClr val="bg2">
+                    <a:lumMod val="90000"/>
+                    <a:lumOff val="10000"/>
+                  </a:schemeClr>
+                </a:gs>
+                <a:gs pos="40000">
+                  <a:schemeClr val="bg2">
+                    <a:lumMod val="80000"/>
+                    <a:lumOff val="20000"/>
+                  </a:schemeClr>
+                </a:gs>
+                <a:gs pos="100000">
+                  <a:schemeClr val="bg2"/>
+                </a:gs>
+              </a:gsLst>
+              <a:lin ang="600000" scaled="0"/>
+            </a:gradFill>
+            <a:ln>
+              <a:noFill/>
+            </a:ln>
+            <a:effectLst>
+              <a:innerShdw blurRad="254000" dist="101600" dir="7320000">
+                <a:schemeClr val="accent1">
+                  <a:lumMod val="60000"/>
+                  <a:lumOff val="40000"/>
+                  <a:alpha val="40000"/>
+                </a:schemeClr>
+              </a:innerShdw>
+            </a:effectLst>
+          </p:spPr>
+          <p:style>
+            <a:lnRef idx="2">
+              <a:schemeClr val="accent1">
+                <a:shade val="50000"/>
+              </a:schemeClr>
+            </a:lnRef>
+            <a:fillRef idx="1">
+              <a:schemeClr val="accent1"/>
+            </a:fillRef>
+            <a:effectRef idx="0">
+              <a:schemeClr val="accent1"/>
+            </a:effectRef>
+            <a:fontRef idx="minor">
+              <a:schemeClr val="lt1"/>
+            </a:fontRef>
+          </p:style>
+          <p:txBody>
+            <a:bodyPr rot="0" spcFirstLastPara="0" vertOverflow="overflow" horzOverflow="overflow" vert="horz" wrap="square" lIns="91440" tIns="45720" rIns="91440" bIns="45720" numCol="1" spcCol="0" rtlCol="0" fromWordArt="0" anchor="ctr" anchorCtr="0" forceAA="0" compatLnSpc="1">
+              <a:prstTxWarp prst="textNoShape">
+                <a:avLst/>
+              </a:prstTxWarp>
+              <a:noAutofit/>
+            </a:bodyPr>
+            <a:lstStyle/>
+            <a:p>
+              <a:pPr algn="ctr"/>
+              <a:endParaRPr lang="en-US"/>
+            </a:p>
+          </p:txBody>
+        </p:sp>
+        <p:sp>
+          <p:nvSpPr>
+            <p:cNvPr id="13" name="Oval 12">
+              <a:extLst>
+                <a:ext uri="{FF2B5EF4-FFF2-40B4-BE49-F238E27FC236}">
+                  <a16:creationId xmlns:a16="http://schemas.microsoft.com/office/drawing/2014/main" id="{4D4368CA-9D36-458E-0FD1-62077B1121D3}"/>
+                </a:ext>
+              </a:extLst>
+            </p:cNvPr>
+            <p:cNvSpPr/>
+            <p:nvPr/>
+          </p:nvSpPr>
+          <p:spPr>
+            <a:xfrm rot="13500000">
+              <a:off x="10415015" y="2179851"/>
+              <a:ext cx="540000" cy="1080000"/>
+            </a:xfrm>
+            <a:prstGeom prst="ellipse">
+              <a:avLst/>
+            </a:prstGeom>
+            <a:gradFill>
+              <a:gsLst>
+                <a:gs pos="100000">
+                  <a:schemeClr val="accent1">
+                    <a:lumMod val="60000"/>
+                    <a:lumOff val="40000"/>
+                    <a:alpha val="0"/>
+                  </a:schemeClr>
+                </a:gs>
+                <a:gs pos="0">
+                  <a:schemeClr val="bg2">
+                    <a:lumMod val="75000"/>
+                    <a:lumOff val="25000"/>
+                    <a:alpha val="33000"/>
+                  </a:schemeClr>
+                </a:gs>
+              </a:gsLst>
+              <a:lin ang="5400000" scaled="0"/>
+            </a:gradFill>
+            <a:ln>
+              <a:noFill/>
+            </a:ln>
+            <a:effectLst>
+              <a:innerShdw blurRad="1270000" dist="2540000">
+                <a:schemeClr val="accent1">
+                  <a:lumMod val="60000"/>
+                  <a:lumOff val="40000"/>
+                  <a:alpha val="0"/>
+                </a:schemeClr>
+              </a:innerShdw>
+            </a:effectLst>
+          </p:spPr>
+          <p:style>
+            <a:lnRef idx="2">
+              <a:schemeClr val="accent1">
+                <a:shade val="50000"/>
+              </a:schemeClr>
+            </a:lnRef>
+            <a:fillRef idx="1">
+              <a:schemeClr val="accent1"/>
+            </a:fillRef>
+            <a:effectRef idx="0">
+              <a:schemeClr val="accent1"/>
+            </a:effectRef>
+            <a:fontRef idx="minor">
+              <a:schemeClr val="lt1"/>
+            </a:fontRef>
+          </p:style>
+          <p:txBody>
+            <a:bodyPr rot="0" spcFirstLastPara="0" vertOverflow="overflow" horzOverflow="overflow" vert="horz" wrap="square" lIns="91440" tIns="45720" rIns="91440" bIns="45720" numCol="1" spcCol="0" rtlCol="0" fromWordArt="0" anchor="ctr" anchorCtr="0" forceAA="0" compatLnSpc="1">
+              <a:prstTxWarp prst="textNoShape">
+                <a:avLst/>
+              </a:prstTxWarp>
+              <a:noAutofit/>
+            </a:bodyPr>
+            <a:lstStyle/>
+            <a:p>
+              <a:pPr algn="ctr"/>
+              <a:endParaRPr lang="en-US"/>
+            </a:p>
+          </p:txBody>
+        </p:sp>
+      </p:grpSp>
+      <p:pic>
+        <p:nvPicPr>
+          <p:cNvPr id="8" name="Picture 7">
+            <a:extLst>
+              <a:ext uri="{FF2B5EF4-FFF2-40B4-BE49-F238E27FC236}">
+                <a16:creationId xmlns:a16="http://schemas.microsoft.com/office/drawing/2014/main" id="{857EBC34-50FD-840C-AE3A-7919E1164E92}"/>
+              </a:ext>
+            </a:extLst>
+          </p:cNvPr>
+          <p:cNvPicPr>
+            <a:picLocks noChangeAspect="1"/>
+          </p:cNvPicPr>
+          <p:nvPr/>
+        </p:nvPicPr>
+        <p:blipFill>
+          <a:blip r:embed="rId3"/>
+          <a:stretch>
+            <a:fillRect/>
+          </a:stretch>
+        </p:blipFill>
+        <p:spPr>
+          <a:xfrm>
+            <a:off x="1219683" y="196900"/>
+            <a:ext cx="9112265" cy="6311390"/>
+          </a:xfrm>
+          <a:prstGeom prst="rect">
+            <a:avLst/>
+          </a:prstGeom>
+        </p:spPr>
+      </p:pic>
+    </p:spTree>
+    <p:extLst>
+      <p:ext uri="{BB962C8B-B14F-4D97-AF65-F5344CB8AC3E}">
+        <p14:creationId xmlns:p14="http://schemas.microsoft.com/office/powerpoint/2010/main" val="970630323"/>
+      </p:ext>
+    </p:extLst>
+  </p:cSld>
+  <p:clrMapOvr>
+    <a:masterClrMapping/>
+  </p:clrMapOvr>
+</p:sld>
+</file>
+
+<file path=ppt/slides/slide15.xml><?xml version="1.0" encoding="utf-8"?>
+<p:sld xmlns:a="http://schemas.openxmlformats.org/drawingml/2006/main" xmlns:r="http://schemas.openxmlformats.org/officeDocument/2006/relationships" xmlns:p="http://schemas.openxmlformats.org/presentationml/2006/main">
+  <p:cSld>
+    <p:spTree>
+      <p:nvGrpSpPr>
+        <p:cNvPr id="1" name=""/>
+        <p:cNvGrpSpPr/>
+        <p:nvPr/>
+      </p:nvGrpSpPr>
+      <p:grpSpPr>
+        <a:xfrm>
+          <a:off x="0" y="0"/>
+          <a:ext cx="0" cy="0"/>
+          <a:chOff x="0" y="0"/>
+          <a:chExt cx="0" cy="0"/>
+        </a:xfrm>
+      </p:grpSpPr>
+      <p:grpSp>
+        <p:nvGrpSpPr>
+          <p:cNvPr id="25" name="Group 24">
+            <a:extLst>
+              <a:ext uri="{FF2B5EF4-FFF2-40B4-BE49-F238E27FC236}">
+                <a16:creationId xmlns:a16="http://schemas.microsoft.com/office/drawing/2014/main" id="{D10F3D66-0109-4903-90B9-66D0E288F721}"/>
+              </a:ext>
+              <a:ext uri="{C183D7F6-B498-43B3-948B-1728B52AA6E4}">
+                <adec:decorative xmlns:adec="http://schemas.microsoft.com/office/drawing/2017/decorative" val="1"/>
+              </a:ext>
+            </a:extLst>
+          </p:cNvPr>
+          <p:cNvGrpSpPr/>
+          <p:nvPr/>
+        </p:nvGrpSpPr>
+        <p:grpSpPr>
+          <a:xfrm>
+            <a:off x="10305537" y="426615"/>
+            <a:ext cx="1335600" cy="1262947"/>
+            <a:chOff x="10145015" y="2343978"/>
+            <a:chExt cx="1335600" cy="1262947"/>
+          </a:xfrm>
+        </p:grpSpPr>
+        <p:sp>
+          <p:nvSpPr>
+            <p:cNvPr id="26" name="Freeform: Shape 25">
+              <a:extLst>
+                <a:ext uri="{FF2B5EF4-FFF2-40B4-BE49-F238E27FC236}">
+                  <a16:creationId xmlns:a16="http://schemas.microsoft.com/office/drawing/2014/main" id="{57DAB968-9B52-4EFF-AD39-7657DFEA6E48}"/>
+                </a:ext>
+              </a:extLst>
+            </p:cNvPr>
+            <p:cNvSpPr>
+              <a:spLocks noChangeAspect="1"/>
+            </p:cNvSpPr>
+            <p:nvPr/>
+          </p:nvSpPr>
+          <p:spPr>
+            <a:xfrm rot="8100000">
+              <a:off x="10400615" y="2343978"/>
+              <a:ext cx="1080000" cy="1262947"/>
+            </a:xfrm>
+            <a:custGeom>
+              <a:avLst/>
+              <a:gdLst>
+                <a:gd name="connsiteX0" fmla="*/ 540000 w 1080000"/>
+                <a:gd name="connsiteY0" fmla="*/ 0 h 1262947"/>
+                <a:gd name="connsiteX1" fmla="*/ 1080000 w 1080000"/>
+                <a:gd name="connsiteY1" fmla="*/ 931034 h 1262947"/>
+                <a:gd name="connsiteX2" fmla="*/ 1064374 w 1080000"/>
+                <a:gd name="connsiteY2" fmla="*/ 931034 h 1262947"/>
+                <a:gd name="connsiteX3" fmla="*/ 1069029 w 1080000"/>
+                <a:gd name="connsiteY3" fmla="*/ 938533 h 1262947"/>
+                <a:gd name="connsiteX4" fmla="*/ 1080000 w 1080000"/>
+                <a:gd name="connsiteY4" fmla="*/ 992947 h 1262947"/>
+                <a:gd name="connsiteX5" fmla="*/ 540000 w 1080000"/>
+                <a:gd name="connsiteY5" fmla="*/ 1262947 h 1262947"/>
+                <a:gd name="connsiteX6" fmla="*/ 0 w 1080000"/>
+                <a:gd name="connsiteY6" fmla="*/ 992947 h 1262947"/>
+                <a:gd name="connsiteX7" fmla="*/ 10971 w 1080000"/>
+                <a:gd name="connsiteY7" fmla="*/ 938533 h 1262947"/>
+                <a:gd name="connsiteX8" fmla="*/ 15626 w 1080000"/>
+                <a:gd name="connsiteY8" fmla="*/ 931034 h 1262947"/>
+                <a:gd name="connsiteX9" fmla="*/ 0 w 1080000"/>
+                <a:gd name="connsiteY9" fmla="*/ 931034 h 1262947"/>
+                <a:gd name="connsiteX0" fmla="*/ 540000 w 1080000"/>
+                <a:gd name="connsiteY0" fmla="*/ 0 h 1262947"/>
+                <a:gd name="connsiteX1" fmla="*/ 1080000 w 1080000"/>
+                <a:gd name="connsiteY1" fmla="*/ 931034 h 1262947"/>
+                <a:gd name="connsiteX2" fmla="*/ 1064374 w 1080000"/>
+                <a:gd name="connsiteY2" fmla="*/ 931034 h 1262947"/>
+                <a:gd name="connsiteX3" fmla="*/ 1069029 w 1080000"/>
+                <a:gd name="connsiteY3" fmla="*/ 938533 h 1262947"/>
+                <a:gd name="connsiteX4" fmla="*/ 1080000 w 1080000"/>
+                <a:gd name="connsiteY4" fmla="*/ 992947 h 1262947"/>
+                <a:gd name="connsiteX5" fmla="*/ 540000 w 1080000"/>
+                <a:gd name="connsiteY5" fmla="*/ 1262947 h 1262947"/>
+                <a:gd name="connsiteX6" fmla="*/ 0 w 1080000"/>
+                <a:gd name="connsiteY6" fmla="*/ 992947 h 1262947"/>
+                <a:gd name="connsiteX7" fmla="*/ 10971 w 1080000"/>
+                <a:gd name="connsiteY7" fmla="*/ 938533 h 1262947"/>
+                <a:gd name="connsiteX8" fmla="*/ 15626 w 1080000"/>
+                <a:gd name="connsiteY8" fmla="*/ 931034 h 1262947"/>
+                <a:gd name="connsiteX9" fmla="*/ 540000 w 1080000"/>
+                <a:gd name="connsiteY9" fmla="*/ 0 h 1262947"/>
+                <a:gd name="connsiteX0" fmla="*/ 540000 w 1080000"/>
+                <a:gd name="connsiteY0" fmla="*/ 0 h 1262947"/>
+                <a:gd name="connsiteX1" fmla="*/ 1064374 w 1080000"/>
+                <a:gd name="connsiteY1" fmla="*/ 931034 h 1262947"/>
+                <a:gd name="connsiteX2" fmla="*/ 1069029 w 1080000"/>
+                <a:gd name="connsiteY2" fmla="*/ 938533 h 1262947"/>
+                <a:gd name="connsiteX3" fmla="*/ 1080000 w 1080000"/>
+                <a:gd name="connsiteY3" fmla="*/ 992947 h 1262947"/>
+                <a:gd name="connsiteX4" fmla="*/ 540000 w 1080000"/>
+                <a:gd name="connsiteY4" fmla="*/ 1262947 h 1262947"/>
+                <a:gd name="connsiteX5" fmla="*/ 0 w 1080000"/>
+                <a:gd name="connsiteY5" fmla="*/ 992947 h 1262947"/>
+                <a:gd name="connsiteX6" fmla="*/ 10971 w 1080000"/>
+                <a:gd name="connsiteY6" fmla="*/ 938533 h 1262947"/>
+                <a:gd name="connsiteX7" fmla="*/ 15626 w 1080000"/>
+                <a:gd name="connsiteY7" fmla="*/ 931034 h 1262947"/>
+                <a:gd name="connsiteX8" fmla="*/ 540000 w 1080000"/>
+                <a:gd name="connsiteY8" fmla="*/ 0 h 1262947"/>
+              </a:gdLst>
+              <a:ahLst/>
+              <a:cxnLst>
+                <a:cxn ang="0">
+                  <a:pos x="connsiteX0" y="connsiteY0"/>
+                </a:cxn>
+                <a:cxn ang="0">
+                  <a:pos x="connsiteX1" y="connsiteY1"/>
+                </a:cxn>
+                <a:cxn ang="0">
+                  <a:pos x="connsiteX2" y="connsiteY2"/>
+                </a:cxn>
+                <a:cxn ang="0">
+                  <a:pos x="connsiteX3" y="connsiteY3"/>
+                </a:cxn>
+                <a:cxn ang="0">
+                  <a:pos x="connsiteX4" y="connsiteY4"/>
+                </a:cxn>
+                <a:cxn ang="0">
+                  <a:pos x="connsiteX5" y="connsiteY5"/>
+                </a:cxn>
+                <a:cxn ang="0">
+                  <a:pos x="connsiteX6" y="connsiteY6"/>
+                </a:cxn>
+                <a:cxn ang="0">
+                  <a:pos x="connsiteX7" y="connsiteY7"/>
+                </a:cxn>
+                <a:cxn ang="0">
+                  <a:pos x="connsiteX8" y="connsiteY8"/>
+                </a:cxn>
+              </a:cxnLst>
+              <a:rect l="l" t="t" r="r" b="b"/>
+              <a:pathLst>
+                <a:path w="1080000" h="1262947">
+                  <a:moveTo>
+                    <a:pt x="540000" y="0"/>
+                  </a:moveTo>
+                  <a:lnTo>
+                    <a:pt x="1064374" y="931034"/>
+                  </a:lnTo>
+                  <a:lnTo>
+                    <a:pt x="1069029" y="938533"/>
+                  </a:lnTo>
+                  <a:cubicBezTo>
+                    <a:pt x="1076223" y="956109"/>
+                    <a:pt x="1080000" y="974307"/>
+                    <a:pt x="1080000" y="992947"/>
+                  </a:cubicBezTo>
+                  <a:cubicBezTo>
+                    <a:pt x="1080000" y="1142064"/>
+                    <a:pt x="838234" y="1262947"/>
+                    <a:pt x="540000" y="1262947"/>
+                  </a:cubicBezTo>
+                  <a:cubicBezTo>
+                    <a:pt x="241766" y="1262947"/>
+                    <a:pt x="0" y="1142064"/>
+                    <a:pt x="0" y="992947"/>
+                  </a:cubicBezTo>
+                  <a:cubicBezTo>
+                    <a:pt x="0" y="974307"/>
+                    <a:pt x="3778" y="956109"/>
+                    <a:pt x="10971" y="938533"/>
+                  </a:cubicBezTo>
+                  <a:lnTo>
+                    <a:pt x="15626" y="931034"/>
+                  </a:lnTo>
+                  <a:lnTo>
+                    <a:pt x="540000" y="0"/>
+                  </a:lnTo>
+                  <a:close/>
+                </a:path>
+              </a:pathLst>
+            </a:custGeom>
+            <a:gradFill>
+              <a:gsLst>
+                <a:gs pos="60000">
+                  <a:schemeClr val="bg2">
+                    <a:lumMod val="90000"/>
+                    <a:lumOff val="10000"/>
+                  </a:schemeClr>
+                </a:gs>
+                <a:gs pos="30000">
+                  <a:schemeClr val="bg2">
+                    <a:lumMod val="90000"/>
+                    <a:lumOff val="10000"/>
+                  </a:schemeClr>
+                </a:gs>
+                <a:gs pos="40000">
+                  <a:schemeClr val="bg2">
+                    <a:lumMod val="80000"/>
+                    <a:lumOff val="20000"/>
+                  </a:schemeClr>
+                </a:gs>
+                <a:gs pos="100000">
+                  <a:schemeClr val="bg2"/>
+                </a:gs>
+              </a:gsLst>
+              <a:lin ang="600000" scaled="0"/>
+            </a:gradFill>
+            <a:ln>
+              <a:noFill/>
+            </a:ln>
+            <a:effectLst>
+              <a:innerShdw blurRad="254000" dist="101600" dir="7320000">
+                <a:schemeClr val="accent1">
+                  <a:lumMod val="60000"/>
+                  <a:lumOff val="40000"/>
+                  <a:alpha val="40000"/>
+                </a:schemeClr>
+              </a:innerShdw>
+            </a:effectLst>
+          </p:spPr>
+          <p:style>
+            <a:lnRef idx="2">
+              <a:schemeClr val="accent1">
+                <a:shade val="50000"/>
+              </a:schemeClr>
+            </a:lnRef>
+            <a:fillRef idx="1">
+              <a:schemeClr val="accent1"/>
+            </a:fillRef>
+            <a:effectRef idx="0">
+              <a:schemeClr val="accent1"/>
+            </a:effectRef>
+            <a:fontRef idx="minor">
+              <a:schemeClr val="lt1"/>
+            </a:fontRef>
+          </p:style>
+          <p:txBody>
+            <a:bodyPr rot="0" spcFirstLastPara="0" vertOverflow="overflow" horzOverflow="overflow" vert="horz" wrap="square" lIns="91440" tIns="45720" rIns="91440" bIns="45720" numCol="1" spcCol="0" rtlCol="0" fromWordArt="0" anchor="ctr" anchorCtr="0" forceAA="0" compatLnSpc="1">
+              <a:prstTxWarp prst="textNoShape">
+                <a:avLst/>
+              </a:prstTxWarp>
+              <a:noAutofit/>
+            </a:bodyPr>
+            <a:lstStyle/>
+            <a:p>
+              <a:pPr algn="ctr"/>
+              <a:endParaRPr lang="en-US"/>
+            </a:p>
+          </p:txBody>
+        </p:sp>
+        <p:sp>
+          <p:nvSpPr>
+            <p:cNvPr id="27" name="Oval 26">
+              <a:extLst>
+                <a:ext uri="{FF2B5EF4-FFF2-40B4-BE49-F238E27FC236}">
+                  <a16:creationId xmlns:a16="http://schemas.microsoft.com/office/drawing/2014/main" id="{962BE440-9634-4380-B142-5DB692420C52}"/>
+                </a:ext>
+              </a:extLst>
+            </p:cNvPr>
+            <p:cNvSpPr/>
+            <p:nvPr/>
+          </p:nvSpPr>
+          <p:spPr>
+            <a:xfrm rot="13500000">
+              <a:off x="10415015" y="2179851"/>
+              <a:ext cx="540000" cy="1080000"/>
+            </a:xfrm>
+            <a:prstGeom prst="ellipse">
+              <a:avLst/>
+            </a:prstGeom>
+            <a:gradFill>
+              <a:gsLst>
+                <a:gs pos="100000">
+                  <a:schemeClr val="accent1">
+                    <a:lumMod val="60000"/>
+                    <a:lumOff val="40000"/>
+                    <a:alpha val="0"/>
+                  </a:schemeClr>
+                </a:gs>
+                <a:gs pos="0">
+                  <a:schemeClr val="bg2">
+                    <a:lumMod val="75000"/>
+                    <a:lumOff val="25000"/>
+                    <a:alpha val="33000"/>
+                  </a:schemeClr>
+                </a:gs>
+              </a:gsLst>
+              <a:lin ang="5400000" scaled="0"/>
+            </a:gradFill>
+            <a:ln>
+              <a:noFill/>
+            </a:ln>
+            <a:effectLst>
+              <a:innerShdw blurRad="1270000" dist="2540000">
+                <a:schemeClr val="accent1">
+                  <a:lumMod val="60000"/>
+                  <a:lumOff val="40000"/>
+                  <a:alpha val="0"/>
+                </a:schemeClr>
+              </a:innerShdw>
+            </a:effectLst>
+          </p:spPr>
+          <p:style>
+            <a:lnRef idx="2">
+              <a:schemeClr val="accent1">
+                <a:shade val="50000"/>
+              </a:schemeClr>
+            </a:lnRef>
+            <a:fillRef idx="1">
+              <a:schemeClr val="accent1"/>
+            </a:fillRef>
+            <a:effectRef idx="0">
+              <a:schemeClr val="accent1"/>
+            </a:effectRef>
+            <a:fontRef idx="minor">
+              <a:schemeClr val="lt1"/>
+            </a:fontRef>
+          </p:style>
+          <p:txBody>
+            <a:bodyPr rot="0" spcFirstLastPara="0" vertOverflow="overflow" horzOverflow="overflow" vert="horz" wrap="square" lIns="91440" tIns="45720" rIns="91440" bIns="45720" numCol="1" spcCol="0" rtlCol="0" fromWordArt="0" anchor="ctr" anchorCtr="0" forceAA="0" compatLnSpc="1">
+              <a:prstTxWarp prst="textNoShape">
+                <a:avLst/>
+              </a:prstTxWarp>
+              <a:noAutofit/>
+            </a:bodyPr>
+            <a:lstStyle/>
+            <a:p>
+              <a:pPr algn="ctr"/>
+              <a:endParaRPr lang="en-US"/>
+            </a:p>
+          </p:txBody>
+        </p:sp>
+      </p:grpSp>
+      <p:sp>
+        <p:nvSpPr>
+          <p:cNvPr id="7" name="Title 6">
+            <a:extLst>
+              <a:ext uri="{FF2B5EF4-FFF2-40B4-BE49-F238E27FC236}">
+                <a16:creationId xmlns:a16="http://schemas.microsoft.com/office/drawing/2014/main" id="{4B18D636-CC10-4B1E-AA38-419DCCF2D9C9}"/>
+              </a:ext>
+            </a:extLst>
+          </p:cNvPr>
+          <p:cNvSpPr>
+            <a:spLocks noGrp="1"/>
+          </p:cNvSpPr>
+          <p:nvPr>
+            <p:ph type="title"/>
+          </p:nvPr>
+        </p:nvSpPr>
+        <p:spPr>
+          <a:xfrm>
+            <a:off x="550862" y="549275"/>
+            <a:ext cx="11097551" cy="1332000"/>
+          </a:xfrm>
+        </p:spPr>
+        <p:txBody>
+          <a:bodyPr>
+            <a:normAutofit/>
+          </a:bodyPr>
+          <a:lstStyle/>
+          <a:p>
+            <a:r>
+              <a:rPr lang="en-US" dirty="0"/>
+              <a:t>Azure Database for PostgreSQL </a:t>
+            </a:r>
+          </a:p>
+        </p:txBody>
+      </p:sp>
+      <p:sp>
+        <p:nvSpPr>
+          <p:cNvPr id="6" name="Slide Number Placeholder 5">
+            <a:extLst>
+              <a:ext uri="{FF2B5EF4-FFF2-40B4-BE49-F238E27FC236}">
+                <a16:creationId xmlns:a16="http://schemas.microsoft.com/office/drawing/2014/main" id="{9ED907F8-C614-4D59-A03F-BF9CD5E35703}"/>
+              </a:ext>
+            </a:extLst>
+          </p:cNvPr>
+          <p:cNvSpPr>
+            <a:spLocks noGrp="1"/>
+          </p:cNvSpPr>
+          <p:nvPr>
+            <p:ph type="sldNum" sz="quarter" idx="12"/>
+          </p:nvPr>
+        </p:nvSpPr>
+        <p:spPr>
+          <a:xfrm>
+            <a:off x="9948863" y="6507212"/>
+            <a:ext cx="1692274" cy="153888"/>
+          </a:xfrm>
+        </p:spPr>
+        <p:txBody>
+          <a:bodyPr/>
+          <a:lstStyle/>
+          <a:p>
+            <a:fld id="{DBA1B0FB-D917-4C8C-928F-313BD683BF39}" type="slidenum">
+              <a:rPr lang="en-US" smtClean="0"/>
+              <a:pPr/>
+              <a:t>15</a:t>
+            </a:fld>
+            <a:endParaRPr lang="en-US"/>
+          </a:p>
+        </p:txBody>
+      </p:sp>
+      <p:sp>
+        <p:nvSpPr>
+          <p:cNvPr id="22" name="Freeform: Shape 21">
+            <a:extLst>
+              <a:ext uri="{FF2B5EF4-FFF2-40B4-BE49-F238E27FC236}">
+                <a16:creationId xmlns:a16="http://schemas.microsoft.com/office/drawing/2014/main" id="{C6F3814E-455F-456B-B1AF-7B993965A2C0}"/>
+              </a:ext>
+              <a:ext uri="{C183D7F6-B498-43B3-948B-1728B52AA6E4}">
+                <adec:decorative xmlns:adec="http://schemas.microsoft.com/office/drawing/2017/decorative" val="1"/>
+              </a:ext>
+            </a:extLst>
+          </p:cNvPr>
+          <p:cNvSpPr>
+            <a:spLocks noChangeAspect="1"/>
+          </p:cNvSpPr>
+          <p:nvPr/>
+        </p:nvSpPr>
+        <p:spPr>
+          <a:xfrm>
+            <a:off x="4295775" y="0"/>
+            <a:ext cx="360000" cy="274638"/>
+          </a:xfrm>
+          <a:custGeom>
+            <a:avLst/>
+            <a:gdLst>
+              <a:gd name="connsiteX0" fmla="*/ 30714 w 360000"/>
+              <a:gd name="connsiteY0" fmla="*/ 0 h 274638"/>
+              <a:gd name="connsiteX1" fmla="*/ 329286 w 360000"/>
+              <a:gd name="connsiteY1" fmla="*/ 0 h 274638"/>
+              <a:gd name="connsiteX2" fmla="*/ 345855 w 360000"/>
+              <a:gd name="connsiteY2" fmla="*/ 24574 h 274638"/>
+              <a:gd name="connsiteX3" fmla="*/ 360000 w 360000"/>
+              <a:gd name="connsiteY3" fmla="*/ 94638 h 274638"/>
+              <a:gd name="connsiteX4" fmla="*/ 180000 w 360000"/>
+              <a:gd name="connsiteY4" fmla="*/ 274638 h 274638"/>
+              <a:gd name="connsiteX5" fmla="*/ 0 w 360000"/>
+              <a:gd name="connsiteY5" fmla="*/ 94638 h 274638"/>
+              <a:gd name="connsiteX6" fmla="*/ 14145 w 360000"/>
+              <a:gd name="connsiteY6" fmla="*/ 24574 h 274638"/>
+            </a:gdLst>
+            <a:ahLst/>
+            <a:cxnLst>
+              <a:cxn ang="0">
+                <a:pos x="connsiteX0" y="connsiteY0"/>
+              </a:cxn>
+              <a:cxn ang="0">
+                <a:pos x="connsiteX1" y="connsiteY1"/>
+              </a:cxn>
+              <a:cxn ang="0">
+                <a:pos x="connsiteX2" y="connsiteY2"/>
+              </a:cxn>
+              <a:cxn ang="0">
+                <a:pos x="connsiteX3" y="connsiteY3"/>
+              </a:cxn>
+              <a:cxn ang="0">
+                <a:pos x="connsiteX4" y="connsiteY4"/>
+              </a:cxn>
+              <a:cxn ang="0">
+                <a:pos x="connsiteX5" y="connsiteY5"/>
+              </a:cxn>
+              <a:cxn ang="0">
+                <a:pos x="connsiteX6" y="connsiteY6"/>
+              </a:cxn>
+            </a:cxnLst>
+            <a:rect l="l" t="t" r="r" b="b"/>
+            <a:pathLst>
+              <a:path w="360000" h="274638">
+                <a:moveTo>
+                  <a:pt x="30714" y="0"/>
+                </a:moveTo>
+                <a:lnTo>
+                  <a:pt x="329286" y="0"/>
+                </a:lnTo>
+                <a:lnTo>
+                  <a:pt x="345855" y="24574"/>
+                </a:lnTo>
+                <a:cubicBezTo>
+                  <a:pt x="354963" y="46109"/>
+                  <a:pt x="360000" y="69785"/>
+                  <a:pt x="360000" y="94638"/>
+                </a:cubicBezTo>
+                <a:cubicBezTo>
+                  <a:pt x="360000" y="194049"/>
+                  <a:pt x="279411" y="274638"/>
+                  <a:pt x="180000" y="274638"/>
+                </a:cubicBezTo>
+                <a:cubicBezTo>
+                  <a:pt x="80589" y="274638"/>
+                  <a:pt x="0" y="194049"/>
+                  <a:pt x="0" y="94638"/>
+                </a:cubicBezTo>
+                <a:cubicBezTo>
+                  <a:pt x="0" y="69785"/>
+                  <a:pt x="5037" y="46109"/>
+                  <a:pt x="14145" y="24574"/>
+                </a:cubicBezTo>
+                <a:close/>
+              </a:path>
+            </a:pathLst>
+          </a:custGeom>
+          <a:gradFill flip="none" rotWithShape="1">
+            <a:gsLst>
+              <a:gs pos="100000">
+                <a:schemeClr val="bg2">
+                  <a:lumMod val="50000"/>
+                  <a:lumOff val="50000"/>
+                </a:schemeClr>
+              </a:gs>
+              <a:gs pos="60000">
+                <a:schemeClr val="bg2"/>
+              </a:gs>
+            </a:gsLst>
+            <a:path path="circle">
+              <a:fillToRect l="100000" b="100000"/>
+            </a:path>
+            <a:tileRect t="-100000" r="-100000"/>
+          </a:gradFill>
+          <a:ln>
+            <a:noFill/>
+          </a:ln>
+          <a:effectLst>
+            <a:innerShdw blurRad="127000" dist="63500" dir="2700000">
+              <a:schemeClr val="accent1">
+                <a:lumMod val="60000"/>
+                <a:lumOff val="40000"/>
+                <a:alpha val="20000"/>
+              </a:schemeClr>
+            </a:innerShdw>
+            <a:softEdge rad="0"/>
+          </a:effectLst>
+        </p:spPr>
+        <p:style>
+          <a:lnRef idx="2">
+            <a:schemeClr val="accent1">
+              <a:shade val="50000"/>
+            </a:schemeClr>
+          </a:lnRef>
+          <a:fillRef idx="1">
+            <a:schemeClr val="accent1"/>
+          </a:fillRef>
+          <a:effectRef idx="0">
+            <a:schemeClr val="accent1"/>
+          </a:effectRef>
+          <a:fontRef idx="minor">
+            <a:schemeClr val="lt1"/>
+          </a:fontRef>
+        </p:style>
+        <p:txBody>
+          <a:bodyPr rot="0" spcFirstLastPara="0" vertOverflow="overflow" horzOverflow="overflow" vert="horz" wrap="square" lIns="91440" tIns="45720" rIns="91440" bIns="45720" numCol="1" spcCol="0" rtlCol="0" fromWordArt="0" anchor="ctr" anchorCtr="0" forceAA="0" compatLnSpc="1">
+            <a:prstTxWarp prst="textNoShape">
+              <a:avLst/>
+            </a:prstTxWarp>
+            <a:noAutofit/>
+          </a:bodyPr>
+          <a:lstStyle/>
+          <a:p>
+            <a:pPr algn="ctr"/>
+            <a:endParaRPr lang="en-US"/>
+          </a:p>
+        </p:txBody>
+      </p:sp>
+      <p:grpSp>
+        <p:nvGrpSpPr>
+          <p:cNvPr id="11" name="Group 10">
+            <a:extLst>
+              <a:ext uri="{FF2B5EF4-FFF2-40B4-BE49-F238E27FC236}">
+                <a16:creationId xmlns:a16="http://schemas.microsoft.com/office/drawing/2014/main" id="{9D6D22A3-3C78-A30D-A087-0DE6211C5BB1}"/>
+              </a:ext>
+              <a:ext uri="{C183D7F6-B498-43B3-948B-1728B52AA6E4}">
+                <adec:decorative xmlns:adec="http://schemas.microsoft.com/office/drawing/2017/decorative" val="1"/>
+              </a:ext>
+            </a:extLst>
+          </p:cNvPr>
+          <p:cNvGrpSpPr/>
+          <p:nvPr/>
+        </p:nvGrpSpPr>
+        <p:grpSpPr>
+          <a:xfrm rot="7008010">
+            <a:off x="1217346" y="5122978"/>
+            <a:ext cx="1335600" cy="1262947"/>
+            <a:chOff x="10145015" y="2343978"/>
+            <a:chExt cx="1335600" cy="1262947"/>
+          </a:xfrm>
+        </p:grpSpPr>
+        <p:sp>
+          <p:nvSpPr>
+            <p:cNvPr id="12" name="Freeform: Shape 11">
+              <a:extLst>
+                <a:ext uri="{FF2B5EF4-FFF2-40B4-BE49-F238E27FC236}">
+                  <a16:creationId xmlns:a16="http://schemas.microsoft.com/office/drawing/2014/main" id="{CEA58F9B-68C3-2096-27AE-13DC26D5FD62}"/>
+                </a:ext>
+              </a:extLst>
+            </p:cNvPr>
+            <p:cNvSpPr>
+              <a:spLocks noChangeAspect="1"/>
+            </p:cNvSpPr>
+            <p:nvPr/>
+          </p:nvSpPr>
+          <p:spPr>
+            <a:xfrm rot="8100000">
+              <a:off x="10400615" y="2343978"/>
+              <a:ext cx="1080000" cy="1262947"/>
+            </a:xfrm>
+            <a:custGeom>
+              <a:avLst/>
+              <a:gdLst>
+                <a:gd name="connsiteX0" fmla="*/ 540000 w 1080000"/>
+                <a:gd name="connsiteY0" fmla="*/ 0 h 1262947"/>
+                <a:gd name="connsiteX1" fmla="*/ 1080000 w 1080000"/>
+                <a:gd name="connsiteY1" fmla="*/ 931034 h 1262947"/>
+                <a:gd name="connsiteX2" fmla="*/ 1064374 w 1080000"/>
+                <a:gd name="connsiteY2" fmla="*/ 931034 h 1262947"/>
+                <a:gd name="connsiteX3" fmla="*/ 1069029 w 1080000"/>
+                <a:gd name="connsiteY3" fmla="*/ 938533 h 1262947"/>
+                <a:gd name="connsiteX4" fmla="*/ 1080000 w 1080000"/>
+                <a:gd name="connsiteY4" fmla="*/ 992947 h 1262947"/>
+                <a:gd name="connsiteX5" fmla="*/ 540000 w 1080000"/>
+                <a:gd name="connsiteY5" fmla="*/ 1262947 h 1262947"/>
+                <a:gd name="connsiteX6" fmla="*/ 0 w 1080000"/>
+                <a:gd name="connsiteY6" fmla="*/ 992947 h 1262947"/>
+                <a:gd name="connsiteX7" fmla="*/ 10971 w 1080000"/>
+                <a:gd name="connsiteY7" fmla="*/ 938533 h 1262947"/>
+                <a:gd name="connsiteX8" fmla="*/ 15626 w 1080000"/>
+                <a:gd name="connsiteY8" fmla="*/ 931034 h 1262947"/>
+                <a:gd name="connsiteX9" fmla="*/ 0 w 1080000"/>
+                <a:gd name="connsiteY9" fmla="*/ 931034 h 1262947"/>
+                <a:gd name="connsiteX0" fmla="*/ 540000 w 1080000"/>
+                <a:gd name="connsiteY0" fmla="*/ 0 h 1262947"/>
+                <a:gd name="connsiteX1" fmla="*/ 1080000 w 1080000"/>
+                <a:gd name="connsiteY1" fmla="*/ 931034 h 1262947"/>
+                <a:gd name="connsiteX2" fmla="*/ 1064374 w 1080000"/>
+                <a:gd name="connsiteY2" fmla="*/ 931034 h 1262947"/>
+                <a:gd name="connsiteX3" fmla="*/ 1069029 w 1080000"/>
+                <a:gd name="connsiteY3" fmla="*/ 938533 h 1262947"/>
+                <a:gd name="connsiteX4" fmla="*/ 1080000 w 1080000"/>
+                <a:gd name="connsiteY4" fmla="*/ 992947 h 1262947"/>
+                <a:gd name="connsiteX5" fmla="*/ 540000 w 1080000"/>
+                <a:gd name="connsiteY5" fmla="*/ 1262947 h 1262947"/>
+                <a:gd name="connsiteX6" fmla="*/ 0 w 1080000"/>
+                <a:gd name="connsiteY6" fmla="*/ 992947 h 1262947"/>
+                <a:gd name="connsiteX7" fmla="*/ 10971 w 1080000"/>
+                <a:gd name="connsiteY7" fmla="*/ 938533 h 1262947"/>
+                <a:gd name="connsiteX8" fmla="*/ 15626 w 1080000"/>
+                <a:gd name="connsiteY8" fmla="*/ 931034 h 1262947"/>
+                <a:gd name="connsiteX9" fmla="*/ 540000 w 1080000"/>
+                <a:gd name="connsiteY9" fmla="*/ 0 h 1262947"/>
+                <a:gd name="connsiteX0" fmla="*/ 540000 w 1080000"/>
+                <a:gd name="connsiteY0" fmla="*/ 0 h 1262947"/>
+                <a:gd name="connsiteX1" fmla="*/ 1064374 w 1080000"/>
+                <a:gd name="connsiteY1" fmla="*/ 931034 h 1262947"/>
+                <a:gd name="connsiteX2" fmla="*/ 1069029 w 1080000"/>
+                <a:gd name="connsiteY2" fmla="*/ 938533 h 1262947"/>
+                <a:gd name="connsiteX3" fmla="*/ 1080000 w 1080000"/>
+                <a:gd name="connsiteY3" fmla="*/ 992947 h 1262947"/>
+                <a:gd name="connsiteX4" fmla="*/ 540000 w 1080000"/>
+                <a:gd name="connsiteY4" fmla="*/ 1262947 h 1262947"/>
+                <a:gd name="connsiteX5" fmla="*/ 0 w 1080000"/>
+                <a:gd name="connsiteY5" fmla="*/ 992947 h 1262947"/>
+                <a:gd name="connsiteX6" fmla="*/ 10971 w 1080000"/>
+                <a:gd name="connsiteY6" fmla="*/ 938533 h 1262947"/>
+                <a:gd name="connsiteX7" fmla="*/ 15626 w 1080000"/>
+                <a:gd name="connsiteY7" fmla="*/ 931034 h 1262947"/>
+                <a:gd name="connsiteX8" fmla="*/ 540000 w 1080000"/>
+                <a:gd name="connsiteY8" fmla="*/ 0 h 1262947"/>
+              </a:gdLst>
+              <a:ahLst/>
+              <a:cxnLst>
+                <a:cxn ang="0">
+                  <a:pos x="connsiteX0" y="connsiteY0"/>
+                </a:cxn>
+                <a:cxn ang="0">
+                  <a:pos x="connsiteX1" y="connsiteY1"/>
+                </a:cxn>
+                <a:cxn ang="0">
+                  <a:pos x="connsiteX2" y="connsiteY2"/>
+                </a:cxn>
+                <a:cxn ang="0">
+                  <a:pos x="connsiteX3" y="connsiteY3"/>
+                </a:cxn>
+                <a:cxn ang="0">
+                  <a:pos x="connsiteX4" y="connsiteY4"/>
+                </a:cxn>
+                <a:cxn ang="0">
+                  <a:pos x="connsiteX5" y="connsiteY5"/>
+                </a:cxn>
+                <a:cxn ang="0">
+                  <a:pos x="connsiteX6" y="connsiteY6"/>
+                </a:cxn>
+                <a:cxn ang="0">
+                  <a:pos x="connsiteX7" y="connsiteY7"/>
+                </a:cxn>
+                <a:cxn ang="0">
+                  <a:pos x="connsiteX8" y="connsiteY8"/>
+                </a:cxn>
+              </a:cxnLst>
+              <a:rect l="l" t="t" r="r" b="b"/>
+              <a:pathLst>
+                <a:path w="1080000" h="1262947">
+                  <a:moveTo>
+                    <a:pt x="540000" y="0"/>
+                  </a:moveTo>
+                  <a:lnTo>
+                    <a:pt x="1064374" y="931034"/>
+                  </a:lnTo>
+                  <a:lnTo>
+                    <a:pt x="1069029" y="938533"/>
+                  </a:lnTo>
+                  <a:cubicBezTo>
+                    <a:pt x="1076223" y="956109"/>
+                    <a:pt x="1080000" y="974307"/>
+                    <a:pt x="1080000" y="992947"/>
+                  </a:cubicBezTo>
+                  <a:cubicBezTo>
+                    <a:pt x="1080000" y="1142064"/>
+                    <a:pt x="838234" y="1262947"/>
+                    <a:pt x="540000" y="1262947"/>
+                  </a:cubicBezTo>
+                  <a:cubicBezTo>
+                    <a:pt x="241766" y="1262947"/>
+                    <a:pt x="0" y="1142064"/>
+                    <a:pt x="0" y="992947"/>
+                  </a:cubicBezTo>
+                  <a:cubicBezTo>
+                    <a:pt x="0" y="974307"/>
+                    <a:pt x="3778" y="956109"/>
+                    <a:pt x="10971" y="938533"/>
+                  </a:cubicBezTo>
+                  <a:lnTo>
+                    <a:pt x="15626" y="931034"/>
+                  </a:lnTo>
+                  <a:lnTo>
+                    <a:pt x="540000" y="0"/>
+                  </a:lnTo>
+                  <a:close/>
+                </a:path>
+              </a:pathLst>
+            </a:custGeom>
+            <a:gradFill>
+              <a:gsLst>
+                <a:gs pos="60000">
+                  <a:schemeClr val="bg2">
+                    <a:lumMod val="90000"/>
+                    <a:lumOff val="10000"/>
+                  </a:schemeClr>
+                </a:gs>
+                <a:gs pos="30000">
+                  <a:schemeClr val="bg2">
+                    <a:lumMod val="90000"/>
+                    <a:lumOff val="10000"/>
+                  </a:schemeClr>
+                </a:gs>
+                <a:gs pos="40000">
+                  <a:schemeClr val="bg2">
+                    <a:lumMod val="80000"/>
+                    <a:lumOff val="20000"/>
+                  </a:schemeClr>
+                </a:gs>
+                <a:gs pos="100000">
+                  <a:schemeClr val="bg2"/>
+                </a:gs>
+              </a:gsLst>
+              <a:lin ang="600000" scaled="0"/>
+            </a:gradFill>
+            <a:ln>
+              <a:noFill/>
+            </a:ln>
+            <a:effectLst>
+              <a:innerShdw blurRad="254000" dist="101600" dir="7320000">
+                <a:schemeClr val="accent1">
+                  <a:lumMod val="60000"/>
+                  <a:lumOff val="40000"/>
+                  <a:alpha val="40000"/>
+                </a:schemeClr>
+              </a:innerShdw>
+            </a:effectLst>
+          </p:spPr>
+          <p:style>
+            <a:lnRef idx="2">
+              <a:schemeClr val="accent1">
+                <a:shade val="50000"/>
+              </a:schemeClr>
+            </a:lnRef>
+            <a:fillRef idx="1">
+              <a:schemeClr val="accent1"/>
+            </a:fillRef>
+            <a:effectRef idx="0">
+              <a:schemeClr val="accent1"/>
+            </a:effectRef>
+            <a:fontRef idx="minor">
+              <a:schemeClr val="lt1"/>
+            </a:fontRef>
+          </p:style>
+          <p:txBody>
+            <a:bodyPr rot="0" spcFirstLastPara="0" vertOverflow="overflow" horzOverflow="overflow" vert="horz" wrap="square" lIns="91440" tIns="45720" rIns="91440" bIns="45720" numCol="1" spcCol="0" rtlCol="0" fromWordArt="0" anchor="ctr" anchorCtr="0" forceAA="0" compatLnSpc="1">
+              <a:prstTxWarp prst="textNoShape">
+                <a:avLst/>
+              </a:prstTxWarp>
+              <a:noAutofit/>
+            </a:bodyPr>
+            <a:lstStyle/>
+            <a:p>
+              <a:pPr algn="ctr"/>
+              <a:endParaRPr lang="en-US"/>
+            </a:p>
+          </p:txBody>
+        </p:sp>
+        <p:sp>
+          <p:nvSpPr>
+            <p:cNvPr id="13" name="Oval 12">
+              <a:extLst>
+                <a:ext uri="{FF2B5EF4-FFF2-40B4-BE49-F238E27FC236}">
+                  <a16:creationId xmlns:a16="http://schemas.microsoft.com/office/drawing/2014/main" id="{4D4368CA-9D36-458E-0FD1-62077B1121D3}"/>
+                </a:ext>
+              </a:extLst>
+            </p:cNvPr>
+            <p:cNvSpPr/>
+            <p:nvPr/>
+          </p:nvSpPr>
+          <p:spPr>
+            <a:xfrm rot="13500000">
+              <a:off x="10415015" y="2179851"/>
+              <a:ext cx="540000" cy="1080000"/>
+            </a:xfrm>
+            <a:prstGeom prst="ellipse">
+              <a:avLst/>
+            </a:prstGeom>
+            <a:gradFill>
+              <a:gsLst>
+                <a:gs pos="100000">
+                  <a:schemeClr val="accent1">
+                    <a:lumMod val="60000"/>
+                    <a:lumOff val="40000"/>
+                    <a:alpha val="0"/>
+                  </a:schemeClr>
+                </a:gs>
+                <a:gs pos="0">
+                  <a:schemeClr val="bg2">
+                    <a:lumMod val="75000"/>
+                    <a:lumOff val="25000"/>
+                    <a:alpha val="33000"/>
+                  </a:schemeClr>
+                </a:gs>
+              </a:gsLst>
+              <a:lin ang="5400000" scaled="0"/>
+            </a:gradFill>
+            <a:ln>
+              <a:noFill/>
+            </a:ln>
+            <a:effectLst>
+              <a:innerShdw blurRad="1270000" dist="2540000">
+                <a:schemeClr val="accent1">
+                  <a:lumMod val="60000"/>
+                  <a:lumOff val="40000"/>
+                  <a:alpha val="0"/>
+                </a:schemeClr>
+              </a:innerShdw>
+            </a:effectLst>
+          </p:spPr>
+          <p:style>
+            <a:lnRef idx="2">
+              <a:schemeClr val="accent1">
+                <a:shade val="50000"/>
+              </a:schemeClr>
+            </a:lnRef>
+            <a:fillRef idx="1">
+              <a:schemeClr val="accent1"/>
+            </a:fillRef>
+            <a:effectRef idx="0">
+              <a:schemeClr val="accent1"/>
+            </a:effectRef>
+            <a:fontRef idx="minor">
+              <a:schemeClr val="lt1"/>
+            </a:fontRef>
+          </p:style>
+          <p:txBody>
+            <a:bodyPr rot="0" spcFirstLastPara="0" vertOverflow="overflow" horzOverflow="overflow" vert="horz" wrap="square" lIns="91440" tIns="45720" rIns="91440" bIns="45720" numCol="1" spcCol="0" rtlCol="0" fromWordArt="0" anchor="ctr" anchorCtr="0" forceAA="0" compatLnSpc="1">
+              <a:prstTxWarp prst="textNoShape">
+                <a:avLst/>
+              </a:prstTxWarp>
+              <a:noAutofit/>
+            </a:bodyPr>
+            <a:lstStyle/>
+            <a:p>
+              <a:pPr algn="ctr"/>
+              <a:endParaRPr lang="en-US"/>
+            </a:p>
+          </p:txBody>
+        </p:sp>
+      </p:grpSp>
+      <p:sp>
+        <p:nvSpPr>
+          <p:cNvPr id="14" name="Content Placeholder 9">
+            <a:extLst>
+              <a:ext uri="{FF2B5EF4-FFF2-40B4-BE49-F238E27FC236}">
+                <a16:creationId xmlns:a16="http://schemas.microsoft.com/office/drawing/2014/main" id="{63612996-2D84-1899-7B22-601C47E8AD2A}"/>
+              </a:ext>
+            </a:extLst>
+          </p:cNvPr>
+          <p:cNvSpPr>
+            <a:spLocks noGrp="1"/>
+          </p:cNvSpPr>
+          <p:nvPr>
+            <p:ph sz="half" idx="2"/>
+          </p:nvPr>
+        </p:nvSpPr>
+        <p:spPr>
+          <a:xfrm>
+            <a:off x="891201" y="1881275"/>
+            <a:ext cx="9555038" cy="3515555"/>
+          </a:xfrm>
+        </p:spPr>
+        <p:txBody>
+          <a:bodyPr/>
+          <a:lstStyle/>
+          <a:p>
+            <a:r>
+              <a:rPr lang="en-US" b="0" i="0" dirty="0">
+                <a:solidFill>
+                  <a:srgbClr val="FFFFFF"/>
+                </a:solidFill>
+                <a:effectLst/>
+                <a:latin typeface="az_ea_font"/>
+              </a:rPr>
+              <a:t>Pros:</a:t>
+            </a:r>
+          </a:p>
+          <a:p>
+            <a:pPr lvl="1"/>
+            <a:r>
+              <a:rPr lang="en-US" i="0" dirty="0">
+                <a:solidFill>
+                  <a:srgbClr val="FFFFFF"/>
+                </a:solidFill>
+                <a:effectLst/>
+                <a:latin typeface="az_ea_font"/>
+              </a:rPr>
+              <a:t>High Availability  (high redundancy, average down time of 4.38 hours / year) </a:t>
+            </a:r>
+          </a:p>
+          <a:p>
+            <a:pPr lvl="1"/>
+            <a:r>
+              <a:rPr lang="en-US" i="0" dirty="0">
+                <a:solidFill>
+                  <a:srgbClr val="FFFFFF"/>
+                </a:solidFill>
+                <a:effectLst/>
+                <a:latin typeface="az_ea_font"/>
+              </a:rPr>
+              <a:t>Data Security </a:t>
+            </a:r>
+          </a:p>
+          <a:p>
+            <a:pPr lvl="1"/>
+            <a:r>
+              <a:rPr lang="en-US" i="0" dirty="0">
+                <a:solidFill>
+                  <a:srgbClr val="FFFFFF"/>
+                </a:solidFill>
+                <a:effectLst/>
+                <a:latin typeface="az_ea_font"/>
+              </a:rPr>
+              <a:t>Scalability  (turn computing power up or down with just a click)</a:t>
+            </a:r>
+          </a:p>
+          <a:p>
+            <a:pPr lvl="1"/>
+            <a:r>
+              <a:rPr lang="en-US" i="0" dirty="0">
+                <a:solidFill>
+                  <a:srgbClr val="FFFFFF"/>
+                </a:solidFill>
+                <a:effectLst/>
+                <a:latin typeface="az_ea_font"/>
+              </a:rPr>
+              <a:t>Cost-Effective  (pay what you use)</a:t>
+            </a:r>
+          </a:p>
+          <a:p>
+            <a:r>
+              <a:rPr lang="en-US" dirty="0">
+                <a:solidFill>
+                  <a:srgbClr val="FFFFFF"/>
+                </a:solidFill>
+                <a:latin typeface="az_ea_font"/>
+              </a:rPr>
+              <a:t>Cons:</a:t>
+            </a:r>
+          </a:p>
+          <a:p>
+            <a:pPr lvl="1"/>
+            <a:r>
+              <a:rPr lang="en-US" dirty="0">
+                <a:solidFill>
+                  <a:srgbClr val="FFFFFF"/>
+                </a:solidFill>
+                <a:latin typeface="az_ea_font"/>
+              </a:rPr>
+              <a:t>Requires Platform Expertise (need experts to develop and monitor services on the Azure cloud)</a:t>
+            </a:r>
+          </a:p>
+          <a:p>
+            <a:endParaRPr lang="en-US" dirty="0">
+              <a:solidFill>
+                <a:srgbClr val="FFFFFF"/>
+              </a:solidFill>
+              <a:latin typeface="Segoe UI" panose="020B0502040204020203" pitchFamily="34" charset="0"/>
+            </a:endParaRPr>
+          </a:p>
+        </p:txBody>
+      </p:sp>
+    </p:spTree>
+    <p:extLst>
+      <p:ext uri="{BB962C8B-B14F-4D97-AF65-F5344CB8AC3E}">
+        <p14:creationId xmlns:p14="http://schemas.microsoft.com/office/powerpoint/2010/main" val="1500318113"/>
+      </p:ext>
+    </p:extLst>
+  </p:cSld>
+  <p:clrMapOvr>
+    <a:masterClrMapping/>
+  </p:clrMapOvr>
+</p:sld>
+</file>
+
+<file path=ppt/slides/slide16.xml><?xml version="1.0" encoding="utf-8"?>
 <p:sld xmlns:a="http://schemas.openxmlformats.org/drawingml/2006/main" xmlns:r="http://schemas.openxmlformats.org/officeDocument/2006/relationships" xmlns:p="http://schemas.openxmlformats.org/presentationml/2006/main">
   <p:cSld>
     <p:spTree>
@@ -21654,7 +24635,7 @@
             <a:fld id="{DBA1B0FB-D917-4C8C-928F-313BD683BF39}" type="slidenum">
               <a:rPr lang="en-US" smtClean="0"/>
               <a:pPr/>
-              <a:t>13</a:t>
+              <a:t>16</a:t>
             </a:fld>
             <a:endParaRPr lang="en-US"/>
           </a:p>
@@ -21673,7 +24654,7 @@
 </p:sld>
 </file>
 
-<file path=ppt/slides/slide14.xml><?xml version="1.0" encoding="utf-8"?>
+<file path=ppt/slides/slide17.xml><?xml version="1.0" encoding="utf-8"?>
 <p:sld xmlns:a="http://schemas.openxmlformats.org/drawingml/2006/main" xmlns:r="http://schemas.openxmlformats.org/officeDocument/2006/relationships" xmlns:p="http://schemas.openxmlformats.org/presentationml/2006/main">
   <p:cSld>
     <p:spTree>
@@ -21891,7 +24872,7 @@
             <a:fld id="{DBA1B0FB-D917-4C8C-928F-313BD683BF39}" type="slidenum">
               <a:rPr lang="en-US" smtClean="0"/>
               <a:pPr/>
-              <a:t>14</a:t>
+              <a:t>17</a:t>
             </a:fld>
             <a:endParaRPr lang="en-US"/>
           </a:p>
@@ -21910,7 +24891,7 @@
 </p:sld>
 </file>
 
-<file path=ppt/slides/slide15.xml><?xml version="1.0" encoding="utf-8"?>
+<file path=ppt/slides/slide18.xml><?xml version="1.0" encoding="utf-8"?>
 <p:sld xmlns:a="http://schemas.openxmlformats.org/drawingml/2006/main" xmlns:r="http://schemas.openxmlformats.org/officeDocument/2006/relationships" xmlns:p="http://schemas.openxmlformats.org/presentationml/2006/main">
   <p:cSld>
     <p:spTree>
@@ -22087,7 +25068,7 @@
             <a:fld id="{DBA1B0FB-D917-4C8C-928F-313BD683BF39}" type="slidenum">
               <a:rPr lang="en-US" smtClean="0"/>
               <a:pPr/>
-              <a:t>15</a:t>
+              <a:t>18</a:t>
             </a:fld>
             <a:endParaRPr lang="en-US"/>
           </a:p>
@@ -22106,7 +25087,7 @@
 </p:sld>
 </file>
 
-<file path=ppt/slides/slide16.xml><?xml version="1.0" encoding="utf-8"?>
+<file path=ppt/slides/slide19.xml><?xml version="1.0" encoding="utf-8"?>
 <p:sld xmlns:a="http://schemas.openxmlformats.org/drawingml/2006/main" xmlns:r="http://schemas.openxmlformats.org/officeDocument/2006/relationships" xmlns:p="http://schemas.openxmlformats.org/presentationml/2006/main">
   <p:cSld>
     <p:spTree>
@@ -22736,7 +25717,7 @@
             <a:fld id="{DBA1B0FB-D917-4C8C-928F-313BD683BF39}" type="slidenum">
               <a:rPr lang="en-US" smtClean="0"/>
               <a:pPr/>
-              <a:t>16</a:t>
+              <a:t>19</a:t>
             </a:fld>
             <a:endParaRPr lang="en-US"/>
           </a:p>
@@ -22907,864 +25888,6 @@
     <p:extLst>
       <p:ext uri="{BB962C8B-B14F-4D97-AF65-F5344CB8AC3E}">
         <p14:creationId xmlns:p14="http://schemas.microsoft.com/office/powerpoint/2010/main" val="3891345585"/>
-      </p:ext>
-    </p:extLst>
-  </p:cSld>
-  <p:clrMapOvr>
-    <a:masterClrMapping/>
-  </p:clrMapOvr>
-</p:sld>
-</file>
-
-<file path=ppt/slides/slide17.xml><?xml version="1.0" encoding="utf-8"?>
-<p:sld xmlns:a="http://schemas.openxmlformats.org/drawingml/2006/main" xmlns:r="http://schemas.openxmlformats.org/officeDocument/2006/relationships" xmlns:p="http://schemas.openxmlformats.org/presentationml/2006/main">
-  <p:cSld>
-    <p:spTree>
-      <p:nvGrpSpPr>
-        <p:cNvPr id="1" name=""/>
-        <p:cNvGrpSpPr/>
-        <p:nvPr/>
-      </p:nvGrpSpPr>
-      <p:grpSpPr>
-        <a:xfrm>
-          <a:off x="0" y="0"/>
-          <a:ext cx="0" cy="0"/>
-          <a:chOff x="0" y="0"/>
-          <a:chExt cx="0" cy="0"/>
-        </a:xfrm>
-      </p:grpSpPr>
-      <p:sp>
-        <p:nvSpPr>
-          <p:cNvPr id="7" name="Title 6">
-            <a:extLst>
-              <a:ext uri="{FF2B5EF4-FFF2-40B4-BE49-F238E27FC236}">
-                <a16:creationId xmlns:a16="http://schemas.microsoft.com/office/drawing/2014/main" id="{47788B34-4190-4916-9048-47720EA5ABF1}"/>
-              </a:ext>
-            </a:extLst>
-          </p:cNvPr>
-          <p:cNvSpPr>
-            <a:spLocks noGrp="1"/>
-          </p:cNvSpPr>
-          <p:nvPr>
-            <p:ph type="title"/>
-          </p:nvPr>
-        </p:nvSpPr>
-        <p:spPr>
-          <a:xfrm>
-            <a:off x="550862" y="549275"/>
-            <a:ext cx="11097551" cy="1332000"/>
-          </a:xfrm>
-        </p:spPr>
-        <p:txBody>
-          <a:bodyPr/>
-          <a:lstStyle/>
-          <a:p>
-            <a:r>
-              <a:rPr lang="en-US" dirty="0"/>
-              <a:t>Content 2 </a:t>
-            </a:r>
-          </a:p>
-        </p:txBody>
-      </p:sp>
-      <p:sp>
-        <p:nvSpPr>
-          <p:cNvPr id="8" name="Text Placeholder 7">
-            <a:extLst>
-              <a:ext uri="{FF2B5EF4-FFF2-40B4-BE49-F238E27FC236}">
-                <a16:creationId xmlns:a16="http://schemas.microsoft.com/office/drawing/2014/main" id="{ABA415A0-3B77-43FB-A408-5F1DA4B0AAFA}"/>
-              </a:ext>
-            </a:extLst>
-          </p:cNvPr>
-          <p:cNvSpPr>
-            <a:spLocks noGrp="1"/>
-          </p:cNvSpPr>
-          <p:nvPr>
-            <p:ph type="body" idx="1"/>
-          </p:nvPr>
-        </p:nvSpPr>
-        <p:spPr>
-          <a:xfrm>
-            <a:off x="550864" y="1731375"/>
-            <a:ext cx="3563936" cy="535354"/>
-          </a:xfrm>
-        </p:spPr>
-        <p:txBody>
-          <a:bodyPr/>
-          <a:lstStyle/>
-          <a:p>
-            <a:r>
-              <a:rPr lang="en-US" dirty="0"/>
-              <a:t>Subtitle</a:t>
-            </a:r>
-          </a:p>
-        </p:txBody>
-      </p:sp>
-      <p:sp>
-        <p:nvSpPr>
-          <p:cNvPr id="9" name="Content Placeholder 8">
-            <a:extLst>
-              <a:ext uri="{FF2B5EF4-FFF2-40B4-BE49-F238E27FC236}">
-                <a16:creationId xmlns:a16="http://schemas.microsoft.com/office/drawing/2014/main" id="{8598ECEC-4413-4244-8F21-0076EC511806}"/>
-              </a:ext>
-            </a:extLst>
-          </p:cNvPr>
-          <p:cNvSpPr>
-            <a:spLocks noGrp="1"/>
-          </p:cNvSpPr>
-          <p:nvPr>
-            <p:ph sz="half" idx="2"/>
-          </p:nvPr>
-        </p:nvSpPr>
-        <p:spPr>
-          <a:xfrm>
-            <a:off x="559476" y="2432304"/>
-            <a:ext cx="3563936" cy="3515555"/>
-          </a:xfrm>
-        </p:spPr>
-        <p:txBody>
-          <a:bodyPr>
-            <a:normAutofit fontScale="92500" lnSpcReduction="20000"/>
-          </a:bodyPr>
-          <a:lstStyle/>
-          <a:p>
-            <a:pPr lvl="0"/>
-            <a:r>
-              <a:rPr lang="en-US" dirty="0"/>
-              <a:t>Add text, images, art, and videos. </a:t>
-            </a:r>
-          </a:p>
-          <a:p>
-            <a:pPr lvl="0"/>
-            <a:r>
-              <a:rPr lang="en-US" dirty="0"/>
-              <a:t>Add transitions, animations, and motion. </a:t>
-            </a:r>
-          </a:p>
-          <a:p>
-            <a:pPr lvl="0"/>
-            <a:r>
-              <a:rPr lang="en-US" dirty="0"/>
-              <a:t>Save to OneDrive, to get to your presentations from your computer, tablet, or phone. </a:t>
-            </a:r>
-          </a:p>
-          <a:p>
-            <a:r>
-              <a:rPr lang="en-US" dirty="0"/>
-              <a:t>Open the Design Ideas pane for instant slide makeovers. </a:t>
-            </a:r>
-          </a:p>
-          <a:p>
-            <a:r>
-              <a:rPr lang="en-US" dirty="0"/>
-              <a:t>When we have design ideas, we’ll show them to you right there. </a:t>
-            </a:r>
-          </a:p>
-          <a:p>
-            <a:pPr lvl="0"/>
-            <a:endParaRPr lang="en-US" dirty="0"/>
-          </a:p>
-          <a:p>
-            <a:endParaRPr lang="en-US" dirty="0"/>
-          </a:p>
-        </p:txBody>
-      </p:sp>
-      <p:sp>
-        <p:nvSpPr>
-          <p:cNvPr id="12" name="Text Placeholder 11">
-            <a:extLst>
-              <a:ext uri="{FF2B5EF4-FFF2-40B4-BE49-F238E27FC236}">
-                <a16:creationId xmlns:a16="http://schemas.microsoft.com/office/drawing/2014/main" id="{3A63626D-0E6E-4023-ABFC-A744C9862159}"/>
-              </a:ext>
-            </a:extLst>
-          </p:cNvPr>
-          <p:cNvSpPr>
-            <a:spLocks noGrp="1"/>
-          </p:cNvSpPr>
-          <p:nvPr>
-            <p:ph type="body" sz="quarter" idx="13"/>
-          </p:nvPr>
-        </p:nvSpPr>
-        <p:spPr>
-          <a:xfrm>
-            <a:off x="4341573" y="1731375"/>
-            <a:ext cx="3566160" cy="535354"/>
-          </a:xfrm>
-        </p:spPr>
-        <p:txBody>
-          <a:bodyPr/>
-          <a:lstStyle/>
-          <a:p>
-            <a:r>
-              <a:rPr lang="en-US" dirty="0"/>
-              <a:t>subtitle</a:t>
-            </a:r>
-          </a:p>
-        </p:txBody>
-      </p:sp>
-      <p:sp>
-        <p:nvSpPr>
-          <p:cNvPr id="13" name="Content Placeholder 12">
-            <a:extLst>
-              <a:ext uri="{FF2B5EF4-FFF2-40B4-BE49-F238E27FC236}">
-                <a16:creationId xmlns:a16="http://schemas.microsoft.com/office/drawing/2014/main" id="{258E9390-685C-4BAD-BFAD-EC56E81C4745}"/>
-              </a:ext>
-            </a:extLst>
-          </p:cNvPr>
-          <p:cNvSpPr>
-            <a:spLocks noGrp="1"/>
-          </p:cNvSpPr>
-          <p:nvPr>
-            <p:ph sz="quarter" idx="14"/>
-          </p:nvPr>
-        </p:nvSpPr>
-        <p:spPr>
-          <a:xfrm>
-            <a:off x="4341573" y="2427370"/>
-            <a:ext cx="3508755" cy="3515555"/>
-          </a:xfrm>
-        </p:spPr>
-        <p:txBody>
-          <a:bodyPr>
-            <a:normAutofit lnSpcReduction="10000"/>
-          </a:bodyPr>
-          <a:lstStyle/>
-          <a:p>
-            <a:pPr lvl="0"/>
-            <a:r>
-              <a:rPr lang="en-US" dirty="0"/>
-              <a:t>Add text, images, art, and videos. </a:t>
-            </a:r>
-          </a:p>
-          <a:p>
-            <a:pPr lvl="0"/>
-            <a:r>
-              <a:rPr lang="en-US" dirty="0"/>
-              <a:t>Add transitions, animations, and motion. </a:t>
-            </a:r>
-          </a:p>
-          <a:p>
-            <a:pPr lvl="0"/>
-            <a:r>
-              <a:rPr lang="en-US" dirty="0"/>
-              <a:t>Save to OneDrive, to get to your presentations from your computer, tablet, or phone. </a:t>
-            </a:r>
-          </a:p>
-          <a:p>
-            <a:r>
-              <a:rPr lang="en-US" dirty="0"/>
-              <a:t>Open the Design Ideas pane for instant slide makeovers. </a:t>
-            </a:r>
-          </a:p>
-          <a:p>
-            <a:r>
-              <a:rPr lang="en-US" dirty="0"/>
-              <a:t>When we have design ideas, we’ll show them to you right there.</a:t>
-            </a:r>
-          </a:p>
-        </p:txBody>
-      </p:sp>
-      <p:sp>
-        <p:nvSpPr>
-          <p:cNvPr id="10" name="Text Placeholder 9">
-            <a:extLst>
-              <a:ext uri="{FF2B5EF4-FFF2-40B4-BE49-F238E27FC236}">
-                <a16:creationId xmlns:a16="http://schemas.microsoft.com/office/drawing/2014/main" id="{34A9BC34-CFDB-4D7A-8D6C-1CE608D0909F}"/>
-              </a:ext>
-            </a:extLst>
-          </p:cNvPr>
-          <p:cNvSpPr>
-            <a:spLocks noGrp="1"/>
-          </p:cNvSpPr>
-          <p:nvPr>
-            <p:ph type="body" sz="quarter" idx="3"/>
-          </p:nvPr>
-        </p:nvSpPr>
-        <p:spPr>
-          <a:xfrm>
-            <a:off x="8139659" y="1731375"/>
-            <a:ext cx="3566160" cy="535354"/>
-          </a:xfrm>
-        </p:spPr>
-        <p:txBody>
-          <a:bodyPr/>
-          <a:lstStyle/>
-          <a:p>
-            <a:r>
-              <a:rPr lang="en-US"/>
-              <a:t>subtitle</a:t>
-            </a:r>
-            <a:endParaRPr lang="en-US" dirty="0"/>
-          </a:p>
-        </p:txBody>
-      </p:sp>
-      <p:sp>
-        <p:nvSpPr>
-          <p:cNvPr id="11" name="Content Placeholder 10">
-            <a:extLst>
-              <a:ext uri="{FF2B5EF4-FFF2-40B4-BE49-F238E27FC236}">
-                <a16:creationId xmlns:a16="http://schemas.microsoft.com/office/drawing/2014/main" id="{1D014E48-5DD9-49CE-AD5B-0FEF69204F68}"/>
-              </a:ext>
-            </a:extLst>
-          </p:cNvPr>
-          <p:cNvSpPr>
-            <a:spLocks noGrp="1"/>
-          </p:cNvSpPr>
-          <p:nvPr>
-            <p:ph sz="quarter" idx="4"/>
-          </p:nvPr>
-        </p:nvSpPr>
-        <p:spPr>
-          <a:xfrm>
-            <a:off x="8139659" y="2427370"/>
-            <a:ext cx="3508755" cy="3515555"/>
-          </a:xfrm>
-        </p:spPr>
-        <p:txBody>
-          <a:bodyPr>
-            <a:normAutofit lnSpcReduction="10000"/>
-          </a:bodyPr>
-          <a:lstStyle/>
-          <a:p>
-            <a:pPr lvl="0"/>
-            <a:r>
-              <a:rPr lang="en-US" dirty="0"/>
-              <a:t>Add text, images, art, and videos. </a:t>
-            </a:r>
-          </a:p>
-          <a:p>
-            <a:pPr lvl="0"/>
-            <a:r>
-              <a:rPr lang="en-US" dirty="0"/>
-              <a:t>Add transitions, animations, and motion. </a:t>
-            </a:r>
-          </a:p>
-          <a:p>
-            <a:pPr lvl="0"/>
-            <a:r>
-              <a:rPr lang="en-US" dirty="0"/>
-              <a:t>Save to OneDrive, to get to your presentations from your computer, tablet, or phone. </a:t>
-            </a:r>
-          </a:p>
-          <a:p>
-            <a:r>
-              <a:rPr lang="en-US" dirty="0"/>
-              <a:t>Open the Design Ideas pane for instant slide makeovers. </a:t>
-            </a:r>
-          </a:p>
-          <a:p>
-            <a:r>
-              <a:rPr lang="en-US" dirty="0"/>
-              <a:t>When we have design ideas, we’ll show them to you right there.</a:t>
-            </a:r>
-          </a:p>
-        </p:txBody>
-      </p:sp>
-      <p:sp>
-        <p:nvSpPr>
-          <p:cNvPr id="14" name="Date Placeholder 13">
-            <a:extLst>
-              <a:ext uri="{FF2B5EF4-FFF2-40B4-BE49-F238E27FC236}">
-                <a16:creationId xmlns:a16="http://schemas.microsoft.com/office/drawing/2014/main" id="{D236478C-E242-44E0-8357-C72C9B588CA7}"/>
-              </a:ext>
-            </a:extLst>
-          </p:cNvPr>
-          <p:cNvSpPr>
-            <a:spLocks noGrp="1"/>
-          </p:cNvSpPr>
-          <p:nvPr>
-            <p:ph type="dt" sz="half" idx="10"/>
-          </p:nvPr>
-        </p:nvSpPr>
-        <p:spPr>
-          <a:xfrm>
-            <a:off x="550863" y="6507212"/>
-            <a:ext cx="2628900" cy="153888"/>
-          </a:xfrm>
-        </p:spPr>
-        <p:txBody>
-          <a:bodyPr/>
-          <a:lstStyle/>
-          <a:p>
-            <a:r>
-              <a:rPr lang="en-US"/>
-              <a:t>Tuesday, February 2, 20XX</a:t>
-            </a:r>
-            <a:endParaRPr lang="en-US" dirty="0"/>
-          </a:p>
-        </p:txBody>
-      </p:sp>
-      <p:sp>
-        <p:nvSpPr>
-          <p:cNvPr id="15" name="Footer Placeholder 14">
-            <a:extLst>
-              <a:ext uri="{FF2B5EF4-FFF2-40B4-BE49-F238E27FC236}">
-                <a16:creationId xmlns:a16="http://schemas.microsoft.com/office/drawing/2014/main" id="{65A6DC02-681E-4AF7-AC6E-57CDDB2FBA28}"/>
-              </a:ext>
-            </a:extLst>
-          </p:cNvPr>
-          <p:cNvSpPr>
-            <a:spLocks noGrp="1"/>
-          </p:cNvSpPr>
-          <p:nvPr>
-            <p:ph type="ftr" sz="quarter" idx="11"/>
-          </p:nvPr>
-        </p:nvSpPr>
-        <p:spPr>
-          <a:xfrm>
-            <a:off x="3359150" y="6507212"/>
-            <a:ext cx="6379210" cy="153888"/>
-          </a:xfrm>
-        </p:spPr>
-        <p:txBody>
-          <a:bodyPr/>
-          <a:lstStyle/>
-          <a:p>
-            <a:r>
-              <a:rPr lang="en-US"/>
-              <a:t>Sample Footer Text</a:t>
-            </a:r>
-          </a:p>
-        </p:txBody>
-      </p:sp>
-      <p:sp>
-        <p:nvSpPr>
-          <p:cNvPr id="16" name="Slide Number Placeholder 15">
-            <a:extLst>
-              <a:ext uri="{FF2B5EF4-FFF2-40B4-BE49-F238E27FC236}">
-                <a16:creationId xmlns:a16="http://schemas.microsoft.com/office/drawing/2014/main" id="{CF0A8666-4477-461C-A79D-E91232EE973E}"/>
-              </a:ext>
-            </a:extLst>
-          </p:cNvPr>
-          <p:cNvSpPr>
-            <a:spLocks noGrp="1"/>
-          </p:cNvSpPr>
-          <p:nvPr>
-            <p:ph type="sldNum" sz="quarter" idx="12"/>
-          </p:nvPr>
-        </p:nvSpPr>
-        <p:spPr>
-          <a:xfrm>
-            <a:off x="9948863" y="6507212"/>
-            <a:ext cx="1692274" cy="153888"/>
-          </a:xfrm>
-        </p:spPr>
-        <p:txBody>
-          <a:bodyPr/>
-          <a:lstStyle/>
-          <a:p>
-            <a:fld id="{DBA1B0FB-D917-4C8C-928F-313BD683BF39}" type="slidenum">
-              <a:rPr lang="en-US" smtClean="0"/>
-              <a:pPr/>
-              <a:t>17</a:t>
-            </a:fld>
-            <a:endParaRPr lang="en-US"/>
-          </a:p>
-        </p:txBody>
-      </p:sp>
-    </p:spTree>
-    <p:extLst>
-      <p:ext uri="{BB962C8B-B14F-4D97-AF65-F5344CB8AC3E}">
-        <p14:creationId xmlns:p14="http://schemas.microsoft.com/office/powerpoint/2010/main" val="1420547054"/>
-      </p:ext>
-    </p:extLst>
-  </p:cSld>
-  <p:clrMapOvr>
-    <a:masterClrMapping/>
-  </p:clrMapOvr>
-</p:sld>
-</file>
-
-<file path=ppt/slides/slide18.xml><?xml version="1.0" encoding="utf-8"?>
-<p:sld xmlns:a="http://schemas.openxmlformats.org/drawingml/2006/main" xmlns:r="http://schemas.openxmlformats.org/officeDocument/2006/relationships" xmlns:p="http://schemas.openxmlformats.org/presentationml/2006/main">
-  <p:cSld>
-    <p:spTree>
-      <p:nvGrpSpPr>
-        <p:cNvPr id="1" name=""/>
-        <p:cNvGrpSpPr/>
-        <p:nvPr/>
-      </p:nvGrpSpPr>
-      <p:grpSpPr>
-        <a:xfrm>
-          <a:off x="0" y="0"/>
-          <a:ext cx="0" cy="0"/>
-          <a:chOff x="0" y="0"/>
-          <a:chExt cx="0" cy="0"/>
-        </a:xfrm>
-      </p:grpSpPr>
-      <p:sp>
-        <p:nvSpPr>
-          <p:cNvPr id="11" name="Title 10">
-            <a:extLst>
-              <a:ext uri="{FF2B5EF4-FFF2-40B4-BE49-F238E27FC236}">
-                <a16:creationId xmlns:a16="http://schemas.microsoft.com/office/drawing/2014/main" id="{581E8936-2270-47FE-94A4-398CB123EF90}"/>
-              </a:ext>
-            </a:extLst>
-          </p:cNvPr>
-          <p:cNvSpPr>
-            <a:spLocks noGrp="1"/>
-          </p:cNvSpPr>
-          <p:nvPr>
-            <p:ph type="title"/>
-          </p:nvPr>
-        </p:nvSpPr>
-        <p:spPr>
-          <a:xfrm>
-            <a:off x="550863" y="4508500"/>
-            <a:ext cx="4500562" cy="1562959"/>
-          </a:xfrm>
-        </p:spPr>
-        <p:txBody>
-          <a:bodyPr/>
-          <a:lstStyle/>
-          <a:p>
-            <a:r>
-              <a:rPr lang="en-US" dirty="0"/>
-              <a:t>Summary</a:t>
-            </a:r>
-          </a:p>
-        </p:txBody>
-      </p:sp>
-      <p:pic>
-        <p:nvPicPr>
-          <p:cNvPr id="16" name="Picture Placeholder 15" descr="Data Points Digital background">
-            <a:extLst>
-              <a:ext uri="{FF2B5EF4-FFF2-40B4-BE49-F238E27FC236}">
-                <a16:creationId xmlns:a16="http://schemas.microsoft.com/office/drawing/2014/main" id="{361E9ADB-7377-4CF1-9AE4-AEFBDEBEEEEC}"/>
-              </a:ext>
-            </a:extLst>
-          </p:cNvPr>
-          <p:cNvPicPr>
-            <a:picLocks noGrp="1" noChangeAspect="1"/>
-          </p:cNvPicPr>
-          <p:nvPr>
-            <p:ph type="pic" sz="quarter" idx="13"/>
-          </p:nvPr>
-        </p:nvPicPr>
-        <p:blipFill rotWithShape="1">
-          <a:blip r:embed="rId3" cstate="screen">
-            <a:extLst>
-              <a:ext uri="{28A0092B-C50C-407E-A947-70E740481C1C}">
-                <a14:useLocalDpi xmlns:a14="http://schemas.microsoft.com/office/drawing/2010/main" val="0"/>
-              </a:ext>
-            </a:extLst>
-          </a:blip>
-          <a:srcRect/>
-          <a:stretch/>
-        </p:blipFill>
-        <p:spPr>
-          <a:xfrm>
-            <a:off x="0" y="0"/>
-            <a:ext cx="12192000" cy="3776472"/>
-          </a:xfrm>
-        </p:spPr>
-      </p:pic>
-      <p:sp>
-        <p:nvSpPr>
-          <p:cNvPr id="13" name="Content Placeholder 12">
-            <a:extLst>
-              <a:ext uri="{FF2B5EF4-FFF2-40B4-BE49-F238E27FC236}">
-                <a16:creationId xmlns:a16="http://schemas.microsoft.com/office/drawing/2014/main" id="{C0287FEC-3826-4868-8D93-52429C6156F5}"/>
-              </a:ext>
-            </a:extLst>
-          </p:cNvPr>
-          <p:cNvSpPr>
-            <a:spLocks noGrp="1"/>
-          </p:cNvSpPr>
-          <p:nvPr>
-            <p:ph sz="quarter" idx="15"/>
-          </p:nvPr>
-        </p:nvSpPr>
-        <p:spPr>
-          <a:xfrm>
-            <a:off x="5262411" y="4508500"/>
-            <a:ext cx="6221412" cy="1563688"/>
-          </a:xfrm>
-        </p:spPr>
-        <p:txBody>
-          <a:bodyPr>
-            <a:normAutofit lnSpcReduction="10000"/>
-          </a:bodyPr>
-          <a:lstStyle/>
-          <a:p>
-            <a:r>
-              <a:rPr lang="en-US" dirty="0"/>
-              <a:t>With PowerPoint, you can create presentations and share your work with others, wherever they are. Type the text you want here to get started. You can also add images, art, and videos on this template. Save to OneDrive and access your presentations from your computer, tablet, or phone. </a:t>
-            </a:r>
-          </a:p>
-        </p:txBody>
-      </p:sp>
-      <p:sp>
-        <p:nvSpPr>
-          <p:cNvPr id="4" name="Date Placeholder 3">
-            <a:extLst>
-              <a:ext uri="{FF2B5EF4-FFF2-40B4-BE49-F238E27FC236}">
-                <a16:creationId xmlns:a16="http://schemas.microsoft.com/office/drawing/2014/main" id="{0C329F70-04F7-4C70-BCF8-D4371F54EF2F}"/>
-              </a:ext>
-            </a:extLst>
-          </p:cNvPr>
-          <p:cNvSpPr>
-            <a:spLocks noGrp="1"/>
-          </p:cNvSpPr>
-          <p:nvPr>
-            <p:ph type="dt" sz="half" idx="10"/>
-          </p:nvPr>
-        </p:nvSpPr>
-        <p:spPr>
-          <a:xfrm>
-            <a:off x="550863" y="6507212"/>
-            <a:ext cx="2628900" cy="153888"/>
-          </a:xfrm>
-        </p:spPr>
-        <p:txBody>
-          <a:bodyPr/>
-          <a:lstStyle/>
-          <a:p>
-            <a:r>
-              <a:rPr lang="en-US"/>
-              <a:t>Tuesday, February 2, 20XX</a:t>
-            </a:r>
-            <a:endParaRPr lang="en-US" dirty="0"/>
-          </a:p>
-        </p:txBody>
-      </p:sp>
-      <p:sp>
-        <p:nvSpPr>
-          <p:cNvPr id="5" name="Footer Placeholder 4">
-            <a:extLst>
-              <a:ext uri="{FF2B5EF4-FFF2-40B4-BE49-F238E27FC236}">
-                <a16:creationId xmlns:a16="http://schemas.microsoft.com/office/drawing/2014/main" id="{06A3302E-502D-4151-81C9-5FD6AF9596D6}"/>
-              </a:ext>
-            </a:extLst>
-          </p:cNvPr>
-          <p:cNvSpPr>
-            <a:spLocks noGrp="1"/>
-          </p:cNvSpPr>
-          <p:nvPr>
-            <p:ph type="ftr" sz="quarter" idx="11"/>
-          </p:nvPr>
-        </p:nvSpPr>
-        <p:spPr>
-          <a:xfrm>
-            <a:off x="3359150" y="6507212"/>
-            <a:ext cx="6379210" cy="153888"/>
-          </a:xfrm>
-        </p:spPr>
-        <p:txBody>
-          <a:bodyPr/>
-          <a:lstStyle/>
-          <a:p>
-            <a:r>
-              <a:rPr lang="en-US"/>
-              <a:t>Sample Footer Text</a:t>
-            </a:r>
-          </a:p>
-        </p:txBody>
-      </p:sp>
-      <p:sp>
-        <p:nvSpPr>
-          <p:cNvPr id="6" name="Slide Number Placeholder 5">
-            <a:extLst>
-              <a:ext uri="{FF2B5EF4-FFF2-40B4-BE49-F238E27FC236}">
-                <a16:creationId xmlns:a16="http://schemas.microsoft.com/office/drawing/2014/main" id="{9ED907F8-C614-4D59-A03F-BF9CD5E35703}"/>
-              </a:ext>
-            </a:extLst>
-          </p:cNvPr>
-          <p:cNvSpPr>
-            <a:spLocks noGrp="1"/>
-          </p:cNvSpPr>
-          <p:nvPr>
-            <p:ph type="sldNum" sz="quarter" idx="12"/>
-          </p:nvPr>
-        </p:nvSpPr>
-        <p:spPr>
-          <a:xfrm>
-            <a:off x="9948863" y="6507212"/>
-            <a:ext cx="1692274" cy="153888"/>
-          </a:xfrm>
-        </p:spPr>
-        <p:txBody>
-          <a:bodyPr/>
-          <a:lstStyle/>
-          <a:p>
-            <a:fld id="{DBA1B0FB-D917-4C8C-928F-313BD683BF39}" type="slidenum">
-              <a:rPr lang="en-US" smtClean="0"/>
-              <a:pPr/>
-              <a:t>18</a:t>
-            </a:fld>
-            <a:endParaRPr lang="en-US"/>
-          </a:p>
-        </p:txBody>
-      </p:sp>
-    </p:spTree>
-    <p:extLst>
-      <p:ext uri="{BB962C8B-B14F-4D97-AF65-F5344CB8AC3E}">
-        <p14:creationId xmlns:p14="http://schemas.microsoft.com/office/powerpoint/2010/main" val="3521561301"/>
-      </p:ext>
-    </p:extLst>
-  </p:cSld>
-  <p:clrMapOvr>
-    <a:masterClrMapping/>
-  </p:clrMapOvr>
-</p:sld>
-</file>
-
-<file path=ppt/slides/slide19.xml><?xml version="1.0" encoding="utf-8"?>
-<p:sld xmlns:a="http://schemas.openxmlformats.org/drawingml/2006/main" xmlns:r="http://schemas.openxmlformats.org/officeDocument/2006/relationships" xmlns:p="http://schemas.openxmlformats.org/presentationml/2006/main">
-  <p:cSld>
-    <p:spTree>
-      <p:nvGrpSpPr>
-        <p:cNvPr id="1" name=""/>
-        <p:cNvGrpSpPr/>
-        <p:nvPr/>
-      </p:nvGrpSpPr>
-      <p:grpSpPr>
-        <a:xfrm>
-          <a:off x="0" y="0"/>
-          <a:ext cx="0" cy="0"/>
-          <a:chOff x="0" y="0"/>
-          <a:chExt cx="0" cy="0"/>
-        </a:xfrm>
-      </p:grpSpPr>
-      <p:sp>
-        <p:nvSpPr>
-          <p:cNvPr id="22" name="Title 21">
-            <a:extLst>
-              <a:ext uri="{FF2B5EF4-FFF2-40B4-BE49-F238E27FC236}">
-                <a16:creationId xmlns:a16="http://schemas.microsoft.com/office/drawing/2014/main" id="{F8FAEED9-1ECD-45F9-87A0-9394BAEABB79}"/>
-              </a:ext>
-            </a:extLst>
-          </p:cNvPr>
-          <p:cNvSpPr>
-            <a:spLocks noGrp="1"/>
-          </p:cNvSpPr>
-          <p:nvPr>
-            <p:ph type="ctrTitle"/>
-          </p:nvPr>
-        </p:nvSpPr>
-        <p:spPr>
-          <a:xfrm>
-            <a:off x="550863" y="549275"/>
-            <a:ext cx="5437187" cy="2986234"/>
-          </a:xfrm>
-        </p:spPr>
-        <p:txBody>
-          <a:bodyPr/>
-          <a:lstStyle/>
-          <a:p>
-            <a:r>
-              <a:rPr lang="en-US" dirty="0"/>
-              <a:t>Thank You</a:t>
-            </a:r>
-          </a:p>
-        </p:txBody>
-      </p:sp>
-      <p:pic>
-        <p:nvPicPr>
-          <p:cNvPr id="27" name="Picture Placeholder 26" descr="Data Points Digital background">
-            <a:extLst>
-              <a:ext uri="{FF2B5EF4-FFF2-40B4-BE49-F238E27FC236}">
-                <a16:creationId xmlns:a16="http://schemas.microsoft.com/office/drawing/2014/main" id="{9E660784-34E2-4CDA-926A-DDD6AAF35046}"/>
-              </a:ext>
-            </a:extLst>
-          </p:cNvPr>
-          <p:cNvPicPr>
-            <a:picLocks noGrp="1" noChangeAspect="1"/>
-          </p:cNvPicPr>
-          <p:nvPr>
-            <p:ph type="pic" sz="quarter" idx="15"/>
-          </p:nvPr>
-        </p:nvPicPr>
-        <p:blipFill rotWithShape="1">
-          <a:blip r:embed="rId2" cstate="screen">
-            <a:extLst>
-              <a:ext uri="{28A0092B-C50C-407E-A947-70E740481C1C}">
-                <a14:useLocalDpi xmlns:a14="http://schemas.microsoft.com/office/drawing/2010/main" val="0"/>
-              </a:ext>
-            </a:extLst>
-          </a:blip>
-          <a:srcRect/>
-          <a:stretch/>
-        </p:blipFill>
-        <p:spPr>
-          <a:xfrm>
-            <a:off x="6556248" y="548640"/>
-            <a:ext cx="5084064" cy="2880360"/>
-          </a:xfrm>
-        </p:spPr>
-      </p:pic>
-      <p:pic>
-        <p:nvPicPr>
-          <p:cNvPr id="33" name="Picture Placeholder 32" descr="Data Points Digital background">
-            <a:extLst>
-              <a:ext uri="{FF2B5EF4-FFF2-40B4-BE49-F238E27FC236}">
-                <a16:creationId xmlns:a16="http://schemas.microsoft.com/office/drawing/2014/main" id="{48106962-23C6-4DFE-BB3A-E5FFF03F38CE}"/>
-              </a:ext>
-            </a:extLst>
-          </p:cNvPr>
-          <p:cNvPicPr>
-            <a:picLocks noGrp="1" noChangeAspect="1"/>
-          </p:cNvPicPr>
-          <p:nvPr>
-            <p:ph type="pic" sz="quarter" idx="16"/>
-          </p:nvPr>
-        </p:nvPicPr>
-        <p:blipFill rotWithShape="1">
-          <a:blip r:embed="rId3" cstate="screen">
-            <a:extLst>
-              <a:ext uri="{28A0092B-C50C-407E-A947-70E740481C1C}">
-                <a14:useLocalDpi xmlns:a14="http://schemas.microsoft.com/office/drawing/2010/main" val="0"/>
-              </a:ext>
-            </a:extLst>
-          </a:blip>
-          <a:srcRect/>
-          <a:stretch/>
-        </p:blipFill>
-        <p:spPr>
-          <a:xfrm>
-            <a:off x="6556248" y="3429000"/>
-            <a:ext cx="5084064" cy="2880360"/>
-          </a:xfrm>
-        </p:spPr>
-      </p:pic>
-      <p:sp>
-        <p:nvSpPr>
-          <p:cNvPr id="6" name="Slide Number Placeholder 5">
-            <a:extLst>
-              <a:ext uri="{FF2B5EF4-FFF2-40B4-BE49-F238E27FC236}">
-                <a16:creationId xmlns:a16="http://schemas.microsoft.com/office/drawing/2014/main" id="{36E60F23-FB58-4EF8-82FD-E86CED25FDD4}"/>
-              </a:ext>
-            </a:extLst>
-          </p:cNvPr>
-          <p:cNvSpPr>
-            <a:spLocks noGrp="1"/>
-          </p:cNvSpPr>
-          <p:nvPr>
-            <p:ph type="sldNum" sz="quarter" idx="12"/>
-          </p:nvPr>
-        </p:nvSpPr>
-        <p:spPr>
-          <a:xfrm>
-            <a:off x="9948863" y="6507212"/>
-            <a:ext cx="1692274" cy="153888"/>
-          </a:xfrm>
-        </p:spPr>
-        <p:txBody>
-          <a:bodyPr/>
-          <a:lstStyle/>
-          <a:p>
-            <a:fld id="{DBA1B0FB-D917-4C8C-928F-313BD683BF39}" type="slidenum">
-              <a:rPr lang="en-US" smtClean="0"/>
-              <a:pPr/>
-              <a:t>19</a:t>
-            </a:fld>
-            <a:endParaRPr lang="en-US"/>
-          </a:p>
-        </p:txBody>
-      </p:sp>
-    </p:spTree>
-    <p:extLst>
-      <p:ext uri="{BB962C8B-B14F-4D97-AF65-F5344CB8AC3E}">
-        <p14:creationId xmlns:p14="http://schemas.microsoft.com/office/powerpoint/2010/main" val="3247798845"/>
       </p:ext>
     </p:extLst>
   </p:cSld>
@@ -25105,6 +27228,864 @@
 </p:sld>
 </file>
 
+<file path=ppt/slides/slide20.xml><?xml version="1.0" encoding="utf-8"?>
+<p:sld xmlns:a="http://schemas.openxmlformats.org/drawingml/2006/main" xmlns:r="http://schemas.openxmlformats.org/officeDocument/2006/relationships" xmlns:p="http://schemas.openxmlformats.org/presentationml/2006/main">
+  <p:cSld>
+    <p:spTree>
+      <p:nvGrpSpPr>
+        <p:cNvPr id="1" name=""/>
+        <p:cNvGrpSpPr/>
+        <p:nvPr/>
+      </p:nvGrpSpPr>
+      <p:grpSpPr>
+        <a:xfrm>
+          <a:off x="0" y="0"/>
+          <a:ext cx="0" cy="0"/>
+          <a:chOff x="0" y="0"/>
+          <a:chExt cx="0" cy="0"/>
+        </a:xfrm>
+      </p:grpSpPr>
+      <p:sp>
+        <p:nvSpPr>
+          <p:cNvPr id="7" name="Title 6">
+            <a:extLst>
+              <a:ext uri="{FF2B5EF4-FFF2-40B4-BE49-F238E27FC236}">
+                <a16:creationId xmlns:a16="http://schemas.microsoft.com/office/drawing/2014/main" id="{47788B34-4190-4916-9048-47720EA5ABF1}"/>
+              </a:ext>
+            </a:extLst>
+          </p:cNvPr>
+          <p:cNvSpPr>
+            <a:spLocks noGrp="1"/>
+          </p:cNvSpPr>
+          <p:nvPr>
+            <p:ph type="title"/>
+          </p:nvPr>
+        </p:nvSpPr>
+        <p:spPr>
+          <a:xfrm>
+            <a:off x="550862" y="549275"/>
+            <a:ext cx="11097551" cy="1332000"/>
+          </a:xfrm>
+        </p:spPr>
+        <p:txBody>
+          <a:bodyPr/>
+          <a:lstStyle/>
+          <a:p>
+            <a:r>
+              <a:rPr lang="en-US" dirty="0"/>
+              <a:t>Content 2 </a:t>
+            </a:r>
+          </a:p>
+        </p:txBody>
+      </p:sp>
+      <p:sp>
+        <p:nvSpPr>
+          <p:cNvPr id="8" name="Text Placeholder 7">
+            <a:extLst>
+              <a:ext uri="{FF2B5EF4-FFF2-40B4-BE49-F238E27FC236}">
+                <a16:creationId xmlns:a16="http://schemas.microsoft.com/office/drawing/2014/main" id="{ABA415A0-3B77-43FB-A408-5F1DA4B0AAFA}"/>
+              </a:ext>
+            </a:extLst>
+          </p:cNvPr>
+          <p:cNvSpPr>
+            <a:spLocks noGrp="1"/>
+          </p:cNvSpPr>
+          <p:nvPr>
+            <p:ph type="body" idx="1"/>
+          </p:nvPr>
+        </p:nvSpPr>
+        <p:spPr>
+          <a:xfrm>
+            <a:off x="550864" y="1731375"/>
+            <a:ext cx="3563936" cy="535354"/>
+          </a:xfrm>
+        </p:spPr>
+        <p:txBody>
+          <a:bodyPr/>
+          <a:lstStyle/>
+          <a:p>
+            <a:r>
+              <a:rPr lang="en-US" dirty="0"/>
+              <a:t>Subtitle</a:t>
+            </a:r>
+          </a:p>
+        </p:txBody>
+      </p:sp>
+      <p:sp>
+        <p:nvSpPr>
+          <p:cNvPr id="9" name="Content Placeholder 8">
+            <a:extLst>
+              <a:ext uri="{FF2B5EF4-FFF2-40B4-BE49-F238E27FC236}">
+                <a16:creationId xmlns:a16="http://schemas.microsoft.com/office/drawing/2014/main" id="{8598ECEC-4413-4244-8F21-0076EC511806}"/>
+              </a:ext>
+            </a:extLst>
+          </p:cNvPr>
+          <p:cNvSpPr>
+            <a:spLocks noGrp="1"/>
+          </p:cNvSpPr>
+          <p:nvPr>
+            <p:ph sz="half" idx="2"/>
+          </p:nvPr>
+        </p:nvSpPr>
+        <p:spPr>
+          <a:xfrm>
+            <a:off x="559476" y="2432304"/>
+            <a:ext cx="3563936" cy="3515555"/>
+          </a:xfrm>
+        </p:spPr>
+        <p:txBody>
+          <a:bodyPr>
+            <a:normAutofit fontScale="92500" lnSpcReduction="20000"/>
+          </a:bodyPr>
+          <a:lstStyle/>
+          <a:p>
+            <a:pPr lvl="0"/>
+            <a:r>
+              <a:rPr lang="en-US" dirty="0"/>
+              <a:t>Add text, images, art, and videos. </a:t>
+            </a:r>
+          </a:p>
+          <a:p>
+            <a:pPr lvl="0"/>
+            <a:r>
+              <a:rPr lang="en-US" dirty="0"/>
+              <a:t>Add transitions, animations, and motion. </a:t>
+            </a:r>
+          </a:p>
+          <a:p>
+            <a:pPr lvl="0"/>
+            <a:r>
+              <a:rPr lang="en-US" dirty="0"/>
+              <a:t>Save to OneDrive, to get to your presentations from your computer, tablet, or phone. </a:t>
+            </a:r>
+          </a:p>
+          <a:p>
+            <a:r>
+              <a:rPr lang="en-US" dirty="0"/>
+              <a:t>Open the Design Ideas pane for instant slide makeovers. </a:t>
+            </a:r>
+          </a:p>
+          <a:p>
+            <a:r>
+              <a:rPr lang="en-US" dirty="0"/>
+              <a:t>When we have design ideas, we’ll show them to you right there. </a:t>
+            </a:r>
+          </a:p>
+          <a:p>
+            <a:pPr lvl="0"/>
+            <a:endParaRPr lang="en-US" dirty="0"/>
+          </a:p>
+          <a:p>
+            <a:endParaRPr lang="en-US" dirty="0"/>
+          </a:p>
+        </p:txBody>
+      </p:sp>
+      <p:sp>
+        <p:nvSpPr>
+          <p:cNvPr id="12" name="Text Placeholder 11">
+            <a:extLst>
+              <a:ext uri="{FF2B5EF4-FFF2-40B4-BE49-F238E27FC236}">
+                <a16:creationId xmlns:a16="http://schemas.microsoft.com/office/drawing/2014/main" id="{3A63626D-0E6E-4023-ABFC-A744C9862159}"/>
+              </a:ext>
+            </a:extLst>
+          </p:cNvPr>
+          <p:cNvSpPr>
+            <a:spLocks noGrp="1"/>
+          </p:cNvSpPr>
+          <p:nvPr>
+            <p:ph type="body" sz="quarter" idx="13"/>
+          </p:nvPr>
+        </p:nvSpPr>
+        <p:spPr>
+          <a:xfrm>
+            <a:off x="4341573" y="1731375"/>
+            <a:ext cx="3566160" cy="535354"/>
+          </a:xfrm>
+        </p:spPr>
+        <p:txBody>
+          <a:bodyPr/>
+          <a:lstStyle/>
+          <a:p>
+            <a:r>
+              <a:rPr lang="en-US" dirty="0"/>
+              <a:t>subtitle</a:t>
+            </a:r>
+          </a:p>
+        </p:txBody>
+      </p:sp>
+      <p:sp>
+        <p:nvSpPr>
+          <p:cNvPr id="13" name="Content Placeholder 12">
+            <a:extLst>
+              <a:ext uri="{FF2B5EF4-FFF2-40B4-BE49-F238E27FC236}">
+                <a16:creationId xmlns:a16="http://schemas.microsoft.com/office/drawing/2014/main" id="{258E9390-685C-4BAD-BFAD-EC56E81C4745}"/>
+              </a:ext>
+            </a:extLst>
+          </p:cNvPr>
+          <p:cNvSpPr>
+            <a:spLocks noGrp="1"/>
+          </p:cNvSpPr>
+          <p:nvPr>
+            <p:ph sz="quarter" idx="14"/>
+          </p:nvPr>
+        </p:nvSpPr>
+        <p:spPr>
+          <a:xfrm>
+            <a:off x="4341573" y="2427370"/>
+            <a:ext cx="3508755" cy="3515555"/>
+          </a:xfrm>
+        </p:spPr>
+        <p:txBody>
+          <a:bodyPr>
+            <a:normAutofit lnSpcReduction="10000"/>
+          </a:bodyPr>
+          <a:lstStyle/>
+          <a:p>
+            <a:pPr lvl="0"/>
+            <a:r>
+              <a:rPr lang="en-US" dirty="0"/>
+              <a:t>Add text, images, art, and videos. </a:t>
+            </a:r>
+          </a:p>
+          <a:p>
+            <a:pPr lvl="0"/>
+            <a:r>
+              <a:rPr lang="en-US" dirty="0"/>
+              <a:t>Add transitions, animations, and motion. </a:t>
+            </a:r>
+          </a:p>
+          <a:p>
+            <a:pPr lvl="0"/>
+            <a:r>
+              <a:rPr lang="en-US" dirty="0"/>
+              <a:t>Save to OneDrive, to get to your presentations from your computer, tablet, or phone. </a:t>
+            </a:r>
+          </a:p>
+          <a:p>
+            <a:r>
+              <a:rPr lang="en-US" dirty="0"/>
+              <a:t>Open the Design Ideas pane for instant slide makeovers. </a:t>
+            </a:r>
+          </a:p>
+          <a:p>
+            <a:r>
+              <a:rPr lang="en-US" dirty="0"/>
+              <a:t>When we have design ideas, we’ll show them to you right there.</a:t>
+            </a:r>
+          </a:p>
+        </p:txBody>
+      </p:sp>
+      <p:sp>
+        <p:nvSpPr>
+          <p:cNvPr id="10" name="Text Placeholder 9">
+            <a:extLst>
+              <a:ext uri="{FF2B5EF4-FFF2-40B4-BE49-F238E27FC236}">
+                <a16:creationId xmlns:a16="http://schemas.microsoft.com/office/drawing/2014/main" id="{34A9BC34-CFDB-4D7A-8D6C-1CE608D0909F}"/>
+              </a:ext>
+            </a:extLst>
+          </p:cNvPr>
+          <p:cNvSpPr>
+            <a:spLocks noGrp="1"/>
+          </p:cNvSpPr>
+          <p:nvPr>
+            <p:ph type="body" sz="quarter" idx="3"/>
+          </p:nvPr>
+        </p:nvSpPr>
+        <p:spPr>
+          <a:xfrm>
+            <a:off x="8139659" y="1731375"/>
+            <a:ext cx="3566160" cy="535354"/>
+          </a:xfrm>
+        </p:spPr>
+        <p:txBody>
+          <a:bodyPr/>
+          <a:lstStyle/>
+          <a:p>
+            <a:r>
+              <a:rPr lang="en-US"/>
+              <a:t>subtitle</a:t>
+            </a:r>
+            <a:endParaRPr lang="en-US" dirty="0"/>
+          </a:p>
+        </p:txBody>
+      </p:sp>
+      <p:sp>
+        <p:nvSpPr>
+          <p:cNvPr id="11" name="Content Placeholder 10">
+            <a:extLst>
+              <a:ext uri="{FF2B5EF4-FFF2-40B4-BE49-F238E27FC236}">
+                <a16:creationId xmlns:a16="http://schemas.microsoft.com/office/drawing/2014/main" id="{1D014E48-5DD9-49CE-AD5B-0FEF69204F68}"/>
+              </a:ext>
+            </a:extLst>
+          </p:cNvPr>
+          <p:cNvSpPr>
+            <a:spLocks noGrp="1"/>
+          </p:cNvSpPr>
+          <p:nvPr>
+            <p:ph sz="quarter" idx="4"/>
+          </p:nvPr>
+        </p:nvSpPr>
+        <p:spPr>
+          <a:xfrm>
+            <a:off x="8139659" y="2427370"/>
+            <a:ext cx="3508755" cy="3515555"/>
+          </a:xfrm>
+        </p:spPr>
+        <p:txBody>
+          <a:bodyPr>
+            <a:normAutofit lnSpcReduction="10000"/>
+          </a:bodyPr>
+          <a:lstStyle/>
+          <a:p>
+            <a:pPr lvl="0"/>
+            <a:r>
+              <a:rPr lang="en-US" dirty="0"/>
+              <a:t>Add text, images, art, and videos. </a:t>
+            </a:r>
+          </a:p>
+          <a:p>
+            <a:pPr lvl="0"/>
+            <a:r>
+              <a:rPr lang="en-US" dirty="0"/>
+              <a:t>Add transitions, animations, and motion. </a:t>
+            </a:r>
+          </a:p>
+          <a:p>
+            <a:pPr lvl="0"/>
+            <a:r>
+              <a:rPr lang="en-US" dirty="0"/>
+              <a:t>Save to OneDrive, to get to your presentations from your computer, tablet, or phone. </a:t>
+            </a:r>
+          </a:p>
+          <a:p>
+            <a:r>
+              <a:rPr lang="en-US" dirty="0"/>
+              <a:t>Open the Design Ideas pane for instant slide makeovers. </a:t>
+            </a:r>
+          </a:p>
+          <a:p>
+            <a:r>
+              <a:rPr lang="en-US" dirty="0"/>
+              <a:t>When we have design ideas, we’ll show them to you right there.</a:t>
+            </a:r>
+          </a:p>
+        </p:txBody>
+      </p:sp>
+      <p:sp>
+        <p:nvSpPr>
+          <p:cNvPr id="14" name="Date Placeholder 13">
+            <a:extLst>
+              <a:ext uri="{FF2B5EF4-FFF2-40B4-BE49-F238E27FC236}">
+                <a16:creationId xmlns:a16="http://schemas.microsoft.com/office/drawing/2014/main" id="{D236478C-E242-44E0-8357-C72C9B588CA7}"/>
+              </a:ext>
+            </a:extLst>
+          </p:cNvPr>
+          <p:cNvSpPr>
+            <a:spLocks noGrp="1"/>
+          </p:cNvSpPr>
+          <p:nvPr>
+            <p:ph type="dt" sz="half" idx="10"/>
+          </p:nvPr>
+        </p:nvSpPr>
+        <p:spPr>
+          <a:xfrm>
+            <a:off x="550863" y="6507212"/>
+            <a:ext cx="2628900" cy="153888"/>
+          </a:xfrm>
+        </p:spPr>
+        <p:txBody>
+          <a:bodyPr/>
+          <a:lstStyle/>
+          <a:p>
+            <a:r>
+              <a:rPr lang="en-US"/>
+              <a:t>Tuesday, February 2, 20XX</a:t>
+            </a:r>
+            <a:endParaRPr lang="en-US" dirty="0"/>
+          </a:p>
+        </p:txBody>
+      </p:sp>
+      <p:sp>
+        <p:nvSpPr>
+          <p:cNvPr id="15" name="Footer Placeholder 14">
+            <a:extLst>
+              <a:ext uri="{FF2B5EF4-FFF2-40B4-BE49-F238E27FC236}">
+                <a16:creationId xmlns:a16="http://schemas.microsoft.com/office/drawing/2014/main" id="{65A6DC02-681E-4AF7-AC6E-57CDDB2FBA28}"/>
+              </a:ext>
+            </a:extLst>
+          </p:cNvPr>
+          <p:cNvSpPr>
+            <a:spLocks noGrp="1"/>
+          </p:cNvSpPr>
+          <p:nvPr>
+            <p:ph type="ftr" sz="quarter" idx="11"/>
+          </p:nvPr>
+        </p:nvSpPr>
+        <p:spPr>
+          <a:xfrm>
+            <a:off x="3359150" y="6507212"/>
+            <a:ext cx="6379210" cy="153888"/>
+          </a:xfrm>
+        </p:spPr>
+        <p:txBody>
+          <a:bodyPr/>
+          <a:lstStyle/>
+          <a:p>
+            <a:r>
+              <a:rPr lang="en-US"/>
+              <a:t>Sample Footer Text</a:t>
+            </a:r>
+          </a:p>
+        </p:txBody>
+      </p:sp>
+      <p:sp>
+        <p:nvSpPr>
+          <p:cNvPr id="16" name="Slide Number Placeholder 15">
+            <a:extLst>
+              <a:ext uri="{FF2B5EF4-FFF2-40B4-BE49-F238E27FC236}">
+                <a16:creationId xmlns:a16="http://schemas.microsoft.com/office/drawing/2014/main" id="{CF0A8666-4477-461C-A79D-E91232EE973E}"/>
+              </a:ext>
+            </a:extLst>
+          </p:cNvPr>
+          <p:cNvSpPr>
+            <a:spLocks noGrp="1"/>
+          </p:cNvSpPr>
+          <p:nvPr>
+            <p:ph type="sldNum" sz="quarter" idx="12"/>
+          </p:nvPr>
+        </p:nvSpPr>
+        <p:spPr>
+          <a:xfrm>
+            <a:off x="9948863" y="6507212"/>
+            <a:ext cx="1692274" cy="153888"/>
+          </a:xfrm>
+        </p:spPr>
+        <p:txBody>
+          <a:bodyPr/>
+          <a:lstStyle/>
+          <a:p>
+            <a:fld id="{DBA1B0FB-D917-4C8C-928F-313BD683BF39}" type="slidenum">
+              <a:rPr lang="en-US" smtClean="0"/>
+              <a:pPr/>
+              <a:t>20</a:t>
+            </a:fld>
+            <a:endParaRPr lang="en-US"/>
+          </a:p>
+        </p:txBody>
+      </p:sp>
+    </p:spTree>
+    <p:extLst>
+      <p:ext uri="{BB962C8B-B14F-4D97-AF65-F5344CB8AC3E}">
+        <p14:creationId xmlns:p14="http://schemas.microsoft.com/office/powerpoint/2010/main" val="1420547054"/>
+      </p:ext>
+    </p:extLst>
+  </p:cSld>
+  <p:clrMapOvr>
+    <a:masterClrMapping/>
+  </p:clrMapOvr>
+</p:sld>
+</file>
+
+<file path=ppt/slides/slide21.xml><?xml version="1.0" encoding="utf-8"?>
+<p:sld xmlns:a="http://schemas.openxmlformats.org/drawingml/2006/main" xmlns:r="http://schemas.openxmlformats.org/officeDocument/2006/relationships" xmlns:p="http://schemas.openxmlformats.org/presentationml/2006/main">
+  <p:cSld>
+    <p:spTree>
+      <p:nvGrpSpPr>
+        <p:cNvPr id="1" name=""/>
+        <p:cNvGrpSpPr/>
+        <p:nvPr/>
+      </p:nvGrpSpPr>
+      <p:grpSpPr>
+        <a:xfrm>
+          <a:off x="0" y="0"/>
+          <a:ext cx="0" cy="0"/>
+          <a:chOff x="0" y="0"/>
+          <a:chExt cx="0" cy="0"/>
+        </a:xfrm>
+      </p:grpSpPr>
+      <p:sp>
+        <p:nvSpPr>
+          <p:cNvPr id="11" name="Title 10">
+            <a:extLst>
+              <a:ext uri="{FF2B5EF4-FFF2-40B4-BE49-F238E27FC236}">
+                <a16:creationId xmlns:a16="http://schemas.microsoft.com/office/drawing/2014/main" id="{581E8936-2270-47FE-94A4-398CB123EF90}"/>
+              </a:ext>
+            </a:extLst>
+          </p:cNvPr>
+          <p:cNvSpPr>
+            <a:spLocks noGrp="1"/>
+          </p:cNvSpPr>
+          <p:nvPr>
+            <p:ph type="title"/>
+          </p:nvPr>
+        </p:nvSpPr>
+        <p:spPr>
+          <a:xfrm>
+            <a:off x="550863" y="4508500"/>
+            <a:ext cx="4500562" cy="1562959"/>
+          </a:xfrm>
+        </p:spPr>
+        <p:txBody>
+          <a:bodyPr/>
+          <a:lstStyle/>
+          <a:p>
+            <a:r>
+              <a:rPr lang="en-US" dirty="0"/>
+              <a:t>Summary</a:t>
+            </a:r>
+          </a:p>
+        </p:txBody>
+      </p:sp>
+      <p:pic>
+        <p:nvPicPr>
+          <p:cNvPr id="16" name="Picture Placeholder 15" descr="Data Points Digital background">
+            <a:extLst>
+              <a:ext uri="{FF2B5EF4-FFF2-40B4-BE49-F238E27FC236}">
+                <a16:creationId xmlns:a16="http://schemas.microsoft.com/office/drawing/2014/main" id="{361E9ADB-7377-4CF1-9AE4-AEFBDEBEEEEC}"/>
+              </a:ext>
+            </a:extLst>
+          </p:cNvPr>
+          <p:cNvPicPr>
+            <a:picLocks noGrp="1" noChangeAspect="1"/>
+          </p:cNvPicPr>
+          <p:nvPr>
+            <p:ph type="pic" sz="quarter" idx="13"/>
+          </p:nvPr>
+        </p:nvPicPr>
+        <p:blipFill rotWithShape="1">
+          <a:blip r:embed="rId3" cstate="screen">
+            <a:extLst>
+              <a:ext uri="{28A0092B-C50C-407E-A947-70E740481C1C}">
+                <a14:useLocalDpi xmlns:a14="http://schemas.microsoft.com/office/drawing/2010/main" val="0"/>
+              </a:ext>
+            </a:extLst>
+          </a:blip>
+          <a:srcRect/>
+          <a:stretch/>
+        </p:blipFill>
+        <p:spPr>
+          <a:xfrm>
+            <a:off x="0" y="0"/>
+            <a:ext cx="12192000" cy="3776472"/>
+          </a:xfrm>
+        </p:spPr>
+      </p:pic>
+      <p:sp>
+        <p:nvSpPr>
+          <p:cNvPr id="13" name="Content Placeholder 12">
+            <a:extLst>
+              <a:ext uri="{FF2B5EF4-FFF2-40B4-BE49-F238E27FC236}">
+                <a16:creationId xmlns:a16="http://schemas.microsoft.com/office/drawing/2014/main" id="{C0287FEC-3826-4868-8D93-52429C6156F5}"/>
+              </a:ext>
+            </a:extLst>
+          </p:cNvPr>
+          <p:cNvSpPr>
+            <a:spLocks noGrp="1"/>
+          </p:cNvSpPr>
+          <p:nvPr>
+            <p:ph sz="quarter" idx="15"/>
+          </p:nvPr>
+        </p:nvSpPr>
+        <p:spPr>
+          <a:xfrm>
+            <a:off x="5262411" y="4508500"/>
+            <a:ext cx="6221412" cy="1563688"/>
+          </a:xfrm>
+        </p:spPr>
+        <p:txBody>
+          <a:bodyPr>
+            <a:normAutofit lnSpcReduction="10000"/>
+          </a:bodyPr>
+          <a:lstStyle/>
+          <a:p>
+            <a:r>
+              <a:rPr lang="en-US" dirty="0"/>
+              <a:t>With PowerPoint, you can create presentations and share your work with others, wherever they are. Type the text you want here to get started. You can also add images, art, and videos on this template. Save to OneDrive and access your presentations from your computer, tablet, or phone. </a:t>
+            </a:r>
+          </a:p>
+        </p:txBody>
+      </p:sp>
+      <p:sp>
+        <p:nvSpPr>
+          <p:cNvPr id="4" name="Date Placeholder 3">
+            <a:extLst>
+              <a:ext uri="{FF2B5EF4-FFF2-40B4-BE49-F238E27FC236}">
+                <a16:creationId xmlns:a16="http://schemas.microsoft.com/office/drawing/2014/main" id="{0C329F70-04F7-4C70-BCF8-D4371F54EF2F}"/>
+              </a:ext>
+            </a:extLst>
+          </p:cNvPr>
+          <p:cNvSpPr>
+            <a:spLocks noGrp="1"/>
+          </p:cNvSpPr>
+          <p:nvPr>
+            <p:ph type="dt" sz="half" idx="10"/>
+          </p:nvPr>
+        </p:nvSpPr>
+        <p:spPr>
+          <a:xfrm>
+            <a:off x="550863" y="6507212"/>
+            <a:ext cx="2628900" cy="153888"/>
+          </a:xfrm>
+        </p:spPr>
+        <p:txBody>
+          <a:bodyPr/>
+          <a:lstStyle/>
+          <a:p>
+            <a:r>
+              <a:rPr lang="en-US"/>
+              <a:t>Tuesday, February 2, 20XX</a:t>
+            </a:r>
+            <a:endParaRPr lang="en-US" dirty="0"/>
+          </a:p>
+        </p:txBody>
+      </p:sp>
+      <p:sp>
+        <p:nvSpPr>
+          <p:cNvPr id="5" name="Footer Placeholder 4">
+            <a:extLst>
+              <a:ext uri="{FF2B5EF4-FFF2-40B4-BE49-F238E27FC236}">
+                <a16:creationId xmlns:a16="http://schemas.microsoft.com/office/drawing/2014/main" id="{06A3302E-502D-4151-81C9-5FD6AF9596D6}"/>
+              </a:ext>
+            </a:extLst>
+          </p:cNvPr>
+          <p:cNvSpPr>
+            <a:spLocks noGrp="1"/>
+          </p:cNvSpPr>
+          <p:nvPr>
+            <p:ph type="ftr" sz="quarter" idx="11"/>
+          </p:nvPr>
+        </p:nvSpPr>
+        <p:spPr>
+          <a:xfrm>
+            <a:off x="3359150" y="6507212"/>
+            <a:ext cx="6379210" cy="153888"/>
+          </a:xfrm>
+        </p:spPr>
+        <p:txBody>
+          <a:bodyPr/>
+          <a:lstStyle/>
+          <a:p>
+            <a:r>
+              <a:rPr lang="en-US"/>
+              <a:t>Sample Footer Text</a:t>
+            </a:r>
+          </a:p>
+        </p:txBody>
+      </p:sp>
+      <p:sp>
+        <p:nvSpPr>
+          <p:cNvPr id="6" name="Slide Number Placeholder 5">
+            <a:extLst>
+              <a:ext uri="{FF2B5EF4-FFF2-40B4-BE49-F238E27FC236}">
+                <a16:creationId xmlns:a16="http://schemas.microsoft.com/office/drawing/2014/main" id="{9ED907F8-C614-4D59-A03F-BF9CD5E35703}"/>
+              </a:ext>
+            </a:extLst>
+          </p:cNvPr>
+          <p:cNvSpPr>
+            <a:spLocks noGrp="1"/>
+          </p:cNvSpPr>
+          <p:nvPr>
+            <p:ph type="sldNum" sz="quarter" idx="12"/>
+          </p:nvPr>
+        </p:nvSpPr>
+        <p:spPr>
+          <a:xfrm>
+            <a:off x="9948863" y="6507212"/>
+            <a:ext cx="1692274" cy="153888"/>
+          </a:xfrm>
+        </p:spPr>
+        <p:txBody>
+          <a:bodyPr/>
+          <a:lstStyle/>
+          <a:p>
+            <a:fld id="{DBA1B0FB-D917-4C8C-928F-313BD683BF39}" type="slidenum">
+              <a:rPr lang="en-US" smtClean="0"/>
+              <a:pPr/>
+              <a:t>21</a:t>
+            </a:fld>
+            <a:endParaRPr lang="en-US"/>
+          </a:p>
+        </p:txBody>
+      </p:sp>
+    </p:spTree>
+    <p:extLst>
+      <p:ext uri="{BB962C8B-B14F-4D97-AF65-F5344CB8AC3E}">
+        <p14:creationId xmlns:p14="http://schemas.microsoft.com/office/powerpoint/2010/main" val="3521561301"/>
+      </p:ext>
+    </p:extLst>
+  </p:cSld>
+  <p:clrMapOvr>
+    <a:masterClrMapping/>
+  </p:clrMapOvr>
+</p:sld>
+</file>
+
+<file path=ppt/slides/slide22.xml><?xml version="1.0" encoding="utf-8"?>
+<p:sld xmlns:a="http://schemas.openxmlformats.org/drawingml/2006/main" xmlns:r="http://schemas.openxmlformats.org/officeDocument/2006/relationships" xmlns:p="http://schemas.openxmlformats.org/presentationml/2006/main">
+  <p:cSld>
+    <p:spTree>
+      <p:nvGrpSpPr>
+        <p:cNvPr id="1" name=""/>
+        <p:cNvGrpSpPr/>
+        <p:nvPr/>
+      </p:nvGrpSpPr>
+      <p:grpSpPr>
+        <a:xfrm>
+          <a:off x="0" y="0"/>
+          <a:ext cx="0" cy="0"/>
+          <a:chOff x="0" y="0"/>
+          <a:chExt cx="0" cy="0"/>
+        </a:xfrm>
+      </p:grpSpPr>
+      <p:sp>
+        <p:nvSpPr>
+          <p:cNvPr id="22" name="Title 21">
+            <a:extLst>
+              <a:ext uri="{FF2B5EF4-FFF2-40B4-BE49-F238E27FC236}">
+                <a16:creationId xmlns:a16="http://schemas.microsoft.com/office/drawing/2014/main" id="{F8FAEED9-1ECD-45F9-87A0-9394BAEABB79}"/>
+              </a:ext>
+            </a:extLst>
+          </p:cNvPr>
+          <p:cNvSpPr>
+            <a:spLocks noGrp="1"/>
+          </p:cNvSpPr>
+          <p:nvPr>
+            <p:ph type="ctrTitle"/>
+          </p:nvPr>
+        </p:nvSpPr>
+        <p:spPr>
+          <a:xfrm>
+            <a:off x="550863" y="549275"/>
+            <a:ext cx="5437187" cy="2986234"/>
+          </a:xfrm>
+        </p:spPr>
+        <p:txBody>
+          <a:bodyPr/>
+          <a:lstStyle/>
+          <a:p>
+            <a:r>
+              <a:rPr lang="en-US" dirty="0"/>
+              <a:t>Thank You</a:t>
+            </a:r>
+          </a:p>
+        </p:txBody>
+      </p:sp>
+      <p:pic>
+        <p:nvPicPr>
+          <p:cNvPr id="27" name="Picture Placeholder 26" descr="Data Points Digital background">
+            <a:extLst>
+              <a:ext uri="{FF2B5EF4-FFF2-40B4-BE49-F238E27FC236}">
+                <a16:creationId xmlns:a16="http://schemas.microsoft.com/office/drawing/2014/main" id="{9E660784-34E2-4CDA-926A-DDD6AAF35046}"/>
+              </a:ext>
+            </a:extLst>
+          </p:cNvPr>
+          <p:cNvPicPr>
+            <a:picLocks noGrp="1" noChangeAspect="1"/>
+          </p:cNvPicPr>
+          <p:nvPr>
+            <p:ph type="pic" sz="quarter" idx="15"/>
+          </p:nvPr>
+        </p:nvPicPr>
+        <p:blipFill rotWithShape="1">
+          <a:blip r:embed="rId2" cstate="screen">
+            <a:extLst>
+              <a:ext uri="{28A0092B-C50C-407E-A947-70E740481C1C}">
+                <a14:useLocalDpi xmlns:a14="http://schemas.microsoft.com/office/drawing/2010/main" val="0"/>
+              </a:ext>
+            </a:extLst>
+          </a:blip>
+          <a:srcRect/>
+          <a:stretch/>
+        </p:blipFill>
+        <p:spPr>
+          <a:xfrm>
+            <a:off x="6556248" y="548640"/>
+            <a:ext cx="5084064" cy="2880360"/>
+          </a:xfrm>
+        </p:spPr>
+      </p:pic>
+      <p:pic>
+        <p:nvPicPr>
+          <p:cNvPr id="33" name="Picture Placeholder 32" descr="Data Points Digital background">
+            <a:extLst>
+              <a:ext uri="{FF2B5EF4-FFF2-40B4-BE49-F238E27FC236}">
+                <a16:creationId xmlns:a16="http://schemas.microsoft.com/office/drawing/2014/main" id="{48106962-23C6-4DFE-BB3A-E5FFF03F38CE}"/>
+              </a:ext>
+            </a:extLst>
+          </p:cNvPr>
+          <p:cNvPicPr>
+            <a:picLocks noGrp="1" noChangeAspect="1"/>
+          </p:cNvPicPr>
+          <p:nvPr>
+            <p:ph type="pic" sz="quarter" idx="16"/>
+          </p:nvPr>
+        </p:nvPicPr>
+        <p:blipFill rotWithShape="1">
+          <a:blip r:embed="rId3" cstate="screen">
+            <a:extLst>
+              <a:ext uri="{28A0092B-C50C-407E-A947-70E740481C1C}">
+                <a14:useLocalDpi xmlns:a14="http://schemas.microsoft.com/office/drawing/2010/main" val="0"/>
+              </a:ext>
+            </a:extLst>
+          </a:blip>
+          <a:srcRect/>
+          <a:stretch/>
+        </p:blipFill>
+        <p:spPr>
+          <a:xfrm>
+            <a:off x="6556248" y="3429000"/>
+            <a:ext cx="5084064" cy="2880360"/>
+          </a:xfrm>
+        </p:spPr>
+      </p:pic>
+      <p:sp>
+        <p:nvSpPr>
+          <p:cNvPr id="6" name="Slide Number Placeholder 5">
+            <a:extLst>
+              <a:ext uri="{FF2B5EF4-FFF2-40B4-BE49-F238E27FC236}">
+                <a16:creationId xmlns:a16="http://schemas.microsoft.com/office/drawing/2014/main" id="{36E60F23-FB58-4EF8-82FD-E86CED25FDD4}"/>
+              </a:ext>
+            </a:extLst>
+          </p:cNvPr>
+          <p:cNvSpPr>
+            <a:spLocks noGrp="1"/>
+          </p:cNvSpPr>
+          <p:nvPr>
+            <p:ph type="sldNum" sz="quarter" idx="12"/>
+          </p:nvPr>
+        </p:nvSpPr>
+        <p:spPr>
+          <a:xfrm>
+            <a:off x="9948863" y="6507212"/>
+            <a:ext cx="1692274" cy="153888"/>
+          </a:xfrm>
+        </p:spPr>
+        <p:txBody>
+          <a:bodyPr/>
+          <a:lstStyle/>
+          <a:p>
+            <a:fld id="{DBA1B0FB-D917-4C8C-928F-313BD683BF39}" type="slidenum">
+              <a:rPr lang="en-US" smtClean="0"/>
+              <a:pPr/>
+              <a:t>22</a:t>
+            </a:fld>
+            <a:endParaRPr lang="en-US"/>
+          </a:p>
+        </p:txBody>
+      </p:sp>
+    </p:spTree>
+    <p:extLst>
+      <p:ext uri="{BB962C8B-B14F-4D97-AF65-F5344CB8AC3E}">
+        <p14:creationId xmlns:p14="http://schemas.microsoft.com/office/powerpoint/2010/main" val="3247798845"/>
+      </p:ext>
+    </p:extLst>
+  </p:cSld>
+  <p:clrMapOvr>
+    <a:masterClrMapping/>
+  </p:clrMapOvr>
+</p:sld>
+</file>
+
 <file path=ppt/slides/slide3.xml><?xml version="1.0" encoding="utf-8"?>
 <p:sld xmlns:a="http://schemas.openxmlformats.org/drawingml/2006/main" xmlns:r="http://schemas.openxmlformats.org/officeDocument/2006/relationships" xmlns:p="http://schemas.openxmlformats.org/presentationml/2006/main">
   <p:cSld>
@@ -26534,23 +29515,7 @@
                   <a:srgbClr val="FFFFFF"/>
                 </a:solidFill>
               </a:rPr>
-              <a:t>Azure </a:t>
-            </a:r>
-            <a:r>
-              <a:rPr lang="en-US" dirty="0" err="1">
-                <a:solidFill>
-                  <a:srgbClr val="FFFFFF"/>
-                </a:solidFill>
-              </a:rPr>
-              <a:t>Devops</a:t>
-            </a:r>
-            <a:r>
-              <a:rPr lang="en-US" dirty="0">
-                <a:solidFill>
-                  <a:srgbClr val="FFFFFF"/>
-                </a:solidFill>
-              </a:rPr>
-              <a:t>:</a:t>
+              <a:t>Azure DevOps:</a:t>
             </a:r>
           </a:p>
           <a:p>
@@ -30045,6 +33010,15 @@
 </file>
 
 <file path=customXml/item1.xml><?xml version="1.0" encoding="utf-8"?>
+<?mso-contentType ?>
+<FormTemplates xmlns="http://schemas.microsoft.com/sharepoint/v3/contenttype/forms">
+  <Display>DocumentLibraryForm</Display>
+  <Edit>DocumentLibraryForm</Edit>
+  <New>DocumentLibraryForm</New>
+</FormTemplates>
+</file>
+
+<file path=customXml/item2.xml><?xml version="1.0" encoding="utf-8"?>
 <p:properties xmlns:p="http://schemas.microsoft.com/office/2006/metadata/properties" xmlns:xsi="http://www.w3.org/2001/XMLSchema-instance" xmlns:pc="http://schemas.microsoft.com/office/infopath/2007/PartnerControls">
   <documentManagement>
     <_ip_UnifiedCompliancePolicyUIAction xmlns="http://schemas.microsoft.com/sharepoint/v3" xsi:nil="true"/>
@@ -30061,15 +33035,6 @@
     <MediaServiceKeyPoints xmlns="71af3243-3dd4-4a8d-8c0d-dd76da1f02a5" xsi:nil="true"/>
   </documentManagement>
 </p:properties>
-</file>
-
-<file path=customXml/item2.xml><?xml version="1.0" encoding="utf-8"?>
-<?mso-contentType ?>
-<FormTemplates xmlns="http://schemas.microsoft.com/sharepoint/v3/contenttype/forms">
-  <Display>DocumentLibraryForm</Display>
-  <Edit>DocumentLibraryForm</Edit>
-  <New>DocumentLibraryForm</New>
-</FormTemplates>
 </file>
 
 <file path=customXml/item3.xml><?xml version="1.0" encoding="utf-8"?>
@@ -30349,6 +33314,14 @@
 </file>
 
 <file path=customXml/itemProps1.xml><?xml version="1.0" encoding="utf-8"?>
+<ds:datastoreItem xmlns:ds="http://schemas.openxmlformats.org/officeDocument/2006/customXml" ds:itemID="{904751AB-E840-446F-8D49-E697067EC887}">
+  <ds:schemaRefs>
+    <ds:schemaRef ds:uri="http://schemas.microsoft.com/sharepoint/v3/contenttype/forms"/>
+  </ds:schemaRefs>
+</ds:datastoreItem>
+</file>
+
+<file path=customXml/itemProps2.xml><?xml version="1.0" encoding="utf-8"?>
 <ds:datastoreItem xmlns:ds="http://schemas.openxmlformats.org/officeDocument/2006/customXml" ds:itemID="{50811A92-D464-4AC4-A396-BA73B10CEEAC}">
   <ds:schemaRefs>
     <ds:schemaRef ds:uri="http://schemas.microsoft.com/office/2006/metadata/properties"/>
@@ -30356,14 +33329,6 @@
     <ds:schemaRef ds:uri="http://schemas.microsoft.com/sharepoint/v3"/>
     <ds:schemaRef ds:uri="71af3243-3dd4-4a8d-8c0d-dd76da1f02a5"/>
     <ds:schemaRef ds:uri="230e9df3-be65-4c73-a93b-d1236ebd677e"/>
-  </ds:schemaRefs>
-</ds:datastoreItem>
-</file>
-
-<file path=customXml/itemProps2.xml><?xml version="1.0" encoding="utf-8"?>
-<ds:datastoreItem xmlns:ds="http://schemas.openxmlformats.org/officeDocument/2006/customXml" ds:itemID="{904751AB-E840-446F-8D49-E697067EC887}">
-  <ds:schemaRefs>
-    <ds:schemaRef ds:uri="http://schemas.microsoft.com/sharepoint/v3/contenttype/forms"/>
   </ds:schemaRefs>
 </ds:datastoreItem>
 </file>
